--- a/Wzorce Projektowe.pptx
+++ b/Wzorce Projektowe.pptx
@@ -12,6 +12,10 @@
     <p:sldId id="260" r:id="rId6"/>
     <p:sldId id="261" r:id="rId7"/>
     <p:sldId id="262" r:id="rId8"/>
+    <p:sldId id="265" r:id="rId9"/>
+    <p:sldId id="266" r:id="rId10"/>
+    <p:sldId id="263" r:id="rId11"/>
+    <p:sldId id="264" r:id="rId12"/>
   </p:sldIdLst>
   <p:sldSz cx="12192000" cy="6858000"/>
   <p:notesSz cx="6858000" cy="9144000"/>
@@ -852,7 +856,7 @@
             <a:fld id="{B61BEF0D-F0BB-DE4B-95CE-6DB70DBA9567}" type="datetimeFigureOut">
               <a:rPr lang="en-US" dirty="0"/>
               <a:pPr/>
-              <a:t>1/21/2018</a:t>
+              <a:t>1/22/2018</a:t>
             </a:fld>
             <a:endParaRPr lang="en-US" dirty="0"/>
           </a:p>
@@ -1100,7 +1104,7 @@
             <a:fld id="{B61BEF0D-F0BB-DE4B-95CE-6DB70DBA9567}" type="datetimeFigureOut">
               <a:rPr lang="en-US" dirty="0"/>
               <a:pPr/>
-              <a:t>1/21/2018</a:t>
+              <a:t>1/22/2018</a:t>
             </a:fld>
             <a:endParaRPr lang="en-US" dirty="0"/>
           </a:p>
@@ -1411,7 +1415,7 @@
             <a:fld id="{B61BEF0D-F0BB-DE4B-95CE-6DB70DBA9567}" type="datetimeFigureOut">
               <a:rPr lang="en-US" dirty="0"/>
               <a:pPr/>
-              <a:t>1/21/2018</a:t>
+              <a:t>1/22/2018</a:t>
             </a:fld>
             <a:endParaRPr lang="en-US" dirty="0"/>
           </a:p>
@@ -1749,7 +1753,7 @@
             <a:fld id="{B61BEF0D-F0BB-DE4B-95CE-6DB70DBA9567}" type="datetimeFigureOut">
               <a:rPr lang="en-US" dirty="0"/>
               <a:pPr/>
-              <a:t>1/21/2018</a:t>
+              <a:t>1/22/2018</a:t>
             </a:fld>
             <a:endParaRPr lang="en-US" dirty="0"/>
           </a:p>
@@ -2060,7 +2064,7 @@
             <a:fld id="{B61BEF0D-F0BB-DE4B-95CE-6DB70DBA9567}" type="datetimeFigureOut">
               <a:rPr lang="en-US" dirty="0"/>
               <a:pPr/>
-              <a:t>1/21/2018</a:t>
+              <a:t>1/22/2018</a:t>
             </a:fld>
             <a:endParaRPr lang="en-US" dirty="0"/>
           </a:p>
@@ -2450,7 +2454,7 @@
             <a:fld id="{B61BEF0D-F0BB-DE4B-95CE-6DB70DBA9567}" type="datetimeFigureOut">
               <a:rPr lang="en-US" dirty="0"/>
               <a:pPr/>
-              <a:t>1/21/2018</a:t>
+              <a:t>1/22/2018</a:t>
             </a:fld>
             <a:endParaRPr lang="en-US" dirty="0"/>
           </a:p>
@@ -2616,7 +2620,7 @@
           <a:p>
             <a:fld id="{55C6B4A9-1611-4792-9094-5F34BCA07E0B}" type="datetimeFigureOut">
               <a:rPr lang="en-US" dirty="0"/>
-              <a:t>1/21/2018</a:t>
+              <a:t>1/22/2018</a:t>
             </a:fld>
             <a:endParaRPr lang="en-US" dirty="0"/>
           </a:p>
@@ -2792,7 +2796,7 @@
             <a:fld id="{B61BEF0D-F0BB-DE4B-95CE-6DB70DBA9567}" type="datetimeFigureOut">
               <a:rPr lang="en-US" dirty="0"/>
               <a:pPr/>
-              <a:t>1/21/2018</a:t>
+              <a:t>1/22/2018</a:t>
             </a:fld>
             <a:endParaRPr lang="en-US" dirty="0"/>
           </a:p>
@@ -2965,7 +2969,7 @@
             <a:fld id="{B61BEF0D-F0BB-DE4B-95CE-6DB70DBA9567}" type="datetimeFigureOut">
               <a:rPr lang="en-US" dirty="0"/>
               <a:pPr/>
-              <a:t>1/21/2018</a:t>
+              <a:t>1/22/2018</a:t>
             </a:fld>
             <a:endParaRPr lang="en-US" dirty="0"/>
           </a:p>
@@ -3209,7 +3213,7 @@
             <a:fld id="{B61BEF0D-F0BB-DE4B-95CE-6DB70DBA9567}" type="datetimeFigureOut">
               <a:rPr lang="en-US" dirty="0"/>
               <a:pPr/>
-              <a:t>1/21/2018</a:t>
+              <a:t>1/22/2018</a:t>
             </a:fld>
             <a:endParaRPr lang="en-US" dirty="0"/>
           </a:p>
@@ -3437,7 +3441,7 @@
           <a:p>
             <a:fld id="{EB712588-04B1-427B-82EE-E8DB90309F08}" type="datetimeFigureOut">
               <a:rPr lang="en-US" dirty="0"/>
-              <a:t>1/21/2018</a:t>
+              <a:t>1/22/2018</a:t>
             </a:fld>
             <a:endParaRPr lang="en-US" dirty="0"/>
           </a:p>
@@ -3807,7 +3811,7 @@
             <a:fld id="{B61BEF0D-F0BB-DE4B-95CE-6DB70DBA9567}" type="datetimeFigureOut">
               <a:rPr lang="en-US" dirty="0"/>
               <a:pPr/>
-              <a:t>1/21/2018</a:t>
+              <a:t>1/22/2018</a:t>
             </a:fld>
             <a:endParaRPr lang="en-US" dirty="0"/>
           </a:p>
@@ -3927,7 +3931,7 @@
             <a:fld id="{B61BEF0D-F0BB-DE4B-95CE-6DB70DBA9567}" type="datetimeFigureOut">
               <a:rPr lang="en-US" dirty="0"/>
               <a:pPr/>
-              <a:t>1/21/2018</a:t>
+              <a:t>1/22/2018</a:t>
             </a:fld>
             <a:endParaRPr lang="en-US" dirty="0"/>
           </a:p>
@@ -4019,7 +4023,7 @@
             <a:fld id="{B61BEF0D-F0BB-DE4B-95CE-6DB70DBA9567}" type="datetimeFigureOut">
               <a:rPr lang="en-US" dirty="0"/>
               <a:pPr/>
-              <a:t>1/21/2018</a:t>
+              <a:t>1/22/2018</a:t>
             </a:fld>
             <a:endParaRPr lang="en-US" dirty="0"/>
           </a:p>
@@ -4270,7 +4274,7 @@
           <a:p>
             <a:fld id="{42A54C80-263E-416B-A8E0-580EDEADCBDC}" type="datetimeFigureOut">
               <a:rPr lang="en-US" dirty="0"/>
-              <a:t>1/21/2018</a:t>
+              <a:t>1/22/2018</a:t>
             </a:fld>
             <a:endParaRPr lang="en-US" dirty="0"/>
           </a:p>
@@ -4529,7 +4533,7 @@
             <a:fld id="{B61BEF0D-F0BB-DE4B-95CE-6DB70DBA9567}" type="datetimeFigureOut">
               <a:rPr lang="en-US" dirty="0"/>
               <a:pPr/>
-              <a:t>1/21/2018</a:t>
+              <a:t>1/22/2018</a:t>
             </a:fld>
             <a:endParaRPr lang="en-US" dirty="0"/>
           </a:p>
@@ -5269,7 +5273,7 @@
             <a:fld id="{B61BEF0D-F0BB-DE4B-95CE-6DB70DBA9567}" type="datetimeFigureOut">
               <a:rPr lang="en-US" dirty="0"/>
               <a:pPr/>
-              <a:t>1/21/2018</a:t>
+              <a:t>1/22/2018</a:t>
             </a:fld>
             <a:endParaRPr lang="en-US" dirty="0"/>
           </a:p>
@@ -5848,6 +5852,213 @@
 </p:sld>
 </file>
 
+<file path=ppt/slides/slide10.xml><?xml version="1.0" encoding="utf-8"?>
+<p:sld xmlns:a="http://schemas.openxmlformats.org/drawingml/2006/main" xmlns:r="http://schemas.openxmlformats.org/officeDocument/2006/relationships" xmlns:p="http://schemas.openxmlformats.org/presentationml/2006/main">
+  <p:cSld>
+    <p:spTree>
+      <p:nvGrpSpPr>
+        <p:cNvPr id="1" name=""/>
+        <p:cNvGrpSpPr/>
+        <p:nvPr/>
+      </p:nvGrpSpPr>
+      <p:grpSpPr>
+        <a:xfrm>
+          <a:off x="0" y="0"/>
+          <a:ext cx="0" cy="0"/>
+          <a:chOff x="0" y="0"/>
+          <a:chExt cx="0" cy="0"/>
+        </a:xfrm>
+      </p:grpSpPr>
+      <p:sp>
+        <p:nvSpPr>
+          <p:cNvPr id="2" name="Tytuł 1"/>
+          <p:cNvSpPr>
+            <a:spLocks noGrp="1"/>
+          </p:cNvSpPr>
+          <p:nvPr>
+            <p:ph type="title"/>
+          </p:nvPr>
+        </p:nvSpPr>
+        <p:spPr/>
+        <p:txBody>
+          <a:bodyPr/>
+          <a:lstStyle/>
+          <a:p>
+            <a:r>
+              <a:rPr lang="pl-PL" dirty="0"/>
+              <a:t>Wzorce projektowe ### – </a:t>
+            </a:r>
+            <a:r>
+              <a:rPr lang="pl-PL" dirty="0" err="1"/>
+              <a:t>Abstract</a:t>
+            </a:r>
+            <a:r>
+              <a:rPr lang="pl-PL" dirty="0"/>
+              <a:t> </a:t>
+            </a:r>
+            <a:r>
+              <a:rPr lang="pl-PL" dirty="0" err="1"/>
+              <a:t>Factory</a:t>
+            </a:r>
+            <a:endParaRPr lang="pl-PL" dirty="0"/>
+          </a:p>
+        </p:txBody>
+      </p:sp>
+      <p:sp>
+        <p:nvSpPr>
+          <p:cNvPr id="3" name="Symbol zastępczy zawartości 2"/>
+          <p:cNvSpPr>
+            <a:spLocks noGrp="1"/>
+          </p:cNvSpPr>
+          <p:nvPr>
+            <p:ph idx="1"/>
+          </p:nvPr>
+        </p:nvSpPr>
+        <p:spPr/>
+        <p:txBody>
+          <a:bodyPr/>
+          <a:lstStyle/>
+          <a:p>
+            <a:pPr marL="0" indent="0">
+              <a:buNone/>
+            </a:pPr>
+            <a:endParaRPr lang="pl-PL" dirty="0"/>
+          </a:p>
+        </p:txBody>
+      </p:sp>
+    </p:spTree>
+    <p:extLst>
+      <p:ext uri="{BB962C8B-B14F-4D97-AF65-F5344CB8AC3E}">
+        <p14:creationId xmlns:p14="http://schemas.microsoft.com/office/powerpoint/2010/main" val="2515225758"/>
+      </p:ext>
+    </p:extLst>
+  </p:cSld>
+  <p:clrMapOvr>
+    <a:masterClrMapping/>
+  </p:clrMapOvr>
+</p:sld>
+</file>
+
+<file path=ppt/slides/slide11.xml><?xml version="1.0" encoding="utf-8"?>
+<p:sld xmlns:a="http://schemas.openxmlformats.org/drawingml/2006/main" xmlns:r="http://schemas.openxmlformats.org/officeDocument/2006/relationships" xmlns:p="http://schemas.openxmlformats.org/presentationml/2006/main">
+  <p:cSld>
+    <p:spTree>
+      <p:nvGrpSpPr>
+        <p:cNvPr id="1" name=""/>
+        <p:cNvGrpSpPr/>
+        <p:nvPr/>
+      </p:nvGrpSpPr>
+      <p:grpSpPr>
+        <a:xfrm>
+          <a:off x="0" y="0"/>
+          <a:ext cx="0" cy="0"/>
+          <a:chOff x="0" y="0"/>
+          <a:chExt cx="0" cy="0"/>
+        </a:xfrm>
+      </p:grpSpPr>
+      <p:sp>
+        <p:nvSpPr>
+          <p:cNvPr id="2" name="Tytuł 1"/>
+          <p:cNvSpPr>
+            <a:spLocks noGrp="1"/>
+          </p:cNvSpPr>
+          <p:nvPr>
+            <p:ph type="title"/>
+          </p:nvPr>
+        </p:nvSpPr>
+        <p:spPr/>
+        <p:txBody>
+          <a:bodyPr/>
+          <a:lstStyle/>
+          <a:p>
+            <a:r>
+              <a:rPr lang="pl-PL" dirty="0"/>
+              <a:t>Wzorce projektowe </a:t>
+            </a:r>
+            <a:r>
+              <a:rPr lang="pl-PL" dirty="0" smtClean="0"/>
+              <a:t>### </a:t>
+            </a:r>
+            <a:r>
+              <a:rPr lang="pl-PL" dirty="0"/>
+              <a:t>– </a:t>
+            </a:r>
+            <a:r>
+              <a:rPr lang="pl-PL" dirty="0" err="1" smtClean="0"/>
+              <a:t>Abstract</a:t>
+            </a:r>
+            <a:r>
+              <a:rPr lang="pl-PL" dirty="0" smtClean="0"/>
+              <a:t> </a:t>
+            </a:r>
+            <a:r>
+              <a:rPr lang="pl-PL" dirty="0" err="1" smtClean="0"/>
+              <a:t>Factory</a:t>
+            </a:r>
+            <a:r>
+              <a:rPr lang="pl-PL" dirty="0" smtClean="0"/>
+              <a:t> (przykład)</a:t>
+            </a:r>
+            <a:endParaRPr lang="pl-PL" dirty="0"/>
+          </a:p>
+        </p:txBody>
+      </p:sp>
+      <p:pic>
+        <p:nvPicPr>
+          <p:cNvPr id="1026" name="Picture 2" descr="http://www.dofactory.com/images/diagrams/net/abstract.gif"/>
+          <p:cNvPicPr>
+            <a:picLocks noGrp="1" noChangeAspect="1" noChangeArrowheads="1"/>
+          </p:cNvPicPr>
+          <p:nvPr>
+            <p:ph idx="1"/>
+          </p:nvPr>
+        </p:nvPicPr>
+        <p:blipFill>
+          <a:blip r:embed="rId2">
+            <a:extLst>
+              <a:ext uri="{28A0092B-C50C-407E-A947-70E740481C1C}">
+                <a14:useLocalDpi xmlns:a14="http://schemas.microsoft.com/office/drawing/2010/main" val="0"/>
+              </a:ext>
+            </a:extLst>
+          </a:blip>
+          <a:srcRect/>
+          <a:stretch>
+            <a:fillRect/>
+          </a:stretch>
+        </p:blipFill>
+        <p:spPr bwMode="auto">
+          <a:xfrm>
+            <a:off x="3175395" y="2160588"/>
+            <a:ext cx="3601248" cy="3881437"/>
+          </a:xfrm>
+          <a:prstGeom prst="rect">
+            <a:avLst/>
+          </a:prstGeom>
+          <a:noFill/>
+          <a:extLst>
+            <a:ext uri="{909E8E84-426E-40DD-AFC4-6F175D3DCCD1}">
+              <a14:hiddenFill xmlns:a14="http://schemas.microsoft.com/office/drawing/2010/main">
+                <a:solidFill>
+                  <a:srgbClr val="FFFFFF"/>
+                </a:solidFill>
+              </a14:hiddenFill>
+            </a:ext>
+          </a:extLst>
+        </p:spPr>
+      </p:pic>
+    </p:spTree>
+    <p:extLst>
+      <p:ext uri="{BB962C8B-B14F-4D97-AF65-F5344CB8AC3E}">
+        <p14:creationId xmlns:p14="http://schemas.microsoft.com/office/powerpoint/2010/main" val="4206477099"/>
+      </p:ext>
+    </p:extLst>
+  </p:cSld>
+  <p:clrMapOvr>
+    <a:masterClrMapping/>
+  </p:clrMapOvr>
+</p:sld>
+</file>
+
 <file path=ppt/slides/slide2.xml><?xml version="1.0" encoding="utf-8"?>
 <p:sld xmlns:a="http://schemas.openxmlformats.org/drawingml/2006/main" xmlns:r="http://schemas.openxmlformats.org/officeDocument/2006/relationships" xmlns:p="http://schemas.openxmlformats.org/presentationml/2006/main">
   <p:cSld>
@@ -6778,7 +6989,7 @@
               <a:t> </a:t>
             </a:r>
             <a:r>
-              <a:rPr lang="en-US" sz="900" dirty="0" err="1">
+              <a:rPr lang="en-US" sz="900" dirty="0" err="1" smtClean="0">
                 <a:solidFill>
                   <a:srgbClr val="0000FF"/>
                 </a:solidFill>
@@ -6790,7 +7001,7 @@
               <a:t>readonly</a:t>
             </a:r>
             <a:r>
-              <a:rPr lang="en-US" sz="900" dirty="0">
+              <a:rPr lang="en-US" sz="900" dirty="0" smtClean="0">
                 <a:solidFill>
                   <a:srgbClr val="000000"/>
                 </a:solidFill>
@@ -6802,7 +7013,7 @@
               <a:t> </a:t>
             </a:r>
             <a:r>
-              <a:rPr lang="en-US" sz="900" dirty="0">
+              <a:rPr lang="en-US" sz="900" dirty="0" smtClean="0">
                 <a:solidFill>
                   <a:srgbClr val="0000FF"/>
                 </a:solidFill>
@@ -6814,7 +7025,7 @@
               <a:t>object</a:t>
             </a:r>
             <a:r>
-              <a:rPr lang="en-US" sz="900" dirty="0">
+              <a:rPr lang="en-US" sz="900" dirty="0" smtClean="0">
                 <a:solidFill>
                   <a:srgbClr val="000000"/>
                 </a:solidFill>
@@ -8153,11 +8364,15 @@
             </a:r>
             <a:r>
               <a:rPr lang="pl-PL" dirty="0" err="1" smtClean="0"/>
-              <a:t>builder</a:t>
+              <a:t>Fluent</a:t>
             </a:r>
             <a:r>
               <a:rPr lang="pl-PL" dirty="0" smtClean="0"/>
-              <a:t> służy do zarządzania kodem, aby wyglądał on ładniej i był czytelniejszy. Wyobraźmy sobie klasę z 15 parametrami opcjonalnymi. Aby ustawić dowolne parametry takiej klasy musimy utworzyć osobne </a:t>
+              <a:t> Builder </a:t>
+            </a:r>
+            <a:r>
+              <a:rPr lang="pl-PL" dirty="0" smtClean="0"/>
+              <a:t>służy do zarządzania kodem, aby wyglądał on ładniej i był czytelniejszy. Wyobraźmy sobie klasę z 15 parametrami opcjonalnymi. Aby ustawić dowolne parametry takiej klasy musimy utworzyć osobne </a:t>
             </a:r>
             <a:r>
               <a:rPr lang="pl-PL" dirty="0" err="1" smtClean="0"/>
@@ -8399,12 +8614,12 @@
               <a:t>Budowniczy to wzorzec obiektowy. Jego celem jest rozdzielenie tworzenia obiektów od ich reprezentacji. Budowniczy zazwyczaj stosowany jest do konstrukcji obiektów złożonych z innych obiektów, których inicjalizacja i konfiguracja jest </a:t>
             </a:r>
             <a:r>
-              <a:rPr lang="pl-PL" dirty="0" err="1"/>
-              <a:t>wieloetopowa</a:t>
+              <a:rPr lang="pl-PL" dirty="0" smtClean="0"/>
+              <a:t>wieloetapowa. </a:t>
             </a:r>
             <a:r>
               <a:rPr lang="pl-PL" dirty="0"/>
-              <a:t>. Klient (programista korzystający z wzorca) dostaje obiekt stworzony przez budowniczego, gdy jest już gotowy i </a:t>
+              <a:t>Klient (programista korzystający z wzorca) dostaje obiekt stworzony przez budowniczego, gdy jest już gotowy i </a:t>
             </a:r>
             <a:r>
               <a:rPr lang="pl-PL" dirty="0" smtClean="0"/>
@@ -8511,6 +8726,227 @@
     <p:extLst>
       <p:ext uri="{BB962C8B-B14F-4D97-AF65-F5344CB8AC3E}">
         <p14:creationId xmlns:p14="http://schemas.microsoft.com/office/powerpoint/2010/main" val="731813105"/>
+      </p:ext>
+    </p:extLst>
+  </p:cSld>
+  <p:clrMapOvr>
+    <a:masterClrMapping/>
+  </p:clrMapOvr>
+</p:sld>
+</file>
+
+<file path=ppt/slides/slide8.xml><?xml version="1.0" encoding="utf-8"?>
+<p:sld xmlns:a="http://schemas.openxmlformats.org/drawingml/2006/main" xmlns:r="http://schemas.openxmlformats.org/officeDocument/2006/relationships" xmlns:p="http://schemas.openxmlformats.org/presentationml/2006/main">
+  <p:cSld>
+    <p:spTree>
+      <p:nvGrpSpPr>
+        <p:cNvPr id="1" name=""/>
+        <p:cNvGrpSpPr/>
+        <p:nvPr/>
+      </p:nvGrpSpPr>
+      <p:grpSpPr>
+        <a:xfrm>
+          <a:off x="0" y="0"/>
+          <a:ext cx="0" cy="0"/>
+          <a:chOff x="0" y="0"/>
+          <a:chExt cx="0" cy="0"/>
+        </a:xfrm>
+      </p:grpSpPr>
+      <p:sp>
+        <p:nvSpPr>
+          <p:cNvPr id="2" name="Tytuł 1"/>
+          <p:cNvSpPr>
+            <a:spLocks noGrp="1"/>
+          </p:cNvSpPr>
+          <p:nvPr>
+            <p:ph type="title"/>
+          </p:nvPr>
+        </p:nvSpPr>
+        <p:spPr/>
+        <p:txBody>
+          <a:bodyPr/>
+          <a:lstStyle/>
+          <a:p>
+            <a:r>
+              <a:rPr lang="pl-PL" dirty="0"/>
+              <a:t>Wzorce projektowe #</a:t>
+            </a:r>
+            <a:r>
+              <a:rPr lang="pl-PL" dirty="0" smtClean="0"/>
+              <a:t>04 </a:t>
+            </a:r>
+            <a:r>
+              <a:rPr lang="pl-PL" dirty="0"/>
+              <a:t>– </a:t>
+            </a:r>
+            <a:r>
+              <a:rPr lang="pl-PL" dirty="0" smtClean="0"/>
+              <a:t>Adapter</a:t>
+            </a:r>
+            <a:endParaRPr lang="pl-PL" dirty="0"/>
+          </a:p>
+        </p:txBody>
+      </p:sp>
+      <p:sp>
+        <p:nvSpPr>
+          <p:cNvPr id="3" name="Symbol zastępczy zawartości 2"/>
+          <p:cNvSpPr>
+            <a:spLocks noGrp="1"/>
+          </p:cNvSpPr>
+          <p:nvPr>
+            <p:ph idx="1"/>
+          </p:nvPr>
+        </p:nvSpPr>
+        <p:spPr/>
+        <p:txBody>
+          <a:bodyPr/>
+          <a:lstStyle/>
+          <a:p>
+            <a:pPr marL="0" indent="0">
+              <a:buNone/>
+            </a:pPr>
+            <a:r>
+              <a:rPr lang="pl-PL" dirty="0"/>
+              <a:t>S</a:t>
+            </a:r>
+            <a:r>
+              <a:rPr lang="pl-PL" dirty="0" smtClean="0"/>
+              <a:t>trukturalny </a:t>
+            </a:r>
+            <a:r>
+              <a:rPr lang="pl-PL" dirty="0"/>
+              <a:t>wzorzec projektowy, którego celem jest umożliwienie współpracy dwóm klasom o niekompatybilnych interfejsach. Adapter przekształca interfejs jednej z klas na interfejs drugiej </a:t>
+            </a:r>
+            <a:r>
+              <a:rPr lang="pl-PL" dirty="0" smtClean="0"/>
+              <a:t>klasy. </a:t>
+            </a:r>
+            <a:r>
+              <a:rPr lang="pl-PL" dirty="0"/>
+              <a:t>Innym zadaniem omawianego wzorca jest opakowanie istniejącego interfejsu w </a:t>
+            </a:r>
+            <a:r>
+              <a:rPr lang="pl-PL" dirty="0" smtClean="0"/>
+              <a:t>nowy.</a:t>
+            </a:r>
+          </a:p>
+          <a:p>
+            <a:pPr marL="0" indent="0">
+              <a:buNone/>
+            </a:pPr>
+            <a:r>
+              <a:rPr lang="pl-PL" dirty="0" smtClean="0"/>
+              <a:t>Wyobraźmy sobie myszkę komputerową która ma końcówkę na PS2. We współczesnych komputerach nie istnieją już tego typu wejścia. Dlatego aby użyć takiej myszki musimy zastosować adapter PS2-&gt;USB.</a:t>
+            </a:r>
+            <a:endParaRPr lang="pl-PL" dirty="0"/>
+          </a:p>
+        </p:txBody>
+      </p:sp>
+    </p:spTree>
+    <p:extLst>
+      <p:ext uri="{BB962C8B-B14F-4D97-AF65-F5344CB8AC3E}">
+        <p14:creationId xmlns:p14="http://schemas.microsoft.com/office/powerpoint/2010/main" val="3313534640"/>
+      </p:ext>
+    </p:extLst>
+  </p:cSld>
+  <p:clrMapOvr>
+    <a:masterClrMapping/>
+  </p:clrMapOvr>
+</p:sld>
+</file>
+
+<file path=ppt/slides/slide9.xml><?xml version="1.0" encoding="utf-8"?>
+<p:sld xmlns:a="http://schemas.openxmlformats.org/drawingml/2006/main" xmlns:r="http://schemas.openxmlformats.org/officeDocument/2006/relationships" xmlns:p="http://schemas.openxmlformats.org/presentationml/2006/main">
+  <p:cSld>
+    <p:spTree>
+      <p:nvGrpSpPr>
+        <p:cNvPr id="1" name=""/>
+        <p:cNvGrpSpPr/>
+        <p:nvPr/>
+      </p:nvGrpSpPr>
+      <p:grpSpPr>
+        <a:xfrm>
+          <a:off x="0" y="0"/>
+          <a:ext cx="0" cy="0"/>
+          <a:chOff x="0" y="0"/>
+          <a:chExt cx="0" cy="0"/>
+        </a:xfrm>
+      </p:grpSpPr>
+      <p:sp>
+        <p:nvSpPr>
+          <p:cNvPr id="2" name="Tytuł 1"/>
+          <p:cNvSpPr>
+            <a:spLocks noGrp="1"/>
+          </p:cNvSpPr>
+          <p:nvPr>
+            <p:ph type="title"/>
+          </p:nvPr>
+        </p:nvSpPr>
+        <p:spPr/>
+        <p:txBody>
+          <a:bodyPr/>
+          <a:lstStyle/>
+          <a:p>
+            <a:r>
+              <a:rPr lang="pl-PL" dirty="0"/>
+              <a:t>Wzorce projektowe #04 – </a:t>
+            </a:r>
+            <a:r>
+              <a:rPr lang="pl-PL" dirty="0" smtClean="0"/>
+              <a:t>Adapter (przykład)</a:t>
+            </a:r>
+            <a:endParaRPr lang="pl-PL" b="1" dirty="0"/>
+          </a:p>
+        </p:txBody>
+      </p:sp>
+      <p:sp>
+        <p:nvSpPr>
+          <p:cNvPr id="3" name="Symbol zastępczy zawartości 2"/>
+          <p:cNvSpPr>
+            <a:spLocks noGrp="1"/>
+          </p:cNvSpPr>
+          <p:nvPr>
+            <p:ph idx="1"/>
+          </p:nvPr>
+        </p:nvSpPr>
+        <p:spPr/>
+        <p:txBody>
+          <a:bodyPr/>
+          <a:lstStyle/>
+          <a:p>
+            <a:pPr marL="0" indent="0">
+              <a:buNone/>
+            </a:pPr>
+            <a:r>
+              <a:rPr lang="pl-PL" dirty="0"/>
+              <a:t>Przykład </a:t>
+            </a:r>
+            <a:r>
+              <a:rPr lang="pl-PL" b="1" dirty="0" smtClean="0"/>
+              <a:t>(</a:t>
+            </a:r>
+            <a:r>
+              <a:rPr lang="pl-PL" dirty="0"/>
+              <a:t>Adapter</a:t>
+            </a:r>
+            <a:r>
+              <a:rPr lang="pl-PL" b="1" dirty="0" smtClean="0"/>
+              <a:t>)</a:t>
+            </a:r>
+            <a:endParaRPr lang="pl-PL" b="1" dirty="0"/>
+          </a:p>
+          <a:p>
+            <a:pPr marL="0" indent="0">
+              <a:buNone/>
+            </a:pPr>
+            <a:endParaRPr lang="pl-PL" dirty="0"/>
+          </a:p>
+        </p:txBody>
+      </p:sp>
+    </p:spTree>
+    <p:extLst>
+      <p:ext uri="{BB962C8B-B14F-4D97-AF65-F5344CB8AC3E}">
+        <p14:creationId xmlns:p14="http://schemas.microsoft.com/office/powerpoint/2010/main" val="3654404987"/>
       </p:ext>
     </p:extLst>
   </p:cSld>

--- a/Wzorce Projektowe.pptx
+++ b/Wzorce Projektowe.pptx
@@ -6,16 +6,23 @@
   </p:sldMasterIdLst>
   <p:sldIdLst>
     <p:sldId id="256" r:id="rId2"/>
-    <p:sldId id="257" r:id="rId3"/>
-    <p:sldId id="258" r:id="rId4"/>
-    <p:sldId id="259" r:id="rId5"/>
-    <p:sldId id="260" r:id="rId6"/>
-    <p:sldId id="261" r:id="rId7"/>
-    <p:sldId id="262" r:id="rId8"/>
-    <p:sldId id="265" r:id="rId9"/>
-    <p:sldId id="266" r:id="rId10"/>
-    <p:sldId id="263" r:id="rId11"/>
-    <p:sldId id="264" r:id="rId12"/>
+    <p:sldId id="270" r:id="rId3"/>
+    <p:sldId id="273" r:id="rId4"/>
+    <p:sldId id="257" r:id="rId5"/>
+    <p:sldId id="258" r:id="rId6"/>
+    <p:sldId id="259" r:id="rId7"/>
+    <p:sldId id="260" r:id="rId8"/>
+    <p:sldId id="261" r:id="rId9"/>
+    <p:sldId id="271" r:id="rId10"/>
+    <p:sldId id="262" r:id="rId11"/>
+    <p:sldId id="265" r:id="rId12"/>
+    <p:sldId id="272" r:id="rId13"/>
+    <p:sldId id="266" r:id="rId14"/>
+    <p:sldId id="267" r:id="rId15"/>
+    <p:sldId id="268" r:id="rId16"/>
+    <p:sldId id="269" r:id="rId17"/>
+    <p:sldId id="263" r:id="rId18"/>
+    <p:sldId id="264" r:id="rId19"/>
   </p:sldIdLst>
   <p:sldSz cx="12192000" cy="6858000"/>
   <p:notesSz cx="6858000" cy="9144000"/>
@@ -856,7 +863,7 @@
             <a:fld id="{B61BEF0D-F0BB-DE4B-95CE-6DB70DBA9567}" type="datetimeFigureOut">
               <a:rPr lang="en-US" dirty="0"/>
               <a:pPr/>
-              <a:t>1/22/2018</a:t>
+              <a:t>1/25/2018</a:t>
             </a:fld>
             <a:endParaRPr lang="en-US" dirty="0"/>
           </a:p>
@@ -1104,7 +1111,7 @@
             <a:fld id="{B61BEF0D-F0BB-DE4B-95CE-6DB70DBA9567}" type="datetimeFigureOut">
               <a:rPr lang="en-US" dirty="0"/>
               <a:pPr/>
-              <a:t>1/22/2018</a:t>
+              <a:t>1/25/2018</a:t>
             </a:fld>
             <a:endParaRPr lang="en-US" dirty="0"/>
           </a:p>
@@ -1415,7 +1422,7 @@
             <a:fld id="{B61BEF0D-F0BB-DE4B-95CE-6DB70DBA9567}" type="datetimeFigureOut">
               <a:rPr lang="en-US" dirty="0"/>
               <a:pPr/>
-              <a:t>1/22/2018</a:t>
+              <a:t>1/25/2018</a:t>
             </a:fld>
             <a:endParaRPr lang="en-US" dirty="0"/>
           </a:p>
@@ -1753,7 +1760,7 @@
             <a:fld id="{B61BEF0D-F0BB-DE4B-95CE-6DB70DBA9567}" type="datetimeFigureOut">
               <a:rPr lang="en-US" dirty="0"/>
               <a:pPr/>
-              <a:t>1/22/2018</a:t>
+              <a:t>1/25/2018</a:t>
             </a:fld>
             <a:endParaRPr lang="en-US" dirty="0"/>
           </a:p>
@@ -2064,7 +2071,7 @@
             <a:fld id="{B61BEF0D-F0BB-DE4B-95CE-6DB70DBA9567}" type="datetimeFigureOut">
               <a:rPr lang="en-US" dirty="0"/>
               <a:pPr/>
-              <a:t>1/22/2018</a:t>
+              <a:t>1/25/2018</a:t>
             </a:fld>
             <a:endParaRPr lang="en-US" dirty="0"/>
           </a:p>
@@ -2454,7 +2461,7 @@
             <a:fld id="{B61BEF0D-F0BB-DE4B-95CE-6DB70DBA9567}" type="datetimeFigureOut">
               <a:rPr lang="en-US" dirty="0"/>
               <a:pPr/>
-              <a:t>1/22/2018</a:t>
+              <a:t>1/25/2018</a:t>
             </a:fld>
             <a:endParaRPr lang="en-US" dirty="0"/>
           </a:p>
@@ -2620,7 +2627,7 @@
           <a:p>
             <a:fld id="{55C6B4A9-1611-4792-9094-5F34BCA07E0B}" type="datetimeFigureOut">
               <a:rPr lang="en-US" dirty="0"/>
-              <a:t>1/22/2018</a:t>
+              <a:t>1/25/2018</a:t>
             </a:fld>
             <a:endParaRPr lang="en-US" dirty="0"/>
           </a:p>
@@ -2796,7 +2803,7 @@
             <a:fld id="{B61BEF0D-F0BB-DE4B-95CE-6DB70DBA9567}" type="datetimeFigureOut">
               <a:rPr lang="en-US" dirty="0"/>
               <a:pPr/>
-              <a:t>1/22/2018</a:t>
+              <a:t>1/25/2018</a:t>
             </a:fld>
             <a:endParaRPr lang="en-US" dirty="0"/>
           </a:p>
@@ -2969,7 +2976,7 @@
             <a:fld id="{B61BEF0D-F0BB-DE4B-95CE-6DB70DBA9567}" type="datetimeFigureOut">
               <a:rPr lang="en-US" dirty="0"/>
               <a:pPr/>
-              <a:t>1/22/2018</a:t>
+              <a:t>1/25/2018</a:t>
             </a:fld>
             <a:endParaRPr lang="en-US" dirty="0"/>
           </a:p>
@@ -3213,7 +3220,7 @@
             <a:fld id="{B61BEF0D-F0BB-DE4B-95CE-6DB70DBA9567}" type="datetimeFigureOut">
               <a:rPr lang="en-US" dirty="0"/>
               <a:pPr/>
-              <a:t>1/22/2018</a:t>
+              <a:t>1/25/2018</a:t>
             </a:fld>
             <a:endParaRPr lang="en-US" dirty="0"/>
           </a:p>
@@ -3441,7 +3448,7 @@
           <a:p>
             <a:fld id="{EB712588-04B1-427B-82EE-E8DB90309F08}" type="datetimeFigureOut">
               <a:rPr lang="en-US" dirty="0"/>
-              <a:t>1/22/2018</a:t>
+              <a:t>1/25/2018</a:t>
             </a:fld>
             <a:endParaRPr lang="en-US" dirty="0"/>
           </a:p>
@@ -3811,7 +3818,7 @@
             <a:fld id="{B61BEF0D-F0BB-DE4B-95CE-6DB70DBA9567}" type="datetimeFigureOut">
               <a:rPr lang="en-US" dirty="0"/>
               <a:pPr/>
-              <a:t>1/22/2018</a:t>
+              <a:t>1/25/2018</a:t>
             </a:fld>
             <a:endParaRPr lang="en-US" dirty="0"/>
           </a:p>
@@ -3931,7 +3938,7 @@
             <a:fld id="{B61BEF0D-F0BB-DE4B-95CE-6DB70DBA9567}" type="datetimeFigureOut">
               <a:rPr lang="en-US" dirty="0"/>
               <a:pPr/>
-              <a:t>1/22/2018</a:t>
+              <a:t>1/25/2018</a:t>
             </a:fld>
             <a:endParaRPr lang="en-US" dirty="0"/>
           </a:p>
@@ -4023,7 +4030,7 @@
             <a:fld id="{B61BEF0D-F0BB-DE4B-95CE-6DB70DBA9567}" type="datetimeFigureOut">
               <a:rPr lang="en-US" dirty="0"/>
               <a:pPr/>
-              <a:t>1/22/2018</a:t>
+              <a:t>1/25/2018</a:t>
             </a:fld>
             <a:endParaRPr lang="en-US" dirty="0"/>
           </a:p>
@@ -4274,7 +4281,7 @@
           <a:p>
             <a:fld id="{42A54C80-263E-416B-A8E0-580EDEADCBDC}" type="datetimeFigureOut">
               <a:rPr lang="en-US" dirty="0"/>
-              <a:t>1/22/2018</a:t>
+              <a:t>1/25/2018</a:t>
             </a:fld>
             <a:endParaRPr lang="en-US" dirty="0"/>
           </a:p>
@@ -4533,7 +4540,7 @@
             <a:fld id="{B61BEF0D-F0BB-DE4B-95CE-6DB70DBA9567}" type="datetimeFigureOut">
               <a:rPr lang="en-US" dirty="0"/>
               <a:pPr/>
-              <a:t>1/22/2018</a:t>
+              <a:t>1/25/2018</a:t>
             </a:fld>
             <a:endParaRPr lang="en-US" dirty="0"/>
           </a:p>
@@ -5273,7 +5280,7 @@
             <a:fld id="{B61BEF0D-F0BB-DE4B-95CE-6DB70DBA9567}" type="datetimeFigureOut">
               <a:rPr lang="en-US" dirty="0"/>
               <a:pPr/>
-              <a:t>1/22/2018</a:t>
+              <a:t>1/25/2018</a:t>
             </a:fld>
             <a:endParaRPr lang="en-US" dirty="0"/>
           </a:p>
@@ -5886,6 +5893,706 @@
           <a:p>
             <a:r>
               <a:rPr lang="pl-PL" dirty="0"/>
+              <a:t>Wzorce projektowe #</a:t>
+            </a:r>
+            <a:r>
+              <a:rPr lang="pl-PL" dirty="0" smtClean="0"/>
+              <a:t>03 </a:t>
+            </a:r>
+            <a:r>
+              <a:rPr lang="pl-PL" dirty="0"/>
+              <a:t>– Klasyczny Builder</a:t>
+            </a:r>
+            <a:r>
+              <a:rPr lang="pl-PL" dirty="0" smtClean="0"/>
+              <a:t> (</a:t>
+            </a:r>
+            <a:r>
+              <a:rPr lang="pl-PL" dirty="0"/>
+              <a:t>przykład)</a:t>
+            </a:r>
+          </a:p>
+        </p:txBody>
+      </p:sp>
+      <p:sp>
+        <p:nvSpPr>
+          <p:cNvPr id="3" name="Symbol zastępczy zawartości 2"/>
+          <p:cNvSpPr>
+            <a:spLocks noGrp="1"/>
+          </p:cNvSpPr>
+          <p:nvPr>
+            <p:ph idx="1"/>
+          </p:nvPr>
+        </p:nvSpPr>
+        <p:spPr/>
+        <p:txBody>
+          <a:bodyPr/>
+          <a:lstStyle/>
+          <a:p>
+            <a:pPr marL="0" indent="0">
+              <a:buNone/>
+            </a:pPr>
+            <a:r>
+              <a:rPr lang="pl-PL" dirty="0"/>
+              <a:t>Przykład (Klasyczny Builder)</a:t>
+            </a:r>
+          </a:p>
+        </p:txBody>
+      </p:sp>
+    </p:spTree>
+    <p:extLst>
+      <p:ext uri="{BB962C8B-B14F-4D97-AF65-F5344CB8AC3E}">
+        <p14:creationId xmlns:p14="http://schemas.microsoft.com/office/powerpoint/2010/main" val="731813105"/>
+      </p:ext>
+    </p:extLst>
+  </p:cSld>
+  <p:clrMapOvr>
+    <a:masterClrMapping/>
+  </p:clrMapOvr>
+</p:sld>
+</file>
+
+<file path=ppt/slides/slide11.xml><?xml version="1.0" encoding="utf-8"?>
+<p:sld xmlns:a="http://schemas.openxmlformats.org/drawingml/2006/main" xmlns:r="http://schemas.openxmlformats.org/officeDocument/2006/relationships" xmlns:p="http://schemas.openxmlformats.org/presentationml/2006/main">
+  <p:cSld>
+    <p:spTree>
+      <p:nvGrpSpPr>
+        <p:cNvPr id="1" name=""/>
+        <p:cNvGrpSpPr/>
+        <p:nvPr/>
+      </p:nvGrpSpPr>
+      <p:grpSpPr>
+        <a:xfrm>
+          <a:off x="0" y="0"/>
+          <a:ext cx="0" cy="0"/>
+          <a:chOff x="0" y="0"/>
+          <a:chExt cx="0" cy="0"/>
+        </a:xfrm>
+      </p:grpSpPr>
+      <p:sp>
+        <p:nvSpPr>
+          <p:cNvPr id="2" name="Tytuł 1"/>
+          <p:cNvSpPr>
+            <a:spLocks noGrp="1"/>
+          </p:cNvSpPr>
+          <p:nvPr>
+            <p:ph type="title"/>
+          </p:nvPr>
+        </p:nvSpPr>
+        <p:spPr/>
+        <p:txBody>
+          <a:bodyPr/>
+          <a:lstStyle/>
+          <a:p>
+            <a:r>
+              <a:rPr lang="pl-PL" dirty="0"/>
+              <a:t>Wzorce projektowe #</a:t>
+            </a:r>
+            <a:r>
+              <a:rPr lang="pl-PL" dirty="0" smtClean="0"/>
+              <a:t>04 </a:t>
+            </a:r>
+            <a:r>
+              <a:rPr lang="pl-PL" dirty="0"/>
+              <a:t>– </a:t>
+            </a:r>
+            <a:r>
+              <a:rPr lang="pl-PL" dirty="0" smtClean="0"/>
+              <a:t>Adapter</a:t>
+            </a:r>
+            <a:endParaRPr lang="pl-PL" dirty="0"/>
+          </a:p>
+        </p:txBody>
+      </p:sp>
+      <p:sp>
+        <p:nvSpPr>
+          <p:cNvPr id="3" name="Symbol zastępczy zawartości 2"/>
+          <p:cNvSpPr>
+            <a:spLocks noGrp="1"/>
+          </p:cNvSpPr>
+          <p:nvPr>
+            <p:ph idx="1"/>
+          </p:nvPr>
+        </p:nvSpPr>
+        <p:spPr/>
+        <p:txBody>
+          <a:bodyPr/>
+          <a:lstStyle/>
+          <a:p>
+            <a:pPr marL="0" indent="0">
+              <a:buNone/>
+            </a:pPr>
+            <a:r>
+              <a:rPr lang="pl-PL" dirty="0"/>
+              <a:t>S</a:t>
+            </a:r>
+            <a:r>
+              <a:rPr lang="pl-PL" dirty="0" smtClean="0"/>
+              <a:t>trukturalny </a:t>
+            </a:r>
+            <a:r>
+              <a:rPr lang="pl-PL" dirty="0"/>
+              <a:t>wzorzec projektowy, którego celem jest umożliwienie współpracy dwóm klasom o niekompatybilnych interfejsach. Adapter przekształca interfejs jednej z klas na interfejs drugiej </a:t>
+            </a:r>
+            <a:r>
+              <a:rPr lang="pl-PL" dirty="0" smtClean="0"/>
+              <a:t>klasy. </a:t>
+            </a:r>
+            <a:r>
+              <a:rPr lang="pl-PL" dirty="0"/>
+              <a:t>Innym zadaniem omawianego wzorca jest opakowanie istniejącego interfejsu w </a:t>
+            </a:r>
+            <a:r>
+              <a:rPr lang="pl-PL" dirty="0" smtClean="0"/>
+              <a:t>nowy.</a:t>
+            </a:r>
+          </a:p>
+          <a:p>
+            <a:pPr marL="0" indent="0">
+              <a:buNone/>
+            </a:pPr>
+            <a:r>
+              <a:rPr lang="pl-PL" dirty="0" smtClean="0"/>
+              <a:t>Wyobraźmy sobie myszkę komputerową która ma końcówkę na PS2. We współczesnych komputerach nie istnieją już tego typu wejścia. Dlatego aby użyć takiej myszki musimy zastosować adapter PS2-&gt;USB.</a:t>
+            </a:r>
+            <a:endParaRPr lang="pl-PL" dirty="0"/>
+          </a:p>
+        </p:txBody>
+      </p:sp>
+    </p:spTree>
+    <p:extLst>
+      <p:ext uri="{BB962C8B-B14F-4D97-AF65-F5344CB8AC3E}">
+        <p14:creationId xmlns:p14="http://schemas.microsoft.com/office/powerpoint/2010/main" val="3313534640"/>
+      </p:ext>
+    </p:extLst>
+  </p:cSld>
+  <p:clrMapOvr>
+    <a:masterClrMapping/>
+  </p:clrMapOvr>
+</p:sld>
+</file>
+
+<file path=ppt/slides/slide12.xml><?xml version="1.0" encoding="utf-8"?>
+<p:sld xmlns:a="http://schemas.openxmlformats.org/drawingml/2006/main" xmlns:r="http://schemas.openxmlformats.org/officeDocument/2006/relationships" xmlns:p="http://schemas.openxmlformats.org/presentationml/2006/main">
+  <p:cSld>
+    <p:spTree>
+      <p:nvGrpSpPr>
+        <p:cNvPr id="1" name=""/>
+        <p:cNvGrpSpPr/>
+        <p:nvPr/>
+      </p:nvGrpSpPr>
+      <p:grpSpPr>
+        <a:xfrm>
+          <a:off x="0" y="0"/>
+          <a:ext cx="0" cy="0"/>
+          <a:chOff x="0" y="0"/>
+          <a:chExt cx="0" cy="0"/>
+        </a:xfrm>
+      </p:grpSpPr>
+      <p:sp>
+        <p:nvSpPr>
+          <p:cNvPr id="2" name="Tytuł 1"/>
+          <p:cNvSpPr>
+            <a:spLocks noGrp="1"/>
+          </p:cNvSpPr>
+          <p:nvPr>
+            <p:ph type="title"/>
+          </p:nvPr>
+        </p:nvSpPr>
+        <p:spPr/>
+        <p:txBody>
+          <a:bodyPr/>
+          <a:lstStyle/>
+          <a:p>
+            <a:r>
+              <a:rPr lang="pl-PL" dirty="0"/>
+              <a:t>Wzorce projektowe #04 – </a:t>
+            </a:r>
+            <a:r>
+              <a:rPr lang="pl-PL" dirty="0" smtClean="0"/>
+              <a:t>Adapter (diagram)</a:t>
+            </a:r>
+            <a:endParaRPr lang="pl-PL" dirty="0"/>
+          </a:p>
+        </p:txBody>
+      </p:sp>
+      <p:pic>
+        <p:nvPicPr>
+          <p:cNvPr id="4" name="Symbol zastępczy zawartości 3"/>
+          <p:cNvPicPr>
+            <a:picLocks noGrp="1" noChangeAspect="1"/>
+          </p:cNvPicPr>
+          <p:nvPr>
+            <p:ph idx="1"/>
+          </p:nvPr>
+        </p:nvPicPr>
+        <p:blipFill>
+          <a:blip r:embed="rId2"/>
+          <a:stretch>
+            <a:fillRect/>
+          </a:stretch>
+        </p:blipFill>
+        <p:spPr>
+          <a:xfrm>
+            <a:off x="704056" y="3148806"/>
+            <a:ext cx="8543925" cy="1905000"/>
+          </a:xfrm>
+          <a:prstGeom prst="rect">
+            <a:avLst/>
+          </a:prstGeom>
+        </p:spPr>
+      </p:pic>
+    </p:spTree>
+    <p:extLst>
+      <p:ext uri="{BB962C8B-B14F-4D97-AF65-F5344CB8AC3E}">
+        <p14:creationId xmlns:p14="http://schemas.microsoft.com/office/powerpoint/2010/main" val="2326705286"/>
+      </p:ext>
+    </p:extLst>
+  </p:cSld>
+  <p:clrMapOvr>
+    <a:masterClrMapping/>
+  </p:clrMapOvr>
+</p:sld>
+</file>
+
+<file path=ppt/slides/slide13.xml><?xml version="1.0" encoding="utf-8"?>
+<p:sld xmlns:a="http://schemas.openxmlformats.org/drawingml/2006/main" xmlns:r="http://schemas.openxmlformats.org/officeDocument/2006/relationships" xmlns:p="http://schemas.openxmlformats.org/presentationml/2006/main">
+  <p:cSld>
+    <p:spTree>
+      <p:nvGrpSpPr>
+        <p:cNvPr id="1" name=""/>
+        <p:cNvGrpSpPr/>
+        <p:nvPr/>
+      </p:nvGrpSpPr>
+      <p:grpSpPr>
+        <a:xfrm>
+          <a:off x="0" y="0"/>
+          <a:ext cx="0" cy="0"/>
+          <a:chOff x="0" y="0"/>
+          <a:chExt cx="0" cy="0"/>
+        </a:xfrm>
+      </p:grpSpPr>
+      <p:sp>
+        <p:nvSpPr>
+          <p:cNvPr id="2" name="Tytuł 1"/>
+          <p:cNvSpPr>
+            <a:spLocks noGrp="1"/>
+          </p:cNvSpPr>
+          <p:nvPr>
+            <p:ph type="title"/>
+          </p:nvPr>
+        </p:nvSpPr>
+        <p:spPr/>
+        <p:txBody>
+          <a:bodyPr/>
+          <a:lstStyle/>
+          <a:p>
+            <a:r>
+              <a:rPr lang="pl-PL" dirty="0"/>
+              <a:t>Wzorce projektowe #04 – </a:t>
+            </a:r>
+            <a:r>
+              <a:rPr lang="pl-PL" dirty="0" smtClean="0"/>
+              <a:t>Adapter (przykład)</a:t>
+            </a:r>
+            <a:endParaRPr lang="pl-PL" b="1" dirty="0"/>
+          </a:p>
+        </p:txBody>
+      </p:sp>
+      <p:sp>
+        <p:nvSpPr>
+          <p:cNvPr id="3" name="Symbol zastępczy zawartości 2"/>
+          <p:cNvSpPr>
+            <a:spLocks noGrp="1"/>
+          </p:cNvSpPr>
+          <p:nvPr>
+            <p:ph idx="1"/>
+          </p:nvPr>
+        </p:nvSpPr>
+        <p:spPr/>
+        <p:txBody>
+          <a:bodyPr/>
+          <a:lstStyle/>
+          <a:p>
+            <a:pPr marL="0" indent="0">
+              <a:buNone/>
+            </a:pPr>
+            <a:r>
+              <a:rPr lang="pl-PL" dirty="0"/>
+              <a:t>Przykład </a:t>
+            </a:r>
+            <a:r>
+              <a:rPr lang="pl-PL" b="1" dirty="0" smtClean="0"/>
+              <a:t>(</a:t>
+            </a:r>
+            <a:r>
+              <a:rPr lang="pl-PL" dirty="0"/>
+              <a:t>Adapter</a:t>
+            </a:r>
+            <a:r>
+              <a:rPr lang="pl-PL" b="1" dirty="0" smtClean="0"/>
+              <a:t>)</a:t>
+            </a:r>
+            <a:endParaRPr lang="pl-PL" b="1" dirty="0"/>
+          </a:p>
+          <a:p>
+            <a:pPr marL="0" indent="0">
+              <a:buNone/>
+            </a:pPr>
+            <a:endParaRPr lang="pl-PL" dirty="0"/>
+          </a:p>
+        </p:txBody>
+      </p:sp>
+    </p:spTree>
+    <p:extLst>
+      <p:ext uri="{BB962C8B-B14F-4D97-AF65-F5344CB8AC3E}">
+        <p14:creationId xmlns:p14="http://schemas.microsoft.com/office/powerpoint/2010/main" val="3654404987"/>
+      </p:ext>
+    </p:extLst>
+  </p:cSld>
+  <p:clrMapOvr>
+    <a:masterClrMapping/>
+  </p:clrMapOvr>
+</p:sld>
+</file>
+
+<file path=ppt/slides/slide14.xml><?xml version="1.0" encoding="utf-8"?>
+<p:sld xmlns:a="http://schemas.openxmlformats.org/drawingml/2006/main" xmlns:r="http://schemas.openxmlformats.org/officeDocument/2006/relationships" xmlns:p="http://schemas.openxmlformats.org/presentationml/2006/main">
+  <p:cSld>
+    <p:spTree>
+      <p:nvGrpSpPr>
+        <p:cNvPr id="1" name=""/>
+        <p:cNvGrpSpPr/>
+        <p:nvPr/>
+      </p:nvGrpSpPr>
+      <p:grpSpPr>
+        <a:xfrm>
+          <a:off x="0" y="0"/>
+          <a:ext cx="0" cy="0"/>
+          <a:chOff x="0" y="0"/>
+          <a:chExt cx="0" cy="0"/>
+        </a:xfrm>
+      </p:grpSpPr>
+      <p:sp>
+        <p:nvSpPr>
+          <p:cNvPr id="2" name="Tytuł 1"/>
+          <p:cNvSpPr>
+            <a:spLocks noGrp="1"/>
+          </p:cNvSpPr>
+          <p:nvPr>
+            <p:ph type="title"/>
+          </p:nvPr>
+        </p:nvSpPr>
+        <p:spPr/>
+        <p:txBody>
+          <a:bodyPr/>
+          <a:lstStyle/>
+          <a:p>
+            <a:r>
+              <a:rPr lang="pl-PL" dirty="0"/>
+              <a:t>Wzorce projektowe </a:t>
+            </a:r>
+            <a:r>
+              <a:rPr lang="pl-PL" dirty="0" smtClean="0"/>
+              <a:t>#05 </a:t>
+            </a:r>
+            <a:r>
+              <a:rPr lang="pl-PL" dirty="0"/>
+              <a:t>– </a:t>
+            </a:r>
+            <a:r>
+              <a:rPr lang="pl-PL" dirty="0" smtClean="0"/>
+              <a:t>Method </a:t>
+            </a:r>
+            <a:r>
+              <a:rPr lang="pl-PL" dirty="0" err="1"/>
+              <a:t>Factory</a:t>
+            </a:r>
+            <a:endParaRPr lang="pl-PL" dirty="0"/>
+          </a:p>
+        </p:txBody>
+      </p:sp>
+      <p:sp>
+        <p:nvSpPr>
+          <p:cNvPr id="3" name="Symbol zastępczy zawartości 2"/>
+          <p:cNvSpPr>
+            <a:spLocks noGrp="1"/>
+          </p:cNvSpPr>
+          <p:nvPr>
+            <p:ph idx="1"/>
+          </p:nvPr>
+        </p:nvSpPr>
+        <p:spPr/>
+        <p:txBody>
+          <a:bodyPr/>
+          <a:lstStyle/>
+          <a:p>
+            <a:pPr marL="0" indent="0">
+              <a:buNone/>
+            </a:pPr>
+            <a:r>
+              <a:rPr lang="pl-PL" dirty="0" smtClean="0"/>
+              <a:t>Ten wzorzec najlepiej wykorzystywać w momencie kiedy chcemy tworzyć wiele takich samych obiektów.</a:t>
+            </a:r>
+          </a:p>
+          <a:p>
+            <a:pPr marL="0" indent="0">
+              <a:buNone/>
+            </a:pPr>
+            <a:r>
+              <a:rPr lang="pl-PL" dirty="0" smtClean="0"/>
+              <a:t>Implementacja przejmuje odpowiedzialność za tworzenie obiektów (scentralizowany system tworzenia obiektów)</a:t>
+            </a:r>
+          </a:p>
+          <a:p>
+            <a:pPr marL="0" indent="0">
+              <a:buNone/>
+            </a:pPr>
+            <a:r>
+              <a:rPr lang="pl-PL" dirty="0" smtClean="0"/>
+              <a:t>Wprowadza elastyczność (dodanie kolejnego rodzaju obiektu, wiąże się z niewielką zmianą w kodzie) </a:t>
+            </a:r>
+            <a:endParaRPr lang="pl-PL" dirty="0"/>
+          </a:p>
+        </p:txBody>
+      </p:sp>
+    </p:spTree>
+    <p:extLst>
+      <p:ext uri="{BB962C8B-B14F-4D97-AF65-F5344CB8AC3E}">
+        <p14:creationId xmlns:p14="http://schemas.microsoft.com/office/powerpoint/2010/main" val="2064284800"/>
+      </p:ext>
+    </p:extLst>
+  </p:cSld>
+  <p:clrMapOvr>
+    <a:masterClrMapping/>
+  </p:clrMapOvr>
+</p:sld>
+</file>
+
+<file path=ppt/slides/slide15.xml><?xml version="1.0" encoding="utf-8"?>
+<p:sld xmlns:a="http://schemas.openxmlformats.org/drawingml/2006/main" xmlns:r="http://schemas.openxmlformats.org/officeDocument/2006/relationships" xmlns:p="http://schemas.openxmlformats.org/presentationml/2006/main">
+  <p:cSld>
+    <p:spTree>
+      <p:nvGrpSpPr>
+        <p:cNvPr id="1" name=""/>
+        <p:cNvGrpSpPr/>
+        <p:nvPr/>
+      </p:nvGrpSpPr>
+      <p:grpSpPr>
+        <a:xfrm>
+          <a:off x="0" y="0"/>
+          <a:ext cx="0" cy="0"/>
+          <a:chOff x="0" y="0"/>
+          <a:chExt cx="0" cy="0"/>
+        </a:xfrm>
+      </p:grpSpPr>
+      <p:sp>
+        <p:nvSpPr>
+          <p:cNvPr id="2" name="Tytuł 1"/>
+          <p:cNvSpPr>
+            <a:spLocks noGrp="1"/>
+          </p:cNvSpPr>
+          <p:nvPr>
+            <p:ph type="title"/>
+          </p:nvPr>
+        </p:nvSpPr>
+        <p:spPr/>
+        <p:txBody>
+          <a:bodyPr/>
+          <a:lstStyle/>
+          <a:p>
+            <a:r>
+              <a:rPr lang="pl-PL" dirty="0"/>
+              <a:t>Wzorce projektowe #05 – Method </a:t>
+            </a:r>
+            <a:r>
+              <a:rPr lang="pl-PL" dirty="0" err="1" smtClean="0"/>
+              <a:t>Factory</a:t>
+            </a:r>
+            <a:r>
+              <a:rPr lang="pl-PL" dirty="0" smtClean="0"/>
+              <a:t> (diagram)</a:t>
+            </a:r>
+            <a:endParaRPr lang="pl-PL" dirty="0"/>
+          </a:p>
+        </p:txBody>
+      </p:sp>
+      <p:pic>
+        <p:nvPicPr>
+          <p:cNvPr id="4" name="Symbol zastępczy zawartości 3"/>
+          <p:cNvPicPr>
+            <a:picLocks noGrp="1" noChangeAspect="1"/>
+          </p:cNvPicPr>
+          <p:nvPr>
+            <p:ph idx="1"/>
+          </p:nvPr>
+        </p:nvPicPr>
+        <p:blipFill>
+          <a:blip r:embed="rId2"/>
+          <a:stretch>
+            <a:fillRect/>
+          </a:stretch>
+        </p:blipFill>
+        <p:spPr>
+          <a:xfrm>
+            <a:off x="1470819" y="3039269"/>
+            <a:ext cx="7010400" cy="2124075"/>
+          </a:xfrm>
+          <a:prstGeom prst="rect">
+            <a:avLst/>
+          </a:prstGeom>
+        </p:spPr>
+      </p:pic>
+    </p:spTree>
+    <p:extLst>
+      <p:ext uri="{BB962C8B-B14F-4D97-AF65-F5344CB8AC3E}">
+        <p14:creationId xmlns:p14="http://schemas.microsoft.com/office/powerpoint/2010/main" val="497221901"/>
+      </p:ext>
+    </p:extLst>
+  </p:cSld>
+  <p:clrMapOvr>
+    <a:masterClrMapping/>
+  </p:clrMapOvr>
+</p:sld>
+</file>
+
+<file path=ppt/slides/slide16.xml><?xml version="1.0" encoding="utf-8"?>
+<p:sld xmlns:a="http://schemas.openxmlformats.org/drawingml/2006/main" xmlns:r="http://schemas.openxmlformats.org/officeDocument/2006/relationships" xmlns:p="http://schemas.openxmlformats.org/presentationml/2006/main">
+  <p:cSld>
+    <p:spTree>
+      <p:nvGrpSpPr>
+        <p:cNvPr id="1" name=""/>
+        <p:cNvGrpSpPr/>
+        <p:nvPr/>
+      </p:nvGrpSpPr>
+      <p:grpSpPr>
+        <a:xfrm>
+          <a:off x="0" y="0"/>
+          <a:ext cx="0" cy="0"/>
+          <a:chOff x="0" y="0"/>
+          <a:chExt cx="0" cy="0"/>
+        </a:xfrm>
+      </p:grpSpPr>
+      <p:sp>
+        <p:nvSpPr>
+          <p:cNvPr id="2" name="Tytuł 1"/>
+          <p:cNvSpPr>
+            <a:spLocks noGrp="1"/>
+          </p:cNvSpPr>
+          <p:nvPr>
+            <p:ph type="title"/>
+          </p:nvPr>
+        </p:nvSpPr>
+        <p:spPr/>
+        <p:txBody>
+          <a:bodyPr/>
+          <a:lstStyle/>
+          <a:p>
+            <a:r>
+              <a:rPr lang="pl-PL" dirty="0"/>
+              <a:t>Wzorce projektowe #05 – Method </a:t>
+            </a:r>
+            <a:r>
+              <a:rPr lang="pl-PL" dirty="0" err="1"/>
+              <a:t>Factory</a:t>
+            </a:r>
+            <a:r>
+              <a:rPr lang="pl-PL" dirty="0"/>
+              <a:t> </a:t>
+            </a:r>
+            <a:r>
+              <a:rPr lang="pl-PL" dirty="0" smtClean="0"/>
+              <a:t>(przykład)</a:t>
+            </a:r>
+            <a:endParaRPr lang="pl-PL" dirty="0"/>
+          </a:p>
+        </p:txBody>
+      </p:sp>
+      <p:sp>
+        <p:nvSpPr>
+          <p:cNvPr id="3" name="Symbol zastępczy zawartości 2"/>
+          <p:cNvSpPr>
+            <a:spLocks noGrp="1"/>
+          </p:cNvSpPr>
+          <p:nvPr>
+            <p:ph idx="1"/>
+          </p:nvPr>
+        </p:nvSpPr>
+        <p:spPr/>
+        <p:txBody>
+          <a:bodyPr/>
+          <a:lstStyle/>
+          <a:p>
+            <a:pPr marL="0" indent="0">
+              <a:buNone/>
+            </a:pPr>
+            <a:r>
+              <a:rPr lang="pl-PL" dirty="0"/>
+              <a:t>Przykład </a:t>
+            </a:r>
+            <a:r>
+              <a:rPr lang="pl-PL" b="1" dirty="0"/>
+              <a:t>(</a:t>
+            </a:r>
+            <a:r>
+              <a:rPr lang="pl-PL" dirty="0"/>
+              <a:t>Adapter</a:t>
+            </a:r>
+            <a:r>
+              <a:rPr lang="pl-PL" b="1" dirty="0" smtClean="0"/>
+              <a:t>)</a:t>
+            </a:r>
+            <a:endParaRPr lang="pl-PL" b="1" dirty="0"/>
+          </a:p>
+        </p:txBody>
+      </p:sp>
+    </p:spTree>
+    <p:extLst>
+      <p:ext uri="{BB962C8B-B14F-4D97-AF65-F5344CB8AC3E}">
+        <p14:creationId xmlns:p14="http://schemas.microsoft.com/office/powerpoint/2010/main" val="2038219615"/>
+      </p:ext>
+    </p:extLst>
+  </p:cSld>
+  <p:clrMapOvr>
+    <a:masterClrMapping/>
+  </p:clrMapOvr>
+</p:sld>
+</file>
+
+<file path=ppt/slides/slide17.xml><?xml version="1.0" encoding="utf-8"?>
+<p:sld xmlns:a="http://schemas.openxmlformats.org/drawingml/2006/main" xmlns:r="http://schemas.openxmlformats.org/officeDocument/2006/relationships" xmlns:p="http://schemas.openxmlformats.org/presentationml/2006/main">
+  <p:cSld>
+    <p:spTree>
+      <p:nvGrpSpPr>
+        <p:cNvPr id="1" name=""/>
+        <p:cNvGrpSpPr/>
+        <p:nvPr/>
+      </p:nvGrpSpPr>
+      <p:grpSpPr>
+        <a:xfrm>
+          <a:off x="0" y="0"/>
+          <a:ext cx="0" cy="0"/>
+          <a:chOff x="0" y="0"/>
+          <a:chExt cx="0" cy="0"/>
+        </a:xfrm>
+      </p:grpSpPr>
+      <p:sp>
+        <p:nvSpPr>
+          <p:cNvPr id="2" name="Tytuł 1"/>
+          <p:cNvSpPr>
+            <a:spLocks noGrp="1"/>
+          </p:cNvSpPr>
+          <p:nvPr>
+            <p:ph type="title"/>
+          </p:nvPr>
+        </p:nvSpPr>
+        <p:spPr/>
+        <p:txBody>
+          <a:bodyPr/>
+          <a:lstStyle/>
+          <a:p>
+            <a:r>
+              <a:rPr lang="pl-PL" dirty="0"/>
               <a:t>Wzorce projektowe ### – </a:t>
             </a:r>
             <a:r>
@@ -5939,7 +6646,7 @@
 </p:sld>
 </file>
 
-<file path=ppt/slides/slide11.xml><?xml version="1.0" encoding="utf-8"?>
+<file path=ppt/slides/slide18.xml><?xml version="1.0" encoding="utf-8"?>
 <p:sld xmlns:a="http://schemas.openxmlformats.org/drawingml/2006/main" xmlns:r="http://schemas.openxmlformats.org/officeDocument/2006/relationships" xmlns:p="http://schemas.openxmlformats.org/presentationml/2006/main">
   <p:cSld>
     <p:spTree>
@@ -6092,12 +6799,8 @@
           <a:lstStyle/>
           <a:p>
             <a:r>
-              <a:rPr lang="pl-PL" dirty="0"/>
-              <a:t>Wzorce projektowe #01 - </a:t>
-            </a:r>
-            <a:r>
               <a:rPr lang="pl-PL" dirty="0" smtClean="0"/>
-              <a:t>Singleton</a:t>
+              <a:t>Do czego służą wzorce projektowe</a:t>
             </a:r>
             <a:endParaRPr lang="pl-PL" dirty="0"/>
           </a:p>
@@ -6122,16 +6825,33 @@
               <a:buNone/>
             </a:pPr>
             <a:r>
+              <a:rPr lang="pl-PL" dirty="0"/>
+              <a:t>Wzorzec projektowy (ang. design </a:t>
+            </a:r>
+            <a:r>
+              <a:rPr lang="pl-PL" dirty="0" err="1"/>
+              <a:t>pattern</a:t>
+            </a:r>
+            <a:r>
+              <a:rPr lang="pl-PL" dirty="0"/>
+              <a:t>) – uniwersalne, sprawdzone w praktyce rozwiązanie często pojawiających się, powtarzalnych problemów projektowych. Pokazuje powiązania i zależności pomiędzy klasami oraz obiektami i ułatwia tworzenie, modyfikację oraz pielęgnację kodu źródłowego. Jest opisem rozwiązania, a nie jego implementacją. Wzorce projektowe stosowane są w projektach wykorzystujących programowanie obiektowe</a:t>
+            </a:r>
+            <a:r>
               <a:rPr lang="pl-PL" dirty="0" smtClean="0"/>
-              <a:t>Wzorzec projektowy singleton najprościej można opisać jako stworzenie pojedynczej </a:t>
-            </a:r>
-            <a:r>
-              <a:rPr lang="pl-PL" dirty="0" err="1" smtClean="0"/>
-              <a:t>instanscji</a:t>
+              <a:t>.</a:t>
+            </a:r>
+          </a:p>
+          <a:p>
+            <a:pPr marL="0" indent="0">
+              <a:buNone/>
+            </a:pPr>
+            <a:r>
+              <a:rPr lang="pl-PL" dirty="0"/>
+              <a:t>	</a:t>
             </a:r>
             <a:r>
               <a:rPr lang="pl-PL" dirty="0" smtClean="0"/>
-              <a:t> obiektu. Innymi słowy chcemy doprowadzić do sytuacji, w której programista będzie miał do dyspozycji tylko jeden obiekt danej klasy. </a:t>
+              <a:t>												</a:t>
             </a:r>
           </a:p>
           <a:p>
@@ -6139,80 +6859,21 @@
               <a:buNone/>
             </a:pPr>
             <a:r>
+              <a:rPr lang="pl-PL" dirty="0"/>
+              <a:t>	</a:t>
+            </a:r>
+            <a:r>
               <a:rPr lang="pl-PL" dirty="0" smtClean="0"/>
-              <a:t>Aby tego dokonać należy:</a:t>
-            </a:r>
-          </a:p>
-          <a:p>
-            <a:pPr>
-              <a:buFont typeface="+mj-lt"/>
-              <a:buAutoNum type="arabicPeriod"/>
-            </a:pPr>
-            <a:r>
-              <a:rPr lang="pl-PL" dirty="0" smtClean="0"/>
-              <a:t>Zablokować domyślny konstruktor poprzez zmianę modyfikatora dostępu na „</a:t>
-            </a:r>
-            <a:r>
-              <a:rPr lang="pl-PL" dirty="0" err="1" smtClean="0">
-                <a:solidFill>
-                  <a:srgbClr val="010DFF"/>
-                </a:solidFill>
-              </a:rPr>
-              <a:t>private</a:t>
-            </a:r>
-            <a:r>
-              <a:rPr lang="pl-PL" dirty="0" smtClean="0">
-                <a:solidFill>
-                  <a:schemeClr val="tx1"/>
-                </a:solidFill>
-              </a:rPr>
-              <a:t>”</a:t>
-            </a:r>
-          </a:p>
-          <a:p>
-            <a:pPr>
-              <a:buFont typeface="+mj-lt"/>
-              <a:buAutoNum type="arabicPeriod"/>
-            </a:pPr>
-            <a:r>
-              <a:rPr lang="pl-PL" dirty="0" smtClean="0"/>
-              <a:t>Utworzyć prywatną statyczną zmienną typu obiektu, którego instancję chcemy otrzymać</a:t>
-            </a:r>
-          </a:p>
-          <a:p>
-            <a:pPr>
-              <a:buFont typeface="+mj-lt"/>
-              <a:buAutoNum type="arabicPeriod"/>
-            </a:pPr>
-            <a:r>
-              <a:rPr lang="pl-PL" dirty="0" smtClean="0"/>
-              <a:t>Utworzyć metodę statyczną </a:t>
-            </a:r>
-            <a:r>
-              <a:rPr lang="pl-PL" dirty="0" err="1" smtClean="0"/>
-              <a:t>getInstance</a:t>
-            </a:r>
-            <a:r>
-              <a:rPr lang="pl-PL" dirty="0" smtClean="0"/>
-              <a:t>(), która zwracać będzie nam obiekt. Jeżeli obiekt nie istnieje wtedy metoda ta będzie go tworzyła.</a:t>
-            </a:r>
-          </a:p>
-          <a:p>
-            <a:pPr marL="0" indent="0">
-              <a:buNone/>
-            </a:pPr>
-            <a:endParaRPr lang="pl-PL" dirty="0">
-              <a:solidFill>
-                <a:srgbClr val="0070C0"/>
-              </a:solidFill>
-            </a:endParaRPr>
+              <a:t>												Źródło: Wikipedia</a:t>
+            </a:r>
+            <a:endParaRPr lang="pl-PL" dirty="0"/>
           </a:p>
         </p:txBody>
       </p:sp>
     </p:spTree>
     <p:extLst>
       <p:ext uri="{BB962C8B-B14F-4D97-AF65-F5344CB8AC3E}">
-        <p14:creationId xmlns:p14="http://schemas.microsoft.com/office/powerpoint/2010/main" val="628384137"/>
+        <p14:creationId xmlns:p14="http://schemas.microsoft.com/office/powerpoint/2010/main" val="222878700"/>
       </p:ext>
     </p:extLst>
   </p:cSld>
@@ -6255,12 +6916,8 @@
           <a:lstStyle/>
           <a:p>
             <a:r>
-              <a:rPr lang="pl-PL" dirty="0"/>
-              <a:t>Wzorce projektowe #01 </a:t>
-            </a:r>
-            <a:r>
               <a:rPr lang="pl-PL" dirty="0" smtClean="0"/>
-              <a:t>– Singleton (przykład)</a:t>
+              <a:t>Interfejs i klasa abstrakcyjna</a:t>
             </a:r>
             <a:endParaRPr lang="pl-PL" dirty="0"/>
           </a:p>
@@ -6276,15 +6933,10 @@
             <p:ph idx="1"/>
           </p:nvPr>
         </p:nvSpPr>
-        <p:spPr>
-          <a:xfrm>
-            <a:off x="677334" y="2160589"/>
-            <a:ext cx="8596668" cy="4604005"/>
-          </a:xfrm>
-        </p:spPr>
+        <p:spPr/>
         <p:txBody>
           <a:bodyPr>
-            <a:normAutofit/>
+            <a:normAutofit fontScale="77500" lnSpcReduction="20000"/>
           </a:bodyPr>
           <a:lstStyle/>
           <a:p>
@@ -6292,1982 +6944,116 @@
               <a:buNone/>
             </a:pPr>
             <a:r>
-              <a:rPr lang="pl-PL" sz="600" dirty="0" smtClean="0">
-                <a:solidFill>
-                  <a:srgbClr val="0000FF"/>
-                </a:solidFill>
-                <a:highlight>
-                  <a:srgbClr val="FFFFFF"/>
-                </a:highlight>
-                <a:latin typeface="Consolas" panose="020B0609020204030204" pitchFamily="49" charset="0"/>
-              </a:rPr>
-              <a:t>	</a:t>
-            </a:r>
-            <a:r>
-              <a:rPr lang="pl-PL" sz="900" dirty="0" err="1" smtClean="0">
-                <a:solidFill>
-                  <a:srgbClr val="0000FF"/>
-                </a:solidFill>
-                <a:highlight>
-                  <a:srgbClr val="FFFFFF"/>
-                </a:highlight>
-                <a:latin typeface="Consolas" panose="020B0609020204030204" pitchFamily="49" charset="0"/>
-              </a:rPr>
-              <a:t>private</a:t>
-            </a:r>
-            <a:r>
-              <a:rPr lang="pl-PL" sz="900" dirty="0" smtClean="0">
-                <a:solidFill>
-                  <a:srgbClr val="000000"/>
-                </a:solidFill>
-                <a:highlight>
-                  <a:srgbClr val="FFFFFF"/>
-                </a:highlight>
-                <a:latin typeface="Consolas" panose="020B0609020204030204" pitchFamily="49" charset="0"/>
-              </a:rPr>
-              <a:t> </a:t>
-            </a:r>
-            <a:r>
-              <a:rPr lang="pl-PL" sz="900" dirty="0" err="1">
-                <a:solidFill>
-                  <a:srgbClr val="0000FF"/>
-                </a:solidFill>
-                <a:highlight>
-                  <a:srgbClr val="FFFFFF"/>
-                </a:highlight>
-                <a:latin typeface="Consolas" panose="020B0609020204030204" pitchFamily="49" charset="0"/>
-              </a:rPr>
-              <a:t>static</a:t>
-            </a:r>
-            <a:r>
-              <a:rPr lang="pl-PL" sz="900" dirty="0">
-                <a:solidFill>
-                  <a:srgbClr val="000000"/>
-                </a:solidFill>
-                <a:highlight>
-                  <a:srgbClr val="FFFFFF"/>
-                </a:highlight>
-                <a:latin typeface="Consolas" panose="020B0609020204030204" pitchFamily="49" charset="0"/>
-              </a:rPr>
-              <a:t> </a:t>
-            </a:r>
-            <a:r>
-              <a:rPr lang="pl-PL" sz="900" dirty="0">
-                <a:solidFill>
-                  <a:srgbClr val="2B91AF"/>
-                </a:solidFill>
-                <a:highlight>
-                  <a:srgbClr val="FFFFFF"/>
-                </a:highlight>
-                <a:latin typeface="Consolas" panose="020B0609020204030204" pitchFamily="49" charset="0"/>
-              </a:rPr>
-              <a:t>Singleton</a:t>
-            </a:r>
-            <a:r>
-              <a:rPr lang="pl-PL" sz="900" dirty="0">
-                <a:solidFill>
-                  <a:srgbClr val="000000"/>
-                </a:solidFill>
-                <a:highlight>
-                  <a:srgbClr val="FFFFFF"/>
-                </a:highlight>
-                <a:latin typeface="Consolas" panose="020B0609020204030204" pitchFamily="49" charset="0"/>
-              </a:rPr>
-              <a:t> </a:t>
-            </a:r>
-            <a:r>
-              <a:rPr lang="pl-PL" sz="900" dirty="0" err="1">
-                <a:solidFill>
-                  <a:srgbClr val="000000"/>
-                </a:solidFill>
-                <a:highlight>
-                  <a:srgbClr val="FFFFFF"/>
-                </a:highlight>
-                <a:latin typeface="Consolas" panose="020B0609020204030204" pitchFamily="49" charset="0"/>
-              </a:rPr>
-              <a:t>instance</a:t>
-            </a:r>
-            <a:r>
-              <a:rPr lang="pl-PL" sz="900" dirty="0">
-                <a:solidFill>
-                  <a:srgbClr val="000000"/>
-                </a:solidFill>
-                <a:highlight>
-                  <a:srgbClr val="FFFFFF"/>
-                </a:highlight>
-                <a:latin typeface="Consolas" panose="020B0609020204030204" pitchFamily="49" charset="0"/>
-              </a:rPr>
-              <a:t> = </a:t>
-            </a:r>
-            <a:r>
-              <a:rPr lang="pl-PL" sz="900" dirty="0" err="1" smtClean="0">
-                <a:solidFill>
-                  <a:srgbClr val="0000FF"/>
-                </a:solidFill>
-                <a:highlight>
-                  <a:srgbClr val="FFFFFF"/>
-                </a:highlight>
-                <a:latin typeface="Consolas" panose="020B0609020204030204" pitchFamily="49" charset="0"/>
-              </a:rPr>
-              <a:t>null</a:t>
-            </a:r>
-            <a:r>
-              <a:rPr lang="pl-PL" sz="900" dirty="0" smtClean="0">
-                <a:solidFill>
-                  <a:srgbClr val="000000"/>
-                </a:solidFill>
-                <a:highlight>
-                  <a:srgbClr val="FFFFFF"/>
-                </a:highlight>
-                <a:latin typeface="Consolas" panose="020B0609020204030204" pitchFamily="49" charset="0"/>
-              </a:rPr>
-              <a:t>;</a:t>
-            </a:r>
-            <a:br>
-              <a:rPr lang="pl-PL" sz="900" dirty="0" smtClean="0">
-                <a:solidFill>
-                  <a:srgbClr val="000000"/>
-                </a:solidFill>
-                <a:highlight>
-                  <a:srgbClr val="FFFFFF"/>
-                </a:highlight>
-                <a:latin typeface="Consolas" panose="020B0609020204030204" pitchFamily="49" charset="0"/>
-              </a:rPr>
-            </a:br>
-            <a:r>
-              <a:rPr lang="pl-PL" sz="900" dirty="0" smtClean="0">
-                <a:solidFill>
-                  <a:srgbClr val="000000"/>
-                </a:solidFill>
-                <a:highlight>
-                  <a:srgbClr val="FFFFFF"/>
-                </a:highlight>
-                <a:latin typeface="Consolas" panose="020B0609020204030204" pitchFamily="49" charset="0"/>
-              </a:rPr>
-              <a:t>	</a:t>
-            </a:r>
-            <a:r>
-              <a:rPr lang="pl-PL" sz="900" dirty="0" smtClean="0">
-                <a:solidFill>
-                  <a:srgbClr val="0000FF"/>
-                </a:solidFill>
-                <a:highlight>
-                  <a:srgbClr val="FFFFFF"/>
-                </a:highlight>
-                <a:latin typeface="Consolas" panose="020B0609020204030204" pitchFamily="49" charset="0"/>
-              </a:rPr>
-              <a:t>public</a:t>
-            </a:r>
-            <a:r>
-              <a:rPr lang="pl-PL" sz="900" dirty="0" smtClean="0">
-                <a:solidFill>
-                  <a:srgbClr val="000000"/>
-                </a:solidFill>
-                <a:highlight>
-                  <a:srgbClr val="FFFFFF"/>
-                </a:highlight>
-                <a:latin typeface="Consolas" panose="020B0609020204030204" pitchFamily="49" charset="0"/>
-              </a:rPr>
-              <a:t> </a:t>
-            </a:r>
-            <a:r>
-              <a:rPr lang="pl-PL" sz="900" dirty="0">
-                <a:solidFill>
-                  <a:srgbClr val="2B91AF"/>
-                </a:solidFill>
-                <a:highlight>
-                  <a:srgbClr val="FFFFFF"/>
-                </a:highlight>
-                <a:latin typeface="Consolas" panose="020B0609020204030204" pitchFamily="49" charset="0"/>
-              </a:rPr>
-              <a:t>String</a:t>
-            </a:r>
-            <a:r>
-              <a:rPr lang="pl-PL" sz="900" dirty="0">
-                <a:solidFill>
-                  <a:srgbClr val="000000"/>
-                </a:solidFill>
-                <a:highlight>
-                  <a:srgbClr val="FFFFFF"/>
-                </a:highlight>
-                <a:latin typeface="Consolas" panose="020B0609020204030204" pitchFamily="49" charset="0"/>
-              </a:rPr>
-              <a:t> </a:t>
-            </a:r>
-            <a:r>
-              <a:rPr lang="pl-PL" sz="900" dirty="0" err="1">
-                <a:solidFill>
-                  <a:srgbClr val="000000"/>
-                </a:solidFill>
-                <a:highlight>
-                  <a:srgbClr val="FFFFFF"/>
-                </a:highlight>
-                <a:latin typeface="Consolas" panose="020B0609020204030204" pitchFamily="49" charset="0"/>
-              </a:rPr>
-              <a:t>name</a:t>
-            </a:r>
-            <a:r>
-              <a:rPr lang="pl-PL" sz="900" dirty="0">
-                <a:solidFill>
-                  <a:srgbClr val="000000"/>
-                </a:solidFill>
-                <a:highlight>
-                  <a:srgbClr val="FFFFFF"/>
-                </a:highlight>
-                <a:latin typeface="Consolas" panose="020B0609020204030204" pitchFamily="49" charset="0"/>
-              </a:rPr>
-              <a:t> = </a:t>
-            </a:r>
-            <a:r>
-              <a:rPr lang="pl-PL" sz="900" dirty="0" err="1">
-                <a:solidFill>
-                  <a:srgbClr val="0000FF"/>
-                </a:solidFill>
-                <a:highlight>
-                  <a:srgbClr val="FFFFFF"/>
-                </a:highlight>
-                <a:latin typeface="Consolas" panose="020B0609020204030204" pitchFamily="49" charset="0"/>
-              </a:rPr>
-              <a:t>null</a:t>
-            </a:r>
-            <a:r>
-              <a:rPr lang="pl-PL" sz="900" dirty="0" smtClean="0">
-                <a:solidFill>
-                  <a:srgbClr val="000000"/>
-                </a:solidFill>
-                <a:highlight>
-                  <a:srgbClr val="FFFFFF"/>
-                </a:highlight>
-                <a:latin typeface="Consolas" panose="020B0609020204030204" pitchFamily="49" charset="0"/>
-              </a:rPr>
-              <a:t>;</a:t>
-            </a:r>
-            <a:endParaRPr lang="pl-PL" sz="900" dirty="0">
-              <a:solidFill>
-                <a:srgbClr val="000000"/>
-              </a:solidFill>
-              <a:highlight>
-                <a:srgbClr val="FFFFFF"/>
-              </a:highlight>
-              <a:latin typeface="Consolas" panose="020B0609020204030204" pitchFamily="49" charset="0"/>
-            </a:endParaRPr>
+              <a:rPr lang="pl-PL" b="1" dirty="0" smtClean="0"/>
+              <a:t>Klasa Abstrakcyjna:</a:t>
+            </a:r>
+          </a:p>
+          <a:p>
+            <a:r>
+              <a:rPr lang="pl-PL" dirty="0" smtClean="0"/>
+              <a:t>Obiekty klasy nie mogą być utworzone;</a:t>
+            </a:r>
+          </a:p>
+          <a:p>
+            <a:r>
+              <a:rPr lang="pl-PL" dirty="0" smtClean="0"/>
+              <a:t>Klasa taka może posiadać konstruktor i destruktor</a:t>
+            </a:r>
+          </a:p>
+          <a:p>
+            <a:r>
+              <a:rPr lang="pl-PL" dirty="0" smtClean="0"/>
+              <a:t>Może posiadać funkcje abstrakcyjne, które muszą być nadpisane przez klasy pochodne</a:t>
+            </a:r>
+          </a:p>
+          <a:p>
+            <a:r>
+              <a:rPr lang="pl-PL" dirty="0" smtClean="0"/>
+              <a:t>Klasa pochodna nie może dziedziczyć już innej klasy </a:t>
+            </a:r>
+            <a:r>
+              <a:rPr lang="pl-PL" dirty="0" smtClean="0">
+                <a:sym typeface="Wingdings" panose="05000000000000000000" pitchFamily="2" charset="2"/>
+              </a:rPr>
+              <a:t></a:t>
+            </a:r>
+            <a:endParaRPr lang="pl-PL" dirty="0" smtClean="0"/>
           </a:p>
           <a:p>
             <a:pPr marL="0" indent="0">
               <a:buNone/>
             </a:pPr>
             <a:r>
-              <a:rPr lang="pl-PL" sz="900" dirty="0">
-                <a:solidFill>
-                  <a:srgbClr val="000000"/>
-                </a:solidFill>
-                <a:highlight>
-                  <a:srgbClr val="FFFFFF"/>
-                </a:highlight>
-                <a:latin typeface="Consolas" panose="020B0609020204030204" pitchFamily="49" charset="0"/>
-              </a:rPr>
-              <a:t>        </a:t>
-            </a:r>
-            <a:r>
-              <a:rPr lang="pl-PL" sz="900" dirty="0" smtClean="0">
-                <a:solidFill>
-                  <a:srgbClr val="808080"/>
-                </a:solidFill>
-                <a:highlight>
-                  <a:srgbClr val="FFFFFF"/>
-                </a:highlight>
-                <a:latin typeface="Consolas" panose="020B0609020204030204" pitchFamily="49" charset="0"/>
-              </a:rPr>
-              <a:t>///</a:t>
-            </a:r>
-            <a:r>
-              <a:rPr lang="pl-PL" sz="900" dirty="0" smtClean="0">
-                <a:solidFill>
-                  <a:srgbClr val="008000"/>
-                </a:solidFill>
-                <a:highlight>
-                  <a:srgbClr val="FFFFFF"/>
-                </a:highlight>
-                <a:latin typeface="Consolas" panose="020B0609020204030204" pitchFamily="49" charset="0"/>
-              </a:rPr>
-              <a:t> </a:t>
-            </a:r>
-            <a:r>
-              <a:rPr lang="pl-PL" sz="900" dirty="0">
-                <a:solidFill>
-                  <a:srgbClr val="808080"/>
-                </a:solidFill>
-                <a:highlight>
-                  <a:srgbClr val="FFFFFF"/>
-                </a:highlight>
-                <a:latin typeface="Consolas" panose="020B0609020204030204" pitchFamily="49" charset="0"/>
-              </a:rPr>
-              <a:t>&lt;</a:t>
-            </a:r>
-            <a:r>
-              <a:rPr lang="pl-PL" sz="900" dirty="0" err="1">
-                <a:solidFill>
-                  <a:srgbClr val="808080"/>
-                </a:solidFill>
-                <a:highlight>
-                  <a:srgbClr val="FFFFFF"/>
-                </a:highlight>
-                <a:latin typeface="Consolas" panose="020B0609020204030204" pitchFamily="49" charset="0"/>
-              </a:rPr>
-              <a:t>summary</a:t>
-            </a:r>
-            <a:r>
-              <a:rPr lang="pl-PL" sz="900" dirty="0" smtClean="0">
-                <a:solidFill>
-                  <a:srgbClr val="808080"/>
-                </a:solidFill>
-                <a:highlight>
-                  <a:srgbClr val="FFFFFF"/>
-                </a:highlight>
-                <a:latin typeface="Consolas" panose="020B0609020204030204" pitchFamily="49" charset="0"/>
-              </a:rPr>
-              <a:t>&gt;</a:t>
-            </a:r>
-            <a:br>
-              <a:rPr lang="pl-PL" sz="900" dirty="0" smtClean="0">
-                <a:solidFill>
-                  <a:srgbClr val="808080"/>
-                </a:solidFill>
-                <a:highlight>
-                  <a:srgbClr val="FFFFFF"/>
-                </a:highlight>
-                <a:latin typeface="Consolas" panose="020B0609020204030204" pitchFamily="49" charset="0"/>
-              </a:rPr>
-            </a:br>
-            <a:r>
-              <a:rPr lang="pl-PL" sz="900" dirty="0" smtClean="0">
-                <a:solidFill>
-                  <a:srgbClr val="000000"/>
-                </a:solidFill>
-                <a:highlight>
-                  <a:srgbClr val="FFFFFF"/>
-                </a:highlight>
-                <a:latin typeface="Consolas" panose="020B0609020204030204" pitchFamily="49" charset="0"/>
-              </a:rPr>
-              <a:t>       	</a:t>
-            </a:r>
-            <a:r>
-              <a:rPr lang="pl-PL" sz="900" dirty="0" smtClean="0">
-                <a:solidFill>
-                  <a:srgbClr val="808080"/>
-                </a:solidFill>
-                <a:highlight>
-                  <a:srgbClr val="FFFFFF"/>
-                </a:highlight>
-                <a:latin typeface="Consolas" panose="020B0609020204030204" pitchFamily="49" charset="0"/>
-              </a:rPr>
-              <a:t>///</a:t>
-            </a:r>
-            <a:r>
-              <a:rPr lang="pl-PL" sz="900" dirty="0" smtClean="0">
-                <a:solidFill>
-                  <a:srgbClr val="008000"/>
-                </a:solidFill>
-                <a:highlight>
-                  <a:srgbClr val="FFFFFF"/>
-                </a:highlight>
-                <a:latin typeface="Consolas" panose="020B0609020204030204" pitchFamily="49" charset="0"/>
-              </a:rPr>
-              <a:t> </a:t>
-            </a:r>
-            <a:r>
-              <a:rPr lang="pl-PL" sz="900" dirty="0">
-                <a:solidFill>
-                  <a:srgbClr val="008000"/>
-                </a:solidFill>
-                <a:highlight>
-                  <a:srgbClr val="FFFFFF"/>
-                </a:highlight>
-                <a:latin typeface="Consolas" panose="020B0609020204030204" pitchFamily="49" charset="0"/>
-              </a:rPr>
-              <a:t>Konstruktor domyślny jest prywatny przez co nie utworzymy żadnej instancji </a:t>
-            </a:r>
-            <a:r>
-              <a:rPr lang="pl-PL" sz="900" dirty="0" smtClean="0">
-                <a:solidFill>
-                  <a:srgbClr val="008000"/>
-                </a:solidFill>
-                <a:highlight>
-                  <a:srgbClr val="FFFFFF"/>
-                </a:highlight>
-                <a:latin typeface="Consolas" panose="020B0609020204030204" pitchFamily="49" charset="0"/>
-              </a:rPr>
+              <a:rPr lang="pl-PL" b="1" dirty="0" smtClean="0"/>
+              <a:t>Interfejs:</a:t>
+            </a:r>
+          </a:p>
+          <a:p>
+            <a:r>
+              <a:rPr lang="pl-PL" dirty="0" smtClean="0"/>
+              <a:t>Klasa może posiadać wiele interfejsów </a:t>
+            </a:r>
+            <a:r>
+              <a:rPr lang="pl-PL" dirty="0" smtClean="0">
+                <a:sym typeface="Wingdings" panose="05000000000000000000" pitchFamily="2" charset="2"/>
+              </a:rPr>
+              <a:t></a:t>
+            </a:r>
+            <a:endParaRPr lang="pl-PL" dirty="0" smtClean="0"/>
+          </a:p>
+          <a:p>
+            <a:r>
+              <a:rPr lang="pl-PL" dirty="0" smtClean="0"/>
+              <a:t>Wszystkie metody  z założenia są abstrakcyjne (więc muszą być utworzone ich ciała w klasie posiadającej interfejs)</a:t>
+            </a:r>
+          </a:p>
+          <a:p>
+            <a:r>
+              <a:rPr lang="pl-PL" dirty="0" smtClean="0"/>
+              <a:t>Interfejsy nie są dziedziczone one są implementowane w klasie</a:t>
+            </a:r>
+          </a:p>
+          <a:p>
+            <a:r>
+              <a:rPr lang="pl-PL" dirty="0" smtClean="0"/>
+              <a:t>Interfejsy </a:t>
+            </a:r>
+            <a:r>
+              <a:rPr lang="pl-PL" dirty="0"/>
+              <a:t>zapewniają określone cechy </a:t>
+            </a:r>
+            <a:r>
+              <a:rPr lang="pl-PL" dirty="0" smtClean="0"/>
               <a:t>klasy</a:t>
             </a:r>
-            <a:br>
-              <a:rPr lang="pl-PL" sz="900" dirty="0" smtClean="0">
-                <a:solidFill>
-                  <a:srgbClr val="008000"/>
-                </a:solidFill>
-                <a:highlight>
-                  <a:srgbClr val="FFFFFF"/>
-                </a:highlight>
-                <a:latin typeface="Consolas" panose="020B0609020204030204" pitchFamily="49" charset="0"/>
-              </a:rPr>
-            </a:br>
-            <a:r>
-              <a:rPr lang="pl-PL" sz="900" dirty="0" smtClean="0">
-                <a:solidFill>
-                  <a:srgbClr val="000000"/>
-                </a:solidFill>
-                <a:highlight>
-                  <a:srgbClr val="FFFFFF"/>
-                </a:highlight>
-                <a:latin typeface="Consolas" panose="020B0609020204030204" pitchFamily="49" charset="0"/>
-              </a:rPr>
-              <a:t>       </a:t>
-            </a:r>
-            <a:r>
-              <a:rPr lang="pl-PL" sz="900" dirty="0" smtClean="0">
-                <a:solidFill>
-                  <a:srgbClr val="808080"/>
-                </a:solidFill>
-                <a:highlight>
-                  <a:srgbClr val="FFFFFF"/>
-                </a:highlight>
-                <a:latin typeface="Consolas" panose="020B0609020204030204" pitchFamily="49" charset="0"/>
-              </a:rPr>
-              <a:t>///</a:t>
-            </a:r>
-            <a:r>
-              <a:rPr lang="pl-PL" sz="900" dirty="0" smtClean="0">
-                <a:solidFill>
-                  <a:srgbClr val="008000"/>
-                </a:solidFill>
-                <a:highlight>
-                  <a:srgbClr val="FFFFFF"/>
-                </a:highlight>
-                <a:latin typeface="Consolas" panose="020B0609020204030204" pitchFamily="49" charset="0"/>
-              </a:rPr>
-              <a:t> </a:t>
-            </a:r>
-            <a:r>
-              <a:rPr lang="pl-PL" sz="900" dirty="0">
-                <a:solidFill>
-                  <a:srgbClr val="808080"/>
-                </a:solidFill>
-                <a:highlight>
-                  <a:srgbClr val="FFFFFF"/>
-                </a:highlight>
-                <a:latin typeface="Consolas" panose="020B0609020204030204" pitchFamily="49" charset="0"/>
-              </a:rPr>
-              <a:t>&lt;/</a:t>
-            </a:r>
-            <a:r>
-              <a:rPr lang="pl-PL" sz="900" dirty="0" err="1">
-                <a:solidFill>
-                  <a:srgbClr val="808080"/>
-                </a:solidFill>
-                <a:highlight>
-                  <a:srgbClr val="FFFFFF"/>
-                </a:highlight>
-                <a:latin typeface="Consolas" panose="020B0609020204030204" pitchFamily="49" charset="0"/>
-              </a:rPr>
-              <a:t>summary</a:t>
-            </a:r>
-            <a:r>
-              <a:rPr lang="pl-PL" sz="900" dirty="0" smtClean="0">
-                <a:solidFill>
-                  <a:srgbClr val="808080"/>
-                </a:solidFill>
-                <a:highlight>
-                  <a:srgbClr val="FFFFFF"/>
-                </a:highlight>
-                <a:latin typeface="Consolas" panose="020B0609020204030204" pitchFamily="49" charset="0"/>
-              </a:rPr>
-              <a:t>&gt;</a:t>
-            </a:r>
-            <a:br>
-              <a:rPr lang="pl-PL" sz="900" dirty="0" smtClean="0">
-                <a:solidFill>
-                  <a:srgbClr val="808080"/>
-                </a:solidFill>
-                <a:highlight>
-                  <a:srgbClr val="FFFFFF"/>
-                </a:highlight>
-                <a:latin typeface="Consolas" panose="020B0609020204030204" pitchFamily="49" charset="0"/>
-              </a:rPr>
-            </a:br>
-            <a:r>
-              <a:rPr lang="pl-PL" sz="900" dirty="0" smtClean="0">
-                <a:solidFill>
-                  <a:srgbClr val="000000"/>
-                </a:solidFill>
-                <a:highlight>
-                  <a:srgbClr val="FFFFFF"/>
-                </a:highlight>
-                <a:latin typeface="Consolas" panose="020B0609020204030204" pitchFamily="49" charset="0"/>
-              </a:rPr>
-              <a:t>        </a:t>
-            </a:r>
-            <a:r>
-              <a:rPr lang="pl-PL" sz="900" dirty="0" err="1" smtClean="0">
-                <a:solidFill>
-                  <a:srgbClr val="0000FF"/>
-                </a:solidFill>
-                <a:highlight>
-                  <a:srgbClr val="FFFFFF"/>
-                </a:highlight>
-                <a:latin typeface="Consolas" panose="020B0609020204030204" pitchFamily="49" charset="0"/>
-              </a:rPr>
-              <a:t>private</a:t>
-            </a:r>
-            <a:r>
-              <a:rPr lang="pl-PL" sz="900" dirty="0" smtClean="0">
-                <a:solidFill>
-                  <a:srgbClr val="000000"/>
-                </a:solidFill>
-                <a:highlight>
-                  <a:srgbClr val="FFFFFF"/>
-                </a:highlight>
-                <a:latin typeface="Consolas" panose="020B0609020204030204" pitchFamily="49" charset="0"/>
-              </a:rPr>
-              <a:t> </a:t>
-            </a:r>
-            <a:r>
-              <a:rPr lang="pl-PL" sz="900" dirty="0">
-                <a:solidFill>
-                  <a:srgbClr val="000000"/>
-                </a:solidFill>
-                <a:highlight>
-                  <a:srgbClr val="FFFFFF"/>
-                </a:highlight>
-                <a:latin typeface="Consolas" panose="020B0609020204030204" pitchFamily="49" charset="0"/>
-              </a:rPr>
-              <a:t>Singleton</a:t>
-            </a:r>
-            <a:r>
-              <a:rPr lang="pl-PL" sz="900" dirty="0" smtClean="0">
-                <a:solidFill>
-                  <a:srgbClr val="000000"/>
-                </a:solidFill>
-                <a:highlight>
-                  <a:srgbClr val="FFFFFF"/>
-                </a:highlight>
-                <a:latin typeface="Consolas" panose="020B0609020204030204" pitchFamily="49" charset="0"/>
-              </a:rPr>
-              <a:t>()</a:t>
-            </a:r>
-            <a:br>
-              <a:rPr lang="pl-PL" sz="900" dirty="0" smtClean="0">
-                <a:solidFill>
-                  <a:srgbClr val="000000"/>
-                </a:solidFill>
-                <a:highlight>
-                  <a:srgbClr val="FFFFFF"/>
-                </a:highlight>
-                <a:latin typeface="Consolas" panose="020B0609020204030204" pitchFamily="49" charset="0"/>
-              </a:rPr>
-            </a:br>
-            <a:r>
-              <a:rPr lang="pl-PL" sz="900" dirty="0" smtClean="0">
-                <a:solidFill>
-                  <a:srgbClr val="000000"/>
-                </a:solidFill>
-                <a:highlight>
-                  <a:srgbClr val="FFFFFF"/>
-                </a:highlight>
-                <a:latin typeface="Consolas" panose="020B0609020204030204" pitchFamily="49" charset="0"/>
-              </a:rPr>
-              <a:t>        {</a:t>
-            </a:r>
-            <a:endParaRPr lang="pl-PL" sz="900" dirty="0">
-              <a:solidFill>
-                <a:srgbClr val="000000"/>
-              </a:solidFill>
-              <a:highlight>
-                <a:srgbClr val="FFFFFF"/>
-              </a:highlight>
-              <a:latin typeface="Consolas" panose="020B0609020204030204" pitchFamily="49" charset="0"/>
-            </a:endParaRPr>
           </a:p>
           <a:p>
             <a:pPr marL="0" indent="0">
               <a:buNone/>
             </a:pPr>
-            <a:r>
-              <a:rPr lang="pl-PL" sz="900" dirty="0">
-                <a:solidFill>
-                  <a:srgbClr val="000000"/>
-                </a:solidFill>
-                <a:highlight>
-                  <a:srgbClr val="FFFFFF"/>
-                </a:highlight>
-                <a:latin typeface="Consolas" panose="020B0609020204030204" pitchFamily="49" charset="0"/>
-              </a:rPr>
-              <a:t>        </a:t>
-            </a:r>
-            <a:r>
-              <a:rPr lang="pl-PL" sz="900" dirty="0" smtClean="0">
-                <a:solidFill>
-                  <a:srgbClr val="000000"/>
-                </a:solidFill>
-                <a:highlight>
-                  <a:srgbClr val="FFFFFF"/>
-                </a:highlight>
-                <a:latin typeface="Consolas" panose="020B0609020204030204" pitchFamily="49" charset="0"/>
-              </a:rPr>
-              <a:t>}</a:t>
-            </a:r>
-            <a:endParaRPr lang="pl-PL" sz="900" dirty="0">
-              <a:solidFill>
-                <a:srgbClr val="000000"/>
-              </a:solidFill>
-              <a:highlight>
-                <a:srgbClr val="FFFFFF"/>
-              </a:highlight>
-              <a:latin typeface="Consolas" panose="020B0609020204030204" pitchFamily="49" charset="0"/>
-            </a:endParaRPr>
+            <a:endParaRPr lang="pl-PL" dirty="0"/>
           </a:p>
           <a:p>
             <a:pPr marL="0" indent="0">
               <a:buNone/>
             </a:pPr>
             <a:r>
-              <a:rPr lang="en-US" sz="900" dirty="0">
-                <a:solidFill>
-                  <a:srgbClr val="000000"/>
-                </a:solidFill>
-                <a:highlight>
-                  <a:srgbClr val="FFFFFF"/>
-                </a:highlight>
-                <a:latin typeface="Consolas" panose="020B0609020204030204" pitchFamily="49" charset="0"/>
-              </a:rPr>
-              <a:t>        </a:t>
-            </a:r>
-            <a:r>
-              <a:rPr lang="en-US" sz="900" dirty="0" smtClean="0">
-                <a:solidFill>
-                  <a:srgbClr val="0000FF"/>
-                </a:solidFill>
-                <a:highlight>
-                  <a:srgbClr val="FFFFFF"/>
-                </a:highlight>
-                <a:latin typeface="Consolas" panose="020B0609020204030204" pitchFamily="49" charset="0"/>
-              </a:rPr>
-              <a:t>private</a:t>
-            </a:r>
-            <a:r>
-              <a:rPr lang="en-US" sz="900" dirty="0" smtClean="0">
-                <a:solidFill>
-                  <a:srgbClr val="000000"/>
-                </a:solidFill>
-                <a:highlight>
-                  <a:srgbClr val="FFFFFF"/>
-                </a:highlight>
-                <a:latin typeface="Consolas" panose="020B0609020204030204" pitchFamily="49" charset="0"/>
-              </a:rPr>
-              <a:t> </a:t>
-            </a:r>
-            <a:r>
-              <a:rPr lang="en-US" sz="900" dirty="0">
-                <a:solidFill>
-                  <a:srgbClr val="0000FF"/>
-                </a:solidFill>
-                <a:highlight>
-                  <a:srgbClr val="FFFFFF"/>
-                </a:highlight>
-                <a:latin typeface="Consolas" panose="020B0609020204030204" pitchFamily="49" charset="0"/>
-              </a:rPr>
-              <a:t>static</a:t>
-            </a:r>
-            <a:r>
-              <a:rPr lang="en-US" sz="900" dirty="0">
-                <a:solidFill>
-                  <a:srgbClr val="000000"/>
-                </a:solidFill>
-                <a:highlight>
-                  <a:srgbClr val="FFFFFF"/>
-                </a:highlight>
-                <a:latin typeface="Consolas" panose="020B0609020204030204" pitchFamily="49" charset="0"/>
-              </a:rPr>
-              <a:t> </a:t>
-            </a:r>
-            <a:r>
-              <a:rPr lang="en-US" sz="900" dirty="0" err="1" smtClean="0">
-                <a:solidFill>
-                  <a:srgbClr val="0000FF"/>
-                </a:solidFill>
-                <a:highlight>
-                  <a:srgbClr val="FFFFFF"/>
-                </a:highlight>
-                <a:latin typeface="Consolas" panose="020B0609020204030204" pitchFamily="49" charset="0"/>
-              </a:rPr>
-              <a:t>readonly</a:t>
-            </a:r>
-            <a:r>
-              <a:rPr lang="en-US" sz="900" dirty="0" smtClean="0">
-                <a:solidFill>
-                  <a:srgbClr val="000000"/>
-                </a:solidFill>
-                <a:highlight>
-                  <a:srgbClr val="FFFFFF"/>
-                </a:highlight>
-                <a:latin typeface="Consolas" panose="020B0609020204030204" pitchFamily="49" charset="0"/>
-              </a:rPr>
-              <a:t> </a:t>
-            </a:r>
-            <a:r>
-              <a:rPr lang="en-US" sz="900" dirty="0" smtClean="0">
-                <a:solidFill>
-                  <a:srgbClr val="0000FF"/>
-                </a:solidFill>
-                <a:highlight>
-                  <a:srgbClr val="FFFFFF"/>
-                </a:highlight>
-                <a:latin typeface="Consolas" panose="020B0609020204030204" pitchFamily="49" charset="0"/>
-              </a:rPr>
-              <a:t>object</a:t>
-            </a:r>
-            <a:r>
-              <a:rPr lang="en-US" sz="900" dirty="0" smtClean="0">
-                <a:solidFill>
-                  <a:srgbClr val="000000"/>
-                </a:solidFill>
-                <a:highlight>
-                  <a:srgbClr val="FFFFFF"/>
-                </a:highlight>
-                <a:latin typeface="Consolas" panose="020B0609020204030204" pitchFamily="49" charset="0"/>
-              </a:rPr>
-              <a:t> </a:t>
-            </a:r>
-            <a:r>
-              <a:rPr lang="en-US" sz="900" dirty="0" err="1">
-                <a:solidFill>
-                  <a:srgbClr val="000000"/>
-                </a:solidFill>
-                <a:highlight>
-                  <a:srgbClr val="FFFFFF"/>
-                </a:highlight>
-                <a:latin typeface="Consolas" panose="020B0609020204030204" pitchFamily="49" charset="0"/>
-              </a:rPr>
-              <a:t>syncLock</a:t>
-            </a:r>
-            <a:r>
-              <a:rPr lang="en-US" sz="900" dirty="0">
-                <a:solidFill>
-                  <a:srgbClr val="000000"/>
-                </a:solidFill>
-                <a:highlight>
-                  <a:srgbClr val="FFFFFF"/>
-                </a:highlight>
-                <a:latin typeface="Consolas" panose="020B0609020204030204" pitchFamily="49" charset="0"/>
-              </a:rPr>
-              <a:t> = </a:t>
-            </a:r>
-            <a:r>
-              <a:rPr lang="en-US" sz="900" dirty="0">
-                <a:solidFill>
-                  <a:srgbClr val="0000FF"/>
-                </a:solidFill>
-                <a:highlight>
-                  <a:srgbClr val="FFFFFF"/>
-                </a:highlight>
-                <a:latin typeface="Consolas" panose="020B0609020204030204" pitchFamily="49" charset="0"/>
-              </a:rPr>
-              <a:t>new</a:t>
-            </a:r>
-            <a:r>
-              <a:rPr lang="en-US" sz="900" dirty="0">
-                <a:solidFill>
-                  <a:srgbClr val="000000"/>
-                </a:solidFill>
-                <a:highlight>
-                  <a:srgbClr val="FFFFFF"/>
-                </a:highlight>
-                <a:latin typeface="Consolas" panose="020B0609020204030204" pitchFamily="49" charset="0"/>
-              </a:rPr>
-              <a:t> </a:t>
-            </a:r>
-            <a:r>
-              <a:rPr lang="en-US" sz="900" dirty="0">
-                <a:solidFill>
-                  <a:srgbClr val="0000FF"/>
-                </a:solidFill>
-                <a:highlight>
-                  <a:srgbClr val="FFFFFF"/>
-                </a:highlight>
-                <a:latin typeface="Consolas" panose="020B0609020204030204" pitchFamily="49" charset="0"/>
-              </a:rPr>
-              <a:t>object</a:t>
-            </a:r>
-            <a:r>
-              <a:rPr lang="en-US" sz="900" dirty="0" smtClean="0">
-                <a:solidFill>
-                  <a:srgbClr val="000000"/>
-                </a:solidFill>
-                <a:highlight>
-                  <a:srgbClr val="FFFFFF"/>
-                </a:highlight>
-                <a:latin typeface="Consolas" panose="020B0609020204030204" pitchFamily="49" charset="0"/>
-              </a:rPr>
-              <a:t>();</a:t>
-            </a:r>
-            <a:endParaRPr lang="pl-PL" sz="900" dirty="0">
-              <a:solidFill>
-                <a:srgbClr val="000000"/>
-              </a:solidFill>
-              <a:highlight>
-                <a:srgbClr val="FFFFFF"/>
-              </a:highlight>
-              <a:latin typeface="Consolas" panose="020B0609020204030204" pitchFamily="49" charset="0"/>
-            </a:endParaRPr>
-          </a:p>
-          <a:p>
-            <a:pPr marL="0" indent="0">
-              <a:buNone/>
-            </a:pPr>
-            <a:r>
-              <a:rPr lang="pl-PL" sz="900" dirty="0" smtClean="0">
-                <a:solidFill>
-                  <a:srgbClr val="000000"/>
-                </a:solidFill>
-                <a:highlight>
-                  <a:srgbClr val="FFFFFF"/>
-                </a:highlight>
-                <a:latin typeface="Consolas" panose="020B0609020204030204" pitchFamily="49" charset="0"/>
-              </a:rPr>
-              <a:t>       </a:t>
-            </a:r>
-            <a:r>
-              <a:rPr lang="pl-PL" sz="900" dirty="0" smtClean="0">
-                <a:solidFill>
-                  <a:srgbClr val="808080"/>
-                </a:solidFill>
-                <a:highlight>
-                  <a:srgbClr val="FFFFFF"/>
-                </a:highlight>
-                <a:latin typeface="Consolas" panose="020B0609020204030204" pitchFamily="49" charset="0"/>
-              </a:rPr>
-              <a:t>///</a:t>
-            </a:r>
-            <a:r>
-              <a:rPr lang="pl-PL" sz="900" dirty="0" smtClean="0">
-                <a:solidFill>
-                  <a:srgbClr val="008000"/>
-                </a:solidFill>
-                <a:highlight>
-                  <a:srgbClr val="FFFFFF"/>
-                </a:highlight>
-                <a:latin typeface="Consolas" panose="020B0609020204030204" pitchFamily="49" charset="0"/>
-              </a:rPr>
-              <a:t> </a:t>
-            </a:r>
-            <a:r>
-              <a:rPr lang="pl-PL" sz="900" dirty="0" smtClean="0">
-                <a:solidFill>
-                  <a:srgbClr val="808080"/>
-                </a:solidFill>
-                <a:highlight>
-                  <a:srgbClr val="FFFFFF"/>
-                </a:highlight>
-                <a:latin typeface="Consolas" panose="020B0609020204030204" pitchFamily="49" charset="0"/>
-              </a:rPr>
-              <a:t>&lt;</a:t>
-            </a:r>
-            <a:r>
-              <a:rPr lang="pl-PL" sz="900" dirty="0" err="1" smtClean="0">
-                <a:solidFill>
-                  <a:srgbClr val="808080"/>
-                </a:solidFill>
-                <a:highlight>
-                  <a:srgbClr val="FFFFFF"/>
-                </a:highlight>
-                <a:latin typeface="Consolas" panose="020B0609020204030204" pitchFamily="49" charset="0"/>
-              </a:rPr>
-              <a:t>summary</a:t>
-            </a:r>
-            <a:r>
-              <a:rPr lang="pl-PL" sz="900" dirty="0" smtClean="0">
-                <a:solidFill>
-                  <a:srgbClr val="808080"/>
-                </a:solidFill>
-                <a:highlight>
-                  <a:srgbClr val="FFFFFF"/>
-                </a:highlight>
-                <a:latin typeface="Consolas" panose="020B0609020204030204" pitchFamily="49" charset="0"/>
-              </a:rPr>
-              <a:t>&gt;</a:t>
-            </a:r>
-            <a:br>
-              <a:rPr lang="pl-PL" sz="900" dirty="0" smtClean="0">
-                <a:solidFill>
-                  <a:srgbClr val="808080"/>
-                </a:solidFill>
-                <a:highlight>
-                  <a:srgbClr val="FFFFFF"/>
-                </a:highlight>
-                <a:latin typeface="Consolas" panose="020B0609020204030204" pitchFamily="49" charset="0"/>
-              </a:rPr>
-            </a:br>
-            <a:r>
-              <a:rPr lang="pl-PL" sz="900" dirty="0" smtClean="0">
-                <a:solidFill>
-                  <a:srgbClr val="000000"/>
-                </a:solidFill>
-                <a:highlight>
-                  <a:srgbClr val="FFFFFF"/>
-                </a:highlight>
-                <a:latin typeface="Consolas" panose="020B0609020204030204" pitchFamily="49" charset="0"/>
-              </a:rPr>
-              <a:t>       </a:t>
-            </a:r>
-            <a:r>
-              <a:rPr lang="pl-PL" sz="900" dirty="0" smtClean="0">
-                <a:solidFill>
-                  <a:srgbClr val="808080"/>
-                </a:solidFill>
-                <a:highlight>
-                  <a:srgbClr val="FFFFFF"/>
-                </a:highlight>
-                <a:latin typeface="Consolas" panose="020B0609020204030204" pitchFamily="49" charset="0"/>
-              </a:rPr>
-              <a:t>///</a:t>
-            </a:r>
-            <a:r>
-              <a:rPr lang="pl-PL" sz="900" dirty="0" smtClean="0">
-                <a:solidFill>
-                  <a:srgbClr val="008000"/>
-                </a:solidFill>
-                <a:highlight>
-                  <a:srgbClr val="FFFFFF"/>
-                </a:highlight>
-                <a:latin typeface="Consolas" panose="020B0609020204030204" pitchFamily="49" charset="0"/>
-              </a:rPr>
-              <a:t> Metoda </a:t>
-            </a:r>
-            <a:r>
-              <a:rPr lang="pl-PL" sz="900" dirty="0" err="1" smtClean="0">
-                <a:solidFill>
-                  <a:srgbClr val="008000"/>
-                </a:solidFill>
-                <a:highlight>
-                  <a:srgbClr val="FFFFFF"/>
-                </a:highlight>
-                <a:latin typeface="Consolas" panose="020B0609020204030204" pitchFamily="49" charset="0"/>
-              </a:rPr>
-              <a:t>ktora</a:t>
-            </a:r>
-            <a:r>
-              <a:rPr lang="pl-PL" sz="900" dirty="0" smtClean="0">
-                <a:solidFill>
-                  <a:srgbClr val="008000"/>
-                </a:solidFill>
-                <a:highlight>
-                  <a:srgbClr val="FFFFFF"/>
-                </a:highlight>
-                <a:latin typeface="Consolas" panose="020B0609020204030204" pitchFamily="49" charset="0"/>
-              </a:rPr>
-              <a:t> zwraca nam instancję obiektu, który może wystąpić tylko i wyłącznie raz</a:t>
-            </a:r>
-            <a:br>
-              <a:rPr lang="pl-PL" sz="900" dirty="0" smtClean="0">
-                <a:solidFill>
-                  <a:srgbClr val="008000"/>
-                </a:solidFill>
-                <a:highlight>
-                  <a:srgbClr val="FFFFFF"/>
-                </a:highlight>
-                <a:latin typeface="Consolas" panose="020B0609020204030204" pitchFamily="49" charset="0"/>
-              </a:rPr>
-            </a:br>
-            <a:r>
-              <a:rPr lang="pl-PL" sz="900" dirty="0" smtClean="0">
-                <a:solidFill>
-                  <a:srgbClr val="000000"/>
-                </a:solidFill>
-                <a:highlight>
-                  <a:srgbClr val="FFFFFF"/>
-                </a:highlight>
-                <a:latin typeface="Consolas" panose="020B0609020204030204" pitchFamily="49" charset="0"/>
-              </a:rPr>
-              <a:t>       </a:t>
-            </a:r>
-            <a:r>
-              <a:rPr lang="pl-PL" sz="900" dirty="0" smtClean="0">
-                <a:solidFill>
-                  <a:srgbClr val="808080"/>
-                </a:solidFill>
-                <a:highlight>
-                  <a:srgbClr val="FFFFFF"/>
-                </a:highlight>
-                <a:latin typeface="Consolas" panose="020B0609020204030204" pitchFamily="49" charset="0"/>
-              </a:rPr>
-              <a:t>///</a:t>
-            </a:r>
-            <a:r>
-              <a:rPr lang="pl-PL" sz="900" dirty="0" smtClean="0">
-                <a:solidFill>
-                  <a:srgbClr val="008000"/>
-                </a:solidFill>
-                <a:highlight>
-                  <a:srgbClr val="FFFFFF"/>
-                </a:highlight>
-                <a:latin typeface="Consolas" panose="020B0609020204030204" pitchFamily="49" charset="0"/>
-              </a:rPr>
-              <a:t> </a:t>
-            </a:r>
-            <a:r>
-              <a:rPr lang="pl-PL" sz="900" dirty="0" smtClean="0">
-                <a:solidFill>
-                  <a:srgbClr val="808080"/>
-                </a:solidFill>
-                <a:highlight>
-                  <a:srgbClr val="FFFFFF"/>
-                </a:highlight>
-                <a:latin typeface="Consolas" panose="020B0609020204030204" pitchFamily="49" charset="0"/>
-              </a:rPr>
-              <a:t>&lt;/</a:t>
-            </a:r>
-            <a:r>
-              <a:rPr lang="pl-PL" sz="900" dirty="0" err="1" smtClean="0">
-                <a:solidFill>
-                  <a:srgbClr val="808080"/>
-                </a:solidFill>
-                <a:highlight>
-                  <a:srgbClr val="FFFFFF"/>
-                </a:highlight>
-                <a:latin typeface="Consolas" panose="020B0609020204030204" pitchFamily="49" charset="0"/>
-              </a:rPr>
-              <a:t>summary</a:t>
-            </a:r>
-            <a:r>
-              <a:rPr lang="pl-PL" sz="900" dirty="0" smtClean="0">
-                <a:solidFill>
-                  <a:srgbClr val="808080"/>
-                </a:solidFill>
-                <a:highlight>
-                  <a:srgbClr val="FFFFFF"/>
-                </a:highlight>
-                <a:latin typeface="Consolas" panose="020B0609020204030204" pitchFamily="49" charset="0"/>
-              </a:rPr>
-              <a:t>&gt;</a:t>
-            </a:r>
-            <a:br>
-              <a:rPr lang="pl-PL" sz="900" dirty="0" smtClean="0">
-                <a:solidFill>
-                  <a:srgbClr val="808080"/>
-                </a:solidFill>
-                <a:highlight>
-                  <a:srgbClr val="FFFFFF"/>
-                </a:highlight>
-                <a:latin typeface="Consolas" panose="020B0609020204030204" pitchFamily="49" charset="0"/>
-              </a:rPr>
-            </a:br>
-            <a:r>
-              <a:rPr lang="pl-PL" sz="900" dirty="0" smtClean="0">
-                <a:solidFill>
-                  <a:srgbClr val="000000"/>
-                </a:solidFill>
-                <a:highlight>
-                  <a:srgbClr val="FFFFFF"/>
-                </a:highlight>
-                <a:latin typeface="Consolas" panose="020B0609020204030204" pitchFamily="49" charset="0"/>
-              </a:rPr>
-              <a:t>       </a:t>
-            </a:r>
-            <a:r>
-              <a:rPr lang="pl-PL" sz="900" dirty="0" smtClean="0">
-                <a:solidFill>
-                  <a:srgbClr val="808080"/>
-                </a:solidFill>
-                <a:highlight>
-                  <a:srgbClr val="FFFFFF"/>
-                </a:highlight>
-                <a:latin typeface="Consolas" panose="020B0609020204030204" pitchFamily="49" charset="0"/>
-              </a:rPr>
-              <a:t>///</a:t>
-            </a:r>
-            <a:r>
-              <a:rPr lang="pl-PL" sz="900" dirty="0" smtClean="0">
-                <a:solidFill>
-                  <a:srgbClr val="008000"/>
-                </a:solidFill>
-                <a:highlight>
-                  <a:srgbClr val="FFFFFF"/>
-                </a:highlight>
-                <a:latin typeface="Consolas" panose="020B0609020204030204" pitchFamily="49" charset="0"/>
-              </a:rPr>
-              <a:t> </a:t>
-            </a:r>
-            <a:r>
-              <a:rPr lang="pl-PL" sz="900" dirty="0" smtClean="0">
-                <a:solidFill>
-                  <a:srgbClr val="808080"/>
-                </a:solidFill>
-                <a:highlight>
-                  <a:srgbClr val="FFFFFF"/>
-                </a:highlight>
-                <a:latin typeface="Consolas" panose="020B0609020204030204" pitchFamily="49" charset="0"/>
-              </a:rPr>
-              <a:t>&lt;</a:t>
-            </a:r>
-            <a:r>
-              <a:rPr lang="pl-PL" sz="900" dirty="0" err="1" smtClean="0">
-                <a:solidFill>
-                  <a:srgbClr val="808080"/>
-                </a:solidFill>
-                <a:highlight>
-                  <a:srgbClr val="FFFFFF"/>
-                </a:highlight>
-                <a:latin typeface="Consolas" panose="020B0609020204030204" pitchFamily="49" charset="0"/>
-              </a:rPr>
-              <a:t>returns</a:t>
-            </a:r>
-            <a:r>
-              <a:rPr lang="pl-PL" sz="900" dirty="0" smtClean="0">
-                <a:solidFill>
-                  <a:srgbClr val="808080"/>
-                </a:solidFill>
-                <a:highlight>
-                  <a:srgbClr val="FFFFFF"/>
-                </a:highlight>
-                <a:latin typeface="Consolas" panose="020B0609020204030204" pitchFamily="49" charset="0"/>
-              </a:rPr>
-              <a:t>&gt;</a:t>
-            </a:r>
-            <a:r>
-              <a:rPr lang="pl-PL" sz="900" dirty="0" smtClean="0">
-                <a:solidFill>
-                  <a:srgbClr val="008000"/>
-                </a:solidFill>
-                <a:highlight>
-                  <a:srgbClr val="FFFFFF"/>
-                </a:highlight>
-                <a:latin typeface="Consolas" panose="020B0609020204030204" pitchFamily="49" charset="0"/>
-              </a:rPr>
-              <a:t>Metoda zwraca instancje klasy Singleton</a:t>
-            </a:r>
-            <a:r>
-              <a:rPr lang="pl-PL" sz="900" dirty="0" smtClean="0">
-                <a:solidFill>
-                  <a:srgbClr val="808080"/>
-                </a:solidFill>
-                <a:highlight>
-                  <a:srgbClr val="FFFFFF"/>
-                </a:highlight>
-                <a:latin typeface="Consolas" panose="020B0609020204030204" pitchFamily="49" charset="0"/>
-              </a:rPr>
-              <a:t>&lt;/</a:t>
-            </a:r>
-            <a:r>
-              <a:rPr lang="pl-PL" sz="900" dirty="0" err="1" smtClean="0">
-                <a:solidFill>
-                  <a:srgbClr val="808080"/>
-                </a:solidFill>
-                <a:highlight>
-                  <a:srgbClr val="FFFFFF"/>
-                </a:highlight>
-                <a:latin typeface="Consolas" panose="020B0609020204030204" pitchFamily="49" charset="0"/>
-              </a:rPr>
-              <a:t>returns</a:t>
-            </a:r>
-            <a:r>
-              <a:rPr lang="pl-PL" sz="900" dirty="0" smtClean="0">
-                <a:solidFill>
-                  <a:srgbClr val="808080"/>
-                </a:solidFill>
-                <a:highlight>
-                  <a:srgbClr val="FFFFFF"/>
-                </a:highlight>
-                <a:latin typeface="Consolas" panose="020B0609020204030204" pitchFamily="49" charset="0"/>
-              </a:rPr>
-              <a:t>&gt;</a:t>
-            </a:r>
-            <a:br>
-              <a:rPr lang="pl-PL" sz="900" dirty="0" smtClean="0">
-                <a:solidFill>
-                  <a:srgbClr val="808080"/>
-                </a:solidFill>
-                <a:highlight>
-                  <a:srgbClr val="FFFFFF"/>
-                </a:highlight>
-                <a:latin typeface="Consolas" panose="020B0609020204030204" pitchFamily="49" charset="0"/>
-              </a:rPr>
-            </a:br>
-            <a:r>
-              <a:rPr lang="pl-PL" sz="900" dirty="0" smtClean="0">
-                <a:solidFill>
-                  <a:srgbClr val="000000"/>
-                </a:solidFill>
-                <a:highlight>
-                  <a:srgbClr val="FFFFFF"/>
-                </a:highlight>
-                <a:latin typeface="Consolas" panose="020B0609020204030204" pitchFamily="49" charset="0"/>
-              </a:rPr>
-              <a:t>        </a:t>
-            </a:r>
-            <a:r>
-              <a:rPr lang="pl-PL" sz="900" dirty="0" smtClean="0">
-                <a:solidFill>
-                  <a:srgbClr val="0000FF"/>
-                </a:solidFill>
-                <a:highlight>
-                  <a:srgbClr val="FFFFFF"/>
-                </a:highlight>
-                <a:latin typeface="Consolas" panose="020B0609020204030204" pitchFamily="49" charset="0"/>
-              </a:rPr>
-              <a:t>public</a:t>
-            </a:r>
-            <a:r>
-              <a:rPr lang="pl-PL" sz="900" dirty="0" smtClean="0">
-                <a:solidFill>
-                  <a:srgbClr val="000000"/>
-                </a:solidFill>
-                <a:highlight>
-                  <a:srgbClr val="FFFFFF"/>
-                </a:highlight>
-                <a:latin typeface="Consolas" panose="020B0609020204030204" pitchFamily="49" charset="0"/>
-              </a:rPr>
-              <a:t> </a:t>
-            </a:r>
-            <a:r>
-              <a:rPr lang="pl-PL" sz="900" dirty="0" err="1" smtClean="0">
-                <a:solidFill>
-                  <a:srgbClr val="0000FF"/>
-                </a:solidFill>
-                <a:highlight>
-                  <a:srgbClr val="FFFFFF"/>
-                </a:highlight>
-                <a:latin typeface="Consolas" panose="020B0609020204030204" pitchFamily="49" charset="0"/>
-              </a:rPr>
-              <a:t>static</a:t>
-            </a:r>
-            <a:r>
-              <a:rPr lang="pl-PL" sz="900" dirty="0" smtClean="0">
-                <a:solidFill>
-                  <a:srgbClr val="000000"/>
-                </a:solidFill>
-                <a:highlight>
-                  <a:srgbClr val="FFFFFF"/>
-                </a:highlight>
-                <a:latin typeface="Consolas" panose="020B0609020204030204" pitchFamily="49" charset="0"/>
-              </a:rPr>
-              <a:t> </a:t>
-            </a:r>
-            <a:r>
-              <a:rPr lang="pl-PL" sz="900" dirty="0" smtClean="0">
-                <a:solidFill>
-                  <a:srgbClr val="2B91AF"/>
-                </a:solidFill>
-                <a:highlight>
-                  <a:srgbClr val="FFFFFF"/>
-                </a:highlight>
-                <a:latin typeface="Consolas" panose="020B0609020204030204" pitchFamily="49" charset="0"/>
-              </a:rPr>
-              <a:t>Singleton</a:t>
-            </a:r>
-            <a:r>
-              <a:rPr lang="pl-PL" sz="900" dirty="0" smtClean="0">
-                <a:solidFill>
-                  <a:srgbClr val="000000"/>
-                </a:solidFill>
-                <a:highlight>
-                  <a:srgbClr val="FFFFFF"/>
-                </a:highlight>
-                <a:latin typeface="Consolas" panose="020B0609020204030204" pitchFamily="49" charset="0"/>
-              </a:rPr>
-              <a:t> </a:t>
-            </a:r>
-            <a:r>
-              <a:rPr lang="pl-PL" sz="900" dirty="0" err="1" smtClean="0">
-                <a:solidFill>
-                  <a:srgbClr val="000000"/>
-                </a:solidFill>
-                <a:highlight>
-                  <a:srgbClr val="FFFFFF"/>
-                </a:highlight>
-                <a:latin typeface="Consolas" panose="020B0609020204030204" pitchFamily="49" charset="0"/>
-              </a:rPr>
-              <a:t>getSingleton</a:t>
-            </a:r>
-            <a:r>
-              <a:rPr lang="pl-PL" sz="900" dirty="0" smtClean="0">
-                <a:solidFill>
-                  <a:srgbClr val="000000"/>
-                </a:solidFill>
-                <a:highlight>
-                  <a:srgbClr val="FFFFFF"/>
-                </a:highlight>
-                <a:latin typeface="Consolas" panose="020B0609020204030204" pitchFamily="49" charset="0"/>
-              </a:rPr>
-              <a:t>()</a:t>
-            </a:r>
-            <a:br>
-              <a:rPr lang="pl-PL" sz="900" dirty="0" smtClean="0">
-                <a:solidFill>
-                  <a:srgbClr val="000000"/>
-                </a:solidFill>
-                <a:highlight>
-                  <a:srgbClr val="FFFFFF"/>
-                </a:highlight>
-                <a:latin typeface="Consolas" panose="020B0609020204030204" pitchFamily="49" charset="0"/>
-              </a:rPr>
-            </a:br>
-            <a:r>
-              <a:rPr lang="pl-PL" sz="900" dirty="0" smtClean="0">
-                <a:solidFill>
-                  <a:srgbClr val="000000"/>
-                </a:solidFill>
-                <a:highlight>
-                  <a:srgbClr val="FFFFFF"/>
-                </a:highlight>
-                <a:latin typeface="Consolas" panose="020B0609020204030204" pitchFamily="49" charset="0"/>
-              </a:rPr>
-              <a:t>        {</a:t>
-            </a:r>
-            <a:br>
-              <a:rPr lang="pl-PL" sz="900" dirty="0" smtClean="0">
-                <a:solidFill>
-                  <a:srgbClr val="000000"/>
-                </a:solidFill>
-                <a:highlight>
-                  <a:srgbClr val="FFFFFF"/>
-                </a:highlight>
-                <a:latin typeface="Consolas" panose="020B0609020204030204" pitchFamily="49" charset="0"/>
-              </a:rPr>
-            </a:br>
-            <a:r>
-              <a:rPr lang="pl-PL" sz="900" dirty="0" smtClean="0">
-                <a:solidFill>
-                  <a:srgbClr val="000000"/>
-                </a:solidFill>
-                <a:highlight>
-                  <a:srgbClr val="FFFFFF"/>
-                </a:highlight>
-                <a:latin typeface="Consolas" panose="020B0609020204030204" pitchFamily="49" charset="0"/>
-              </a:rPr>
-              <a:t>		</a:t>
-            </a:r>
-            <a:r>
-              <a:rPr lang="pl-PL" sz="900" dirty="0">
-                <a:solidFill>
-                  <a:srgbClr val="808080"/>
-                </a:solidFill>
-                <a:highlight>
-                  <a:srgbClr val="FFFFFF"/>
-                </a:highlight>
-                <a:latin typeface="Consolas" panose="020B0609020204030204" pitchFamily="49" charset="0"/>
-              </a:rPr>
-              <a:t>///</a:t>
-            </a:r>
-            <a:r>
-              <a:rPr lang="pl-PL" sz="900" dirty="0">
-                <a:solidFill>
-                  <a:srgbClr val="008000"/>
-                </a:solidFill>
-                <a:highlight>
-                  <a:srgbClr val="FFFFFF"/>
-                </a:highlight>
-                <a:latin typeface="Consolas" panose="020B0609020204030204" pitchFamily="49" charset="0"/>
-              </a:rPr>
-              <a:t>lock jest stworzony po to aby aplikacja działająca na wielu wątkach nie porobiła nas podczas sprawdzania czy </a:t>
-            </a:r>
-            <a:r>
-              <a:rPr lang="pl-PL" sz="900" dirty="0" smtClean="0">
-                <a:solidFill>
-                  <a:srgbClr val="008000"/>
-                </a:solidFill>
-                <a:highlight>
-                  <a:srgbClr val="FFFFFF"/>
-                </a:highlight>
-                <a:latin typeface="Consolas" panose="020B0609020204030204" pitchFamily="49" charset="0"/>
-              </a:rPr>
-              <a:t>			   instancja istnieje</a:t>
-            </a:r>
-            <a:r>
-              <a:rPr lang="pl-PL" sz="900" dirty="0" smtClean="0">
-                <a:solidFill>
-                  <a:srgbClr val="000000"/>
-                </a:solidFill>
-                <a:highlight>
-                  <a:srgbClr val="FFFFFF"/>
-                </a:highlight>
-                <a:latin typeface="Consolas" panose="020B0609020204030204" pitchFamily="49" charset="0"/>
-              </a:rPr>
-              <a:t/>
-            </a:r>
-            <a:br>
-              <a:rPr lang="pl-PL" sz="900" dirty="0" smtClean="0">
-                <a:solidFill>
-                  <a:srgbClr val="000000"/>
-                </a:solidFill>
-                <a:highlight>
-                  <a:srgbClr val="FFFFFF"/>
-                </a:highlight>
-                <a:latin typeface="Consolas" panose="020B0609020204030204" pitchFamily="49" charset="0"/>
-              </a:rPr>
-            </a:br>
-            <a:r>
-              <a:rPr lang="pl-PL" sz="900" dirty="0" smtClean="0">
-                <a:solidFill>
-                  <a:srgbClr val="000000"/>
-                </a:solidFill>
-                <a:highlight>
-                  <a:srgbClr val="FFFFFF"/>
-                </a:highlight>
-                <a:latin typeface="Consolas" panose="020B0609020204030204" pitchFamily="49" charset="0"/>
-              </a:rPr>
-              <a:t>		</a:t>
-            </a:r>
-            <a:r>
-              <a:rPr lang="pl-PL" sz="900" dirty="0" smtClean="0">
-                <a:solidFill>
-                  <a:srgbClr val="0000FF"/>
-                </a:solidFill>
-                <a:highlight>
-                  <a:srgbClr val="FFFFFF"/>
-                </a:highlight>
-                <a:latin typeface="Consolas" panose="020B0609020204030204" pitchFamily="49" charset="0"/>
-              </a:rPr>
-              <a:t>lock</a:t>
-            </a:r>
-            <a:r>
-              <a:rPr lang="pl-PL" sz="900" dirty="0" smtClean="0">
-                <a:solidFill>
-                  <a:srgbClr val="000000"/>
-                </a:solidFill>
-                <a:highlight>
-                  <a:srgbClr val="FFFFFF"/>
-                </a:highlight>
-                <a:latin typeface="Consolas" panose="020B0609020204030204" pitchFamily="49" charset="0"/>
-              </a:rPr>
-              <a:t> </a:t>
-            </a:r>
-            <a:r>
-              <a:rPr lang="pl-PL" sz="900" dirty="0">
-                <a:solidFill>
-                  <a:srgbClr val="000000"/>
-                </a:solidFill>
-                <a:highlight>
-                  <a:srgbClr val="FFFFFF"/>
-                </a:highlight>
-                <a:latin typeface="Consolas" panose="020B0609020204030204" pitchFamily="49" charset="0"/>
-              </a:rPr>
-              <a:t>(</a:t>
-            </a:r>
-            <a:r>
-              <a:rPr lang="pl-PL" sz="900" dirty="0" err="1">
-                <a:solidFill>
-                  <a:srgbClr val="000000"/>
-                </a:solidFill>
-                <a:highlight>
-                  <a:srgbClr val="FFFFFF"/>
-                </a:highlight>
-                <a:latin typeface="Consolas" panose="020B0609020204030204" pitchFamily="49" charset="0"/>
-              </a:rPr>
-              <a:t>syncLock</a:t>
-            </a:r>
-            <a:r>
-              <a:rPr lang="pl-PL" sz="900" dirty="0" smtClean="0">
-                <a:solidFill>
-                  <a:srgbClr val="000000"/>
-                </a:solidFill>
-                <a:highlight>
-                  <a:srgbClr val="FFFFFF"/>
-                </a:highlight>
-                <a:latin typeface="Consolas" panose="020B0609020204030204" pitchFamily="49" charset="0"/>
-              </a:rPr>
-              <a:t>)</a:t>
-            </a:r>
-            <a:br>
-              <a:rPr lang="pl-PL" sz="900" dirty="0" smtClean="0">
-                <a:solidFill>
-                  <a:srgbClr val="000000"/>
-                </a:solidFill>
-                <a:highlight>
-                  <a:srgbClr val="FFFFFF"/>
-                </a:highlight>
-                <a:latin typeface="Consolas" panose="020B0609020204030204" pitchFamily="49" charset="0"/>
-              </a:rPr>
-            </a:br>
-            <a:r>
-              <a:rPr lang="pl-PL" sz="900" dirty="0" smtClean="0">
-                <a:solidFill>
-                  <a:srgbClr val="000000"/>
-                </a:solidFill>
-                <a:highlight>
-                  <a:srgbClr val="FFFFFF"/>
-                </a:highlight>
-                <a:latin typeface="Consolas" panose="020B0609020204030204" pitchFamily="49" charset="0"/>
-              </a:rPr>
-              <a:t>		{</a:t>
-            </a:r>
-            <a:br>
-              <a:rPr lang="pl-PL" sz="900" dirty="0" smtClean="0">
-                <a:solidFill>
-                  <a:srgbClr val="000000"/>
-                </a:solidFill>
-                <a:highlight>
-                  <a:srgbClr val="FFFFFF"/>
-                </a:highlight>
-                <a:latin typeface="Consolas" panose="020B0609020204030204" pitchFamily="49" charset="0"/>
-              </a:rPr>
-            </a:br>
-            <a:r>
-              <a:rPr lang="pl-PL" sz="900" dirty="0" smtClean="0">
-                <a:solidFill>
-                  <a:srgbClr val="000000"/>
-                </a:solidFill>
-                <a:highlight>
-                  <a:srgbClr val="FFFFFF"/>
-                </a:highlight>
-                <a:latin typeface="Consolas" panose="020B0609020204030204" pitchFamily="49" charset="0"/>
-              </a:rPr>
-              <a:t>                </a:t>
-            </a:r>
-            <a:r>
-              <a:rPr lang="pl-PL" sz="900" dirty="0">
-                <a:solidFill>
-                  <a:srgbClr val="008000"/>
-                </a:solidFill>
-                <a:highlight>
-                  <a:srgbClr val="FFFFFF"/>
-                </a:highlight>
-                <a:latin typeface="Consolas" panose="020B0609020204030204" pitchFamily="49" charset="0"/>
-              </a:rPr>
-              <a:t>//jeżeli </a:t>
-            </a:r>
-            <a:r>
-              <a:rPr lang="pl-PL" sz="900" dirty="0" err="1">
-                <a:solidFill>
-                  <a:srgbClr val="008000"/>
-                </a:solidFill>
-                <a:highlight>
-                  <a:srgbClr val="FFFFFF"/>
-                </a:highlight>
-                <a:latin typeface="Consolas" panose="020B0609020204030204" pitchFamily="49" charset="0"/>
-              </a:rPr>
-              <a:t>instance</a:t>
-            </a:r>
-            <a:r>
-              <a:rPr lang="pl-PL" sz="900" dirty="0">
-                <a:solidFill>
-                  <a:srgbClr val="008000"/>
-                </a:solidFill>
-                <a:highlight>
-                  <a:srgbClr val="FFFFFF"/>
-                </a:highlight>
-                <a:latin typeface="Consolas" panose="020B0609020204030204" pitchFamily="49" charset="0"/>
-              </a:rPr>
-              <a:t> == </a:t>
-            </a:r>
-            <a:r>
-              <a:rPr lang="pl-PL" sz="900" dirty="0" err="1">
-                <a:solidFill>
-                  <a:srgbClr val="008000"/>
-                </a:solidFill>
-                <a:highlight>
-                  <a:srgbClr val="FFFFFF"/>
-                </a:highlight>
-                <a:latin typeface="Consolas" panose="020B0609020204030204" pitchFamily="49" charset="0"/>
-              </a:rPr>
-              <a:t>null</a:t>
-            </a:r>
-            <a:r>
-              <a:rPr lang="pl-PL" sz="900" dirty="0">
-                <a:solidFill>
-                  <a:srgbClr val="008000"/>
-                </a:solidFill>
-                <a:highlight>
-                  <a:srgbClr val="FFFFFF"/>
-                </a:highlight>
-                <a:latin typeface="Consolas" panose="020B0609020204030204" pitchFamily="49" charset="0"/>
-              </a:rPr>
-              <a:t> to tworzymy nowy obiekt inaczej </a:t>
-            </a:r>
-            <a:r>
-              <a:rPr lang="pl-PL" sz="900" dirty="0" err="1">
-                <a:solidFill>
-                  <a:srgbClr val="008000"/>
-                </a:solidFill>
-                <a:highlight>
-                  <a:srgbClr val="FFFFFF"/>
-                </a:highlight>
-                <a:latin typeface="Consolas" panose="020B0609020204030204" pitchFamily="49" charset="0"/>
-              </a:rPr>
-              <a:t>zwtacamy</a:t>
-            </a:r>
-            <a:r>
-              <a:rPr lang="pl-PL" sz="900" dirty="0">
-                <a:solidFill>
-                  <a:srgbClr val="008000"/>
-                </a:solidFill>
-                <a:highlight>
-                  <a:srgbClr val="FFFFFF"/>
-                </a:highlight>
-                <a:latin typeface="Consolas" panose="020B0609020204030204" pitchFamily="49" charset="0"/>
-              </a:rPr>
-              <a:t> </a:t>
-            </a:r>
-            <a:r>
-              <a:rPr lang="pl-PL" sz="900" dirty="0" err="1" smtClean="0">
-                <a:solidFill>
-                  <a:srgbClr val="008000"/>
-                </a:solidFill>
-                <a:highlight>
-                  <a:srgbClr val="FFFFFF"/>
-                </a:highlight>
-                <a:latin typeface="Consolas" panose="020B0609020204030204" pitchFamily="49" charset="0"/>
-              </a:rPr>
-              <a:t>instance</a:t>
-            </a:r>
-            <a:r>
-              <a:rPr lang="pl-PL" sz="900" dirty="0" smtClean="0">
-                <a:solidFill>
-                  <a:srgbClr val="008000"/>
-                </a:solidFill>
-                <a:highlight>
-                  <a:srgbClr val="FFFFFF"/>
-                </a:highlight>
-                <a:latin typeface="Consolas" panose="020B0609020204030204" pitchFamily="49" charset="0"/>
-              </a:rPr>
-              <a:t/>
-            </a:r>
-            <a:br>
-              <a:rPr lang="pl-PL" sz="900" dirty="0" smtClean="0">
-                <a:solidFill>
-                  <a:srgbClr val="008000"/>
-                </a:solidFill>
-                <a:highlight>
-                  <a:srgbClr val="FFFFFF"/>
-                </a:highlight>
-                <a:latin typeface="Consolas" panose="020B0609020204030204" pitchFamily="49" charset="0"/>
-              </a:rPr>
-            </a:br>
-            <a:r>
-              <a:rPr lang="pl-PL" sz="900" dirty="0" smtClean="0">
-                <a:solidFill>
-                  <a:srgbClr val="000000"/>
-                </a:solidFill>
-                <a:highlight>
-                  <a:srgbClr val="FFFFFF"/>
-                </a:highlight>
-                <a:latin typeface="Consolas" panose="020B0609020204030204" pitchFamily="49" charset="0"/>
-              </a:rPr>
-              <a:t>                </a:t>
-            </a:r>
-            <a:r>
-              <a:rPr lang="pl-PL" sz="900" dirty="0" err="1">
-                <a:solidFill>
-                  <a:srgbClr val="0000FF"/>
-                </a:solidFill>
-                <a:highlight>
-                  <a:srgbClr val="FFFFFF"/>
-                </a:highlight>
-                <a:latin typeface="Consolas" panose="020B0609020204030204" pitchFamily="49" charset="0"/>
-              </a:rPr>
-              <a:t>if</a:t>
-            </a:r>
-            <a:r>
-              <a:rPr lang="pl-PL" sz="900" dirty="0">
-                <a:solidFill>
-                  <a:srgbClr val="000000"/>
-                </a:solidFill>
-                <a:highlight>
-                  <a:srgbClr val="FFFFFF"/>
-                </a:highlight>
-                <a:latin typeface="Consolas" panose="020B0609020204030204" pitchFamily="49" charset="0"/>
-              </a:rPr>
-              <a:t> (</a:t>
-            </a:r>
-            <a:r>
-              <a:rPr lang="pl-PL" sz="900" dirty="0" err="1">
-                <a:solidFill>
-                  <a:srgbClr val="000000"/>
-                </a:solidFill>
-                <a:highlight>
-                  <a:srgbClr val="FFFFFF"/>
-                </a:highlight>
-                <a:latin typeface="Consolas" panose="020B0609020204030204" pitchFamily="49" charset="0"/>
-              </a:rPr>
-              <a:t>instance</a:t>
-            </a:r>
-            <a:r>
-              <a:rPr lang="pl-PL" sz="900" dirty="0">
-                <a:solidFill>
-                  <a:srgbClr val="000000"/>
-                </a:solidFill>
-                <a:highlight>
-                  <a:srgbClr val="FFFFFF"/>
-                </a:highlight>
-                <a:latin typeface="Consolas" panose="020B0609020204030204" pitchFamily="49" charset="0"/>
-              </a:rPr>
-              <a:t> == </a:t>
-            </a:r>
-            <a:r>
-              <a:rPr lang="pl-PL" sz="900" dirty="0" err="1">
-                <a:solidFill>
-                  <a:srgbClr val="0000FF"/>
-                </a:solidFill>
-                <a:highlight>
-                  <a:srgbClr val="FFFFFF"/>
-                </a:highlight>
-                <a:latin typeface="Consolas" panose="020B0609020204030204" pitchFamily="49" charset="0"/>
-              </a:rPr>
-              <a:t>null</a:t>
-            </a:r>
-            <a:r>
-              <a:rPr lang="pl-PL" sz="900" dirty="0" smtClean="0">
-                <a:solidFill>
-                  <a:srgbClr val="000000"/>
-                </a:solidFill>
-                <a:highlight>
-                  <a:srgbClr val="FFFFFF"/>
-                </a:highlight>
-                <a:latin typeface="Consolas" panose="020B0609020204030204" pitchFamily="49" charset="0"/>
-              </a:rPr>
-              <a:t>)</a:t>
-            </a:r>
-            <a:br>
-              <a:rPr lang="pl-PL" sz="900" dirty="0" smtClean="0">
-                <a:solidFill>
-                  <a:srgbClr val="000000"/>
-                </a:solidFill>
-                <a:highlight>
-                  <a:srgbClr val="FFFFFF"/>
-                </a:highlight>
-                <a:latin typeface="Consolas" panose="020B0609020204030204" pitchFamily="49" charset="0"/>
-              </a:rPr>
-            </a:br>
-            <a:r>
-              <a:rPr lang="pl-PL" sz="900" dirty="0" smtClean="0">
-                <a:solidFill>
-                  <a:srgbClr val="000000"/>
-                </a:solidFill>
-                <a:highlight>
-                  <a:srgbClr val="FFFFFF"/>
-                </a:highlight>
-                <a:latin typeface="Consolas" panose="020B0609020204030204" pitchFamily="49" charset="0"/>
-              </a:rPr>
-              <a:t>                    </a:t>
-            </a:r>
-            <a:r>
-              <a:rPr lang="pl-PL" sz="900" dirty="0" err="1">
-                <a:solidFill>
-                  <a:srgbClr val="000000"/>
-                </a:solidFill>
-                <a:highlight>
-                  <a:srgbClr val="FFFFFF"/>
-                </a:highlight>
-                <a:latin typeface="Consolas" panose="020B0609020204030204" pitchFamily="49" charset="0"/>
-              </a:rPr>
-              <a:t>instance</a:t>
-            </a:r>
-            <a:r>
-              <a:rPr lang="pl-PL" sz="900" dirty="0">
-                <a:solidFill>
-                  <a:srgbClr val="000000"/>
-                </a:solidFill>
-                <a:highlight>
-                  <a:srgbClr val="FFFFFF"/>
-                </a:highlight>
-                <a:latin typeface="Consolas" panose="020B0609020204030204" pitchFamily="49" charset="0"/>
-              </a:rPr>
-              <a:t> = </a:t>
-            </a:r>
-            <a:r>
-              <a:rPr lang="pl-PL" sz="900" dirty="0" err="1">
-                <a:solidFill>
-                  <a:srgbClr val="0000FF"/>
-                </a:solidFill>
-                <a:highlight>
-                  <a:srgbClr val="FFFFFF"/>
-                </a:highlight>
-                <a:latin typeface="Consolas" panose="020B0609020204030204" pitchFamily="49" charset="0"/>
-              </a:rPr>
-              <a:t>new</a:t>
-            </a:r>
-            <a:r>
-              <a:rPr lang="pl-PL" sz="900" dirty="0">
-                <a:solidFill>
-                  <a:srgbClr val="000000"/>
-                </a:solidFill>
-                <a:highlight>
-                  <a:srgbClr val="FFFFFF"/>
-                </a:highlight>
-                <a:latin typeface="Consolas" panose="020B0609020204030204" pitchFamily="49" charset="0"/>
-              </a:rPr>
-              <a:t> </a:t>
-            </a:r>
-            <a:r>
-              <a:rPr lang="pl-PL" sz="900" dirty="0">
-                <a:solidFill>
-                  <a:srgbClr val="2B91AF"/>
-                </a:solidFill>
-                <a:highlight>
-                  <a:srgbClr val="FFFFFF"/>
-                </a:highlight>
-                <a:latin typeface="Consolas" panose="020B0609020204030204" pitchFamily="49" charset="0"/>
-              </a:rPr>
-              <a:t>Singleton</a:t>
-            </a:r>
-            <a:r>
-              <a:rPr lang="pl-PL" sz="900" dirty="0" smtClean="0">
-                <a:solidFill>
-                  <a:srgbClr val="000000"/>
-                </a:solidFill>
-                <a:highlight>
-                  <a:srgbClr val="FFFFFF"/>
-                </a:highlight>
-                <a:latin typeface="Consolas" panose="020B0609020204030204" pitchFamily="49" charset="0"/>
-              </a:rPr>
-              <a:t>();</a:t>
-            </a:r>
-            <a:br>
-              <a:rPr lang="pl-PL" sz="900" dirty="0" smtClean="0">
-                <a:solidFill>
-                  <a:srgbClr val="000000"/>
-                </a:solidFill>
-                <a:highlight>
-                  <a:srgbClr val="FFFFFF"/>
-                </a:highlight>
-                <a:latin typeface="Consolas" panose="020B0609020204030204" pitchFamily="49" charset="0"/>
-              </a:rPr>
-            </a:br>
-            <a:r>
-              <a:rPr lang="pl-PL" sz="900" dirty="0" smtClean="0">
-                <a:solidFill>
-                  <a:srgbClr val="000000"/>
-                </a:solidFill>
-                <a:highlight>
-                  <a:srgbClr val="FFFFFF"/>
-                </a:highlight>
-                <a:latin typeface="Consolas" panose="020B0609020204030204" pitchFamily="49" charset="0"/>
-              </a:rPr>
-              <a:t>                </a:t>
-            </a:r>
-            <a:r>
-              <a:rPr lang="pl-PL" sz="900" dirty="0">
-                <a:solidFill>
-                  <a:srgbClr val="0000FF"/>
-                </a:solidFill>
-                <a:highlight>
-                  <a:srgbClr val="FFFFFF"/>
-                </a:highlight>
-                <a:latin typeface="Consolas" panose="020B0609020204030204" pitchFamily="49" charset="0"/>
-              </a:rPr>
-              <a:t>return</a:t>
-            </a:r>
-            <a:r>
-              <a:rPr lang="pl-PL" sz="900" dirty="0">
-                <a:solidFill>
-                  <a:srgbClr val="000000"/>
-                </a:solidFill>
-                <a:highlight>
-                  <a:srgbClr val="FFFFFF"/>
-                </a:highlight>
-                <a:latin typeface="Consolas" panose="020B0609020204030204" pitchFamily="49" charset="0"/>
-              </a:rPr>
-              <a:t> </a:t>
-            </a:r>
-            <a:r>
-              <a:rPr lang="pl-PL" sz="900" dirty="0" err="1">
-                <a:solidFill>
-                  <a:srgbClr val="000000"/>
-                </a:solidFill>
-                <a:highlight>
-                  <a:srgbClr val="FFFFFF"/>
-                </a:highlight>
-                <a:latin typeface="Consolas" panose="020B0609020204030204" pitchFamily="49" charset="0"/>
-              </a:rPr>
-              <a:t>instance</a:t>
-            </a:r>
-            <a:r>
-              <a:rPr lang="pl-PL" sz="900" dirty="0" smtClean="0">
-                <a:solidFill>
-                  <a:srgbClr val="000000"/>
-                </a:solidFill>
-                <a:highlight>
-                  <a:srgbClr val="FFFFFF"/>
-                </a:highlight>
-                <a:latin typeface="Consolas" panose="020B0609020204030204" pitchFamily="49" charset="0"/>
-              </a:rPr>
-              <a:t>;</a:t>
-            </a:r>
-            <a:br>
-              <a:rPr lang="pl-PL" sz="900" dirty="0" smtClean="0">
-                <a:solidFill>
-                  <a:srgbClr val="000000"/>
-                </a:solidFill>
-                <a:highlight>
-                  <a:srgbClr val="FFFFFF"/>
-                </a:highlight>
-                <a:latin typeface="Consolas" panose="020B0609020204030204" pitchFamily="49" charset="0"/>
-              </a:rPr>
-            </a:br>
-            <a:r>
-              <a:rPr lang="pl-PL" sz="900" dirty="0" smtClean="0">
-                <a:solidFill>
-                  <a:srgbClr val="000000"/>
-                </a:solidFill>
-                <a:highlight>
-                  <a:srgbClr val="FFFFFF"/>
-                </a:highlight>
-                <a:latin typeface="Consolas" panose="020B0609020204030204" pitchFamily="49" charset="0"/>
-              </a:rPr>
-              <a:t>            </a:t>
-            </a:r>
-            <a:r>
-              <a:rPr lang="pl-PL" sz="900" dirty="0">
-                <a:solidFill>
-                  <a:srgbClr val="000000"/>
-                </a:solidFill>
-                <a:highlight>
-                  <a:srgbClr val="FFFFFF"/>
-                </a:highlight>
-                <a:latin typeface="Consolas" panose="020B0609020204030204" pitchFamily="49" charset="0"/>
-              </a:rPr>
-              <a:t>}</a:t>
-            </a:r>
-            <a:r>
-              <a:rPr lang="pl-PL" sz="900" dirty="0" smtClean="0">
-                <a:solidFill>
-                  <a:srgbClr val="000000"/>
-                </a:solidFill>
-                <a:highlight>
-                  <a:srgbClr val="FFFFFF"/>
-                </a:highlight>
-                <a:latin typeface="Consolas" panose="020B0609020204030204" pitchFamily="49" charset="0"/>
-              </a:rPr>
-              <a:t/>
-            </a:r>
-            <a:br>
-              <a:rPr lang="pl-PL" sz="900" dirty="0" smtClean="0">
-                <a:solidFill>
-                  <a:srgbClr val="000000"/>
-                </a:solidFill>
-                <a:highlight>
-                  <a:srgbClr val="FFFFFF"/>
-                </a:highlight>
-                <a:latin typeface="Consolas" panose="020B0609020204030204" pitchFamily="49" charset="0"/>
-              </a:rPr>
-            </a:br>
-            <a:r>
-              <a:rPr lang="pl-PL" sz="900" dirty="0" smtClean="0">
-                <a:solidFill>
-                  <a:srgbClr val="000000"/>
-                </a:solidFill>
-                <a:highlight>
-                  <a:srgbClr val="FFFFFF"/>
-                </a:highlight>
-                <a:latin typeface="Consolas" panose="020B0609020204030204" pitchFamily="49" charset="0"/>
-              </a:rPr>
-              <a:t>        }</a:t>
-            </a:r>
-            <a:endParaRPr lang="pl-PL" sz="900" dirty="0"/>
+              <a:rPr lang="pl-PL" b="1" dirty="0" smtClean="0"/>
+              <a:t>Jeżeli macie jakiekolwiek wątpliwości co lepiej użyć interfejs czy klasę abstrakcyjną to w 90% przypadków pewnie lepiej użyć interfejsu</a:t>
+            </a:r>
+          </a:p>
+          <a:p>
+            <a:endParaRPr lang="pl-PL" dirty="0" smtClean="0"/>
+          </a:p>
+          <a:p>
+            <a:endParaRPr lang="pl-PL" dirty="0"/>
           </a:p>
         </p:txBody>
       </p:sp>
     </p:spTree>
     <p:extLst>
       <p:ext uri="{BB962C8B-B14F-4D97-AF65-F5344CB8AC3E}">
-        <p14:creationId xmlns:p14="http://schemas.microsoft.com/office/powerpoint/2010/main" val="253596830"/>
+        <p14:creationId xmlns:p14="http://schemas.microsoft.com/office/powerpoint/2010/main" val="4217012434"/>
       </p:ext>
     </p:extLst>
   </p:cSld>
@@ -8311,31 +7097,12 @@
           <a:p>
             <a:r>
               <a:rPr lang="pl-PL" dirty="0"/>
-              <a:t>Wzorce projektowe #</a:t>
+              <a:t>Wzorce projektowe #01 - </a:t>
             </a:r>
             <a:r>
               <a:rPr lang="pl-PL" dirty="0" smtClean="0"/>
-              <a:t>02 </a:t>
-            </a:r>
-            <a:r>
-              <a:rPr lang="pl-PL" dirty="0"/>
-              <a:t>– </a:t>
-            </a:r>
-            <a:r>
-              <a:rPr lang="pl-PL" dirty="0" err="1" smtClean="0"/>
-              <a:t>Fluent</a:t>
-            </a:r>
-            <a:r>
-              <a:rPr lang="pl-PL" dirty="0" smtClean="0"/>
-              <a:t> </a:t>
-            </a:r>
-            <a:r>
-              <a:rPr lang="pl-PL" dirty="0"/>
-              <a:t>Builder</a:t>
-            </a:r>
-            <a:br>
-              <a:rPr lang="pl-PL" dirty="0"/>
-            </a:br>
+              <a:t>Singleton</a:t>
+            </a:r>
             <a:endParaRPr lang="pl-PL" dirty="0"/>
           </a:p>
         </p:txBody>
@@ -8360,54 +7127,96 @@
             </a:pPr>
             <a:r>
               <a:rPr lang="pl-PL" dirty="0" smtClean="0"/>
-              <a:t>Wzorzec </a:t>
+              <a:t>Wzorzec projektowy singleton najprościej można opisać jako stworzenie pojedynczej </a:t>
             </a:r>
             <a:r>
               <a:rPr lang="pl-PL" dirty="0" err="1" smtClean="0"/>
-              <a:t>Fluent</a:t>
+              <a:t>instanscji</a:t>
             </a:r>
             <a:r>
               <a:rPr lang="pl-PL" dirty="0" smtClean="0"/>
-              <a:t> Builder </a:t>
-            </a:r>
+              <a:t> obiektu. Innymi słowy chcemy doprowadzić do sytuacji, w której programista będzie miał do dyspozycji tylko jeden obiekt danej klasy. </a:t>
+            </a:r>
+          </a:p>
+          <a:p>
+            <a:pPr marL="0" indent="0">
+              <a:buNone/>
+            </a:pPr>
             <a:r>
               <a:rPr lang="pl-PL" dirty="0" smtClean="0"/>
-              <a:t>służy do zarządzania kodem, aby wyglądał on ładniej i był czytelniejszy. Wyobraźmy sobie klasę z 15 parametrami opcjonalnymi. Aby ustawić dowolne parametry takiej klasy musimy utworzyć osobne </a:t>
+              <a:t>Aby tego dokonać należy:</a:t>
+            </a:r>
+          </a:p>
+          <a:p>
+            <a:pPr>
+              <a:buFont typeface="+mj-lt"/>
+              <a:buAutoNum type="arabicPeriod"/>
+            </a:pPr>
+            <a:r>
+              <a:rPr lang="pl-PL" dirty="0" smtClean="0"/>
+              <a:t>Zablokować domyślny konstruktor poprzez zmianę modyfikatora dostępu na „</a:t>
+            </a:r>
+            <a:r>
+              <a:rPr lang="pl-PL" dirty="0" err="1" smtClean="0">
+                <a:solidFill>
+                  <a:srgbClr val="010DFF"/>
+                </a:solidFill>
+              </a:rPr>
+              <a:t>private</a:t>
+            </a:r>
+            <a:r>
+              <a:rPr lang="pl-PL" dirty="0" smtClean="0">
+                <a:solidFill>
+                  <a:schemeClr val="tx1"/>
+                </a:solidFill>
+              </a:rPr>
+              <a:t>”</a:t>
+            </a:r>
+          </a:p>
+          <a:p>
+            <a:pPr>
+              <a:buFont typeface="+mj-lt"/>
+              <a:buAutoNum type="arabicPeriod"/>
+            </a:pPr>
+            <a:r>
+              <a:rPr lang="pl-PL" dirty="0" smtClean="0"/>
+              <a:t>Utworzyć prywatną statyczną zmienną typu obiektu, którego instancję chcemy otrzymać</a:t>
+            </a:r>
+          </a:p>
+          <a:p>
+            <a:pPr>
+              <a:buFont typeface="+mj-lt"/>
+              <a:buAutoNum type="arabicPeriod"/>
+            </a:pPr>
+            <a:r>
+              <a:rPr lang="pl-PL" dirty="0" smtClean="0"/>
+              <a:t>Utworzyć metodę statyczną </a:t>
             </a:r>
             <a:r>
               <a:rPr lang="pl-PL" dirty="0" err="1" smtClean="0"/>
-              <a:t>konstruktory</a:t>
+              <a:t>getInstance</a:t>
             </a:r>
             <a:r>
               <a:rPr lang="pl-PL" dirty="0" smtClean="0"/>
-              <a:t> dla wszystkich parametrów (wraz z wieloma ich odmianami). </a:t>
+              <a:t>(), która zwracać będzie nam obiekt. Jeżeli obiekt nie istnieje wtedy metoda ta będzie go tworzyła.</a:t>
             </a:r>
           </a:p>
           <a:p>
             <a:pPr marL="0" indent="0">
               <a:buNone/>
             </a:pPr>
-            <a:r>
-              <a:rPr lang="pl-PL" dirty="0" smtClean="0"/>
-              <a:t>Możemy w takiej sytuacji utworzyć metody ustawiające te parametry. Ale staje się to z oczywistych względów nieczytelne. Następują ciągłe odwołania do tego samego obiektu.</a:t>
-            </a:r>
-          </a:p>
-          <a:p>
-            <a:pPr marL="0" indent="0">
-              <a:buNone/>
-            </a:pPr>
-            <a:r>
-              <a:rPr lang="pl-PL" dirty="0" smtClean="0"/>
-              <a:t>Builder rozwiązuje ten problem przez co kod staje się trochę ładniejszy i czytelniejszy.</a:t>
-            </a:r>
-            <a:endParaRPr lang="pl-PL" dirty="0"/>
+            <a:endParaRPr lang="pl-PL" dirty="0">
+              <a:solidFill>
+                <a:srgbClr val="0070C0"/>
+              </a:solidFill>
+            </a:endParaRPr>
           </a:p>
         </p:txBody>
       </p:sp>
     </p:spTree>
     <p:extLst>
       <p:ext uri="{BB962C8B-B14F-4D97-AF65-F5344CB8AC3E}">
-        <p14:creationId xmlns:p14="http://schemas.microsoft.com/office/powerpoint/2010/main" val="2673803625"/>
+        <p14:creationId xmlns:p14="http://schemas.microsoft.com/office/powerpoint/2010/main" val="628384137"/>
       </p:ext>
     </p:extLst>
   </p:cSld>
@@ -8451,85 +7260,2018 @@
           <a:p>
             <a:r>
               <a:rPr lang="pl-PL" dirty="0"/>
-              <a:t>Wzorce projektowe #</a:t>
+              <a:t>Wzorce projektowe #01 </a:t>
             </a:r>
             <a:r>
               <a:rPr lang="pl-PL" dirty="0" smtClean="0"/>
-              <a:t>02 </a:t>
-            </a:r>
-            <a:r>
-              <a:rPr lang="pl-PL" dirty="0"/>
-              <a:t>– </a:t>
-            </a:r>
-            <a:r>
-              <a:rPr lang="pl-PL" dirty="0" err="1"/>
-              <a:t>Fluent</a:t>
-            </a:r>
-            <a:r>
-              <a:rPr lang="pl-PL" dirty="0"/>
-              <a:t> Builder</a:t>
-            </a:r>
-            <a:r>
-              <a:rPr lang="pl-PL" dirty="0" smtClean="0"/>
+              <a:t>– Singleton (przykład)</a:t>
+            </a:r>
+            <a:endParaRPr lang="pl-PL" dirty="0"/>
+          </a:p>
+        </p:txBody>
+      </p:sp>
+      <p:sp>
+        <p:nvSpPr>
+          <p:cNvPr id="3" name="Symbol zastępczy zawartości 2"/>
+          <p:cNvSpPr>
+            <a:spLocks noGrp="1"/>
+          </p:cNvSpPr>
+          <p:nvPr>
+            <p:ph idx="1"/>
+          </p:nvPr>
+        </p:nvSpPr>
+        <p:spPr>
+          <a:xfrm>
+            <a:off x="677334" y="2160589"/>
+            <a:ext cx="8596668" cy="4604005"/>
+          </a:xfrm>
+        </p:spPr>
+        <p:txBody>
+          <a:bodyPr>
+            <a:normAutofit/>
+          </a:bodyPr>
+          <a:lstStyle/>
+          <a:p>
+            <a:pPr marL="0" indent="0">
+              <a:buNone/>
+            </a:pPr>
+            <a:r>
+              <a:rPr lang="pl-PL" sz="600" dirty="0" smtClean="0">
+                <a:solidFill>
+                  <a:srgbClr val="0000FF"/>
+                </a:solidFill>
+                <a:highlight>
+                  <a:srgbClr val="FFFFFF"/>
+                </a:highlight>
+                <a:latin typeface="Consolas" panose="020B0609020204030204" pitchFamily="49" charset="0"/>
+              </a:rPr>
+              <a:t>	</a:t>
+            </a:r>
+            <a:r>
+              <a:rPr lang="pl-PL" sz="900" dirty="0" err="1" smtClean="0">
+                <a:solidFill>
+                  <a:srgbClr val="0000FF"/>
+                </a:solidFill>
+                <a:highlight>
+                  <a:srgbClr val="FFFFFF"/>
+                </a:highlight>
+                <a:latin typeface="Consolas" panose="020B0609020204030204" pitchFamily="49" charset="0"/>
+              </a:rPr>
+              <a:t>private</a:t>
+            </a:r>
+            <a:r>
+              <a:rPr lang="pl-PL" sz="900" dirty="0" smtClean="0">
+                <a:solidFill>
+                  <a:srgbClr val="000000"/>
+                </a:solidFill>
+                <a:highlight>
+                  <a:srgbClr val="FFFFFF"/>
+                </a:highlight>
+                <a:latin typeface="Consolas" panose="020B0609020204030204" pitchFamily="49" charset="0"/>
+              </a:rPr>
               <a:t> </a:t>
             </a:r>
             <a:r>
-              <a:rPr lang="pl-PL" dirty="0"/>
-              <a:t>(przykład)</a:t>
-            </a:r>
-          </a:p>
-        </p:txBody>
-      </p:sp>
-      <p:sp>
-        <p:nvSpPr>
-          <p:cNvPr id="3" name="Symbol zastępczy zawartości 2"/>
-          <p:cNvSpPr>
-            <a:spLocks noGrp="1"/>
-          </p:cNvSpPr>
-          <p:nvPr>
-            <p:ph idx="1"/>
-          </p:nvPr>
-        </p:nvSpPr>
-        <p:spPr/>
-        <p:txBody>
-          <a:bodyPr/>
-          <a:lstStyle/>
+              <a:rPr lang="pl-PL" sz="900" dirty="0" err="1">
+                <a:solidFill>
+                  <a:srgbClr val="0000FF"/>
+                </a:solidFill>
+                <a:highlight>
+                  <a:srgbClr val="FFFFFF"/>
+                </a:highlight>
+                <a:latin typeface="Consolas" panose="020B0609020204030204" pitchFamily="49" charset="0"/>
+              </a:rPr>
+              <a:t>static</a:t>
+            </a:r>
+            <a:r>
+              <a:rPr lang="pl-PL" sz="900" dirty="0">
+                <a:solidFill>
+                  <a:srgbClr val="000000"/>
+                </a:solidFill>
+                <a:highlight>
+                  <a:srgbClr val="FFFFFF"/>
+                </a:highlight>
+                <a:latin typeface="Consolas" panose="020B0609020204030204" pitchFamily="49" charset="0"/>
+              </a:rPr>
+              <a:t> </a:t>
+            </a:r>
+            <a:r>
+              <a:rPr lang="pl-PL" sz="900" dirty="0">
+                <a:solidFill>
+                  <a:srgbClr val="2B91AF"/>
+                </a:solidFill>
+                <a:highlight>
+                  <a:srgbClr val="FFFFFF"/>
+                </a:highlight>
+                <a:latin typeface="Consolas" panose="020B0609020204030204" pitchFamily="49" charset="0"/>
+              </a:rPr>
+              <a:t>Singleton</a:t>
+            </a:r>
+            <a:r>
+              <a:rPr lang="pl-PL" sz="900" dirty="0">
+                <a:solidFill>
+                  <a:srgbClr val="000000"/>
+                </a:solidFill>
+                <a:highlight>
+                  <a:srgbClr val="FFFFFF"/>
+                </a:highlight>
+                <a:latin typeface="Consolas" panose="020B0609020204030204" pitchFamily="49" charset="0"/>
+              </a:rPr>
+              <a:t> </a:t>
+            </a:r>
+            <a:r>
+              <a:rPr lang="pl-PL" sz="900" dirty="0" err="1">
+                <a:solidFill>
+                  <a:srgbClr val="000000"/>
+                </a:solidFill>
+                <a:highlight>
+                  <a:srgbClr val="FFFFFF"/>
+                </a:highlight>
+                <a:latin typeface="Consolas" panose="020B0609020204030204" pitchFamily="49" charset="0"/>
+              </a:rPr>
+              <a:t>instance</a:t>
+            </a:r>
+            <a:r>
+              <a:rPr lang="pl-PL" sz="900" dirty="0">
+                <a:solidFill>
+                  <a:srgbClr val="000000"/>
+                </a:solidFill>
+                <a:highlight>
+                  <a:srgbClr val="FFFFFF"/>
+                </a:highlight>
+                <a:latin typeface="Consolas" panose="020B0609020204030204" pitchFamily="49" charset="0"/>
+              </a:rPr>
+              <a:t> = </a:t>
+            </a:r>
+            <a:r>
+              <a:rPr lang="pl-PL" sz="900" dirty="0" err="1" smtClean="0">
+                <a:solidFill>
+                  <a:srgbClr val="0000FF"/>
+                </a:solidFill>
+                <a:highlight>
+                  <a:srgbClr val="FFFFFF"/>
+                </a:highlight>
+                <a:latin typeface="Consolas" panose="020B0609020204030204" pitchFamily="49" charset="0"/>
+              </a:rPr>
+              <a:t>null</a:t>
+            </a:r>
+            <a:r>
+              <a:rPr lang="pl-PL" sz="900" dirty="0" smtClean="0">
+                <a:solidFill>
+                  <a:srgbClr val="000000"/>
+                </a:solidFill>
+                <a:highlight>
+                  <a:srgbClr val="FFFFFF"/>
+                </a:highlight>
+                <a:latin typeface="Consolas" panose="020B0609020204030204" pitchFamily="49" charset="0"/>
+              </a:rPr>
+              <a:t>;</a:t>
+            </a:r>
+            <a:br>
+              <a:rPr lang="pl-PL" sz="900" dirty="0" smtClean="0">
+                <a:solidFill>
+                  <a:srgbClr val="000000"/>
+                </a:solidFill>
+                <a:highlight>
+                  <a:srgbClr val="FFFFFF"/>
+                </a:highlight>
+                <a:latin typeface="Consolas" panose="020B0609020204030204" pitchFamily="49" charset="0"/>
+              </a:rPr>
+            </a:br>
+            <a:r>
+              <a:rPr lang="pl-PL" sz="900" dirty="0" smtClean="0">
+                <a:solidFill>
+                  <a:srgbClr val="000000"/>
+                </a:solidFill>
+                <a:highlight>
+                  <a:srgbClr val="FFFFFF"/>
+                </a:highlight>
+                <a:latin typeface="Consolas" panose="020B0609020204030204" pitchFamily="49" charset="0"/>
+              </a:rPr>
+              <a:t>	</a:t>
+            </a:r>
+            <a:r>
+              <a:rPr lang="pl-PL" sz="900" dirty="0" smtClean="0">
+                <a:solidFill>
+                  <a:srgbClr val="0000FF"/>
+                </a:solidFill>
+                <a:highlight>
+                  <a:srgbClr val="FFFFFF"/>
+                </a:highlight>
+                <a:latin typeface="Consolas" panose="020B0609020204030204" pitchFamily="49" charset="0"/>
+              </a:rPr>
+              <a:t>public</a:t>
+            </a:r>
+            <a:r>
+              <a:rPr lang="pl-PL" sz="900" dirty="0" smtClean="0">
+                <a:solidFill>
+                  <a:srgbClr val="000000"/>
+                </a:solidFill>
+                <a:highlight>
+                  <a:srgbClr val="FFFFFF"/>
+                </a:highlight>
+                <a:latin typeface="Consolas" panose="020B0609020204030204" pitchFamily="49" charset="0"/>
+              </a:rPr>
+              <a:t> </a:t>
+            </a:r>
+            <a:r>
+              <a:rPr lang="pl-PL" sz="900" dirty="0">
+                <a:solidFill>
+                  <a:srgbClr val="2B91AF"/>
+                </a:solidFill>
+                <a:highlight>
+                  <a:srgbClr val="FFFFFF"/>
+                </a:highlight>
+                <a:latin typeface="Consolas" panose="020B0609020204030204" pitchFamily="49" charset="0"/>
+              </a:rPr>
+              <a:t>String</a:t>
+            </a:r>
+            <a:r>
+              <a:rPr lang="pl-PL" sz="900" dirty="0">
+                <a:solidFill>
+                  <a:srgbClr val="000000"/>
+                </a:solidFill>
+                <a:highlight>
+                  <a:srgbClr val="FFFFFF"/>
+                </a:highlight>
+                <a:latin typeface="Consolas" panose="020B0609020204030204" pitchFamily="49" charset="0"/>
+              </a:rPr>
+              <a:t> </a:t>
+            </a:r>
+            <a:r>
+              <a:rPr lang="pl-PL" sz="900" dirty="0" err="1">
+                <a:solidFill>
+                  <a:srgbClr val="000000"/>
+                </a:solidFill>
+                <a:highlight>
+                  <a:srgbClr val="FFFFFF"/>
+                </a:highlight>
+                <a:latin typeface="Consolas" panose="020B0609020204030204" pitchFamily="49" charset="0"/>
+              </a:rPr>
+              <a:t>name</a:t>
+            </a:r>
+            <a:r>
+              <a:rPr lang="pl-PL" sz="900" dirty="0">
+                <a:solidFill>
+                  <a:srgbClr val="000000"/>
+                </a:solidFill>
+                <a:highlight>
+                  <a:srgbClr val="FFFFFF"/>
+                </a:highlight>
+                <a:latin typeface="Consolas" panose="020B0609020204030204" pitchFamily="49" charset="0"/>
+              </a:rPr>
+              <a:t> = </a:t>
+            </a:r>
+            <a:r>
+              <a:rPr lang="pl-PL" sz="900" dirty="0" err="1">
+                <a:solidFill>
+                  <a:srgbClr val="0000FF"/>
+                </a:solidFill>
+                <a:highlight>
+                  <a:srgbClr val="FFFFFF"/>
+                </a:highlight>
+                <a:latin typeface="Consolas" panose="020B0609020204030204" pitchFamily="49" charset="0"/>
+              </a:rPr>
+              <a:t>null</a:t>
+            </a:r>
+            <a:r>
+              <a:rPr lang="pl-PL" sz="900" dirty="0" smtClean="0">
+                <a:solidFill>
+                  <a:srgbClr val="000000"/>
+                </a:solidFill>
+                <a:highlight>
+                  <a:srgbClr val="FFFFFF"/>
+                </a:highlight>
+                <a:latin typeface="Consolas" panose="020B0609020204030204" pitchFamily="49" charset="0"/>
+              </a:rPr>
+              <a:t>;</a:t>
+            </a:r>
+            <a:endParaRPr lang="pl-PL" sz="900" dirty="0">
+              <a:solidFill>
+                <a:srgbClr val="000000"/>
+              </a:solidFill>
+              <a:highlight>
+                <a:srgbClr val="FFFFFF"/>
+              </a:highlight>
+              <a:latin typeface="Consolas" panose="020B0609020204030204" pitchFamily="49" charset="0"/>
+            </a:endParaRPr>
+          </a:p>
           <a:p>
             <a:pPr marL="0" indent="0">
               <a:buNone/>
             </a:pPr>
             <a:r>
-              <a:rPr lang="pl-PL" dirty="0" smtClean="0"/>
-              <a:t>Przykład (</a:t>
-            </a:r>
-            <a:r>
-              <a:rPr lang="pl-PL" dirty="0" err="1"/>
-              <a:t>Fluent</a:t>
-            </a:r>
-            <a:r>
-              <a:rPr lang="pl-PL" dirty="0"/>
+              <a:rPr lang="pl-PL" sz="900" dirty="0">
+                <a:solidFill>
+                  <a:srgbClr val="000000"/>
+                </a:solidFill>
+                <a:highlight>
+                  <a:srgbClr val="FFFFFF"/>
+                </a:highlight>
+                <a:latin typeface="Consolas" panose="020B0609020204030204" pitchFamily="49" charset="0"/>
+              </a:rPr>
+              <a:t>        </a:t>
+            </a:r>
+            <a:r>
+              <a:rPr lang="pl-PL" sz="900" dirty="0" smtClean="0">
+                <a:solidFill>
+                  <a:srgbClr val="808080"/>
+                </a:solidFill>
+                <a:highlight>
+                  <a:srgbClr val="FFFFFF"/>
+                </a:highlight>
+                <a:latin typeface="Consolas" panose="020B0609020204030204" pitchFamily="49" charset="0"/>
+              </a:rPr>
+              <a:t>///</a:t>
+            </a:r>
+            <a:r>
+              <a:rPr lang="pl-PL" sz="900" dirty="0" smtClean="0">
+                <a:solidFill>
+                  <a:srgbClr val="008000"/>
+                </a:solidFill>
+                <a:highlight>
+                  <a:srgbClr val="FFFFFF"/>
+                </a:highlight>
+                <a:latin typeface="Consolas" panose="020B0609020204030204" pitchFamily="49" charset="0"/>
+              </a:rPr>
               <a:t> </a:t>
             </a:r>
             <a:r>
-              <a:rPr lang="pl-PL" dirty="0" smtClean="0"/>
-              <a:t>Builder, wykorzystanie </a:t>
-            </a:r>
-            <a:r>
-              <a:rPr lang="pl-PL" dirty="0" err="1"/>
-              <a:t>Fluency</a:t>
-            </a:r>
-            <a:r>
-              <a:rPr lang="pl-PL" dirty="0" smtClean="0"/>
+              <a:rPr lang="pl-PL" sz="900" dirty="0">
+                <a:solidFill>
+                  <a:srgbClr val="808080"/>
+                </a:solidFill>
+                <a:highlight>
+                  <a:srgbClr val="FFFFFF"/>
+                </a:highlight>
+                <a:latin typeface="Consolas" panose="020B0609020204030204" pitchFamily="49" charset="0"/>
+              </a:rPr>
+              <a:t>&lt;</a:t>
+            </a:r>
+            <a:r>
+              <a:rPr lang="pl-PL" sz="900" dirty="0" err="1">
+                <a:solidFill>
+                  <a:srgbClr val="808080"/>
+                </a:solidFill>
+                <a:highlight>
+                  <a:srgbClr val="FFFFFF"/>
+                </a:highlight>
+                <a:latin typeface="Consolas" panose="020B0609020204030204" pitchFamily="49" charset="0"/>
+              </a:rPr>
+              <a:t>summary</a:t>
+            </a:r>
+            <a:r>
+              <a:rPr lang="pl-PL" sz="900" dirty="0" smtClean="0">
+                <a:solidFill>
+                  <a:srgbClr val="808080"/>
+                </a:solidFill>
+                <a:highlight>
+                  <a:srgbClr val="FFFFFF"/>
+                </a:highlight>
+                <a:latin typeface="Consolas" panose="020B0609020204030204" pitchFamily="49" charset="0"/>
+              </a:rPr>
+              <a:t>&gt;</a:t>
+            </a:r>
+            <a:br>
+              <a:rPr lang="pl-PL" sz="900" dirty="0" smtClean="0">
+                <a:solidFill>
+                  <a:srgbClr val="808080"/>
+                </a:solidFill>
+                <a:highlight>
+                  <a:srgbClr val="FFFFFF"/>
+                </a:highlight>
+                <a:latin typeface="Consolas" panose="020B0609020204030204" pitchFamily="49" charset="0"/>
+              </a:rPr>
+            </a:br>
+            <a:r>
+              <a:rPr lang="pl-PL" sz="900" dirty="0" smtClean="0">
+                <a:solidFill>
+                  <a:srgbClr val="000000"/>
+                </a:solidFill>
+                <a:highlight>
+                  <a:srgbClr val="FFFFFF"/>
+                </a:highlight>
+                <a:latin typeface="Consolas" panose="020B0609020204030204" pitchFamily="49" charset="0"/>
+              </a:rPr>
+              <a:t>       	</a:t>
+            </a:r>
+            <a:r>
+              <a:rPr lang="pl-PL" sz="900" dirty="0" smtClean="0">
+                <a:solidFill>
+                  <a:srgbClr val="808080"/>
+                </a:solidFill>
+                <a:highlight>
+                  <a:srgbClr val="FFFFFF"/>
+                </a:highlight>
+                <a:latin typeface="Consolas" panose="020B0609020204030204" pitchFamily="49" charset="0"/>
+              </a:rPr>
+              <a:t>///</a:t>
+            </a:r>
+            <a:r>
+              <a:rPr lang="pl-PL" sz="900" dirty="0" smtClean="0">
+                <a:solidFill>
+                  <a:srgbClr val="008000"/>
+                </a:solidFill>
+                <a:highlight>
+                  <a:srgbClr val="FFFFFF"/>
+                </a:highlight>
+                <a:latin typeface="Consolas" panose="020B0609020204030204" pitchFamily="49" charset="0"/>
+              </a:rPr>
+              <a:t> </a:t>
+            </a:r>
+            <a:r>
+              <a:rPr lang="pl-PL" sz="900" dirty="0">
+                <a:solidFill>
+                  <a:srgbClr val="008000"/>
+                </a:solidFill>
+                <a:highlight>
+                  <a:srgbClr val="FFFFFF"/>
+                </a:highlight>
+                <a:latin typeface="Consolas" panose="020B0609020204030204" pitchFamily="49" charset="0"/>
+              </a:rPr>
+              <a:t>Konstruktor domyślny jest prywatny przez co nie utworzymy żadnej instancji </a:t>
+            </a:r>
+            <a:r>
+              <a:rPr lang="pl-PL" sz="900" dirty="0" smtClean="0">
+                <a:solidFill>
+                  <a:srgbClr val="008000"/>
+                </a:solidFill>
+                <a:highlight>
+                  <a:srgbClr val="FFFFFF"/>
+                </a:highlight>
+                <a:latin typeface="Consolas" panose="020B0609020204030204" pitchFamily="49" charset="0"/>
+              </a:rPr>
+              <a:t>klasy</a:t>
+            </a:r>
+            <a:br>
+              <a:rPr lang="pl-PL" sz="900" dirty="0" smtClean="0">
+                <a:solidFill>
+                  <a:srgbClr val="008000"/>
+                </a:solidFill>
+                <a:highlight>
+                  <a:srgbClr val="FFFFFF"/>
+                </a:highlight>
+                <a:latin typeface="Consolas" panose="020B0609020204030204" pitchFamily="49" charset="0"/>
+              </a:rPr>
+            </a:br>
+            <a:r>
+              <a:rPr lang="pl-PL" sz="900" dirty="0" smtClean="0">
+                <a:solidFill>
+                  <a:srgbClr val="000000"/>
+                </a:solidFill>
+                <a:highlight>
+                  <a:srgbClr val="FFFFFF"/>
+                </a:highlight>
+                <a:latin typeface="Consolas" panose="020B0609020204030204" pitchFamily="49" charset="0"/>
+              </a:rPr>
+              <a:t>       </a:t>
+            </a:r>
+            <a:r>
+              <a:rPr lang="pl-PL" sz="900" dirty="0" smtClean="0">
+                <a:solidFill>
+                  <a:srgbClr val="808080"/>
+                </a:solidFill>
+                <a:highlight>
+                  <a:srgbClr val="FFFFFF"/>
+                </a:highlight>
+                <a:latin typeface="Consolas" panose="020B0609020204030204" pitchFamily="49" charset="0"/>
+              </a:rPr>
+              <a:t>///</a:t>
+            </a:r>
+            <a:r>
+              <a:rPr lang="pl-PL" sz="900" dirty="0" smtClean="0">
+                <a:solidFill>
+                  <a:srgbClr val="008000"/>
+                </a:solidFill>
+                <a:highlight>
+                  <a:srgbClr val="FFFFFF"/>
+                </a:highlight>
+                <a:latin typeface="Consolas" panose="020B0609020204030204" pitchFamily="49" charset="0"/>
+              </a:rPr>
+              <a:t> </a:t>
+            </a:r>
+            <a:r>
+              <a:rPr lang="pl-PL" sz="900" dirty="0">
+                <a:solidFill>
+                  <a:srgbClr val="808080"/>
+                </a:solidFill>
+                <a:highlight>
+                  <a:srgbClr val="FFFFFF"/>
+                </a:highlight>
+                <a:latin typeface="Consolas" panose="020B0609020204030204" pitchFamily="49" charset="0"/>
+              </a:rPr>
+              <a:t>&lt;/</a:t>
+            </a:r>
+            <a:r>
+              <a:rPr lang="pl-PL" sz="900" dirty="0" err="1">
+                <a:solidFill>
+                  <a:srgbClr val="808080"/>
+                </a:solidFill>
+                <a:highlight>
+                  <a:srgbClr val="FFFFFF"/>
+                </a:highlight>
+                <a:latin typeface="Consolas" panose="020B0609020204030204" pitchFamily="49" charset="0"/>
+              </a:rPr>
+              <a:t>summary</a:t>
+            </a:r>
+            <a:r>
+              <a:rPr lang="pl-PL" sz="900" dirty="0" smtClean="0">
+                <a:solidFill>
+                  <a:srgbClr val="808080"/>
+                </a:solidFill>
+                <a:highlight>
+                  <a:srgbClr val="FFFFFF"/>
+                </a:highlight>
+                <a:latin typeface="Consolas" panose="020B0609020204030204" pitchFamily="49" charset="0"/>
+              </a:rPr>
+              <a:t>&gt;</a:t>
+            </a:r>
+            <a:br>
+              <a:rPr lang="pl-PL" sz="900" dirty="0" smtClean="0">
+                <a:solidFill>
+                  <a:srgbClr val="808080"/>
+                </a:solidFill>
+                <a:highlight>
+                  <a:srgbClr val="FFFFFF"/>
+                </a:highlight>
+                <a:latin typeface="Consolas" panose="020B0609020204030204" pitchFamily="49" charset="0"/>
+              </a:rPr>
+            </a:br>
+            <a:r>
+              <a:rPr lang="pl-PL" sz="900" dirty="0" smtClean="0">
+                <a:solidFill>
+                  <a:srgbClr val="000000"/>
+                </a:solidFill>
+                <a:highlight>
+                  <a:srgbClr val="FFFFFF"/>
+                </a:highlight>
+                <a:latin typeface="Consolas" panose="020B0609020204030204" pitchFamily="49" charset="0"/>
+              </a:rPr>
+              <a:t>        </a:t>
+            </a:r>
+            <a:r>
+              <a:rPr lang="pl-PL" sz="900" dirty="0" err="1" smtClean="0">
+                <a:solidFill>
+                  <a:srgbClr val="0000FF"/>
+                </a:solidFill>
+                <a:highlight>
+                  <a:srgbClr val="FFFFFF"/>
+                </a:highlight>
+                <a:latin typeface="Consolas" panose="020B0609020204030204" pitchFamily="49" charset="0"/>
+              </a:rPr>
+              <a:t>private</a:t>
+            </a:r>
+            <a:r>
+              <a:rPr lang="pl-PL" sz="900" dirty="0" smtClean="0">
+                <a:solidFill>
+                  <a:srgbClr val="000000"/>
+                </a:solidFill>
+                <a:highlight>
+                  <a:srgbClr val="FFFFFF"/>
+                </a:highlight>
+                <a:latin typeface="Consolas" panose="020B0609020204030204" pitchFamily="49" charset="0"/>
+              </a:rPr>
+              <a:t> </a:t>
+            </a:r>
+            <a:r>
+              <a:rPr lang="pl-PL" sz="900" dirty="0">
+                <a:solidFill>
+                  <a:srgbClr val="000000"/>
+                </a:solidFill>
+                <a:highlight>
+                  <a:srgbClr val="FFFFFF"/>
+                </a:highlight>
+                <a:latin typeface="Consolas" panose="020B0609020204030204" pitchFamily="49" charset="0"/>
+              </a:rPr>
+              <a:t>Singleton</a:t>
+            </a:r>
+            <a:r>
+              <a:rPr lang="pl-PL" sz="900" dirty="0" smtClean="0">
+                <a:solidFill>
+                  <a:srgbClr val="000000"/>
+                </a:solidFill>
+                <a:highlight>
+                  <a:srgbClr val="FFFFFF"/>
+                </a:highlight>
+                <a:latin typeface="Consolas" panose="020B0609020204030204" pitchFamily="49" charset="0"/>
+              </a:rPr>
+              <a:t>()</a:t>
+            </a:r>
+            <a:br>
+              <a:rPr lang="pl-PL" sz="900" dirty="0" smtClean="0">
+                <a:solidFill>
+                  <a:srgbClr val="000000"/>
+                </a:solidFill>
+                <a:highlight>
+                  <a:srgbClr val="FFFFFF"/>
+                </a:highlight>
+                <a:latin typeface="Consolas" panose="020B0609020204030204" pitchFamily="49" charset="0"/>
+              </a:rPr>
+            </a:br>
+            <a:r>
+              <a:rPr lang="pl-PL" sz="900" dirty="0" smtClean="0">
+                <a:solidFill>
+                  <a:srgbClr val="000000"/>
+                </a:solidFill>
+                <a:highlight>
+                  <a:srgbClr val="FFFFFF"/>
+                </a:highlight>
+                <a:latin typeface="Consolas" panose="020B0609020204030204" pitchFamily="49" charset="0"/>
+              </a:rPr>
+              <a:t>        {</a:t>
+            </a:r>
+            <a:endParaRPr lang="pl-PL" sz="900" dirty="0">
+              <a:solidFill>
+                <a:srgbClr val="000000"/>
+              </a:solidFill>
+              <a:highlight>
+                <a:srgbClr val="FFFFFF"/>
+              </a:highlight>
+              <a:latin typeface="Consolas" panose="020B0609020204030204" pitchFamily="49" charset="0"/>
+            </a:endParaRPr>
+          </a:p>
+          <a:p>
+            <a:pPr marL="0" indent="0">
+              <a:buNone/>
+            </a:pPr>
+            <a:r>
+              <a:rPr lang="pl-PL" sz="900" dirty="0">
+                <a:solidFill>
+                  <a:srgbClr val="000000"/>
+                </a:solidFill>
+                <a:highlight>
+                  <a:srgbClr val="FFFFFF"/>
+                </a:highlight>
+                <a:latin typeface="Consolas" panose="020B0609020204030204" pitchFamily="49" charset="0"/>
+              </a:rPr>
+              <a:t>        </a:t>
+            </a:r>
+            <a:r>
+              <a:rPr lang="pl-PL" sz="900" dirty="0" smtClean="0">
+                <a:solidFill>
+                  <a:srgbClr val="000000"/>
+                </a:solidFill>
+                <a:highlight>
+                  <a:srgbClr val="FFFFFF"/>
+                </a:highlight>
+                <a:latin typeface="Consolas" panose="020B0609020204030204" pitchFamily="49" charset="0"/>
+              </a:rPr>
+              <a:t>}</a:t>
+            </a:r>
+            <a:endParaRPr lang="pl-PL" sz="900" dirty="0">
+              <a:solidFill>
+                <a:srgbClr val="000000"/>
+              </a:solidFill>
+              <a:highlight>
+                <a:srgbClr val="FFFFFF"/>
+              </a:highlight>
+              <a:latin typeface="Consolas" panose="020B0609020204030204" pitchFamily="49" charset="0"/>
+            </a:endParaRPr>
+          </a:p>
+          <a:p>
+            <a:pPr marL="0" indent="0">
+              <a:buNone/>
+            </a:pPr>
+            <a:r>
+              <a:rPr lang="en-US" sz="900" dirty="0">
+                <a:solidFill>
+                  <a:srgbClr val="000000"/>
+                </a:solidFill>
+                <a:highlight>
+                  <a:srgbClr val="FFFFFF"/>
+                </a:highlight>
+                <a:latin typeface="Consolas" panose="020B0609020204030204" pitchFamily="49" charset="0"/>
+              </a:rPr>
+              <a:t>        </a:t>
+            </a:r>
+            <a:r>
+              <a:rPr lang="en-US" sz="900" dirty="0" smtClean="0">
+                <a:solidFill>
+                  <a:srgbClr val="0000FF"/>
+                </a:solidFill>
+                <a:highlight>
+                  <a:srgbClr val="FFFFFF"/>
+                </a:highlight>
+                <a:latin typeface="Consolas" panose="020B0609020204030204" pitchFamily="49" charset="0"/>
+              </a:rPr>
+              <a:t>private</a:t>
+            </a:r>
+            <a:r>
+              <a:rPr lang="en-US" sz="900" dirty="0" smtClean="0">
+                <a:solidFill>
+                  <a:srgbClr val="000000"/>
+                </a:solidFill>
+                <a:highlight>
+                  <a:srgbClr val="FFFFFF"/>
+                </a:highlight>
+                <a:latin typeface="Consolas" panose="020B0609020204030204" pitchFamily="49" charset="0"/>
+              </a:rPr>
+              <a:t> </a:t>
+            </a:r>
+            <a:r>
+              <a:rPr lang="en-US" sz="900" dirty="0">
+                <a:solidFill>
+                  <a:srgbClr val="0000FF"/>
+                </a:solidFill>
+                <a:highlight>
+                  <a:srgbClr val="FFFFFF"/>
+                </a:highlight>
+                <a:latin typeface="Consolas" panose="020B0609020204030204" pitchFamily="49" charset="0"/>
+              </a:rPr>
+              <a:t>static</a:t>
+            </a:r>
+            <a:r>
+              <a:rPr lang="en-US" sz="900" dirty="0">
+                <a:solidFill>
+                  <a:srgbClr val="000000"/>
+                </a:solidFill>
+                <a:highlight>
+                  <a:srgbClr val="FFFFFF"/>
+                </a:highlight>
+                <a:latin typeface="Consolas" panose="020B0609020204030204" pitchFamily="49" charset="0"/>
+              </a:rPr>
+              <a:t> </a:t>
+            </a:r>
+            <a:r>
+              <a:rPr lang="en-US" sz="900" dirty="0" err="1" smtClean="0">
+                <a:solidFill>
+                  <a:srgbClr val="0000FF"/>
+                </a:solidFill>
+                <a:highlight>
+                  <a:srgbClr val="FFFFFF"/>
+                </a:highlight>
+                <a:latin typeface="Consolas" panose="020B0609020204030204" pitchFamily="49" charset="0"/>
+              </a:rPr>
+              <a:t>readonly</a:t>
+            </a:r>
+            <a:r>
+              <a:rPr lang="en-US" sz="900" dirty="0" smtClean="0">
+                <a:solidFill>
+                  <a:srgbClr val="000000"/>
+                </a:solidFill>
+                <a:highlight>
+                  <a:srgbClr val="FFFFFF"/>
+                </a:highlight>
+                <a:latin typeface="Consolas" panose="020B0609020204030204" pitchFamily="49" charset="0"/>
+              </a:rPr>
+              <a:t> </a:t>
+            </a:r>
+            <a:r>
+              <a:rPr lang="en-US" sz="900" dirty="0" smtClean="0">
+                <a:solidFill>
+                  <a:srgbClr val="0000FF"/>
+                </a:solidFill>
+                <a:highlight>
+                  <a:srgbClr val="FFFFFF"/>
+                </a:highlight>
+                <a:latin typeface="Consolas" panose="020B0609020204030204" pitchFamily="49" charset="0"/>
+              </a:rPr>
+              <a:t>object</a:t>
+            </a:r>
+            <a:r>
+              <a:rPr lang="en-US" sz="900" dirty="0" smtClean="0">
+                <a:solidFill>
+                  <a:srgbClr val="000000"/>
+                </a:solidFill>
+                <a:highlight>
+                  <a:srgbClr val="FFFFFF"/>
+                </a:highlight>
+                <a:latin typeface="Consolas" panose="020B0609020204030204" pitchFamily="49" charset="0"/>
+              </a:rPr>
+              <a:t> </a:t>
+            </a:r>
+            <a:r>
+              <a:rPr lang="en-US" sz="900" dirty="0" err="1">
+                <a:solidFill>
+                  <a:srgbClr val="000000"/>
+                </a:solidFill>
+                <a:highlight>
+                  <a:srgbClr val="FFFFFF"/>
+                </a:highlight>
+                <a:latin typeface="Consolas" panose="020B0609020204030204" pitchFamily="49" charset="0"/>
+              </a:rPr>
+              <a:t>syncLock</a:t>
+            </a:r>
+            <a:r>
+              <a:rPr lang="en-US" sz="900" dirty="0">
+                <a:solidFill>
+                  <a:srgbClr val="000000"/>
+                </a:solidFill>
+                <a:highlight>
+                  <a:srgbClr val="FFFFFF"/>
+                </a:highlight>
+                <a:latin typeface="Consolas" panose="020B0609020204030204" pitchFamily="49" charset="0"/>
+              </a:rPr>
+              <a:t> = </a:t>
+            </a:r>
+            <a:r>
+              <a:rPr lang="en-US" sz="900" dirty="0">
+                <a:solidFill>
+                  <a:srgbClr val="0000FF"/>
+                </a:solidFill>
+                <a:highlight>
+                  <a:srgbClr val="FFFFFF"/>
+                </a:highlight>
+                <a:latin typeface="Consolas" panose="020B0609020204030204" pitchFamily="49" charset="0"/>
+              </a:rPr>
+              <a:t>new</a:t>
+            </a:r>
+            <a:r>
+              <a:rPr lang="en-US" sz="900" dirty="0">
+                <a:solidFill>
+                  <a:srgbClr val="000000"/>
+                </a:solidFill>
+                <a:highlight>
+                  <a:srgbClr val="FFFFFF"/>
+                </a:highlight>
+                <a:latin typeface="Consolas" panose="020B0609020204030204" pitchFamily="49" charset="0"/>
+              </a:rPr>
+              <a:t> </a:t>
+            </a:r>
+            <a:r>
+              <a:rPr lang="en-US" sz="900" dirty="0">
+                <a:solidFill>
+                  <a:srgbClr val="0000FF"/>
+                </a:solidFill>
+                <a:highlight>
+                  <a:srgbClr val="FFFFFF"/>
+                </a:highlight>
+                <a:latin typeface="Consolas" panose="020B0609020204030204" pitchFamily="49" charset="0"/>
+              </a:rPr>
+              <a:t>object</a:t>
+            </a:r>
+            <a:r>
+              <a:rPr lang="en-US" sz="900" dirty="0" smtClean="0">
+                <a:solidFill>
+                  <a:srgbClr val="000000"/>
+                </a:solidFill>
+                <a:highlight>
+                  <a:srgbClr val="FFFFFF"/>
+                </a:highlight>
+                <a:latin typeface="Consolas" panose="020B0609020204030204" pitchFamily="49" charset="0"/>
+              </a:rPr>
+              <a:t>();</a:t>
+            </a:r>
+            <a:endParaRPr lang="pl-PL" sz="900" dirty="0">
+              <a:solidFill>
+                <a:srgbClr val="000000"/>
+              </a:solidFill>
+              <a:highlight>
+                <a:srgbClr val="FFFFFF"/>
+              </a:highlight>
+              <a:latin typeface="Consolas" panose="020B0609020204030204" pitchFamily="49" charset="0"/>
+            </a:endParaRPr>
+          </a:p>
+          <a:p>
+            <a:pPr marL="0" indent="0">
+              <a:buNone/>
+            </a:pPr>
+            <a:r>
+              <a:rPr lang="pl-PL" sz="900" dirty="0" smtClean="0">
+                <a:solidFill>
+                  <a:srgbClr val="000000"/>
+                </a:solidFill>
+                <a:highlight>
+                  <a:srgbClr val="FFFFFF"/>
+                </a:highlight>
+                <a:latin typeface="Consolas" panose="020B0609020204030204" pitchFamily="49" charset="0"/>
+              </a:rPr>
+              <a:t>       </a:t>
+            </a:r>
+            <a:r>
+              <a:rPr lang="pl-PL" sz="900" dirty="0" smtClean="0">
+                <a:solidFill>
+                  <a:srgbClr val="808080"/>
+                </a:solidFill>
+                <a:highlight>
+                  <a:srgbClr val="FFFFFF"/>
+                </a:highlight>
+                <a:latin typeface="Consolas" panose="020B0609020204030204" pitchFamily="49" charset="0"/>
+              </a:rPr>
+              <a:t>///</a:t>
+            </a:r>
+            <a:r>
+              <a:rPr lang="pl-PL" sz="900" dirty="0" smtClean="0">
+                <a:solidFill>
+                  <a:srgbClr val="008000"/>
+                </a:solidFill>
+                <a:highlight>
+                  <a:srgbClr val="FFFFFF"/>
+                </a:highlight>
+                <a:latin typeface="Consolas" panose="020B0609020204030204" pitchFamily="49" charset="0"/>
+              </a:rPr>
+              <a:t> </a:t>
+            </a:r>
+            <a:r>
+              <a:rPr lang="pl-PL" sz="900" dirty="0" smtClean="0">
+                <a:solidFill>
+                  <a:srgbClr val="808080"/>
+                </a:solidFill>
+                <a:highlight>
+                  <a:srgbClr val="FFFFFF"/>
+                </a:highlight>
+                <a:latin typeface="Consolas" panose="020B0609020204030204" pitchFamily="49" charset="0"/>
+              </a:rPr>
+              <a:t>&lt;</a:t>
+            </a:r>
+            <a:r>
+              <a:rPr lang="pl-PL" sz="900" dirty="0" err="1" smtClean="0">
+                <a:solidFill>
+                  <a:srgbClr val="808080"/>
+                </a:solidFill>
+                <a:highlight>
+                  <a:srgbClr val="FFFFFF"/>
+                </a:highlight>
+                <a:latin typeface="Consolas" panose="020B0609020204030204" pitchFamily="49" charset="0"/>
+              </a:rPr>
+              <a:t>summary</a:t>
+            </a:r>
+            <a:r>
+              <a:rPr lang="pl-PL" sz="900" dirty="0" smtClean="0">
+                <a:solidFill>
+                  <a:srgbClr val="808080"/>
+                </a:solidFill>
+                <a:highlight>
+                  <a:srgbClr val="FFFFFF"/>
+                </a:highlight>
+                <a:latin typeface="Consolas" panose="020B0609020204030204" pitchFamily="49" charset="0"/>
+              </a:rPr>
+              <a:t>&gt;</a:t>
+            </a:r>
+            <a:br>
+              <a:rPr lang="pl-PL" sz="900" dirty="0" smtClean="0">
+                <a:solidFill>
+                  <a:srgbClr val="808080"/>
+                </a:solidFill>
+                <a:highlight>
+                  <a:srgbClr val="FFFFFF"/>
+                </a:highlight>
+                <a:latin typeface="Consolas" panose="020B0609020204030204" pitchFamily="49" charset="0"/>
+              </a:rPr>
+            </a:br>
+            <a:r>
+              <a:rPr lang="pl-PL" sz="900" dirty="0" smtClean="0">
+                <a:solidFill>
+                  <a:srgbClr val="000000"/>
+                </a:solidFill>
+                <a:highlight>
+                  <a:srgbClr val="FFFFFF"/>
+                </a:highlight>
+                <a:latin typeface="Consolas" panose="020B0609020204030204" pitchFamily="49" charset="0"/>
+              </a:rPr>
+              <a:t>       </a:t>
+            </a:r>
+            <a:r>
+              <a:rPr lang="pl-PL" sz="900" dirty="0" smtClean="0">
+                <a:solidFill>
+                  <a:srgbClr val="808080"/>
+                </a:solidFill>
+                <a:highlight>
+                  <a:srgbClr val="FFFFFF"/>
+                </a:highlight>
+                <a:latin typeface="Consolas" panose="020B0609020204030204" pitchFamily="49" charset="0"/>
+              </a:rPr>
+              <a:t>///</a:t>
+            </a:r>
+            <a:r>
+              <a:rPr lang="pl-PL" sz="900" dirty="0" smtClean="0">
+                <a:solidFill>
+                  <a:srgbClr val="008000"/>
+                </a:solidFill>
+                <a:highlight>
+                  <a:srgbClr val="FFFFFF"/>
+                </a:highlight>
+                <a:latin typeface="Consolas" panose="020B0609020204030204" pitchFamily="49" charset="0"/>
+              </a:rPr>
+              <a:t> Metoda </a:t>
+            </a:r>
+            <a:r>
+              <a:rPr lang="pl-PL" sz="900" dirty="0" err="1" smtClean="0">
+                <a:solidFill>
+                  <a:srgbClr val="008000"/>
+                </a:solidFill>
+                <a:highlight>
+                  <a:srgbClr val="FFFFFF"/>
+                </a:highlight>
+                <a:latin typeface="Consolas" panose="020B0609020204030204" pitchFamily="49" charset="0"/>
+              </a:rPr>
+              <a:t>ktora</a:t>
+            </a:r>
+            <a:r>
+              <a:rPr lang="pl-PL" sz="900" dirty="0" smtClean="0">
+                <a:solidFill>
+                  <a:srgbClr val="008000"/>
+                </a:solidFill>
+                <a:highlight>
+                  <a:srgbClr val="FFFFFF"/>
+                </a:highlight>
+                <a:latin typeface="Consolas" panose="020B0609020204030204" pitchFamily="49" charset="0"/>
+              </a:rPr>
+              <a:t> zwraca nam instancję obiektu, który może wystąpić tylko i wyłącznie raz</a:t>
+            </a:r>
+            <a:br>
+              <a:rPr lang="pl-PL" sz="900" dirty="0" smtClean="0">
+                <a:solidFill>
+                  <a:srgbClr val="008000"/>
+                </a:solidFill>
+                <a:highlight>
+                  <a:srgbClr val="FFFFFF"/>
+                </a:highlight>
+                <a:latin typeface="Consolas" panose="020B0609020204030204" pitchFamily="49" charset="0"/>
+              </a:rPr>
+            </a:br>
+            <a:r>
+              <a:rPr lang="pl-PL" sz="900" dirty="0" smtClean="0">
+                <a:solidFill>
+                  <a:srgbClr val="000000"/>
+                </a:solidFill>
+                <a:highlight>
+                  <a:srgbClr val="FFFFFF"/>
+                </a:highlight>
+                <a:latin typeface="Consolas" panose="020B0609020204030204" pitchFamily="49" charset="0"/>
+              </a:rPr>
+              <a:t>       </a:t>
+            </a:r>
+            <a:r>
+              <a:rPr lang="pl-PL" sz="900" dirty="0" smtClean="0">
+                <a:solidFill>
+                  <a:srgbClr val="808080"/>
+                </a:solidFill>
+                <a:highlight>
+                  <a:srgbClr val="FFFFFF"/>
+                </a:highlight>
+                <a:latin typeface="Consolas" panose="020B0609020204030204" pitchFamily="49" charset="0"/>
+              </a:rPr>
+              <a:t>///</a:t>
+            </a:r>
+            <a:r>
+              <a:rPr lang="pl-PL" sz="900" dirty="0" smtClean="0">
+                <a:solidFill>
+                  <a:srgbClr val="008000"/>
+                </a:solidFill>
+                <a:highlight>
+                  <a:srgbClr val="FFFFFF"/>
+                </a:highlight>
+                <a:latin typeface="Consolas" panose="020B0609020204030204" pitchFamily="49" charset="0"/>
+              </a:rPr>
+              <a:t> </a:t>
+            </a:r>
+            <a:r>
+              <a:rPr lang="pl-PL" sz="900" dirty="0" smtClean="0">
+                <a:solidFill>
+                  <a:srgbClr val="808080"/>
+                </a:solidFill>
+                <a:highlight>
+                  <a:srgbClr val="FFFFFF"/>
+                </a:highlight>
+                <a:latin typeface="Consolas" panose="020B0609020204030204" pitchFamily="49" charset="0"/>
+              </a:rPr>
+              <a:t>&lt;/</a:t>
+            </a:r>
+            <a:r>
+              <a:rPr lang="pl-PL" sz="900" dirty="0" err="1" smtClean="0">
+                <a:solidFill>
+                  <a:srgbClr val="808080"/>
+                </a:solidFill>
+                <a:highlight>
+                  <a:srgbClr val="FFFFFF"/>
+                </a:highlight>
+                <a:latin typeface="Consolas" panose="020B0609020204030204" pitchFamily="49" charset="0"/>
+              </a:rPr>
+              <a:t>summary</a:t>
+            </a:r>
+            <a:r>
+              <a:rPr lang="pl-PL" sz="900" dirty="0" smtClean="0">
+                <a:solidFill>
+                  <a:srgbClr val="808080"/>
+                </a:solidFill>
+                <a:highlight>
+                  <a:srgbClr val="FFFFFF"/>
+                </a:highlight>
+                <a:latin typeface="Consolas" panose="020B0609020204030204" pitchFamily="49" charset="0"/>
+              </a:rPr>
+              <a:t>&gt;</a:t>
+            </a:r>
+            <a:br>
+              <a:rPr lang="pl-PL" sz="900" dirty="0" smtClean="0">
+                <a:solidFill>
+                  <a:srgbClr val="808080"/>
+                </a:solidFill>
+                <a:highlight>
+                  <a:srgbClr val="FFFFFF"/>
+                </a:highlight>
+                <a:latin typeface="Consolas" panose="020B0609020204030204" pitchFamily="49" charset="0"/>
+              </a:rPr>
+            </a:br>
+            <a:r>
+              <a:rPr lang="pl-PL" sz="900" dirty="0" smtClean="0">
+                <a:solidFill>
+                  <a:srgbClr val="000000"/>
+                </a:solidFill>
+                <a:highlight>
+                  <a:srgbClr val="FFFFFF"/>
+                </a:highlight>
+                <a:latin typeface="Consolas" panose="020B0609020204030204" pitchFamily="49" charset="0"/>
+              </a:rPr>
+              <a:t>       </a:t>
+            </a:r>
+            <a:r>
+              <a:rPr lang="pl-PL" sz="900" dirty="0" smtClean="0">
+                <a:solidFill>
+                  <a:srgbClr val="808080"/>
+                </a:solidFill>
+                <a:highlight>
+                  <a:srgbClr val="FFFFFF"/>
+                </a:highlight>
+                <a:latin typeface="Consolas" panose="020B0609020204030204" pitchFamily="49" charset="0"/>
+              </a:rPr>
+              <a:t>///</a:t>
+            </a:r>
+            <a:r>
+              <a:rPr lang="pl-PL" sz="900" dirty="0" smtClean="0">
+                <a:solidFill>
+                  <a:srgbClr val="008000"/>
+                </a:solidFill>
+                <a:highlight>
+                  <a:srgbClr val="FFFFFF"/>
+                </a:highlight>
+                <a:latin typeface="Consolas" panose="020B0609020204030204" pitchFamily="49" charset="0"/>
+              </a:rPr>
+              <a:t> </a:t>
+            </a:r>
+            <a:r>
+              <a:rPr lang="pl-PL" sz="900" dirty="0" smtClean="0">
+                <a:solidFill>
+                  <a:srgbClr val="808080"/>
+                </a:solidFill>
+                <a:highlight>
+                  <a:srgbClr val="FFFFFF"/>
+                </a:highlight>
+                <a:latin typeface="Consolas" panose="020B0609020204030204" pitchFamily="49" charset="0"/>
+              </a:rPr>
+              <a:t>&lt;</a:t>
+            </a:r>
+            <a:r>
+              <a:rPr lang="pl-PL" sz="900" dirty="0" err="1" smtClean="0">
+                <a:solidFill>
+                  <a:srgbClr val="808080"/>
+                </a:solidFill>
+                <a:highlight>
+                  <a:srgbClr val="FFFFFF"/>
+                </a:highlight>
+                <a:latin typeface="Consolas" panose="020B0609020204030204" pitchFamily="49" charset="0"/>
+              </a:rPr>
+              <a:t>returns</a:t>
+            </a:r>
+            <a:r>
+              <a:rPr lang="pl-PL" sz="900" dirty="0" smtClean="0">
+                <a:solidFill>
+                  <a:srgbClr val="808080"/>
+                </a:solidFill>
+                <a:highlight>
+                  <a:srgbClr val="FFFFFF"/>
+                </a:highlight>
+                <a:latin typeface="Consolas" panose="020B0609020204030204" pitchFamily="49" charset="0"/>
+              </a:rPr>
+              <a:t>&gt;</a:t>
+            </a:r>
+            <a:r>
+              <a:rPr lang="pl-PL" sz="900" dirty="0" smtClean="0">
+                <a:solidFill>
+                  <a:srgbClr val="008000"/>
+                </a:solidFill>
+                <a:highlight>
+                  <a:srgbClr val="FFFFFF"/>
+                </a:highlight>
+                <a:latin typeface="Consolas" panose="020B0609020204030204" pitchFamily="49" charset="0"/>
+              </a:rPr>
+              <a:t>Metoda zwraca instancje klasy Singleton</a:t>
+            </a:r>
+            <a:r>
+              <a:rPr lang="pl-PL" sz="900" dirty="0" smtClean="0">
+                <a:solidFill>
+                  <a:srgbClr val="808080"/>
+                </a:solidFill>
+                <a:highlight>
+                  <a:srgbClr val="FFFFFF"/>
+                </a:highlight>
+                <a:latin typeface="Consolas" panose="020B0609020204030204" pitchFamily="49" charset="0"/>
+              </a:rPr>
+              <a:t>&lt;/</a:t>
+            </a:r>
+            <a:r>
+              <a:rPr lang="pl-PL" sz="900" dirty="0" err="1" smtClean="0">
+                <a:solidFill>
+                  <a:srgbClr val="808080"/>
+                </a:solidFill>
+                <a:highlight>
+                  <a:srgbClr val="FFFFFF"/>
+                </a:highlight>
+                <a:latin typeface="Consolas" panose="020B0609020204030204" pitchFamily="49" charset="0"/>
+              </a:rPr>
+              <a:t>returns</a:t>
+            </a:r>
+            <a:r>
+              <a:rPr lang="pl-PL" sz="900" dirty="0" smtClean="0">
+                <a:solidFill>
+                  <a:srgbClr val="808080"/>
+                </a:solidFill>
+                <a:highlight>
+                  <a:srgbClr val="FFFFFF"/>
+                </a:highlight>
+                <a:latin typeface="Consolas" panose="020B0609020204030204" pitchFamily="49" charset="0"/>
+              </a:rPr>
+              <a:t>&gt;</a:t>
+            </a:r>
+            <a:br>
+              <a:rPr lang="pl-PL" sz="900" dirty="0" smtClean="0">
+                <a:solidFill>
+                  <a:srgbClr val="808080"/>
+                </a:solidFill>
+                <a:highlight>
+                  <a:srgbClr val="FFFFFF"/>
+                </a:highlight>
+                <a:latin typeface="Consolas" panose="020B0609020204030204" pitchFamily="49" charset="0"/>
+              </a:rPr>
+            </a:br>
+            <a:r>
+              <a:rPr lang="pl-PL" sz="900" dirty="0" smtClean="0">
+                <a:solidFill>
+                  <a:srgbClr val="000000"/>
+                </a:solidFill>
+                <a:highlight>
+                  <a:srgbClr val="FFFFFF"/>
+                </a:highlight>
+                <a:latin typeface="Consolas" panose="020B0609020204030204" pitchFamily="49" charset="0"/>
+              </a:rPr>
+              <a:t>        </a:t>
+            </a:r>
+            <a:r>
+              <a:rPr lang="pl-PL" sz="900" dirty="0" smtClean="0">
+                <a:solidFill>
+                  <a:srgbClr val="0000FF"/>
+                </a:solidFill>
+                <a:highlight>
+                  <a:srgbClr val="FFFFFF"/>
+                </a:highlight>
+                <a:latin typeface="Consolas" panose="020B0609020204030204" pitchFamily="49" charset="0"/>
+              </a:rPr>
+              <a:t>public</a:t>
+            </a:r>
+            <a:r>
+              <a:rPr lang="pl-PL" sz="900" dirty="0" smtClean="0">
+                <a:solidFill>
+                  <a:srgbClr val="000000"/>
+                </a:solidFill>
+                <a:highlight>
+                  <a:srgbClr val="FFFFFF"/>
+                </a:highlight>
+                <a:latin typeface="Consolas" panose="020B0609020204030204" pitchFamily="49" charset="0"/>
+              </a:rPr>
+              <a:t> </a:t>
+            </a:r>
+            <a:r>
+              <a:rPr lang="pl-PL" sz="900" dirty="0" err="1" smtClean="0">
+                <a:solidFill>
+                  <a:srgbClr val="0000FF"/>
+                </a:solidFill>
+                <a:highlight>
+                  <a:srgbClr val="FFFFFF"/>
+                </a:highlight>
+                <a:latin typeface="Consolas" panose="020B0609020204030204" pitchFamily="49" charset="0"/>
+              </a:rPr>
+              <a:t>static</a:t>
+            </a:r>
+            <a:r>
+              <a:rPr lang="pl-PL" sz="900" dirty="0" smtClean="0">
+                <a:solidFill>
+                  <a:srgbClr val="000000"/>
+                </a:solidFill>
+                <a:highlight>
+                  <a:srgbClr val="FFFFFF"/>
+                </a:highlight>
+                <a:latin typeface="Consolas" panose="020B0609020204030204" pitchFamily="49" charset="0"/>
+              </a:rPr>
+              <a:t> </a:t>
+            </a:r>
+            <a:r>
+              <a:rPr lang="pl-PL" sz="900" dirty="0" smtClean="0">
+                <a:solidFill>
+                  <a:srgbClr val="2B91AF"/>
+                </a:solidFill>
+                <a:highlight>
+                  <a:srgbClr val="FFFFFF"/>
+                </a:highlight>
+                <a:latin typeface="Consolas" panose="020B0609020204030204" pitchFamily="49" charset="0"/>
+              </a:rPr>
+              <a:t>Singleton</a:t>
+            </a:r>
+            <a:r>
+              <a:rPr lang="pl-PL" sz="900" dirty="0" smtClean="0">
+                <a:solidFill>
+                  <a:srgbClr val="000000"/>
+                </a:solidFill>
+                <a:highlight>
+                  <a:srgbClr val="FFFFFF"/>
+                </a:highlight>
+                <a:latin typeface="Consolas" panose="020B0609020204030204" pitchFamily="49" charset="0"/>
+              </a:rPr>
+              <a:t> </a:t>
+            </a:r>
+            <a:r>
+              <a:rPr lang="pl-PL" sz="900" dirty="0" err="1" smtClean="0">
+                <a:solidFill>
+                  <a:srgbClr val="000000"/>
+                </a:solidFill>
+                <a:highlight>
+                  <a:srgbClr val="FFFFFF"/>
+                </a:highlight>
+                <a:latin typeface="Consolas" panose="020B0609020204030204" pitchFamily="49" charset="0"/>
+              </a:rPr>
+              <a:t>getSingleton</a:t>
+            </a:r>
+            <a:r>
+              <a:rPr lang="pl-PL" sz="900" dirty="0" smtClean="0">
+                <a:solidFill>
+                  <a:srgbClr val="000000"/>
+                </a:solidFill>
+                <a:highlight>
+                  <a:srgbClr val="FFFFFF"/>
+                </a:highlight>
+                <a:latin typeface="Consolas" panose="020B0609020204030204" pitchFamily="49" charset="0"/>
+              </a:rPr>
+              <a:t>()</a:t>
+            </a:r>
+            <a:br>
+              <a:rPr lang="pl-PL" sz="900" dirty="0" smtClean="0">
+                <a:solidFill>
+                  <a:srgbClr val="000000"/>
+                </a:solidFill>
+                <a:highlight>
+                  <a:srgbClr val="FFFFFF"/>
+                </a:highlight>
+                <a:latin typeface="Consolas" panose="020B0609020204030204" pitchFamily="49" charset="0"/>
+              </a:rPr>
+            </a:br>
+            <a:r>
+              <a:rPr lang="pl-PL" sz="900" dirty="0" smtClean="0">
+                <a:solidFill>
+                  <a:srgbClr val="000000"/>
+                </a:solidFill>
+                <a:highlight>
+                  <a:srgbClr val="FFFFFF"/>
+                </a:highlight>
+                <a:latin typeface="Consolas" panose="020B0609020204030204" pitchFamily="49" charset="0"/>
+              </a:rPr>
+              <a:t>        {</a:t>
+            </a:r>
+            <a:br>
+              <a:rPr lang="pl-PL" sz="900" dirty="0" smtClean="0">
+                <a:solidFill>
+                  <a:srgbClr val="000000"/>
+                </a:solidFill>
+                <a:highlight>
+                  <a:srgbClr val="FFFFFF"/>
+                </a:highlight>
+                <a:latin typeface="Consolas" panose="020B0609020204030204" pitchFamily="49" charset="0"/>
+              </a:rPr>
+            </a:br>
+            <a:r>
+              <a:rPr lang="pl-PL" sz="900" dirty="0" smtClean="0">
+                <a:solidFill>
+                  <a:srgbClr val="000000"/>
+                </a:solidFill>
+                <a:highlight>
+                  <a:srgbClr val="FFFFFF"/>
+                </a:highlight>
+                <a:latin typeface="Consolas" panose="020B0609020204030204" pitchFamily="49" charset="0"/>
+              </a:rPr>
+              <a:t>		</a:t>
+            </a:r>
+            <a:r>
+              <a:rPr lang="pl-PL" sz="900" dirty="0">
+                <a:solidFill>
+                  <a:srgbClr val="808080"/>
+                </a:solidFill>
+                <a:highlight>
+                  <a:srgbClr val="FFFFFF"/>
+                </a:highlight>
+                <a:latin typeface="Consolas" panose="020B0609020204030204" pitchFamily="49" charset="0"/>
+              </a:rPr>
+              <a:t>///</a:t>
+            </a:r>
+            <a:r>
+              <a:rPr lang="pl-PL" sz="900" dirty="0">
+                <a:solidFill>
+                  <a:srgbClr val="008000"/>
+                </a:solidFill>
+                <a:highlight>
+                  <a:srgbClr val="FFFFFF"/>
+                </a:highlight>
+                <a:latin typeface="Consolas" panose="020B0609020204030204" pitchFamily="49" charset="0"/>
+              </a:rPr>
+              <a:t>lock jest stworzony po to aby aplikacja działająca na wielu wątkach nie porobiła nas podczas sprawdzania czy </a:t>
+            </a:r>
+            <a:r>
+              <a:rPr lang="pl-PL" sz="900" dirty="0" smtClean="0">
+                <a:solidFill>
+                  <a:srgbClr val="008000"/>
+                </a:solidFill>
+                <a:highlight>
+                  <a:srgbClr val="FFFFFF"/>
+                </a:highlight>
+                <a:latin typeface="Consolas" panose="020B0609020204030204" pitchFamily="49" charset="0"/>
+              </a:rPr>
+              <a:t>			   instancja istnieje</a:t>
+            </a:r>
+            <a:r>
+              <a:rPr lang="pl-PL" sz="900" dirty="0" smtClean="0">
+                <a:solidFill>
+                  <a:srgbClr val="000000"/>
+                </a:solidFill>
+                <a:highlight>
+                  <a:srgbClr val="FFFFFF"/>
+                </a:highlight>
+                <a:latin typeface="Consolas" panose="020B0609020204030204" pitchFamily="49" charset="0"/>
+              </a:rPr>
+              <a:t/>
+            </a:r>
+            <a:br>
+              <a:rPr lang="pl-PL" sz="900" dirty="0" smtClean="0">
+                <a:solidFill>
+                  <a:srgbClr val="000000"/>
+                </a:solidFill>
+                <a:highlight>
+                  <a:srgbClr val="FFFFFF"/>
+                </a:highlight>
+                <a:latin typeface="Consolas" panose="020B0609020204030204" pitchFamily="49" charset="0"/>
+              </a:rPr>
+            </a:br>
+            <a:r>
+              <a:rPr lang="pl-PL" sz="900" dirty="0" smtClean="0">
+                <a:solidFill>
+                  <a:srgbClr val="000000"/>
+                </a:solidFill>
+                <a:highlight>
+                  <a:srgbClr val="FFFFFF"/>
+                </a:highlight>
+                <a:latin typeface="Consolas" panose="020B0609020204030204" pitchFamily="49" charset="0"/>
+              </a:rPr>
+              <a:t>		</a:t>
+            </a:r>
+            <a:r>
+              <a:rPr lang="pl-PL" sz="900" dirty="0" smtClean="0">
+                <a:solidFill>
+                  <a:srgbClr val="0000FF"/>
+                </a:solidFill>
+                <a:highlight>
+                  <a:srgbClr val="FFFFFF"/>
+                </a:highlight>
+                <a:latin typeface="Consolas" panose="020B0609020204030204" pitchFamily="49" charset="0"/>
+              </a:rPr>
+              <a:t>lock</a:t>
+            </a:r>
+            <a:r>
+              <a:rPr lang="pl-PL" sz="900" dirty="0" smtClean="0">
+                <a:solidFill>
+                  <a:srgbClr val="000000"/>
+                </a:solidFill>
+                <a:highlight>
+                  <a:srgbClr val="FFFFFF"/>
+                </a:highlight>
+                <a:latin typeface="Consolas" panose="020B0609020204030204" pitchFamily="49" charset="0"/>
+              </a:rPr>
+              <a:t> </a:t>
+            </a:r>
+            <a:r>
+              <a:rPr lang="pl-PL" sz="900" dirty="0">
+                <a:solidFill>
+                  <a:srgbClr val="000000"/>
+                </a:solidFill>
+                <a:highlight>
+                  <a:srgbClr val="FFFFFF"/>
+                </a:highlight>
+                <a:latin typeface="Consolas" panose="020B0609020204030204" pitchFamily="49" charset="0"/>
+              </a:rPr>
+              <a:t>(</a:t>
+            </a:r>
+            <a:r>
+              <a:rPr lang="pl-PL" sz="900" dirty="0" err="1">
+                <a:solidFill>
+                  <a:srgbClr val="000000"/>
+                </a:solidFill>
+                <a:highlight>
+                  <a:srgbClr val="FFFFFF"/>
+                </a:highlight>
+                <a:latin typeface="Consolas" panose="020B0609020204030204" pitchFamily="49" charset="0"/>
+              </a:rPr>
+              <a:t>syncLock</a:t>
+            </a:r>
+            <a:r>
+              <a:rPr lang="pl-PL" sz="900" dirty="0" smtClean="0">
+                <a:solidFill>
+                  <a:srgbClr val="000000"/>
+                </a:solidFill>
+                <a:highlight>
+                  <a:srgbClr val="FFFFFF"/>
+                </a:highlight>
+                <a:latin typeface="Consolas" panose="020B0609020204030204" pitchFamily="49" charset="0"/>
+              </a:rPr>
               <a:t>)</a:t>
             </a:r>
-            <a:endParaRPr lang="pl-PL" dirty="0"/>
+            <a:br>
+              <a:rPr lang="pl-PL" sz="900" dirty="0" smtClean="0">
+                <a:solidFill>
+                  <a:srgbClr val="000000"/>
+                </a:solidFill>
+                <a:highlight>
+                  <a:srgbClr val="FFFFFF"/>
+                </a:highlight>
+                <a:latin typeface="Consolas" panose="020B0609020204030204" pitchFamily="49" charset="0"/>
+              </a:rPr>
+            </a:br>
+            <a:r>
+              <a:rPr lang="pl-PL" sz="900" dirty="0" smtClean="0">
+                <a:solidFill>
+                  <a:srgbClr val="000000"/>
+                </a:solidFill>
+                <a:highlight>
+                  <a:srgbClr val="FFFFFF"/>
+                </a:highlight>
+                <a:latin typeface="Consolas" panose="020B0609020204030204" pitchFamily="49" charset="0"/>
+              </a:rPr>
+              <a:t>		{</a:t>
+            </a:r>
+            <a:br>
+              <a:rPr lang="pl-PL" sz="900" dirty="0" smtClean="0">
+                <a:solidFill>
+                  <a:srgbClr val="000000"/>
+                </a:solidFill>
+                <a:highlight>
+                  <a:srgbClr val="FFFFFF"/>
+                </a:highlight>
+                <a:latin typeface="Consolas" panose="020B0609020204030204" pitchFamily="49" charset="0"/>
+              </a:rPr>
+            </a:br>
+            <a:r>
+              <a:rPr lang="pl-PL" sz="900" dirty="0" smtClean="0">
+                <a:solidFill>
+                  <a:srgbClr val="000000"/>
+                </a:solidFill>
+                <a:highlight>
+                  <a:srgbClr val="FFFFFF"/>
+                </a:highlight>
+                <a:latin typeface="Consolas" panose="020B0609020204030204" pitchFamily="49" charset="0"/>
+              </a:rPr>
+              <a:t>                </a:t>
+            </a:r>
+            <a:r>
+              <a:rPr lang="pl-PL" sz="900" dirty="0">
+                <a:solidFill>
+                  <a:srgbClr val="008000"/>
+                </a:solidFill>
+                <a:highlight>
+                  <a:srgbClr val="FFFFFF"/>
+                </a:highlight>
+                <a:latin typeface="Consolas" panose="020B0609020204030204" pitchFamily="49" charset="0"/>
+              </a:rPr>
+              <a:t>//jeżeli </a:t>
+            </a:r>
+            <a:r>
+              <a:rPr lang="pl-PL" sz="900" dirty="0" err="1">
+                <a:solidFill>
+                  <a:srgbClr val="008000"/>
+                </a:solidFill>
+                <a:highlight>
+                  <a:srgbClr val="FFFFFF"/>
+                </a:highlight>
+                <a:latin typeface="Consolas" panose="020B0609020204030204" pitchFamily="49" charset="0"/>
+              </a:rPr>
+              <a:t>instance</a:t>
+            </a:r>
+            <a:r>
+              <a:rPr lang="pl-PL" sz="900" dirty="0">
+                <a:solidFill>
+                  <a:srgbClr val="008000"/>
+                </a:solidFill>
+                <a:highlight>
+                  <a:srgbClr val="FFFFFF"/>
+                </a:highlight>
+                <a:latin typeface="Consolas" panose="020B0609020204030204" pitchFamily="49" charset="0"/>
+              </a:rPr>
+              <a:t> == </a:t>
+            </a:r>
+            <a:r>
+              <a:rPr lang="pl-PL" sz="900" dirty="0" err="1">
+                <a:solidFill>
+                  <a:srgbClr val="008000"/>
+                </a:solidFill>
+                <a:highlight>
+                  <a:srgbClr val="FFFFFF"/>
+                </a:highlight>
+                <a:latin typeface="Consolas" panose="020B0609020204030204" pitchFamily="49" charset="0"/>
+              </a:rPr>
+              <a:t>null</a:t>
+            </a:r>
+            <a:r>
+              <a:rPr lang="pl-PL" sz="900" dirty="0">
+                <a:solidFill>
+                  <a:srgbClr val="008000"/>
+                </a:solidFill>
+                <a:highlight>
+                  <a:srgbClr val="FFFFFF"/>
+                </a:highlight>
+                <a:latin typeface="Consolas" panose="020B0609020204030204" pitchFamily="49" charset="0"/>
+              </a:rPr>
+              <a:t> to tworzymy nowy obiekt inaczej </a:t>
+            </a:r>
+            <a:r>
+              <a:rPr lang="pl-PL" sz="900" dirty="0" err="1">
+                <a:solidFill>
+                  <a:srgbClr val="008000"/>
+                </a:solidFill>
+                <a:highlight>
+                  <a:srgbClr val="FFFFFF"/>
+                </a:highlight>
+                <a:latin typeface="Consolas" panose="020B0609020204030204" pitchFamily="49" charset="0"/>
+              </a:rPr>
+              <a:t>zwtacamy</a:t>
+            </a:r>
+            <a:r>
+              <a:rPr lang="pl-PL" sz="900" dirty="0">
+                <a:solidFill>
+                  <a:srgbClr val="008000"/>
+                </a:solidFill>
+                <a:highlight>
+                  <a:srgbClr val="FFFFFF"/>
+                </a:highlight>
+                <a:latin typeface="Consolas" panose="020B0609020204030204" pitchFamily="49" charset="0"/>
+              </a:rPr>
+              <a:t> </a:t>
+            </a:r>
+            <a:r>
+              <a:rPr lang="pl-PL" sz="900" dirty="0" err="1" smtClean="0">
+                <a:solidFill>
+                  <a:srgbClr val="008000"/>
+                </a:solidFill>
+                <a:highlight>
+                  <a:srgbClr val="FFFFFF"/>
+                </a:highlight>
+                <a:latin typeface="Consolas" panose="020B0609020204030204" pitchFamily="49" charset="0"/>
+              </a:rPr>
+              <a:t>instance</a:t>
+            </a:r>
+            <a:r>
+              <a:rPr lang="pl-PL" sz="900" dirty="0" smtClean="0">
+                <a:solidFill>
+                  <a:srgbClr val="008000"/>
+                </a:solidFill>
+                <a:highlight>
+                  <a:srgbClr val="FFFFFF"/>
+                </a:highlight>
+                <a:latin typeface="Consolas" panose="020B0609020204030204" pitchFamily="49" charset="0"/>
+              </a:rPr>
+              <a:t/>
+            </a:r>
+            <a:br>
+              <a:rPr lang="pl-PL" sz="900" dirty="0" smtClean="0">
+                <a:solidFill>
+                  <a:srgbClr val="008000"/>
+                </a:solidFill>
+                <a:highlight>
+                  <a:srgbClr val="FFFFFF"/>
+                </a:highlight>
+                <a:latin typeface="Consolas" panose="020B0609020204030204" pitchFamily="49" charset="0"/>
+              </a:rPr>
+            </a:br>
+            <a:r>
+              <a:rPr lang="pl-PL" sz="900" dirty="0" smtClean="0">
+                <a:solidFill>
+                  <a:srgbClr val="000000"/>
+                </a:solidFill>
+                <a:highlight>
+                  <a:srgbClr val="FFFFFF"/>
+                </a:highlight>
+                <a:latin typeface="Consolas" panose="020B0609020204030204" pitchFamily="49" charset="0"/>
+              </a:rPr>
+              <a:t>                </a:t>
+            </a:r>
+            <a:r>
+              <a:rPr lang="pl-PL" sz="900" dirty="0" err="1">
+                <a:solidFill>
+                  <a:srgbClr val="0000FF"/>
+                </a:solidFill>
+                <a:highlight>
+                  <a:srgbClr val="FFFFFF"/>
+                </a:highlight>
+                <a:latin typeface="Consolas" panose="020B0609020204030204" pitchFamily="49" charset="0"/>
+              </a:rPr>
+              <a:t>if</a:t>
+            </a:r>
+            <a:r>
+              <a:rPr lang="pl-PL" sz="900" dirty="0">
+                <a:solidFill>
+                  <a:srgbClr val="000000"/>
+                </a:solidFill>
+                <a:highlight>
+                  <a:srgbClr val="FFFFFF"/>
+                </a:highlight>
+                <a:latin typeface="Consolas" panose="020B0609020204030204" pitchFamily="49" charset="0"/>
+              </a:rPr>
+              <a:t> (</a:t>
+            </a:r>
+            <a:r>
+              <a:rPr lang="pl-PL" sz="900" dirty="0" err="1">
+                <a:solidFill>
+                  <a:srgbClr val="000000"/>
+                </a:solidFill>
+                <a:highlight>
+                  <a:srgbClr val="FFFFFF"/>
+                </a:highlight>
+                <a:latin typeface="Consolas" panose="020B0609020204030204" pitchFamily="49" charset="0"/>
+              </a:rPr>
+              <a:t>instance</a:t>
+            </a:r>
+            <a:r>
+              <a:rPr lang="pl-PL" sz="900" dirty="0">
+                <a:solidFill>
+                  <a:srgbClr val="000000"/>
+                </a:solidFill>
+                <a:highlight>
+                  <a:srgbClr val="FFFFFF"/>
+                </a:highlight>
+                <a:latin typeface="Consolas" panose="020B0609020204030204" pitchFamily="49" charset="0"/>
+              </a:rPr>
+              <a:t> == </a:t>
+            </a:r>
+            <a:r>
+              <a:rPr lang="pl-PL" sz="900" dirty="0" err="1">
+                <a:solidFill>
+                  <a:srgbClr val="0000FF"/>
+                </a:solidFill>
+                <a:highlight>
+                  <a:srgbClr val="FFFFFF"/>
+                </a:highlight>
+                <a:latin typeface="Consolas" panose="020B0609020204030204" pitchFamily="49" charset="0"/>
+              </a:rPr>
+              <a:t>null</a:t>
+            </a:r>
+            <a:r>
+              <a:rPr lang="pl-PL" sz="900" dirty="0" smtClean="0">
+                <a:solidFill>
+                  <a:srgbClr val="000000"/>
+                </a:solidFill>
+                <a:highlight>
+                  <a:srgbClr val="FFFFFF"/>
+                </a:highlight>
+                <a:latin typeface="Consolas" panose="020B0609020204030204" pitchFamily="49" charset="0"/>
+              </a:rPr>
+              <a:t>)</a:t>
+            </a:r>
+            <a:br>
+              <a:rPr lang="pl-PL" sz="900" dirty="0" smtClean="0">
+                <a:solidFill>
+                  <a:srgbClr val="000000"/>
+                </a:solidFill>
+                <a:highlight>
+                  <a:srgbClr val="FFFFFF"/>
+                </a:highlight>
+                <a:latin typeface="Consolas" panose="020B0609020204030204" pitchFamily="49" charset="0"/>
+              </a:rPr>
+            </a:br>
+            <a:r>
+              <a:rPr lang="pl-PL" sz="900" dirty="0" smtClean="0">
+                <a:solidFill>
+                  <a:srgbClr val="000000"/>
+                </a:solidFill>
+                <a:highlight>
+                  <a:srgbClr val="FFFFFF"/>
+                </a:highlight>
+                <a:latin typeface="Consolas" panose="020B0609020204030204" pitchFamily="49" charset="0"/>
+              </a:rPr>
+              <a:t>                    </a:t>
+            </a:r>
+            <a:r>
+              <a:rPr lang="pl-PL" sz="900" dirty="0" err="1">
+                <a:solidFill>
+                  <a:srgbClr val="000000"/>
+                </a:solidFill>
+                <a:highlight>
+                  <a:srgbClr val="FFFFFF"/>
+                </a:highlight>
+                <a:latin typeface="Consolas" panose="020B0609020204030204" pitchFamily="49" charset="0"/>
+              </a:rPr>
+              <a:t>instance</a:t>
+            </a:r>
+            <a:r>
+              <a:rPr lang="pl-PL" sz="900" dirty="0">
+                <a:solidFill>
+                  <a:srgbClr val="000000"/>
+                </a:solidFill>
+                <a:highlight>
+                  <a:srgbClr val="FFFFFF"/>
+                </a:highlight>
+                <a:latin typeface="Consolas" panose="020B0609020204030204" pitchFamily="49" charset="0"/>
+              </a:rPr>
+              <a:t> = </a:t>
+            </a:r>
+            <a:r>
+              <a:rPr lang="pl-PL" sz="900" dirty="0" err="1">
+                <a:solidFill>
+                  <a:srgbClr val="0000FF"/>
+                </a:solidFill>
+                <a:highlight>
+                  <a:srgbClr val="FFFFFF"/>
+                </a:highlight>
+                <a:latin typeface="Consolas" panose="020B0609020204030204" pitchFamily="49" charset="0"/>
+              </a:rPr>
+              <a:t>new</a:t>
+            </a:r>
+            <a:r>
+              <a:rPr lang="pl-PL" sz="900" dirty="0">
+                <a:solidFill>
+                  <a:srgbClr val="000000"/>
+                </a:solidFill>
+                <a:highlight>
+                  <a:srgbClr val="FFFFFF"/>
+                </a:highlight>
+                <a:latin typeface="Consolas" panose="020B0609020204030204" pitchFamily="49" charset="0"/>
+              </a:rPr>
+              <a:t> </a:t>
+            </a:r>
+            <a:r>
+              <a:rPr lang="pl-PL" sz="900" dirty="0">
+                <a:solidFill>
+                  <a:srgbClr val="2B91AF"/>
+                </a:solidFill>
+                <a:highlight>
+                  <a:srgbClr val="FFFFFF"/>
+                </a:highlight>
+                <a:latin typeface="Consolas" panose="020B0609020204030204" pitchFamily="49" charset="0"/>
+              </a:rPr>
+              <a:t>Singleton</a:t>
+            </a:r>
+            <a:r>
+              <a:rPr lang="pl-PL" sz="900" dirty="0" smtClean="0">
+                <a:solidFill>
+                  <a:srgbClr val="000000"/>
+                </a:solidFill>
+                <a:highlight>
+                  <a:srgbClr val="FFFFFF"/>
+                </a:highlight>
+                <a:latin typeface="Consolas" panose="020B0609020204030204" pitchFamily="49" charset="0"/>
+              </a:rPr>
+              <a:t>();</a:t>
+            </a:r>
+            <a:br>
+              <a:rPr lang="pl-PL" sz="900" dirty="0" smtClean="0">
+                <a:solidFill>
+                  <a:srgbClr val="000000"/>
+                </a:solidFill>
+                <a:highlight>
+                  <a:srgbClr val="FFFFFF"/>
+                </a:highlight>
+                <a:latin typeface="Consolas" panose="020B0609020204030204" pitchFamily="49" charset="0"/>
+              </a:rPr>
+            </a:br>
+            <a:r>
+              <a:rPr lang="pl-PL" sz="900" dirty="0" smtClean="0">
+                <a:solidFill>
+                  <a:srgbClr val="000000"/>
+                </a:solidFill>
+                <a:highlight>
+                  <a:srgbClr val="FFFFFF"/>
+                </a:highlight>
+                <a:latin typeface="Consolas" panose="020B0609020204030204" pitchFamily="49" charset="0"/>
+              </a:rPr>
+              <a:t>                </a:t>
+            </a:r>
+            <a:r>
+              <a:rPr lang="pl-PL" sz="900" dirty="0">
+                <a:solidFill>
+                  <a:srgbClr val="0000FF"/>
+                </a:solidFill>
+                <a:highlight>
+                  <a:srgbClr val="FFFFFF"/>
+                </a:highlight>
+                <a:latin typeface="Consolas" panose="020B0609020204030204" pitchFamily="49" charset="0"/>
+              </a:rPr>
+              <a:t>return</a:t>
+            </a:r>
+            <a:r>
+              <a:rPr lang="pl-PL" sz="900" dirty="0">
+                <a:solidFill>
+                  <a:srgbClr val="000000"/>
+                </a:solidFill>
+                <a:highlight>
+                  <a:srgbClr val="FFFFFF"/>
+                </a:highlight>
+                <a:latin typeface="Consolas" panose="020B0609020204030204" pitchFamily="49" charset="0"/>
+              </a:rPr>
+              <a:t> </a:t>
+            </a:r>
+            <a:r>
+              <a:rPr lang="pl-PL" sz="900" dirty="0" err="1">
+                <a:solidFill>
+                  <a:srgbClr val="000000"/>
+                </a:solidFill>
+                <a:highlight>
+                  <a:srgbClr val="FFFFFF"/>
+                </a:highlight>
+                <a:latin typeface="Consolas" panose="020B0609020204030204" pitchFamily="49" charset="0"/>
+              </a:rPr>
+              <a:t>instance</a:t>
+            </a:r>
+            <a:r>
+              <a:rPr lang="pl-PL" sz="900" dirty="0" smtClean="0">
+                <a:solidFill>
+                  <a:srgbClr val="000000"/>
+                </a:solidFill>
+                <a:highlight>
+                  <a:srgbClr val="FFFFFF"/>
+                </a:highlight>
+                <a:latin typeface="Consolas" panose="020B0609020204030204" pitchFamily="49" charset="0"/>
+              </a:rPr>
+              <a:t>;</a:t>
+            </a:r>
+            <a:br>
+              <a:rPr lang="pl-PL" sz="900" dirty="0" smtClean="0">
+                <a:solidFill>
+                  <a:srgbClr val="000000"/>
+                </a:solidFill>
+                <a:highlight>
+                  <a:srgbClr val="FFFFFF"/>
+                </a:highlight>
+                <a:latin typeface="Consolas" panose="020B0609020204030204" pitchFamily="49" charset="0"/>
+              </a:rPr>
+            </a:br>
+            <a:r>
+              <a:rPr lang="pl-PL" sz="900" dirty="0" smtClean="0">
+                <a:solidFill>
+                  <a:srgbClr val="000000"/>
+                </a:solidFill>
+                <a:highlight>
+                  <a:srgbClr val="FFFFFF"/>
+                </a:highlight>
+                <a:latin typeface="Consolas" panose="020B0609020204030204" pitchFamily="49" charset="0"/>
+              </a:rPr>
+              <a:t>            </a:t>
+            </a:r>
+            <a:r>
+              <a:rPr lang="pl-PL" sz="900" dirty="0">
+                <a:solidFill>
+                  <a:srgbClr val="000000"/>
+                </a:solidFill>
+                <a:highlight>
+                  <a:srgbClr val="FFFFFF"/>
+                </a:highlight>
+                <a:latin typeface="Consolas" panose="020B0609020204030204" pitchFamily="49" charset="0"/>
+              </a:rPr>
+              <a:t>}</a:t>
+            </a:r>
+            <a:r>
+              <a:rPr lang="pl-PL" sz="900" dirty="0" smtClean="0">
+                <a:solidFill>
+                  <a:srgbClr val="000000"/>
+                </a:solidFill>
+                <a:highlight>
+                  <a:srgbClr val="FFFFFF"/>
+                </a:highlight>
+                <a:latin typeface="Consolas" panose="020B0609020204030204" pitchFamily="49" charset="0"/>
+              </a:rPr>
+              <a:t/>
+            </a:r>
+            <a:br>
+              <a:rPr lang="pl-PL" sz="900" dirty="0" smtClean="0">
+                <a:solidFill>
+                  <a:srgbClr val="000000"/>
+                </a:solidFill>
+                <a:highlight>
+                  <a:srgbClr val="FFFFFF"/>
+                </a:highlight>
+                <a:latin typeface="Consolas" panose="020B0609020204030204" pitchFamily="49" charset="0"/>
+              </a:rPr>
+            </a:br>
+            <a:r>
+              <a:rPr lang="pl-PL" sz="900" dirty="0" smtClean="0">
+                <a:solidFill>
+                  <a:srgbClr val="000000"/>
+                </a:solidFill>
+                <a:highlight>
+                  <a:srgbClr val="FFFFFF"/>
+                </a:highlight>
+                <a:latin typeface="Consolas" panose="020B0609020204030204" pitchFamily="49" charset="0"/>
+              </a:rPr>
+              <a:t>        }</a:t>
+            </a:r>
+            <a:endParaRPr lang="pl-PL" sz="900" dirty="0"/>
           </a:p>
         </p:txBody>
       </p:sp>
     </p:spTree>
     <p:extLst>
       <p:ext uri="{BB962C8B-B14F-4D97-AF65-F5344CB8AC3E}">
-        <p14:creationId xmlns:p14="http://schemas.microsoft.com/office/powerpoint/2010/main" val="290027761"/>
+        <p14:creationId xmlns:p14="http://schemas.microsoft.com/office/powerpoint/2010/main" val="253596830"/>
       </p:ext>
     </p:extLst>
   </p:cSld>
@@ -8577,16 +9319,27 @@
             </a:r>
             <a:r>
               <a:rPr lang="pl-PL" dirty="0" smtClean="0"/>
-              <a:t>03 </a:t>
+              <a:t>02 </a:t>
             </a:r>
             <a:r>
               <a:rPr lang="pl-PL" dirty="0"/>
               <a:t>– </a:t>
             </a:r>
             <a:r>
+              <a:rPr lang="pl-PL" dirty="0" err="1" smtClean="0"/>
+              <a:t>Fluent</a:t>
+            </a:r>
+            <a:r>
               <a:rPr lang="pl-PL" dirty="0" smtClean="0"/>
-              <a:t>Klasyczny Builder</a:t>
-            </a:r>
+              <a:t> </a:t>
+            </a:r>
+            <a:r>
+              <a:rPr lang="pl-PL" dirty="0"/>
+              <a:t>Builder</a:t>
+            </a:r>
+            <a:br>
+              <a:rPr lang="pl-PL" dirty="0"/>
+            </a:br>
             <a:endParaRPr lang="pl-PL" dirty="0"/>
           </a:p>
         </p:txBody>
@@ -8610,20 +9363,42 @@
               <a:buNone/>
             </a:pPr>
             <a:r>
-              <a:rPr lang="pl-PL" dirty="0"/>
-              <a:t>Budowniczy to wzorzec obiektowy. Jego celem jest rozdzielenie tworzenia obiektów od ich reprezentacji. Budowniczy zazwyczaj stosowany jest do konstrukcji obiektów złożonych z innych obiektów, których inicjalizacja i konfiguracja jest </a:t>
-            </a:r>
-            <a:r>
               <a:rPr lang="pl-PL" dirty="0" smtClean="0"/>
-              <a:t>wieloetapowa. </a:t>
-            </a:r>
-            <a:r>
-              <a:rPr lang="pl-PL" dirty="0"/>
-              <a:t>Klient (programista korzystający z wzorca) dostaje obiekt stworzony przez budowniczego, gdy jest już gotowy i </a:t>
+              <a:t>Wzorzec </a:t>
+            </a:r>
+            <a:r>
+              <a:rPr lang="pl-PL" dirty="0" err="1" smtClean="0"/>
+              <a:t>Fluent</a:t>
             </a:r>
             <a:r>
               <a:rPr lang="pl-PL" dirty="0" smtClean="0"/>
-              <a:t>skonfigurowany. Nie obchodzi go jak tworzy się obiekt. Nie chce on podawać żadnych szczegółów dotyczących obiektu. Chce jedynie otrzymać wynik-obiekt.</a:t>
+              <a:t> Builder służy do zarządzania kodem, aby wyglądał on ładniej i był czytelniejszy. Wyobraźmy sobie klasę z 15 parametrami opcjonalnymi. Aby ustawić dowolne parametry takiej klasy musimy utworzyć osobne </a:t>
+            </a:r>
+            <a:r>
+              <a:rPr lang="pl-PL" dirty="0" err="1" smtClean="0"/>
+              <a:t>konstruktory</a:t>
+            </a:r>
+            <a:r>
+              <a:rPr lang="pl-PL" dirty="0" smtClean="0"/>
+              <a:t> dla wszystkich parametrów (wraz z wieloma ich odmianami). </a:t>
+            </a:r>
+          </a:p>
+          <a:p>
+            <a:pPr marL="0" indent="0">
+              <a:buNone/>
+            </a:pPr>
+            <a:r>
+              <a:rPr lang="pl-PL" dirty="0" smtClean="0"/>
+              <a:t>Możemy w takiej sytuacji utworzyć metody ustawiające te parametry. Ale staje się to z oczywistych względów nieczytelne. Następują ciągłe odwołania do tego samego obiektu.</a:t>
+            </a:r>
+          </a:p>
+          <a:p>
+            <a:pPr marL="0" indent="0">
+              <a:buNone/>
+            </a:pPr>
+            <a:r>
+              <a:rPr lang="pl-PL" dirty="0" smtClean="0"/>
+              <a:t>Builder rozwiązuje ten problem przez co kod staje się trochę ładniejszy i czytelniejszy.</a:t>
             </a:r>
             <a:endParaRPr lang="pl-PL" dirty="0"/>
           </a:p>
@@ -8632,7 +9407,7 @@
     </p:spTree>
     <p:extLst>
       <p:ext uri="{BB962C8B-B14F-4D97-AF65-F5344CB8AC3E}">
-        <p14:creationId xmlns:p14="http://schemas.microsoft.com/office/powerpoint/2010/main" val="4245724385"/>
+        <p14:creationId xmlns:p14="http://schemas.microsoft.com/office/powerpoint/2010/main" val="2673803625"/>
       </p:ext>
     </p:extLst>
   </p:cSld>
@@ -8680,19 +9455,27 @@
             </a:r>
             <a:r>
               <a:rPr lang="pl-PL" dirty="0" smtClean="0"/>
-              <a:t>03 </a:t>
+              <a:t>02 </a:t>
             </a:r>
             <a:r>
               <a:rPr lang="pl-PL" dirty="0"/>
-              <a:t>– Klasyczny Builder</a:t>
+              <a:t>– </a:t>
+            </a:r>
+            <a:r>
+              <a:rPr lang="pl-PL" dirty="0" err="1"/>
+              <a:t>Fluent</a:t>
+            </a:r>
+            <a:r>
+              <a:rPr lang="pl-PL" dirty="0"/>
+              <a:t> Builder</a:t>
             </a:r>
             <a:r>
               <a:rPr lang="pl-PL" dirty="0" smtClean="0"/>
-              <a:t> (</a:t>
+              <a:t> </a:t>
             </a:r>
             <a:r>
               <a:rPr lang="pl-PL" dirty="0"/>
-              <a:t>przykład)</a:t>
+              <a:t>(przykład)</a:t>
             </a:r>
           </a:p>
         </p:txBody>
@@ -8716,16 +9499,37 @@
               <a:buNone/>
             </a:pPr>
             <a:r>
+              <a:rPr lang="pl-PL" dirty="0" smtClean="0"/>
+              <a:t>Przykład (</a:t>
+            </a:r>
+            <a:r>
+              <a:rPr lang="pl-PL" dirty="0" err="1"/>
+              <a:t>Fluent</a:t>
+            </a:r>
+            <a:r>
               <a:rPr lang="pl-PL" dirty="0"/>
-              <a:t>Przykład (Klasyczny Builder)</a:t>
-            </a:r>
+              <a:t> </a:t>
+            </a:r>
+            <a:r>
+              <a:rPr lang="pl-PL" dirty="0" smtClean="0"/>
+              <a:t>Builder, wykorzystanie </a:t>
+            </a:r>
+            <a:r>
+              <a:rPr lang="pl-PL" dirty="0" err="1"/>
+              <a:t>Fluency</a:t>
+            </a:r>
+            <a:r>
+              <a:rPr lang="pl-PL" dirty="0" smtClean="0"/>
+              <a:t>)</a:t>
+            </a:r>
+            <a:endParaRPr lang="pl-PL" dirty="0"/>
           </a:p>
         </p:txBody>
       </p:sp>
     </p:spTree>
     <p:extLst>
       <p:ext uri="{BB962C8B-B14F-4D97-AF65-F5344CB8AC3E}">
-        <p14:creationId xmlns:p14="http://schemas.microsoft.com/office/powerpoint/2010/main" val="731813105"/>
+        <p14:creationId xmlns:p14="http://schemas.microsoft.com/office/powerpoint/2010/main" val="290027761"/>
       </p:ext>
     </p:extLst>
   </p:cSld>
@@ -8773,7 +9577,7 @@
             </a:r>
             <a:r>
               <a:rPr lang="pl-PL" dirty="0" smtClean="0"/>
-              <a:t>04 </a:t>
+              <a:t>03 </a:t>
             </a:r>
             <a:r>
               <a:rPr lang="pl-PL" dirty="0"/>
@@ -8781,7 +9585,7 @@
             </a:r>
             <a:r>
               <a:rPr lang="pl-PL" dirty="0" smtClean="0"/>
-              <a:t>Adapter</a:t>
+              <a:t>Klasyczny Builder</a:t>
             </a:r>
             <a:endParaRPr lang="pl-PL" dirty="0"/>
           </a:p>
@@ -8807,36 +9611,19 @@
             </a:pPr>
             <a:r>
               <a:rPr lang="pl-PL" dirty="0"/>
-              <a:t>S</a:t>
+              <a:t>Budowniczy to wzorzec obiektowy. Jego celem jest rozdzielenie tworzenia obiektów od ich reprezentacji. Budowniczy zazwyczaj stosowany jest do konstrukcji obiektów złożonych z innych obiektów, których inicjalizacja i konfiguracja jest </a:t>
             </a:r>
             <a:r>
               <a:rPr lang="pl-PL" dirty="0" smtClean="0"/>
-              <a:t>trukturalny </a:t>
+              <a:t>wieloetapowa. </a:t>
             </a:r>
             <a:r>
               <a:rPr lang="pl-PL" dirty="0"/>
-              <a:t>wzorzec projektowy, którego celem jest umożliwienie współpracy dwóm klasom o niekompatybilnych interfejsach. Adapter przekształca interfejs jednej z klas na interfejs drugiej </a:t>
+              <a:t>Klient (programista korzystający z wzorca) dostaje obiekt stworzony przez budowniczego, gdy jest już gotowy i </a:t>
             </a:r>
             <a:r>
               <a:rPr lang="pl-PL" dirty="0" smtClean="0"/>
-              <a:t>klasy. </a:t>
-            </a:r>
-            <a:r>
-              <a:rPr lang="pl-PL" dirty="0"/>
-              <a:t>Innym zadaniem omawianego wzorca jest opakowanie istniejącego interfejsu w </a:t>
-            </a:r>
-            <a:r>
-              <a:rPr lang="pl-PL" dirty="0" smtClean="0"/>
-              <a:t>nowy.</a:t>
-            </a:r>
-          </a:p>
-          <a:p>
-            <a:pPr marL="0" indent="0">
-              <a:buNone/>
-            </a:pPr>
-            <a:r>
-              <a:rPr lang="pl-PL" dirty="0" smtClean="0"/>
-              <a:t>Wyobraźmy sobie myszkę komputerową która ma końcówkę na PS2. We współczesnych komputerach nie istnieją już tego typu wejścia. Dlatego aby użyć takiej myszki musimy zastosować adapter PS2-&gt;USB.</a:t>
+              <a:t>skonfigurowany. Nie obchodzi go jak tworzy się obiekt. Nie chce on podawać żadnych szczegółów dotyczących obiektu. Chce jedynie otrzymać wynik-obiekt.</a:t>
             </a:r>
             <a:endParaRPr lang="pl-PL" dirty="0"/>
           </a:p>
@@ -8845,7 +9632,7 @@
     </p:spTree>
     <p:extLst>
       <p:ext uri="{BB962C8B-B14F-4D97-AF65-F5344CB8AC3E}">
-        <p14:creationId xmlns:p14="http://schemas.microsoft.com/office/powerpoint/2010/main" val="3313534640"/>
+        <p14:creationId xmlns:p14="http://schemas.microsoft.com/office/powerpoint/2010/main" val="4245724385"/>
       </p:ext>
     </p:extLst>
   </p:cSld>
@@ -8889,64 +9676,46 @@
           <a:p>
             <a:r>
               <a:rPr lang="pl-PL" dirty="0"/>
-              <a:t>Wzorce projektowe #04 – </a:t>
+              <a:t>Wzorce projektowe #03 – Klasyczny </a:t>
             </a:r>
             <a:r>
               <a:rPr lang="pl-PL" dirty="0" smtClean="0"/>
-              <a:t>Adapter (przykład)</a:t>
-            </a:r>
-            <a:endParaRPr lang="pl-PL" b="1" dirty="0"/>
-          </a:p>
-        </p:txBody>
-      </p:sp>
-      <p:sp>
-        <p:nvSpPr>
-          <p:cNvPr id="3" name="Symbol zastępczy zawartości 2"/>
-          <p:cNvSpPr>
-            <a:spLocks noGrp="1"/>
-          </p:cNvSpPr>
+              <a:t>Builder (diagram)</a:t>
+            </a:r>
+            <a:endParaRPr lang="pl-PL" dirty="0"/>
+          </a:p>
+        </p:txBody>
+      </p:sp>
+      <p:pic>
+        <p:nvPicPr>
+          <p:cNvPr id="4" name="Symbol zastępczy zawartości 3"/>
+          <p:cNvPicPr>
+            <a:picLocks noGrp="1" noChangeAspect="1"/>
+          </p:cNvPicPr>
           <p:nvPr>
             <p:ph idx="1"/>
           </p:nvPr>
-        </p:nvSpPr>
-        <p:spPr/>
-        <p:txBody>
-          <a:bodyPr/>
-          <a:lstStyle/>
-          <a:p>
-            <a:pPr marL="0" indent="0">
-              <a:buNone/>
-            </a:pPr>
-            <a:r>
-              <a:rPr lang="pl-PL" dirty="0"/>
-              <a:t>Przykład </a:t>
-            </a:r>
-            <a:r>
-              <a:rPr lang="pl-PL" b="1" dirty="0" smtClean="0"/>
-              <a:t>(</a:t>
-            </a:r>
-            <a:r>
-              <a:rPr lang="pl-PL" dirty="0"/>
-              <a:t>Adapter</a:t>
-            </a:r>
-            <a:r>
-              <a:rPr lang="pl-PL" b="1" dirty="0" smtClean="0"/>
-              <a:t>)</a:t>
-            </a:r>
-            <a:endParaRPr lang="pl-PL" b="1" dirty="0"/>
-          </a:p>
-          <a:p>
-            <a:pPr marL="0" indent="0">
-              <a:buNone/>
-            </a:pPr>
-            <a:endParaRPr lang="pl-PL" dirty="0"/>
-          </a:p>
-        </p:txBody>
-      </p:sp>
+        </p:nvPicPr>
+        <p:blipFill>
+          <a:blip r:embed="rId2"/>
+          <a:stretch>
+            <a:fillRect/>
+          </a:stretch>
+        </p:blipFill>
+        <p:spPr>
+          <a:xfrm>
+            <a:off x="677863" y="2802583"/>
+            <a:ext cx="8596312" cy="2597446"/>
+          </a:xfrm>
+          <a:prstGeom prst="rect">
+            <a:avLst/>
+          </a:prstGeom>
+        </p:spPr>
+      </p:pic>
     </p:spTree>
     <p:extLst>
       <p:ext uri="{BB962C8B-B14F-4D97-AF65-F5344CB8AC3E}">
-        <p14:creationId xmlns:p14="http://schemas.microsoft.com/office/powerpoint/2010/main" val="3654404987"/>
+        <p14:creationId xmlns:p14="http://schemas.microsoft.com/office/powerpoint/2010/main" val="1642500361"/>
       </p:ext>
     </p:extLst>
   </p:cSld>

--- a/Wzorce Projektowe.pptx
+++ b/Wzorce Projektowe.pptx
@@ -9,20 +9,21 @@
     <p:sldId id="270" r:id="rId3"/>
     <p:sldId id="273" r:id="rId4"/>
     <p:sldId id="257" r:id="rId5"/>
-    <p:sldId id="258" r:id="rId6"/>
-    <p:sldId id="259" r:id="rId7"/>
-    <p:sldId id="260" r:id="rId8"/>
-    <p:sldId id="261" r:id="rId9"/>
-    <p:sldId id="271" r:id="rId10"/>
-    <p:sldId id="262" r:id="rId11"/>
-    <p:sldId id="265" r:id="rId12"/>
-    <p:sldId id="272" r:id="rId13"/>
-    <p:sldId id="266" r:id="rId14"/>
-    <p:sldId id="267" r:id="rId15"/>
-    <p:sldId id="268" r:id="rId16"/>
-    <p:sldId id="269" r:id="rId17"/>
-    <p:sldId id="263" r:id="rId18"/>
-    <p:sldId id="264" r:id="rId19"/>
+    <p:sldId id="274" r:id="rId6"/>
+    <p:sldId id="258" r:id="rId7"/>
+    <p:sldId id="259" r:id="rId8"/>
+    <p:sldId id="260" r:id="rId9"/>
+    <p:sldId id="261" r:id="rId10"/>
+    <p:sldId id="271" r:id="rId11"/>
+    <p:sldId id="262" r:id="rId12"/>
+    <p:sldId id="265" r:id="rId13"/>
+    <p:sldId id="272" r:id="rId14"/>
+    <p:sldId id="266" r:id="rId15"/>
+    <p:sldId id="267" r:id="rId16"/>
+    <p:sldId id="268" r:id="rId17"/>
+    <p:sldId id="269" r:id="rId18"/>
+    <p:sldId id="263" r:id="rId19"/>
+    <p:sldId id="264" r:id="rId20"/>
   </p:sldIdLst>
   <p:sldSz cx="12192000" cy="6858000"/>
   <p:notesSz cx="6858000" cy="9144000"/>
@@ -863,7 +864,7 @@
             <a:fld id="{B61BEF0D-F0BB-DE4B-95CE-6DB70DBA9567}" type="datetimeFigureOut">
               <a:rPr lang="en-US" dirty="0"/>
               <a:pPr/>
-              <a:t>1/25/2018</a:t>
+              <a:t>1/28/2018</a:t>
             </a:fld>
             <a:endParaRPr lang="en-US" dirty="0"/>
           </a:p>
@@ -1111,7 +1112,7 @@
             <a:fld id="{B61BEF0D-F0BB-DE4B-95CE-6DB70DBA9567}" type="datetimeFigureOut">
               <a:rPr lang="en-US" dirty="0"/>
               <a:pPr/>
-              <a:t>1/25/2018</a:t>
+              <a:t>1/28/2018</a:t>
             </a:fld>
             <a:endParaRPr lang="en-US" dirty="0"/>
           </a:p>
@@ -1422,7 +1423,7 @@
             <a:fld id="{B61BEF0D-F0BB-DE4B-95CE-6DB70DBA9567}" type="datetimeFigureOut">
               <a:rPr lang="en-US" dirty="0"/>
               <a:pPr/>
-              <a:t>1/25/2018</a:t>
+              <a:t>1/28/2018</a:t>
             </a:fld>
             <a:endParaRPr lang="en-US" dirty="0"/>
           </a:p>
@@ -1760,7 +1761,7 @@
             <a:fld id="{B61BEF0D-F0BB-DE4B-95CE-6DB70DBA9567}" type="datetimeFigureOut">
               <a:rPr lang="en-US" dirty="0"/>
               <a:pPr/>
-              <a:t>1/25/2018</a:t>
+              <a:t>1/28/2018</a:t>
             </a:fld>
             <a:endParaRPr lang="en-US" dirty="0"/>
           </a:p>
@@ -2071,7 +2072,7 @@
             <a:fld id="{B61BEF0D-F0BB-DE4B-95CE-6DB70DBA9567}" type="datetimeFigureOut">
               <a:rPr lang="en-US" dirty="0"/>
               <a:pPr/>
-              <a:t>1/25/2018</a:t>
+              <a:t>1/28/2018</a:t>
             </a:fld>
             <a:endParaRPr lang="en-US" dirty="0"/>
           </a:p>
@@ -2461,7 +2462,7 @@
             <a:fld id="{B61BEF0D-F0BB-DE4B-95CE-6DB70DBA9567}" type="datetimeFigureOut">
               <a:rPr lang="en-US" dirty="0"/>
               <a:pPr/>
-              <a:t>1/25/2018</a:t>
+              <a:t>1/28/2018</a:t>
             </a:fld>
             <a:endParaRPr lang="en-US" dirty="0"/>
           </a:p>
@@ -2627,7 +2628,7 @@
           <a:p>
             <a:fld id="{55C6B4A9-1611-4792-9094-5F34BCA07E0B}" type="datetimeFigureOut">
               <a:rPr lang="en-US" dirty="0"/>
-              <a:t>1/25/2018</a:t>
+              <a:t>1/28/2018</a:t>
             </a:fld>
             <a:endParaRPr lang="en-US" dirty="0"/>
           </a:p>
@@ -2803,7 +2804,7 @@
             <a:fld id="{B61BEF0D-F0BB-DE4B-95CE-6DB70DBA9567}" type="datetimeFigureOut">
               <a:rPr lang="en-US" dirty="0"/>
               <a:pPr/>
-              <a:t>1/25/2018</a:t>
+              <a:t>1/28/2018</a:t>
             </a:fld>
             <a:endParaRPr lang="en-US" dirty="0"/>
           </a:p>
@@ -2976,7 +2977,7 @@
             <a:fld id="{B61BEF0D-F0BB-DE4B-95CE-6DB70DBA9567}" type="datetimeFigureOut">
               <a:rPr lang="en-US" dirty="0"/>
               <a:pPr/>
-              <a:t>1/25/2018</a:t>
+              <a:t>1/28/2018</a:t>
             </a:fld>
             <a:endParaRPr lang="en-US" dirty="0"/>
           </a:p>
@@ -3220,7 +3221,7 @@
             <a:fld id="{B61BEF0D-F0BB-DE4B-95CE-6DB70DBA9567}" type="datetimeFigureOut">
               <a:rPr lang="en-US" dirty="0"/>
               <a:pPr/>
-              <a:t>1/25/2018</a:t>
+              <a:t>1/28/2018</a:t>
             </a:fld>
             <a:endParaRPr lang="en-US" dirty="0"/>
           </a:p>
@@ -3448,7 +3449,7 @@
           <a:p>
             <a:fld id="{EB712588-04B1-427B-82EE-E8DB90309F08}" type="datetimeFigureOut">
               <a:rPr lang="en-US" dirty="0"/>
-              <a:t>1/25/2018</a:t>
+              <a:t>1/28/2018</a:t>
             </a:fld>
             <a:endParaRPr lang="en-US" dirty="0"/>
           </a:p>
@@ -3818,7 +3819,7 @@
             <a:fld id="{B61BEF0D-F0BB-DE4B-95CE-6DB70DBA9567}" type="datetimeFigureOut">
               <a:rPr lang="en-US" dirty="0"/>
               <a:pPr/>
-              <a:t>1/25/2018</a:t>
+              <a:t>1/28/2018</a:t>
             </a:fld>
             <a:endParaRPr lang="en-US" dirty="0"/>
           </a:p>
@@ -3938,7 +3939,7 @@
             <a:fld id="{B61BEF0D-F0BB-DE4B-95CE-6DB70DBA9567}" type="datetimeFigureOut">
               <a:rPr lang="en-US" dirty="0"/>
               <a:pPr/>
-              <a:t>1/25/2018</a:t>
+              <a:t>1/28/2018</a:t>
             </a:fld>
             <a:endParaRPr lang="en-US" dirty="0"/>
           </a:p>
@@ -4030,7 +4031,7 @@
             <a:fld id="{B61BEF0D-F0BB-DE4B-95CE-6DB70DBA9567}" type="datetimeFigureOut">
               <a:rPr lang="en-US" dirty="0"/>
               <a:pPr/>
-              <a:t>1/25/2018</a:t>
+              <a:t>1/28/2018</a:t>
             </a:fld>
             <a:endParaRPr lang="en-US" dirty="0"/>
           </a:p>
@@ -4281,7 +4282,7 @@
           <a:p>
             <a:fld id="{42A54C80-263E-416B-A8E0-580EDEADCBDC}" type="datetimeFigureOut">
               <a:rPr lang="en-US" dirty="0"/>
-              <a:t>1/25/2018</a:t>
+              <a:t>1/28/2018</a:t>
             </a:fld>
             <a:endParaRPr lang="en-US" dirty="0"/>
           </a:p>
@@ -4540,7 +4541,7 @@
             <a:fld id="{B61BEF0D-F0BB-DE4B-95CE-6DB70DBA9567}" type="datetimeFigureOut">
               <a:rPr lang="en-US" dirty="0"/>
               <a:pPr/>
-              <a:t>1/25/2018</a:t>
+              <a:t>1/28/2018</a:t>
             </a:fld>
             <a:endParaRPr lang="en-US" dirty="0"/>
           </a:p>
@@ -5280,7 +5281,7 @@
             <a:fld id="{B61BEF0D-F0BB-DE4B-95CE-6DB70DBA9567}" type="datetimeFigureOut">
               <a:rPr lang="en-US" dirty="0"/>
               <a:pPr/>
-              <a:t>1/25/2018</a:t>
+              <a:t>1/28/2018</a:t>
             </a:fld>
             <a:endParaRPr lang="en-US" dirty="0"/>
           </a:p>
@@ -5893,56 +5894,46 @@
           <a:p>
             <a:r>
               <a:rPr lang="pl-PL" dirty="0"/>
-              <a:t>Wzorce projektowe #</a:t>
+              <a:t>Wzorce projektowe #03 – Klasyczny </a:t>
             </a:r>
             <a:r>
               <a:rPr lang="pl-PL" dirty="0" smtClean="0"/>
-              <a:t>03 </a:t>
-            </a:r>
-            <a:r>
-              <a:rPr lang="pl-PL" dirty="0"/>
-              <a:t>– Klasyczny Builder</a:t>
-            </a:r>
-            <a:r>
-              <a:rPr lang="pl-PL" dirty="0" smtClean="0"/>
-              <a:t> (</a:t>
-            </a:r>
-            <a:r>
-              <a:rPr lang="pl-PL" dirty="0"/>
-              <a:t>przykład)</a:t>
-            </a:r>
-          </a:p>
-        </p:txBody>
-      </p:sp>
-      <p:sp>
-        <p:nvSpPr>
-          <p:cNvPr id="3" name="Symbol zastępczy zawartości 2"/>
-          <p:cNvSpPr>
-            <a:spLocks noGrp="1"/>
-          </p:cNvSpPr>
+              <a:t>Builder (diagram)</a:t>
+            </a:r>
+            <a:endParaRPr lang="pl-PL" dirty="0"/>
+          </a:p>
+        </p:txBody>
+      </p:sp>
+      <p:pic>
+        <p:nvPicPr>
+          <p:cNvPr id="4" name="Symbol zastępczy zawartości 3"/>
+          <p:cNvPicPr>
+            <a:picLocks noGrp="1" noChangeAspect="1"/>
+          </p:cNvPicPr>
           <p:nvPr>
             <p:ph idx="1"/>
           </p:nvPr>
-        </p:nvSpPr>
-        <p:spPr/>
-        <p:txBody>
-          <a:bodyPr/>
-          <a:lstStyle/>
-          <a:p>
-            <a:pPr marL="0" indent="0">
-              <a:buNone/>
-            </a:pPr>
-            <a:r>
-              <a:rPr lang="pl-PL" dirty="0"/>
-              <a:t>Przykład (Klasyczny Builder)</a:t>
-            </a:r>
-          </a:p>
-        </p:txBody>
-      </p:sp>
+        </p:nvPicPr>
+        <p:blipFill>
+          <a:blip r:embed="rId2"/>
+          <a:stretch>
+            <a:fillRect/>
+          </a:stretch>
+        </p:blipFill>
+        <p:spPr>
+          <a:xfrm>
+            <a:off x="677863" y="2802583"/>
+            <a:ext cx="8596312" cy="2597446"/>
+          </a:xfrm>
+          <a:prstGeom prst="rect">
+            <a:avLst/>
+          </a:prstGeom>
+        </p:spPr>
+      </p:pic>
     </p:spTree>
     <p:extLst>
       <p:ext uri="{BB962C8B-B14F-4D97-AF65-F5344CB8AC3E}">
-        <p14:creationId xmlns:p14="http://schemas.microsoft.com/office/powerpoint/2010/main" val="731813105"/>
+        <p14:creationId xmlns:p14="http://schemas.microsoft.com/office/powerpoint/2010/main" val="1642500361"/>
       </p:ext>
     </p:extLst>
   </p:cSld>
@@ -5990,6 +5981,99 @@
             </a:r>
             <a:r>
               <a:rPr lang="pl-PL" dirty="0" smtClean="0"/>
+              <a:t>03 </a:t>
+            </a:r>
+            <a:r>
+              <a:rPr lang="pl-PL" dirty="0"/>
+              <a:t>– Klasyczny Builder</a:t>
+            </a:r>
+            <a:r>
+              <a:rPr lang="pl-PL" dirty="0" smtClean="0"/>
+              <a:t> (</a:t>
+            </a:r>
+            <a:r>
+              <a:rPr lang="pl-PL" dirty="0"/>
+              <a:t>przykład)</a:t>
+            </a:r>
+          </a:p>
+        </p:txBody>
+      </p:sp>
+      <p:sp>
+        <p:nvSpPr>
+          <p:cNvPr id="3" name="Symbol zastępczy zawartości 2"/>
+          <p:cNvSpPr>
+            <a:spLocks noGrp="1"/>
+          </p:cNvSpPr>
+          <p:nvPr>
+            <p:ph idx="1"/>
+          </p:nvPr>
+        </p:nvSpPr>
+        <p:spPr/>
+        <p:txBody>
+          <a:bodyPr/>
+          <a:lstStyle/>
+          <a:p>
+            <a:pPr marL="0" indent="0">
+              <a:buNone/>
+            </a:pPr>
+            <a:r>
+              <a:rPr lang="pl-PL" dirty="0"/>
+              <a:t>Przykład (Klasyczny Builder)</a:t>
+            </a:r>
+          </a:p>
+        </p:txBody>
+      </p:sp>
+    </p:spTree>
+    <p:extLst>
+      <p:ext uri="{BB962C8B-B14F-4D97-AF65-F5344CB8AC3E}">
+        <p14:creationId xmlns:p14="http://schemas.microsoft.com/office/powerpoint/2010/main" val="731813105"/>
+      </p:ext>
+    </p:extLst>
+  </p:cSld>
+  <p:clrMapOvr>
+    <a:masterClrMapping/>
+  </p:clrMapOvr>
+</p:sld>
+</file>
+
+<file path=ppt/slides/slide12.xml><?xml version="1.0" encoding="utf-8"?>
+<p:sld xmlns:a="http://schemas.openxmlformats.org/drawingml/2006/main" xmlns:r="http://schemas.openxmlformats.org/officeDocument/2006/relationships" xmlns:p="http://schemas.openxmlformats.org/presentationml/2006/main">
+  <p:cSld>
+    <p:spTree>
+      <p:nvGrpSpPr>
+        <p:cNvPr id="1" name=""/>
+        <p:cNvGrpSpPr/>
+        <p:nvPr/>
+      </p:nvGrpSpPr>
+      <p:grpSpPr>
+        <a:xfrm>
+          <a:off x="0" y="0"/>
+          <a:ext cx="0" cy="0"/>
+          <a:chOff x="0" y="0"/>
+          <a:chExt cx="0" cy="0"/>
+        </a:xfrm>
+      </p:grpSpPr>
+      <p:sp>
+        <p:nvSpPr>
+          <p:cNvPr id="2" name="Tytuł 1"/>
+          <p:cNvSpPr>
+            <a:spLocks noGrp="1"/>
+          </p:cNvSpPr>
+          <p:nvPr>
+            <p:ph type="title"/>
+          </p:nvPr>
+        </p:nvSpPr>
+        <p:spPr/>
+        <p:txBody>
+          <a:bodyPr/>
+          <a:lstStyle/>
+          <a:p>
+            <a:r>
+              <a:rPr lang="pl-PL" dirty="0"/>
+              <a:t>Wzorce projektowe #</a:t>
+            </a:r>
+            <a:r>
+              <a:rPr lang="pl-PL" dirty="0" smtClean="0"/>
               <a:t>04 </a:t>
             </a:r>
             <a:r>
@@ -6072,7 +6156,7 @@
 </p:sld>
 </file>
 
-<file path=ppt/slides/slide12.xml><?xml version="1.0" encoding="utf-8"?>
+<file path=ppt/slides/slide13.xml><?xml version="1.0" encoding="utf-8"?>
 <p:sld xmlns:a="http://schemas.openxmlformats.org/drawingml/2006/main" xmlns:r="http://schemas.openxmlformats.org/officeDocument/2006/relationships" xmlns:p="http://schemas.openxmlformats.org/presentationml/2006/main">
   <p:cSld>
     <p:spTree>
@@ -6155,107 +6239,6 @@
 </p:sld>
 </file>
 
-<file path=ppt/slides/slide13.xml><?xml version="1.0" encoding="utf-8"?>
-<p:sld xmlns:a="http://schemas.openxmlformats.org/drawingml/2006/main" xmlns:r="http://schemas.openxmlformats.org/officeDocument/2006/relationships" xmlns:p="http://schemas.openxmlformats.org/presentationml/2006/main">
-  <p:cSld>
-    <p:spTree>
-      <p:nvGrpSpPr>
-        <p:cNvPr id="1" name=""/>
-        <p:cNvGrpSpPr/>
-        <p:nvPr/>
-      </p:nvGrpSpPr>
-      <p:grpSpPr>
-        <a:xfrm>
-          <a:off x="0" y="0"/>
-          <a:ext cx="0" cy="0"/>
-          <a:chOff x="0" y="0"/>
-          <a:chExt cx="0" cy="0"/>
-        </a:xfrm>
-      </p:grpSpPr>
-      <p:sp>
-        <p:nvSpPr>
-          <p:cNvPr id="2" name="Tytuł 1"/>
-          <p:cNvSpPr>
-            <a:spLocks noGrp="1"/>
-          </p:cNvSpPr>
-          <p:nvPr>
-            <p:ph type="title"/>
-          </p:nvPr>
-        </p:nvSpPr>
-        <p:spPr/>
-        <p:txBody>
-          <a:bodyPr/>
-          <a:lstStyle/>
-          <a:p>
-            <a:r>
-              <a:rPr lang="pl-PL" dirty="0"/>
-              <a:t>Wzorce projektowe #04 – </a:t>
-            </a:r>
-            <a:r>
-              <a:rPr lang="pl-PL" dirty="0" smtClean="0"/>
-              <a:t>Adapter (przykład)</a:t>
-            </a:r>
-            <a:endParaRPr lang="pl-PL" b="1" dirty="0"/>
-          </a:p>
-        </p:txBody>
-      </p:sp>
-      <p:sp>
-        <p:nvSpPr>
-          <p:cNvPr id="3" name="Symbol zastępczy zawartości 2"/>
-          <p:cNvSpPr>
-            <a:spLocks noGrp="1"/>
-          </p:cNvSpPr>
-          <p:nvPr>
-            <p:ph idx="1"/>
-          </p:nvPr>
-        </p:nvSpPr>
-        <p:spPr/>
-        <p:txBody>
-          <a:bodyPr/>
-          <a:lstStyle/>
-          <a:p>
-            <a:pPr marL="0" indent="0">
-              <a:buNone/>
-            </a:pPr>
-            <a:r>
-              <a:rPr lang="pl-PL" dirty="0"/>
-              <a:t>Przykład </a:t>
-            </a:r>
-            <a:r>
-              <a:rPr lang="pl-PL" b="1" dirty="0" smtClean="0"/>
-              <a:t>(</a:t>
-            </a:r>
-            <a:r>
-              <a:rPr lang="pl-PL" dirty="0"/>
-              <a:t>Adapter</a:t>
-            </a:r>
-            <a:r>
-              <a:rPr lang="pl-PL" b="1" dirty="0" smtClean="0"/>
-              <a:t>)</a:t>
-            </a:r>
-            <a:endParaRPr lang="pl-PL" b="1" dirty="0"/>
-          </a:p>
-          <a:p>
-            <a:pPr marL="0" indent="0">
-              <a:buNone/>
-            </a:pPr>
-            <a:endParaRPr lang="pl-PL" dirty="0"/>
-          </a:p>
-        </p:txBody>
-      </p:sp>
-    </p:spTree>
-    <p:extLst>
-      <p:ext uri="{BB962C8B-B14F-4D97-AF65-F5344CB8AC3E}">
-        <p14:creationId xmlns:p14="http://schemas.microsoft.com/office/powerpoint/2010/main" val="3654404987"/>
-      </p:ext>
-    </p:extLst>
-  </p:cSld>
-  <p:clrMapOvr>
-    <a:masterClrMapping/>
-  </p:clrMapOvr>
-</p:sld>
-</file>
-
 <file path=ppt/slides/slide14.xml><?xml version="1.0" encoding="utf-8"?>
 <p:sld xmlns:a="http://schemas.openxmlformats.org/drawingml/2006/main" xmlns:r="http://schemas.openxmlformats.org/officeDocument/2006/relationships" xmlns:p="http://schemas.openxmlformats.org/presentationml/2006/main">
   <p:cSld>
@@ -6290,6 +6273,107 @@
           <a:p>
             <a:r>
               <a:rPr lang="pl-PL" dirty="0"/>
+              <a:t>Wzorce projektowe #04 – </a:t>
+            </a:r>
+            <a:r>
+              <a:rPr lang="pl-PL" dirty="0" smtClean="0"/>
+              <a:t>Adapter (przykład)</a:t>
+            </a:r>
+            <a:endParaRPr lang="pl-PL" b="1" dirty="0"/>
+          </a:p>
+        </p:txBody>
+      </p:sp>
+      <p:sp>
+        <p:nvSpPr>
+          <p:cNvPr id="3" name="Symbol zastępczy zawartości 2"/>
+          <p:cNvSpPr>
+            <a:spLocks noGrp="1"/>
+          </p:cNvSpPr>
+          <p:nvPr>
+            <p:ph idx="1"/>
+          </p:nvPr>
+        </p:nvSpPr>
+        <p:spPr/>
+        <p:txBody>
+          <a:bodyPr/>
+          <a:lstStyle/>
+          <a:p>
+            <a:pPr marL="0" indent="0">
+              <a:buNone/>
+            </a:pPr>
+            <a:r>
+              <a:rPr lang="pl-PL" dirty="0"/>
+              <a:t>Przykład </a:t>
+            </a:r>
+            <a:r>
+              <a:rPr lang="pl-PL" b="1" dirty="0" smtClean="0"/>
+              <a:t>(</a:t>
+            </a:r>
+            <a:r>
+              <a:rPr lang="pl-PL" dirty="0"/>
+              <a:t>Adapter</a:t>
+            </a:r>
+            <a:r>
+              <a:rPr lang="pl-PL" b="1" dirty="0" smtClean="0"/>
+              <a:t>)</a:t>
+            </a:r>
+            <a:endParaRPr lang="pl-PL" b="1" dirty="0"/>
+          </a:p>
+          <a:p>
+            <a:pPr marL="0" indent="0">
+              <a:buNone/>
+            </a:pPr>
+            <a:endParaRPr lang="pl-PL" dirty="0"/>
+          </a:p>
+        </p:txBody>
+      </p:sp>
+    </p:spTree>
+    <p:extLst>
+      <p:ext uri="{BB962C8B-B14F-4D97-AF65-F5344CB8AC3E}">
+        <p14:creationId xmlns:p14="http://schemas.microsoft.com/office/powerpoint/2010/main" val="3654404987"/>
+      </p:ext>
+    </p:extLst>
+  </p:cSld>
+  <p:clrMapOvr>
+    <a:masterClrMapping/>
+  </p:clrMapOvr>
+</p:sld>
+</file>
+
+<file path=ppt/slides/slide15.xml><?xml version="1.0" encoding="utf-8"?>
+<p:sld xmlns:a="http://schemas.openxmlformats.org/drawingml/2006/main" xmlns:r="http://schemas.openxmlformats.org/officeDocument/2006/relationships" xmlns:p="http://schemas.openxmlformats.org/presentationml/2006/main">
+  <p:cSld>
+    <p:spTree>
+      <p:nvGrpSpPr>
+        <p:cNvPr id="1" name=""/>
+        <p:cNvGrpSpPr/>
+        <p:nvPr/>
+      </p:nvGrpSpPr>
+      <p:grpSpPr>
+        <a:xfrm>
+          <a:off x="0" y="0"/>
+          <a:ext cx="0" cy="0"/>
+          <a:chOff x="0" y="0"/>
+          <a:chExt cx="0" cy="0"/>
+        </a:xfrm>
+      </p:grpSpPr>
+      <p:sp>
+        <p:nvSpPr>
+          <p:cNvPr id="2" name="Tytuł 1"/>
+          <p:cNvSpPr>
+            <a:spLocks noGrp="1"/>
+          </p:cNvSpPr>
+          <p:nvPr>
+            <p:ph type="title"/>
+          </p:nvPr>
+        </p:nvSpPr>
+        <p:spPr/>
+        <p:txBody>
+          <a:bodyPr/>
+          <a:lstStyle/>
+          <a:p>
+            <a:r>
+              <a:rPr lang="pl-PL" dirty="0"/>
               <a:t>Wzorce projektowe </a:t>
             </a:r>
             <a:r>
@@ -6369,7 +6453,7 @@
 </p:sld>
 </file>
 
-<file path=ppt/slides/slide15.xml><?xml version="1.0" encoding="utf-8"?>
+<file path=ppt/slides/slide16.xml><?xml version="1.0" encoding="utf-8"?>
 <p:sld xmlns:a="http://schemas.openxmlformats.org/drawingml/2006/main" xmlns:r="http://schemas.openxmlformats.org/officeDocument/2006/relationships" xmlns:p="http://schemas.openxmlformats.org/presentationml/2006/main">
   <p:cSld>
     <p:spTree>
@@ -6456,109 +6540,6 @@
 </p:sld>
 </file>
 
-<file path=ppt/slides/slide16.xml><?xml version="1.0" encoding="utf-8"?>
-<p:sld xmlns:a="http://schemas.openxmlformats.org/drawingml/2006/main" xmlns:r="http://schemas.openxmlformats.org/officeDocument/2006/relationships" xmlns:p="http://schemas.openxmlformats.org/presentationml/2006/main">
-  <p:cSld>
-    <p:spTree>
-      <p:nvGrpSpPr>
-        <p:cNvPr id="1" name=""/>
-        <p:cNvGrpSpPr/>
-        <p:nvPr/>
-      </p:nvGrpSpPr>
-      <p:grpSpPr>
-        <a:xfrm>
-          <a:off x="0" y="0"/>
-          <a:ext cx="0" cy="0"/>
-          <a:chOff x="0" y="0"/>
-          <a:chExt cx="0" cy="0"/>
-        </a:xfrm>
-      </p:grpSpPr>
-      <p:sp>
-        <p:nvSpPr>
-          <p:cNvPr id="2" name="Tytuł 1"/>
-          <p:cNvSpPr>
-            <a:spLocks noGrp="1"/>
-          </p:cNvSpPr>
-          <p:nvPr>
-            <p:ph type="title"/>
-          </p:nvPr>
-        </p:nvSpPr>
-        <p:spPr/>
-        <p:txBody>
-          <a:bodyPr/>
-          <a:lstStyle/>
-          <a:p>
-            <a:r>
-              <a:rPr lang="pl-PL" dirty="0"/>
-              <a:t>Wzorce projektowe #05 – Method </a:t>
-            </a:r>
-            <a:r>
-              <a:rPr lang="pl-PL" dirty="0" err="1"/>
-              <a:t>Factory</a:t>
-            </a:r>
-            <a:r>
-              <a:rPr lang="pl-PL" dirty="0"/>
-              <a:t> </a:t>
-            </a:r>
-            <a:r>
-              <a:rPr lang="pl-PL" dirty="0" smtClean="0"/>
-              <a:t>(przykład)</a:t>
-            </a:r>
-            <a:endParaRPr lang="pl-PL" dirty="0"/>
-          </a:p>
-        </p:txBody>
-      </p:sp>
-      <p:sp>
-        <p:nvSpPr>
-          <p:cNvPr id="3" name="Symbol zastępczy zawartości 2"/>
-          <p:cNvSpPr>
-            <a:spLocks noGrp="1"/>
-          </p:cNvSpPr>
-          <p:nvPr>
-            <p:ph idx="1"/>
-          </p:nvPr>
-        </p:nvSpPr>
-        <p:spPr/>
-        <p:txBody>
-          <a:bodyPr/>
-          <a:lstStyle/>
-          <a:p>
-            <a:pPr marL="0" indent="0">
-              <a:buNone/>
-            </a:pPr>
-            <a:r>
-              <a:rPr lang="pl-PL" dirty="0"/>
-              <a:t>Przykład </a:t>
-            </a:r>
-            <a:r>
-              <a:rPr lang="pl-PL" b="1" dirty="0"/>
-              <a:t>(</a:t>
-            </a:r>
-            <a:r>
-              <a:rPr lang="pl-PL" dirty="0"/>
-              <a:t>Adapter</a:t>
-            </a:r>
-            <a:r>
-              <a:rPr lang="pl-PL" b="1" dirty="0" smtClean="0"/>
-              <a:t>)</a:t>
-            </a:r>
-            <a:endParaRPr lang="pl-PL" b="1" dirty="0"/>
-          </a:p>
-        </p:txBody>
-      </p:sp>
-    </p:spTree>
-    <p:extLst>
-      <p:ext uri="{BB962C8B-B14F-4D97-AF65-F5344CB8AC3E}">
-        <p14:creationId xmlns:p14="http://schemas.microsoft.com/office/powerpoint/2010/main" val="2038219615"/>
-      </p:ext>
-    </p:extLst>
-  </p:cSld>
-  <p:clrMapOvr>
-    <a:masterClrMapping/>
-  </p:clrMapOvr>
-</p:sld>
-</file>
-
 <file path=ppt/slides/slide17.xml><?xml version="1.0" encoding="utf-8"?>
 <p:sld xmlns:a="http://schemas.openxmlformats.org/drawingml/2006/main" xmlns:r="http://schemas.openxmlformats.org/officeDocument/2006/relationships" xmlns:p="http://schemas.openxmlformats.org/presentationml/2006/main">
   <p:cSld>
@@ -6593,6 +6574,109 @@
           <a:p>
             <a:r>
               <a:rPr lang="pl-PL" dirty="0"/>
+              <a:t>Wzorce projektowe #05 – Method </a:t>
+            </a:r>
+            <a:r>
+              <a:rPr lang="pl-PL" dirty="0" err="1"/>
+              <a:t>Factory</a:t>
+            </a:r>
+            <a:r>
+              <a:rPr lang="pl-PL" dirty="0"/>
+              <a:t> </a:t>
+            </a:r>
+            <a:r>
+              <a:rPr lang="pl-PL" dirty="0" smtClean="0"/>
+              <a:t>(przykład)</a:t>
+            </a:r>
+            <a:endParaRPr lang="pl-PL" dirty="0"/>
+          </a:p>
+        </p:txBody>
+      </p:sp>
+      <p:sp>
+        <p:nvSpPr>
+          <p:cNvPr id="3" name="Symbol zastępczy zawartości 2"/>
+          <p:cNvSpPr>
+            <a:spLocks noGrp="1"/>
+          </p:cNvSpPr>
+          <p:nvPr>
+            <p:ph idx="1"/>
+          </p:nvPr>
+        </p:nvSpPr>
+        <p:spPr/>
+        <p:txBody>
+          <a:bodyPr/>
+          <a:lstStyle/>
+          <a:p>
+            <a:pPr marL="0" indent="0">
+              <a:buNone/>
+            </a:pPr>
+            <a:r>
+              <a:rPr lang="pl-PL" dirty="0"/>
+              <a:t>Przykład </a:t>
+            </a:r>
+            <a:r>
+              <a:rPr lang="pl-PL" b="1" dirty="0"/>
+              <a:t>(</a:t>
+            </a:r>
+            <a:r>
+              <a:rPr lang="pl-PL" dirty="0"/>
+              <a:t>Adapter</a:t>
+            </a:r>
+            <a:r>
+              <a:rPr lang="pl-PL" b="1" dirty="0" smtClean="0"/>
+              <a:t>)</a:t>
+            </a:r>
+            <a:endParaRPr lang="pl-PL" b="1" dirty="0"/>
+          </a:p>
+        </p:txBody>
+      </p:sp>
+    </p:spTree>
+    <p:extLst>
+      <p:ext uri="{BB962C8B-B14F-4D97-AF65-F5344CB8AC3E}">
+        <p14:creationId xmlns:p14="http://schemas.microsoft.com/office/powerpoint/2010/main" val="2038219615"/>
+      </p:ext>
+    </p:extLst>
+  </p:cSld>
+  <p:clrMapOvr>
+    <a:masterClrMapping/>
+  </p:clrMapOvr>
+</p:sld>
+</file>
+
+<file path=ppt/slides/slide18.xml><?xml version="1.0" encoding="utf-8"?>
+<p:sld xmlns:a="http://schemas.openxmlformats.org/drawingml/2006/main" xmlns:r="http://schemas.openxmlformats.org/officeDocument/2006/relationships" xmlns:p="http://schemas.openxmlformats.org/presentationml/2006/main">
+  <p:cSld>
+    <p:spTree>
+      <p:nvGrpSpPr>
+        <p:cNvPr id="1" name=""/>
+        <p:cNvGrpSpPr/>
+        <p:nvPr/>
+      </p:nvGrpSpPr>
+      <p:grpSpPr>
+        <a:xfrm>
+          <a:off x="0" y="0"/>
+          <a:ext cx="0" cy="0"/>
+          <a:chOff x="0" y="0"/>
+          <a:chExt cx="0" cy="0"/>
+        </a:xfrm>
+      </p:grpSpPr>
+      <p:sp>
+        <p:nvSpPr>
+          <p:cNvPr id="2" name="Tytuł 1"/>
+          <p:cNvSpPr>
+            <a:spLocks noGrp="1"/>
+          </p:cNvSpPr>
+          <p:nvPr>
+            <p:ph type="title"/>
+          </p:nvPr>
+        </p:nvSpPr>
+        <p:spPr/>
+        <p:txBody>
+          <a:bodyPr/>
+          <a:lstStyle/>
+          <a:p>
+            <a:r>
+              <a:rPr lang="pl-PL" dirty="0"/>
               <a:t>Wzorce projektowe ### – </a:t>
             </a:r>
             <a:r>
@@ -6646,7 +6730,7 @@
 </p:sld>
 </file>
 
-<file path=ppt/slides/slide18.xml><?xml version="1.0" encoding="utf-8"?>
+<file path=ppt/slides/slide19.xml><?xml version="1.0" encoding="utf-8"?>
 <p:sld xmlns:a="http://schemas.openxmlformats.org/drawingml/2006/main" xmlns:r="http://schemas.openxmlformats.org/officeDocument/2006/relationships" xmlns:p="http://schemas.openxmlformats.org/presentationml/2006/main">
   <p:cSld>
     <p:spTree>
@@ -7097,11 +7181,15 @@
           <a:p>
             <a:r>
               <a:rPr lang="pl-PL" dirty="0"/>
-              <a:t>Wzorce projektowe #01 - </a:t>
+              <a:t>Wzorce projektowe #01 </a:t>
             </a:r>
             <a:r>
               <a:rPr lang="pl-PL" dirty="0" smtClean="0"/>
-              <a:t>Singleton</a:t>
+              <a:t>– Singleton i </a:t>
+            </a:r>
+            <a:r>
+              <a:rPr lang="pl-PL" dirty="0" err="1"/>
+              <a:t>Monostate</a:t>
             </a:r>
             <a:endParaRPr lang="pl-PL" dirty="0"/>
           </a:p>
@@ -7260,2018 +7348,90 @@
           <a:p>
             <a:r>
               <a:rPr lang="pl-PL" dirty="0"/>
-              <a:t>Wzorce projektowe #01 </a:t>
+              <a:t>Wzorce projektowe #01 – Singleton i </a:t>
+            </a:r>
+            <a:r>
+              <a:rPr lang="pl-PL" dirty="0" err="1"/>
+              <a:t>Monostate</a:t>
+            </a:r>
+            <a:endParaRPr lang="pl-PL" dirty="0"/>
+          </a:p>
+        </p:txBody>
+      </p:sp>
+      <p:sp>
+        <p:nvSpPr>
+          <p:cNvPr id="3" name="Symbol zastępczy zawartości 2"/>
+          <p:cNvSpPr>
+            <a:spLocks noGrp="1"/>
+          </p:cNvSpPr>
+          <p:nvPr>
+            <p:ph idx="1"/>
+          </p:nvPr>
+        </p:nvSpPr>
+        <p:spPr/>
+        <p:txBody>
+          <a:bodyPr/>
+          <a:lstStyle/>
+          <a:p>
+            <a:pPr marL="0" indent="0">
+              <a:buNone/>
+            </a:pPr>
+            <a:r>
+              <a:rPr lang="pl-PL" dirty="0" err="1" smtClean="0"/>
+              <a:t>Monostate</a:t>
             </a:r>
             <a:r>
               <a:rPr lang="pl-PL" dirty="0" smtClean="0"/>
-              <a:t>– Singleton (przykład)</a:t>
-            </a:r>
+              <a:t> ma zasadniczo podobne założenia jak singleton. Jedyną różnicą jest fakt iż możemy utworzyć wiele klas, które będą posiadały takie same wartości właściwości. Elementem wyróżniającym </a:t>
+            </a:r>
+            <a:r>
+              <a:rPr lang="pl-PL" dirty="0" err="1" smtClean="0"/>
+              <a:t>Monostate</a:t>
+            </a:r>
+            <a:r>
+              <a:rPr lang="pl-PL" dirty="0" smtClean="0"/>
+              <a:t> jest również fakt prostszego zarządzania obiektem. Możemy go usunąć z pamięci, gdy tylko stanie się on zbędny.</a:t>
+            </a:r>
+          </a:p>
+          <a:p>
+            <a:pPr marL="0" indent="0">
+              <a:buNone/>
+            </a:pPr>
+            <a:r>
+              <a:rPr lang="pl-PL" dirty="0" smtClean="0"/>
+              <a:t>Właściwości klasy:</a:t>
+            </a:r>
+          </a:p>
+          <a:p>
+            <a:pPr>
+              <a:buAutoNum type="arabicPeriod"/>
+            </a:pPr>
+            <a:r>
+              <a:rPr lang="pl-PL" dirty="0" smtClean="0"/>
+              <a:t>Klasa musi posiadać wszystkie pola które są statyczne</a:t>
+            </a:r>
+          </a:p>
+          <a:p>
+            <a:pPr>
+              <a:buAutoNum type="arabicPeriod"/>
+            </a:pPr>
+            <a:r>
+              <a:rPr lang="pl-PL" dirty="0" smtClean="0"/>
+              <a:t>Funkcje w klasie nie mogą być statyczne</a:t>
+            </a:r>
+          </a:p>
+          <a:p>
+            <a:pPr>
+              <a:buAutoNum type="arabicPeriod"/>
+            </a:pPr>
             <a:endParaRPr lang="pl-PL" dirty="0"/>
-          </a:p>
-        </p:txBody>
-      </p:sp>
-      <p:sp>
-        <p:nvSpPr>
-          <p:cNvPr id="3" name="Symbol zastępczy zawartości 2"/>
-          <p:cNvSpPr>
-            <a:spLocks noGrp="1"/>
-          </p:cNvSpPr>
-          <p:nvPr>
-            <p:ph idx="1"/>
-          </p:nvPr>
-        </p:nvSpPr>
-        <p:spPr>
-          <a:xfrm>
-            <a:off x="677334" y="2160589"/>
-            <a:ext cx="8596668" cy="4604005"/>
-          </a:xfrm>
-        </p:spPr>
-        <p:txBody>
-          <a:bodyPr>
-            <a:normAutofit/>
-          </a:bodyPr>
-          <a:lstStyle/>
-          <a:p>
-            <a:pPr marL="0" indent="0">
-              <a:buNone/>
-            </a:pPr>
-            <a:r>
-              <a:rPr lang="pl-PL" sz="600" dirty="0" smtClean="0">
-                <a:solidFill>
-                  <a:srgbClr val="0000FF"/>
-                </a:solidFill>
-                <a:highlight>
-                  <a:srgbClr val="FFFFFF"/>
-                </a:highlight>
-                <a:latin typeface="Consolas" panose="020B0609020204030204" pitchFamily="49" charset="0"/>
-              </a:rPr>
-              <a:t>	</a:t>
-            </a:r>
-            <a:r>
-              <a:rPr lang="pl-PL" sz="900" dirty="0" err="1" smtClean="0">
-                <a:solidFill>
-                  <a:srgbClr val="0000FF"/>
-                </a:solidFill>
-                <a:highlight>
-                  <a:srgbClr val="FFFFFF"/>
-                </a:highlight>
-                <a:latin typeface="Consolas" panose="020B0609020204030204" pitchFamily="49" charset="0"/>
-              </a:rPr>
-              <a:t>private</a:t>
-            </a:r>
-            <a:r>
-              <a:rPr lang="pl-PL" sz="900" dirty="0" smtClean="0">
-                <a:solidFill>
-                  <a:srgbClr val="000000"/>
-                </a:solidFill>
-                <a:highlight>
-                  <a:srgbClr val="FFFFFF"/>
-                </a:highlight>
-                <a:latin typeface="Consolas" panose="020B0609020204030204" pitchFamily="49" charset="0"/>
-              </a:rPr>
-              <a:t> </a:t>
-            </a:r>
-            <a:r>
-              <a:rPr lang="pl-PL" sz="900" dirty="0" err="1">
-                <a:solidFill>
-                  <a:srgbClr val="0000FF"/>
-                </a:solidFill>
-                <a:highlight>
-                  <a:srgbClr val="FFFFFF"/>
-                </a:highlight>
-                <a:latin typeface="Consolas" panose="020B0609020204030204" pitchFamily="49" charset="0"/>
-              </a:rPr>
-              <a:t>static</a:t>
-            </a:r>
-            <a:r>
-              <a:rPr lang="pl-PL" sz="900" dirty="0">
-                <a:solidFill>
-                  <a:srgbClr val="000000"/>
-                </a:solidFill>
-                <a:highlight>
-                  <a:srgbClr val="FFFFFF"/>
-                </a:highlight>
-                <a:latin typeface="Consolas" panose="020B0609020204030204" pitchFamily="49" charset="0"/>
-              </a:rPr>
-              <a:t> </a:t>
-            </a:r>
-            <a:r>
-              <a:rPr lang="pl-PL" sz="900" dirty="0">
-                <a:solidFill>
-                  <a:srgbClr val="2B91AF"/>
-                </a:solidFill>
-                <a:highlight>
-                  <a:srgbClr val="FFFFFF"/>
-                </a:highlight>
-                <a:latin typeface="Consolas" panose="020B0609020204030204" pitchFamily="49" charset="0"/>
-              </a:rPr>
-              <a:t>Singleton</a:t>
-            </a:r>
-            <a:r>
-              <a:rPr lang="pl-PL" sz="900" dirty="0">
-                <a:solidFill>
-                  <a:srgbClr val="000000"/>
-                </a:solidFill>
-                <a:highlight>
-                  <a:srgbClr val="FFFFFF"/>
-                </a:highlight>
-                <a:latin typeface="Consolas" panose="020B0609020204030204" pitchFamily="49" charset="0"/>
-              </a:rPr>
-              <a:t> </a:t>
-            </a:r>
-            <a:r>
-              <a:rPr lang="pl-PL" sz="900" dirty="0" err="1">
-                <a:solidFill>
-                  <a:srgbClr val="000000"/>
-                </a:solidFill>
-                <a:highlight>
-                  <a:srgbClr val="FFFFFF"/>
-                </a:highlight>
-                <a:latin typeface="Consolas" panose="020B0609020204030204" pitchFamily="49" charset="0"/>
-              </a:rPr>
-              <a:t>instance</a:t>
-            </a:r>
-            <a:r>
-              <a:rPr lang="pl-PL" sz="900" dirty="0">
-                <a:solidFill>
-                  <a:srgbClr val="000000"/>
-                </a:solidFill>
-                <a:highlight>
-                  <a:srgbClr val="FFFFFF"/>
-                </a:highlight>
-                <a:latin typeface="Consolas" panose="020B0609020204030204" pitchFamily="49" charset="0"/>
-              </a:rPr>
-              <a:t> = </a:t>
-            </a:r>
-            <a:r>
-              <a:rPr lang="pl-PL" sz="900" dirty="0" err="1" smtClean="0">
-                <a:solidFill>
-                  <a:srgbClr val="0000FF"/>
-                </a:solidFill>
-                <a:highlight>
-                  <a:srgbClr val="FFFFFF"/>
-                </a:highlight>
-                <a:latin typeface="Consolas" panose="020B0609020204030204" pitchFamily="49" charset="0"/>
-              </a:rPr>
-              <a:t>null</a:t>
-            </a:r>
-            <a:r>
-              <a:rPr lang="pl-PL" sz="900" dirty="0" smtClean="0">
-                <a:solidFill>
-                  <a:srgbClr val="000000"/>
-                </a:solidFill>
-                <a:highlight>
-                  <a:srgbClr val="FFFFFF"/>
-                </a:highlight>
-                <a:latin typeface="Consolas" panose="020B0609020204030204" pitchFamily="49" charset="0"/>
-              </a:rPr>
-              <a:t>;</a:t>
-            </a:r>
-            <a:br>
-              <a:rPr lang="pl-PL" sz="900" dirty="0" smtClean="0">
-                <a:solidFill>
-                  <a:srgbClr val="000000"/>
-                </a:solidFill>
-                <a:highlight>
-                  <a:srgbClr val="FFFFFF"/>
-                </a:highlight>
-                <a:latin typeface="Consolas" panose="020B0609020204030204" pitchFamily="49" charset="0"/>
-              </a:rPr>
-            </a:br>
-            <a:r>
-              <a:rPr lang="pl-PL" sz="900" dirty="0" smtClean="0">
-                <a:solidFill>
-                  <a:srgbClr val="000000"/>
-                </a:solidFill>
-                <a:highlight>
-                  <a:srgbClr val="FFFFFF"/>
-                </a:highlight>
-                <a:latin typeface="Consolas" panose="020B0609020204030204" pitchFamily="49" charset="0"/>
-              </a:rPr>
-              <a:t>	</a:t>
-            </a:r>
-            <a:r>
-              <a:rPr lang="pl-PL" sz="900" dirty="0" smtClean="0">
-                <a:solidFill>
-                  <a:srgbClr val="0000FF"/>
-                </a:solidFill>
-                <a:highlight>
-                  <a:srgbClr val="FFFFFF"/>
-                </a:highlight>
-                <a:latin typeface="Consolas" panose="020B0609020204030204" pitchFamily="49" charset="0"/>
-              </a:rPr>
-              <a:t>public</a:t>
-            </a:r>
-            <a:r>
-              <a:rPr lang="pl-PL" sz="900" dirty="0" smtClean="0">
-                <a:solidFill>
-                  <a:srgbClr val="000000"/>
-                </a:solidFill>
-                <a:highlight>
-                  <a:srgbClr val="FFFFFF"/>
-                </a:highlight>
-                <a:latin typeface="Consolas" panose="020B0609020204030204" pitchFamily="49" charset="0"/>
-              </a:rPr>
-              <a:t> </a:t>
-            </a:r>
-            <a:r>
-              <a:rPr lang="pl-PL" sz="900" dirty="0">
-                <a:solidFill>
-                  <a:srgbClr val="2B91AF"/>
-                </a:solidFill>
-                <a:highlight>
-                  <a:srgbClr val="FFFFFF"/>
-                </a:highlight>
-                <a:latin typeface="Consolas" panose="020B0609020204030204" pitchFamily="49" charset="0"/>
-              </a:rPr>
-              <a:t>String</a:t>
-            </a:r>
-            <a:r>
-              <a:rPr lang="pl-PL" sz="900" dirty="0">
-                <a:solidFill>
-                  <a:srgbClr val="000000"/>
-                </a:solidFill>
-                <a:highlight>
-                  <a:srgbClr val="FFFFFF"/>
-                </a:highlight>
-                <a:latin typeface="Consolas" panose="020B0609020204030204" pitchFamily="49" charset="0"/>
-              </a:rPr>
-              <a:t> </a:t>
-            </a:r>
-            <a:r>
-              <a:rPr lang="pl-PL" sz="900" dirty="0" err="1">
-                <a:solidFill>
-                  <a:srgbClr val="000000"/>
-                </a:solidFill>
-                <a:highlight>
-                  <a:srgbClr val="FFFFFF"/>
-                </a:highlight>
-                <a:latin typeface="Consolas" panose="020B0609020204030204" pitchFamily="49" charset="0"/>
-              </a:rPr>
-              <a:t>name</a:t>
-            </a:r>
-            <a:r>
-              <a:rPr lang="pl-PL" sz="900" dirty="0">
-                <a:solidFill>
-                  <a:srgbClr val="000000"/>
-                </a:solidFill>
-                <a:highlight>
-                  <a:srgbClr val="FFFFFF"/>
-                </a:highlight>
-                <a:latin typeface="Consolas" panose="020B0609020204030204" pitchFamily="49" charset="0"/>
-              </a:rPr>
-              <a:t> = </a:t>
-            </a:r>
-            <a:r>
-              <a:rPr lang="pl-PL" sz="900" dirty="0" err="1">
-                <a:solidFill>
-                  <a:srgbClr val="0000FF"/>
-                </a:solidFill>
-                <a:highlight>
-                  <a:srgbClr val="FFFFFF"/>
-                </a:highlight>
-                <a:latin typeface="Consolas" panose="020B0609020204030204" pitchFamily="49" charset="0"/>
-              </a:rPr>
-              <a:t>null</a:t>
-            </a:r>
-            <a:r>
-              <a:rPr lang="pl-PL" sz="900" dirty="0" smtClean="0">
-                <a:solidFill>
-                  <a:srgbClr val="000000"/>
-                </a:solidFill>
-                <a:highlight>
-                  <a:srgbClr val="FFFFFF"/>
-                </a:highlight>
-                <a:latin typeface="Consolas" panose="020B0609020204030204" pitchFamily="49" charset="0"/>
-              </a:rPr>
-              <a:t>;</a:t>
-            </a:r>
-            <a:endParaRPr lang="pl-PL" sz="900" dirty="0">
-              <a:solidFill>
-                <a:srgbClr val="000000"/>
-              </a:solidFill>
-              <a:highlight>
-                <a:srgbClr val="FFFFFF"/>
-              </a:highlight>
-              <a:latin typeface="Consolas" panose="020B0609020204030204" pitchFamily="49" charset="0"/>
-            </a:endParaRPr>
-          </a:p>
-          <a:p>
-            <a:pPr marL="0" indent="0">
-              <a:buNone/>
-            </a:pPr>
-            <a:r>
-              <a:rPr lang="pl-PL" sz="900" dirty="0">
-                <a:solidFill>
-                  <a:srgbClr val="000000"/>
-                </a:solidFill>
-                <a:highlight>
-                  <a:srgbClr val="FFFFFF"/>
-                </a:highlight>
-                <a:latin typeface="Consolas" panose="020B0609020204030204" pitchFamily="49" charset="0"/>
-              </a:rPr>
-              <a:t>        </a:t>
-            </a:r>
-            <a:r>
-              <a:rPr lang="pl-PL" sz="900" dirty="0" smtClean="0">
-                <a:solidFill>
-                  <a:srgbClr val="808080"/>
-                </a:solidFill>
-                <a:highlight>
-                  <a:srgbClr val="FFFFFF"/>
-                </a:highlight>
-                <a:latin typeface="Consolas" panose="020B0609020204030204" pitchFamily="49" charset="0"/>
-              </a:rPr>
-              <a:t>///</a:t>
-            </a:r>
-            <a:r>
-              <a:rPr lang="pl-PL" sz="900" dirty="0" smtClean="0">
-                <a:solidFill>
-                  <a:srgbClr val="008000"/>
-                </a:solidFill>
-                <a:highlight>
-                  <a:srgbClr val="FFFFFF"/>
-                </a:highlight>
-                <a:latin typeface="Consolas" panose="020B0609020204030204" pitchFamily="49" charset="0"/>
-              </a:rPr>
-              <a:t> </a:t>
-            </a:r>
-            <a:r>
-              <a:rPr lang="pl-PL" sz="900" dirty="0">
-                <a:solidFill>
-                  <a:srgbClr val="808080"/>
-                </a:solidFill>
-                <a:highlight>
-                  <a:srgbClr val="FFFFFF"/>
-                </a:highlight>
-                <a:latin typeface="Consolas" panose="020B0609020204030204" pitchFamily="49" charset="0"/>
-              </a:rPr>
-              <a:t>&lt;</a:t>
-            </a:r>
-            <a:r>
-              <a:rPr lang="pl-PL" sz="900" dirty="0" err="1">
-                <a:solidFill>
-                  <a:srgbClr val="808080"/>
-                </a:solidFill>
-                <a:highlight>
-                  <a:srgbClr val="FFFFFF"/>
-                </a:highlight>
-                <a:latin typeface="Consolas" panose="020B0609020204030204" pitchFamily="49" charset="0"/>
-              </a:rPr>
-              <a:t>summary</a:t>
-            </a:r>
-            <a:r>
-              <a:rPr lang="pl-PL" sz="900" dirty="0" smtClean="0">
-                <a:solidFill>
-                  <a:srgbClr val="808080"/>
-                </a:solidFill>
-                <a:highlight>
-                  <a:srgbClr val="FFFFFF"/>
-                </a:highlight>
-                <a:latin typeface="Consolas" panose="020B0609020204030204" pitchFamily="49" charset="0"/>
-              </a:rPr>
-              <a:t>&gt;</a:t>
-            </a:r>
-            <a:br>
-              <a:rPr lang="pl-PL" sz="900" dirty="0" smtClean="0">
-                <a:solidFill>
-                  <a:srgbClr val="808080"/>
-                </a:solidFill>
-                <a:highlight>
-                  <a:srgbClr val="FFFFFF"/>
-                </a:highlight>
-                <a:latin typeface="Consolas" panose="020B0609020204030204" pitchFamily="49" charset="0"/>
-              </a:rPr>
-            </a:br>
-            <a:r>
-              <a:rPr lang="pl-PL" sz="900" dirty="0" smtClean="0">
-                <a:solidFill>
-                  <a:srgbClr val="000000"/>
-                </a:solidFill>
-                <a:highlight>
-                  <a:srgbClr val="FFFFFF"/>
-                </a:highlight>
-                <a:latin typeface="Consolas" panose="020B0609020204030204" pitchFamily="49" charset="0"/>
-              </a:rPr>
-              <a:t>       	</a:t>
-            </a:r>
-            <a:r>
-              <a:rPr lang="pl-PL" sz="900" dirty="0" smtClean="0">
-                <a:solidFill>
-                  <a:srgbClr val="808080"/>
-                </a:solidFill>
-                <a:highlight>
-                  <a:srgbClr val="FFFFFF"/>
-                </a:highlight>
-                <a:latin typeface="Consolas" panose="020B0609020204030204" pitchFamily="49" charset="0"/>
-              </a:rPr>
-              <a:t>///</a:t>
-            </a:r>
-            <a:r>
-              <a:rPr lang="pl-PL" sz="900" dirty="0" smtClean="0">
-                <a:solidFill>
-                  <a:srgbClr val="008000"/>
-                </a:solidFill>
-                <a:highlight>
-                  <a:srgbClr val="FFFFFF"/>
-                </a:highlight>
-                <a:latin typeface="Consolas" panose="020B0609020204030204" pitchFamily="49" charset="0"/>
-              </a:rPr>
-              <a:t> </a:t>
-            </a:r>
-            <a:r>
-              <a:rPr lang="pl-PL" sz="900" dirty="0">
-                <a:solidFill>
-                  <a:srgbClr val="008000"/>
-                </a:solidFill>
-                <a:highlight>
-                  <a:srgbClr val="FFFFFF"/>
-                </a:highlight>
-                <a:latin typeface="Consolas" panose="020B0609020204030204" pitchFamily="49" charset="0"/>
-              </a:rPr>
-              <a:t>Konstruktor domyślny jest prywatny przez co nie utworzymy żadnej instancji </a:t>
-            </a:r>
-            <a:r>
-              <a:rPr lang="pl-PL" sz="900" dirty="0" smtClean="0">
-                <a:solidFill>
-                  <a:srgbClr val="008000"/>
-                </a:solidFill>
-                <a:highlight>
-                  <a:srgbClr val="FFFFFF"/>
-                </a:highlight>
-                <a:latin typeface="Consolas" panose="020B0609020204030204" pitchFamily="49" charset="0"/>
-              </a:rPr>
-              <a:t>klasy</a:t>
-            </a:r>
-            <a:br>
-              <a:rPr lang="pl-PL" sz="900" dirty="0" smtClean="0">
-                <a:solidFill>
-                  <a:srgbClr val="008000"/>
-                </a:solidFill>
-                <a:highlight>
-                  <a:srgbClr val="FFFFFF"/>
-                </a:highlight>
-                <a:latin typeface="Consolas" panose="020B0609020204030204" pitchFamily="49" charset="0"/>
-              </a:rPr>
-            </a:br>
-            <a:r>
-              <a:rPr lang="pl-PL" sz="900" dirty="0" smtClean="0">
-                <a:solidFill>
-                  <a:srgbClr val="000000"/>
-                </a:solidFill>
-                <a:highlight>
-                  <a:srgbClr val="FFFFFF"/>
-                </a:highlight>
-                <a:latin typeface="Consolas" panose="020B0609020204030204" pitchFamily="49" charset="0"/>
-              </a:rPr>
-              <a:t>       </a:t>
-            </a:r>
-            <a:r>
-              <a:rPr lang="pl-PL" sz="900" dirty="0" smtClean="0">
-                <a:solidFill>
-                  <a:srgbClr val="808080"/>
-                </a:solidFill>
-                <a:highlight>
-                  <a:srgbClr val="FFFFFF"/>
-                </a:highlight>
-                <a:latin typeface="Consolas" panose="020B0609020204030204" pitchFamily="49" charset="0"/>
-              </a:rPr>
-              <a:t>///</a:t>
-            </a:r>
-            <a:r>
-              <a:rPr lang="pl-PL" sz="900" dirty="0" smtClean="0">
-                <a:solidFill>
-                  <a:srgbClr val="008000"/>
-                </a:solidFill>
-                <a:highlight>
-                  <a:srgbClr val="FFFFFF"/>
-                </a:highlight>
-                <a:latin typeface="Consolas" panose="020B0609020204030204" pitchFamily="49" charset="0"/>
-              </a:rPr>
-              <a:t> </a:t>
-            </a:r>
-            <a:r>
-              <a:rPr lang="pl-PL" sz="900" dirty="0">
-                <a:solidFill>
-                  <a:srgbClr val="808080"/>
-                </a:solidFill>
-                <a:highlight>
-                  <a:srgbClr val="FFFFFF"/>
-                </a:highlight>
-                <a:latin typeface="Consolas" panose="020B0609020204030204" pitchFamily="49" charset="0"/>
-              </a:rPr>
-              <a:t>&lt;/</a:t>
-            </a:r>
-            <a:r>
-              <a:rPr lang="pl-PL" sz="900" dirty="0" err="1">
-                <a:solidFill>
-                  <a:srgbClr val="808080"/>
-                </a:solidFill>
-                <a:highlight>
-                  <a:srgbClr val="FFFFFF"/>
-                </a:highlight>
-                <a:latin typeface="Consolas" panose="020B0609020204030204" pitchFamily="49" charset="0"/>
-              </a:rPr>
-              <a:t>summary</a:t>
-            </a:r>
-            <a:r>
-              <a:rPr lang="pl-PL" sz="900" dirty="0" smtClean="0">
-                <a:solidFill>
-                  <a:srgbClr val="808080"/>
-                </a:solidFill>
-                <a:highlight>
-                  <a:srgbClr val="FFFFFF"/>
-                </a:highlight>
-                <a:latin typeface="Consolas" panose="020B0609020204030204" pitchFamily="49" charset="0"/>
-              </a:rPr>
-              <a:t>&gt;</a:t>
-            </a:r>
-            <a:br>
-              <a:rPr lang="pl-PL" sz="900" dirty="0" smtClean="0">
-                <a:solidFill>
-                  <a:srgbClr val="808080"/>
-                </a:solidFill>
-                <a:highlight>
-                  <a:srgbClr val="FFFFFF"/>
-                </a:highlight>
-                <a:latin typeface="Consolas" panose="020B0609020204030204" pitchFamily="49" charset="0"/>
-              </a:rPr>
-            </a:br>
-            <a:r>
-              <a:rPr lang="pl-PL" sz="900" dirty="0" smtClean="0">
-                <a:solidFill>
-                  <a:srgbClr val="000000"/>
-                </a:solidFill>
-                <a:highlight>
-                  <a:srgbClr val="FFFFFF"/>
-                </a:highlight>
-                <a:latin typeface="Consolas" panose="020B0609020204030204" pitchFamily="49" charset="0"/>
-              </a:rPr>
-              <a:t>        </a:t>
-            </a:r>
-            <a:r>
-              <a:rPr lang="pl-PL" sz="900" dirty="0" err="1" smtClean="0">
-                <a:solidFill>
-                  <a:srgbClr val="0000FF"/>
-                </a:solidFill>
-                <a:highlight>
-                  <a:srgbClr val="FFFFFF"/>
-                </a:highlight>
-                <a:latin typeface="Consolas" panose="020B0609020204030204" pitchFamily="49" charset="0"/>
-              </a:rPr>
-              <a:t>private</a:t>
-            </a:r>
-            <a:r>
-              <a:rPr lang="pl-PL" sz="900" dirty="0" smtClean="0">
-                <a:solidFill>
-                  <a:srgbClr val="000000"/>
-                </a:solidFill>
-                <a:highlight>
-                  <a:srgbClr val="FFFFFF"/>
-                </a:highlight>
-                <a:latin typeface="Consolas" panose="020B0609020204030204" pitchFamily="49" charset="0"/>
-              </a:rPr>
-              <a:t> </a:t>
-            </a:r>
-            <a:r>
-              <a:rPr lang="pl-PL" sz="900" dirty="0">
-                <a:solidFill>
-                  <a:srgbClr val="000000"/>
-                </a:solidFill>
-                <a:highlight>
-                  <a:srgbClr val="FFFFFF"/>
-                </a:highlight>
-                <a:latin typeface="Consolas" panose="020B0609020204030204" pitchFamily="49" charset="0"/>
-              </a:rPr>
-              <a:t>Singleton</a:t>
-            </a:r>
-            <a:r>
-              <a:rPr lang="pl-PL" sz="900" dirty="0" smtClean="0">
-                <a:solidFill>
-                  <a:srgbClr val="000000"/>
-                </a:solidFill>
-                <a:highlight>
-                  <a:srgbClr val="FFFFFF"/>
-                </a:highlight>
-                <a:latin typeface="Consolas" panose="020B0609020204030204" pitchFamily="49" charset="0"/>
-              </a:rPr>
-              <a:t>()</a:t>
-            </a:r>
-            <a:br>
-              <a:rPr lang="pl-PL" sz="900" dirty="0" smtClean="0">
-                <a:solidFill>
-                  <a:srgbClr val="000000"/>
-                </a:solidFill>
-                <a:highlight>
-                  <a:srgbClr val="FFFFFF"/>
-                </a:highlight>
-                <a:latin typeface="Consolas" panose="020B0609020204030204" pitchFamily="49" charset="0"/>
-              </a:rPr>
-            </a:br>
-            <a:r>
-              <a:rPr lang="pl-PL" sz="900" dirty="0" smtClean="0">
-                <a:solidFill>
-                  <a:srgbClr val="000000"/>
-                </a:solidFill>
-                <a:highlight>
-                  <a:srgbClr val="FFFFFF"/>
-                </a:highlight>
-                <a:latin typeface="Consolas" panose="020B0609020204030204" pitchFamily="49" charset="0"/>
-              </a:rPr>
-              <a:t>        {</a:t>
-            </a:r>
-            <a:endParaRPr lang="pl-PL" sz="900" dirty="0">
-              <a:solidFill>
-                <a:srgbClr val="000000"/>
-              </a:solidFill>
-              <a:highlight>
-                <a:srgbClr val="FFFFFF"/>
-              </a:highlight>
-              <a:latin typeface="Consolas" panose="020B0609020204030204" pitchFamily="49" charset="0"/>
-            </a:endParaRPr>
-          </a:p>
-          <a:p>
-            <a:pPr marL="0" indent="0">
-              <a:buNone/>
-            </a:pPr>
-            <a:r>
-              <a:rPr lang="pl-PL" sz="900" dirty="0">
-                <a:solidFill>
-                  <a:srgbClr val="000000"/>
-                </a:solidFill>
-                <a:highlight>
-                  <a:srgbClr val="FFFFFF"/>
-                </a:highlight>
-                <a:latin typeface="Consolas" panose="020B0609020204030204" pitchFamily="49" charset="0"/>
-              </a:rPr>
-              <a:t>        </a:t>
-            </a:r>
-            <a:r>
-              <a:rPr lang="pl-PL" sz="900" dirty="0" smtClean="0">
-                <a:solidFill>
-                  <a:srgbClr val="000000"/>
-                </a:solidFill>
-                <a:highlight>
-                  <a:srgbClr val="FFFFFF"/>
-                </a:highlight>
-                <a:latin typeface="Consolas" panose="020B0609020204030204" pitchFamily="49" charset="0"/>
-              </a:rPr>
-              <a:t>}</a:t>
-            </a:r>
-            <a:endParaRPr lang="pl-PL" sz="900" dirty="0">
-              <a:solidFill>
-                <a:srgbClr val="000000"/>
-              </a:solidFill>
-              <a:highlight>
-                <a:srgbClr val="FFFFFF"/>
-              </a:highlight>
-              <a:latin typeface="Consolas" panose="020B0609020204030204" pitchFamily="49" charset="0"/>
-            </a:endParaRPr>
-          </a:p>
-          <a:p>
-            <a:pPr marL="0" indent="0">
-              <a:buNone/>
-            </a:pPr>
-            <a:r>
-              <a:rPr lang="en-US" sz="900" dirty="0">
-                <a:solidFill>
-                  <a:srgbClr val="000000"/>
-                </a:solidFill>
-                <a:highlight>
-                  <a:srgbClr val="FFFFFF"/>
-                </a:highlight>
-                <a:latin typeface="Consolas" panose="020B0609020204030204" pitchFamily="49" charset="0"/>
-              </a:rPr>
-              <a:t>        </a:t>
-            </a:r>
-            <a:r>
-              <a:rPr lang="en-US" sz="900" dirty="0" smtClean="0">
-                <a:solidFill>
-                  <a:srgbClr val="0000FF"/>
-                </a:solidFill>
-                <a:highlight>
-                  <a:srgbClr val="FFFFFF"/>
-                </a:highlight>
-                <a:latin typeface="Consolas" panose="020B0609020204030204" pitchFamily="49" charset="0"/>
-              </a:rPr>
-              <a:t>private</a:t>
-            </a:r>
-            <a:r>
-              <a:rPr lang="en-US" sz="900" dirty="0" smtClean="0">
-                <a:solidFill>
-                  <a:srgbClr val="000000"/>
-                </a:solidFill>
-                <a:highlight>
-                  <a:srgbClr val="FFFFFF"/>
-                </a:highlight>
-                <a:latin typeface="Consolas" panose="020B0609020204030204" pitchFamily="49" charset="0"/>
-              </a:rPr>
-              <a:t> </a:t>
-            </a:r>
-            <a:r>
-              <a:rPr lang="en-US" sz="900" dirty="0">
-                <a:solidFill>
-                  <a:srgbClr val="0000FF"/>
-                </a:solidFill>
-                <a:highlight>
-                  <a:srgbClr val="FFFFFF"/>
-                </a:highlight>
-                <a:latin typeface="Consolas" panose="020B0609020204030204" pitchFamily="49" charset="0"/>
-              </a:rPr>
-              <a:t>static</a:t>
-            </a:r>
-            <a:r>
-              <a:rPr lang="en-US" sz="900" dirty="0">
-                <a:solidFill>
-                  <a:srgbClr val="000000"/>
-                </a:solidFill>
-                <a:highlight>
-                  <a:srgbClr val="FFFFFF"/>
-                </a:highlight>
-                <a:latin typeface="Consolas" panose="020B0609020204030204" pitchFamily="49" charset="0"/>
-              </a:rPr>
-              <a:t> </a:t>
-            </a:r>
-            <a:r>
-              <a:rPr lang="en-US" sz="900" dirty="0" err="1" smtClean="0">
-                <a:solidFill>
-                  <a:srgbClr val="0000FF"/>
-                </a:solidFill>
-                <a:highlight>
-                  <a:srgbClr val="FFFFFF"/>
-                </a:highlight>
-                <a:latin typeface="Consolas" panose="020B0609020204030204" pitchFamily="49" charset="0"/>
-              </a:rPr>
-              <a:t>readonly</a:t>
-            </a:r>
-            <a:r>
-              <a:rPr lang="en-US" sz="900" dirty="0" smtClean="0">
-                <a:solidFill>
-                  <a:srgbClr val="000000"/>
-                </a:solidFill>
-                <a:highlight>
-                  <a:srgbClr val="FFFFFF"/>
-                </a:highlight>
-                <a:latin typeface="Consolas" panose="020B0609020204030204" pitchFamily="49" charset="0"/>
-              </a:rPr>
-              <a:t> </a:t>
-            </a:r>
-            <a:r>
-              <a:rPr lang="en-US" sz="900" dirty="0" smtClean="0">
-                <a:solidFill>
-                  <a:srgbClr val="0000FF"/>
-                </a:solidFill>
-                <a:highlight>
-                  <a:srgbClr val="FFFFFF"/>
-                </a:highlight>
-                <a:latin typeface="Consolas" panose="020B0609020204030204" pitchFamily="49" charset="0"/>
-              </a:rPr>
-              <a:t>object</a:t>
-            </a:r>
-            <a:r>
-              <a:rPr lang="en-US" sz="900" dirty="0" smtClean="0">
-                <a:solidFill>
-                  <a:srgbClr val="000000"/>
-                </a:solidFill>
-                <a:highlight>
-                  <a:srgbClr val="FFFFFF"/>
-                </a:highlight>
-                <a:latin typeface="Consolas" panose="020B0609020204030204" pitchFamily="49" charset="0"/>
-              </a:rPr>
-              <a:t> </a:t>
-            </a:r>
-            <a:r>
-              <a:rPr lang="en-US" sz="900" dirty="0" err="1">
-                <a:solidFill>
-                  <a:srgbClr val="000000"/>
-                </a:solidFill>
-                <a:highlight>
-                  <a:srgbClr val="FFFFFF"/>
-                </a:highlight>
-                <a:latin typeface="Consolas" panose="020B0609020204030204" pitchFamily="49" charset="0"/>
-              </a:rPr>
-              <a:t>syncLock</a:t>
-            </a:r>
-            <a:r>
-              <a:rPr lang="en-US" sz="900" dirty="0">
-                <a:solidFill>
-                  <a:srgbClr val="000000"/>
-                </a:solidFill>
-                <a:highlight>
-                  <a:srgbClr val="FFFFFF"/>
-                </a:highlight>
-                <a:latin typeface="Consolas" panose="020B0609020204030204" pitchFamily="49" charset="0"/>
-              </a:rPr>
-              <a:t> = </a:t>
-            </a:r>
-            <a:r>
-              <a:rPr lang="en-US" sz="900" dirty="0">
-                <a:solidFill>
-                  <a:srgbClr val="0000FF"/>
-                </a:solidFill>
-                <a:highlight>
-                  <a:srgbClr val="FFFFFF"/>
-                </a:highlight>
-                <a:latin typeface="Consolas" panose="020B0609020204030204" pitchFamily="49" charset="0"/>
-              </a:rPr>
-              <a:t>new</a:t>
-            </a:r>
-            <a:r>
-              <a:rPr lang="en-US" sz="900" dirty="0">
-                <a:solidFill>
-                  <a:srgbClr val="000000"/>
-                </a:solidFill>
-                <a:highlight>
-                  <a:srgbClr val="FFFFFF"/>
-                </a:highlight>
-                <a:latin typeface="Consolas" panose="020B0609020204030204" pitchFamily="49" charset="0"/>
-              </a:rPr>
-              <a:t> </a:t>
-            </a:r>
-            <a:r>
-              <a:rPr lang="en-US" sz="900" dirty="0">
-                <a:solidFill>
-                  <a:srgbClr val="0000FF"/>
-                </a:solidFill>
-                <a:highlight>
-                  <a:srgbClr val="FFFFFF"/>
-                </a:highlight>
-                <a:latin typeface="Consolas" panose="020B0609020204030204" pitchFamily="49" charset="0"/>
-              </a:rPr>
-              <a:t>object</a:t>
-            </a:r>
-            <a:r>
-              <a:rPr lang="en-US" sz="900" dirty="0" smtClean="0">
-                <a:solidFill>
-                  <a:srgbClr val="000000"/>
-                </a:solidFill>
-                <a:highlight>
-                  <a:srgbClr val="FFFFFF"/>
-                </a:highlight>
-                <a:latin typeface="Consolas" panose="020B0609020204030204" pitchFamily="49" charset="0"/>
-              </a:rPr>
-              <a:t>();</a:t>
-            </a:r>
-            <a:endParaRPr lang="pl-PL" sz="900" dirty="0">
-              <a:solidFill>
-                <a:srgbClr val="000000"/>
-              </a:solidFill>
-              <a:highlight>
-                <a:srgbClr val="FFFFFF"/>
-              </a:highlight>
-              <a:latin typeface="Consolas" panose="020B0609020204030204" pitchFamily="49" charset="0"/>
-            </a:endParaRPr>
-          </a:p>
-          <a:p>
-            <a:pPr marL="0" indent="0">
-              <a:buNone/>
-            </a:pPr>
-            <a:r>
-              <a:rPr lang="pl-PL" sz="900" dirty="0" smtClean="0">
-                <a:solidFill>
-                  <a:srgbClr val="000000"/>
-                </a:solidFill>
-                <a:highlight>
-                  <a:srgbClr val="FFFFFF"/>
-                </a:highlight>
-                <a:latin typeface="Consolas" panose="020B0609020204030204" pitchFamily="49" charset="0"/>
-              </a:rPr>
-              <a:t>       </a:t>
-            </a:r>
-            <a:r>
-              <a:rPr lang="pl-PL" sz="900" dirty="0" smtClean="0">
-                <a:solidFill>
-                  <a:srgbClr val="808080"/>
-                </a:solidFill>
-                <a:highlight>
-                  <a:srgbClr val="FFFFFF"/>
-                </a:highlight>
-                <a:latin typeface="Consolas" panose="020B0609020204030204" pitchFamily="49" charset="0"/>
-              </a:rPr>
-              <a:t>///</a:t>
-            </a:r>
-            <a:r>
-              <a:rPr lang="pl-PL" sz="900" dirty="0" smtClean="0">
-                <a:solidFill>
-                  <a:srgbClr val="008000"/>
-                </a:solidFill>
-                <a:highlight>
-                  <a:srgbClr val="FFFFFF"/>
-                </a:highlight>
-                <a:latin typeface="Consolas" panose="020B0609020204030204" pitchFamily="49" charset="0"/>
-              </a:rPr>
-              <a:t> </a:t>
-            </a:r>
-            <a:r>
-              <a:rPr lang="pl-PL" sz="900" dirty="0" smtClean="0">
-                <a:solidFill>
-                  <a:srgbClr val="808080"/>
-                </a:solidFill>
-                <a:highlight>
-                  <a:srgbClr val="FFFFFF"/>
-                </a:highlight>
-                <a:latin typeface="Consolas" panose="020B0609020204030204" pitchFamily="49" charset="0"/>
-              </a:rPr>
-              <a:t>&lt;</a:t>
-            </a:r>
-            <a:r>
-              <a:rPr lang="pl-PL" sz="900" dirty="0" err="1" smtClean="0">
-                <a:solidFill>
-                  <a:srgbClr val="808080"/>
-                </a:solidFill>
-                <a:highlight>
-                  <a:srgbClr val="FFFFFF"/>
-                </a:highlight>
-                <a:latin typeface="Consolas" panose="020B0609020204030204" pitchFamily="49" charset="0"/>
-              </a:rPr>
-              <a:t>summary</a:t>
-            </a:r>
-            <a:r>
-              <a:rPr lang="pl-PL" sz="900" dirty="0" smtClean="0">
-                <a:solidFill>
-                  <a:srgbClr val="808080"/>
-                </a:solidFill>
-                <a:highlight>
-                  <a:srgbClr val="FFFFFF"/>
-                </a:highlight>
-                <a:latin typeface="Consolas" panose="020B0609020204030204" pitchFamily="49" charset="0"/>
-              </a:rPr>
-              <a:t>&gt;</a:t>
-            </a:r>
-            <a:br>
-              <a:rPr lang="pl-PL" sz="900" dirty="0" smtClean="0">
-                <a:solidFill>
-                  <a:srgbClr val="808080"/>
-                </a:solidFill>
-                <a:highlight>
-                  <a:srgbClr val="FFFFFF"/>
-                </a:highlight>
-                <a:latin typeface="Consolas" panose="020B0609020204030204" pitchFamily="49" charset="0"/>
-              </a:rPr>
-            </a:br>
-            <a:r>
-              <a:rPr lang="pl-PL" sz="900" dirty="0" smtClean="0">
-                <a:solidFill>
-                  <a:srgbClr val="000000"/>
-                </a:solidFill>
-                <a:highlight>
-                  <a:srgbClr val="FFFFFF"/>
-                </a:highlight>
-                <a:latin typeface="Consolas" panose="020B0609020204030204" pitchFamily="49" charset="0"/>
-              </a:rPr>
-              <a:t>       </a:t>
-            </a:r>
-            <a:r>
-              <a:rPr lang="pl-PL" sz="900" dirty="0" smtClean="0">
-                <a:solidFill>
-                  <a:srgbClr val="808080"/>
-                </a:solidFill>
-                <a:highlight>
-                  <a:srgbClr val="FFFFFF"/>
-                </a:highlight>
-                <a:latin typeface="Consolas" panose="020B0609020204030204" pitchFamily="49" charset="0"/>
-              </a:rPr>
-              <a:t>///</a:t>
-            </a:r>
-            <a:r>
-              <a:rPr lang="pl-PL" sz="900" dirty="0" smtClean="0">
-                <a:solidFill>
-                  <a:srgbClr val="008000"/>
-                </a:solidFill>
-                <a:highlight>
-                  <a:srgbClr val="FFFFFF"/>
-                </a:highlight>
-                <a:latin typeface="Consolas" panose="020B0609020204030204" pitchFamily="49" charset="0"/>
-              </a:rPr>
-              <a:t> Metoda </a:t>
-            </a:r>
-            <a:r>
-              <a:rPr lang="pl-PL" sz="900" dirty="0" err="1" smtClean="0">
-                <a:solidFill>
-                  <a:srgbClr val="008000"/>
-                </a:solidFill>
-                <a:highlight>
-                  <a:srgbClr val="FFFFFF"/>
-                </a:highlight>
-                <a:latin typeface="Consolas" panose="020B0609020204030204" pitchFamily="49" charset="0"/>
-              </a:rPr>
-              <a:t>ktora</a:t>
-            </a:r>
-            <a:r>
-              <a:rPr lang="pl-PL" sz="900" dirty="0" smtClean="0">
-                <a:solidFill>
-                  <a:srgbClr val="008000"/>
-                </a:solidFill>
-                <a:highlight>
-                  <a:srgbClr val="FFFFFF"/>
-                </a:highlight>
-                <a:latin typeface="Consolas" panose="020B0609020204030204" pitchFamily="49" charset="0"/>
-              </a:rPr>
-              <a:t> zwraca nam instancję obiektu, który może wystąpić tylko i wyłącznie raz</a:t>
-            </a:r>
-            <a:br>
-              <a:rPr lang="pl-PL" sz="900" dirty="0" smtClean="0">
-                <a:solidFill>
-                  <a:srgbClr val="008000"/>
-                </a:solidFill>
-                <a:highlight>
-                  <a:srgbClr val="FFFFFF"/>
-                </a:highlight>
-                <a:latin typeface="Consolas" panose="020B0609020204030204" pitchFamily="49" charset="0"/>
-              </a:rPr>
-            </a:br>
-            <a:r>
-              <a:rPr lang="pl-PL" sz="900" dirty="0" smtClean="0">
-                <a:solidFill>
-                  <a:srgbClr val="000000"/>
-                </a:solidFill>
-                <a:highlight>
-                  <a:srgbClr val="FFFFFF"/>
-                </a:highlight>
-                <a:latin typeface="Consolas" panose="020B0609020204030204" pitchFamily="49" charset="0"/>
-              </a:rPr>
-              <a:t>       </a:t>
-            </a:r>
-            <a:r>
-              <a:rPr lang="pl-PL" sz="900" dirty="0" smtClean="0">
-                <a:solidFill>
-                  <a:srgbClr val="808080"/>
-                </a:solidFill>
-                <a:highlight>
-                  <a:srgbClr val="FFFFFF"/>
-                </a:highlight>
-                <a:latin typeface="Consolas" panose="020B0609020204030204" pitchFamily="49" charset="0"/>
-              </a:rPr>
-              <a:t>///</a:t>
-            </a:r>
-            <a:r>
-              <a:rPr lang="pl-PL" sz="900" dirty="0" smtClean="0">
-                <a:solidFill>
-                  <a:srgbClr val="008000"/>
-                </a:solidFill>
-                <a:highlight>
-                  <a:srgbClr val="FFFFFF"/>
-                </a:highlight>
-                <a:latin typeface="Consolas" panose="020B0609020204030204" pitchFamily="49" charset="0"/>
-              </a:rPr>
-              <a:t> </a:t>
-            </a:r>
-            <a:r>
-              <a:rPr lang="pl-PL" sz="900" dirty="0" smtClean="0">
-                <a:solidFill>
-                  <a:srgbClr val="808080"/>
-                </a:solidFill>
-                <a:highlight>
-                  <a:srgbClr val="FFFFFF"/>
-                </a:highlight>
-                <a:latin typeface="Consolas" panose="020B0609020204030204" pitchFamily="49" charset="0"/>
-              </a:rPr>
-              <a:t>&lt;/</a:t>
-            </a:r>
-            <a:r>
-              <a:rPr lang="pl-PL" sz="900" dirty="0" err="1" smtClean="0">
-                <a:solidFill>
-                  <a:srgbClr val="808080"/>
-                </a:solidFill>
-                <a:highlight>
-                  <a:srgbClr val="FFFFFF"/>
-                </a:highlight>
-                <a:latin typeface="Consolas" panose="020B0609020204030204" pitchFamily="49" charset="0"/>
-              </a:rPr>
-              <a:t>summary</a:t>
-            </a:r>
-            <a:r>
-              <a:rPr lang="pl-PL" sz="900" dirty="0" smtClean="0">
-                <a:solidFill>
-                  <a:srgbClr val="808080"/>
-                </a:solidFill>
-                <a:highlight>
-                  <a:srgbClr val="FFFFFF"/>
-                </a:highlight>
-                <a:latin typeface="Consolas" panose="020B0609020204030204" pitchFamily="49" charset="0"/>
-              </a:rPr>
-              <a:t>&gt;</a:t>
-            </a:r>
-            <a:br>
-              <a:rPr lang="pl-PL" sz="900" dirty="0" smtClean="0">
-                <a:solidFill>
-                  <a:srgbClr val="808080"/>
-                </a:solidFill>
-                <a:highlight>
-                  <a:srgbClr val="FFFFFF"/>
-                </a:highlight>
-                <a:latin typeface="Consolas" panose="020B0609020204030204" pitchFamily="49" charset="0"/>
-              </a:rPr>
-            </a:br>
-            <a:r>
-              <a:rPr lang="pl-PL" sz="900" dirty="0" smtClean="0">
-                <a:solidFill>
-                  <a:srgbClr val="000000"/>
-                </a:solidFill>
-                <a:highlight>
-                  <a:srgbClr val="FFFFFF"/>
-                </a:highlight>
-                <a:latin typeface="Consolas" panose="020B0609020204030204" pitchFamily="49" charset="0"/>
-              </a:rPr>
-              <a:t>       </a:t>
-            </a:r>
-            <a:r>
-              <a:rPr lang="pl-PL" sz="900" dirty="0" smtClean="0">
-                <a:solidFill>
-                  <a:srgbClr val="808080"/>
-                </a:solidFill>
-                <a:highlight>
-                  <a:srgbClr val="FFFFFF"/>
-                </a:highlight>
-                <a:latin typeface="Consolas" panose="020B0609020204030204" pitchFamily="49" charset="0"/>
-              </a:rPr>
-              <a:t>///</a:t>
-            </a:r>
-            <a:r>
-              <a:rPr lang="pl-PL" sz="900" dirty="0" smtClean="0">
-                <a:solidFill>
-                  <a:srgbClr val="008000"/>
-                </a:solidFill>
-                <a:highlight>
-                  <a:srgbClr val="FFFFFF"/>
-                </a:highlight>
-                <a:latin typeface="Consolas" panose="020B0609020204030204" pitchFamily="49" charset="0"/>
-              </a:rPr>
-              <a:t> </a:t>
-            </a:r>
-            <a:r>
-              <a:rPr lang="pl-PL" sz="900" dirty="0" smtClean="0">
-                <a:solidFill>
-                  <a:srgbClr val="808080"/>
-                </a:solidFill>
-                <a:highlight>
-                  <a:srgbClr val="FFFFFF"/>
-                </a:highlight>
-                <a:latin typeface="Consolas" panose="020B0609020204030204" pitchFamily="49" charset="0"/>
-              </a:rPr>
-              <a:t>&lt;</a:t>
-            </a:r>
-            <a:r>
-              <a:rPr lang="pl-PL" sz="900" dirty="0" err="1" smtClean="0">
-                <a:solidFill>
-                  <a:srgbClr val="808080"/>
-                </a:solidFill>
-                <a:highlight>
-                  <a:srgbClr val="FFFFFF"/>
-                </a:highlight>
-                <a:latin typeface="Consolas" panose="020B0609020204030204" pitchFamily="49" charset="0"/>
-              </a:rPr>
-              <a:t>returns</a:t>
-            </a:r>
-            <a:r>
-              <a:rPr lang="pl-PL" sz="900" dirty="0" smtClean="0">
-                <a:solidFill>
-                  <a:srgbClr val="808080"/>
-                </a:solidFill>
-                <a:highlight>
-                  <a:srgbClr val="FFFFFF"/>
-                </a:highlight>
-                <a:latin typeface="Consolas" panose="020B0609020204030204" pitchFamily="49" charset="0"/>
-              </a:rPr>
-              <a:t>&gt;</a:t>
-            </a:r>
-            <a:r>
-              <a:rPr lang="pl-PL" sz="900" dirty="0" smtClean="0">
-                <a:solidFill>
-                  <a:srgbClr val="008000"/>
-                </a:solidFill>
-                <a:highlight>
-                  <a:srgbClr val="FFFFFF"/>
-                </a:highlight>
-                <a:latin typeface="Consolas" panose="020B0609020204030204" pitchFamily="49" charset="0"/>
-              </a:rPr>
-              <a:t>Metoda zwraca instancje klasy Singleton</a:t>
-            </a:r>
-            <a:r>
-              <a:rPr lang="pl-PL" sz="900" dirty="0" smtClean="0">
-                <a:solidFill>
-                  <a:srgbClr val="808080"/>
-                </a:solidFill>
-                <a:highlight>
-                  <a:srgbClr val="FFFFFF"/>
-                </a:highlight>
-                <a:latin typeface="Consolas" panose="020B0609020204030204" pitchFamily="49" charset="0"/>
-              </a:rPr>
-              <a:t>&lt;/</a:t>
-            </a:r>
-            <a:r>
-              <a:rPr lang="pl-PL" sz="900" dirty="0" err="1" smtClean="0">
-                <a:solidFill>
-                  <a:srgbClr val="808080"/>
-                </a:solidFill>
-                <a:highlight>
-                  <a:srgbClr val="FFFFFF"/>
-                </a:highlight>
-                <a:latin typeface="Consolas" panose="020B0609020204030204" pitchFamily="49" charset="0"/>
-              </a:rPr>
-              <a:t>returns</a:t>
-            </a:r>
-            <a:r>
-              <a:rPr lang="pl-PL" sz="900" dirty="0" smtClean="0">
-                <a:solidFill>
-                  <a:srgbClr val="808080"/>
-                </a:solidFill>
-                <a:highlight>
-                  <a:srgbClr val="FFFFFF"/>
-                </a:highlight>
-                <a:latin typeface="Consolas" panose="020B0609020204030204" pitchFamily="49" charset="0"/>
-              </a:rPr>
-              <a:t>&gt;</a:t>
-            </a:r>
-            <a:br>
-              <a:rPr lang="pl-PL" sz="900" dirty="0" smtClean="0">
-                <a:solidFill>
-                  <a:srgbClr val="808080"/>
-                </a:solidFill>
-                <a:highlight>
-                  <a:srgbClr val="FFFFFF"/>
-                </a:highlight>
-                <a:latin typeface="Consolas" panose="020B0609020204030204" pitchFamily="49" charset="0"/>
-              </a:rPr>
-            </a:br>
-            <a:r>
-              <a:rPr lang="pl-PL" sz="900" dirty="0" smtClean="0">
-                <a:solidFill>
-                  <a:srgbClr val="000000"/>
-                </a:solidFill>
-                <a:highlight>
-                  <a:srgbClr val="FFFFFF"/>
-                </a:highlight>
-                <a:latin typeface="Consolas" panose="020B0609020204030204" pitchFamily="49" charset="0"/>
-              </a:rPr>
-              <a:t>        </a:t>
-            </a:r>
-            <a:r>
-              <a:rPr lang="pl-PL" sz="900" dirty="0" smtClean="0">
-                <a:solidFill>
-                  <a:srgbClr val="0000FF"/>
-                </a:solidFill>
-                <a:highlight>
-                  <a:srgbClr val="FFFFFF"/>
-                </a:highlight>
-                <a:latin typeface="Consolas" panose="020B0609020204030204" pitchFamily="49" charset="0"/>
-              </a:rPr>
-              <a:t>public</a:t>
-            </a:r>
-            <a:r>
-              <a:rPr lang="pl-PL" sz="900" dirty="0" smtClean="0">
-                <a:solidFill>
-                  <a:srgbClr val="000000"/>
-                </a:solidFill>
-                <a:highlight>
-                  <a:srgbClr val="FFFFFF"/>
-                </a:highlight>
-                <a:latin typeface="Consolas" panose="020B0609020204030204" pitchFamily="49" charset="0"/>
-              </a:rPr>
-              <a:t> </a:t>
-            </a:r>
-            <a:r>
-              <a:rPr lang="pl-PL" sz="900" dirty="0" err="1" smtClean="0">
-                <a:solidFill>
-                  <a:srgbClr val="0000FF"/>
-                </a:solidFill>
-                <a:highlight>
-                  <a:srgbClr val="FFFFFF"/>
-                </a:highlight>
-                <a:latin typeface="Consolas" panose="020B0609020204030204" pitchFamily="49" charset="0"/>
-              </a:rPr>
-              <a:t>static</a:t>
-            </a:r>
-            <a:r>
-              <a:rPr lang="pl-PL" sz="900" dirty="0" smtClean="0">
-                <a:solidFill>
-                  <a:srgbClr val="000000"/>
-                </a:solidFill>
-                <a:highlight>
-                  <a:srgbClr val="FFFFFF"/>
-                </a:highlight>
-                <a:latin typeface="Consolas" panose="020B0609020204030204" pitchFamily="49" charset="0"/>
-              </a:rPr>
-              <a:t> </a:t>
-            </a:r>
-            <a:r>
-              <a:rPr lang="pl-PL" sz="900" dirty="0" smtClean="0">
-                <a:solidFill>
-                  <a:srgbClr val="2B91AF"/>
-                </a:solidFill>
-                <a:highlight>
-                  <a:srgbClr val="FFFFFF"/>
-                </a:highlight>
-                <a:latin typeface="Consolas" panose="020B0609020204030204" pitchFamily="49" charset="0"/>
-              </a:rPr>
-              <a:t>Singleton</a:t>
-            </a:r>
-            <a:r>
-              <a:rPr lang="pl-PL" sz="900" dirty="0" smtClean="0">
-                <a:solidFill>
-                  <a:srgbClr val="000000"/>
-                </a:solidFill>
-                <a:highlight>
-                  <a:srgbClr val="FFFFFF"/>
-                </a:highlight>
-                <a:latin typeface="Consolas" panose="020B0609020204030204" pitchFamily="49" charset="0"/>
-              </a:rPr>
-              <a:t> </a:t>
-            </a:r>
-            <a:r>
-              <a:rPr lang="pl-PL" sz="900" dirty="0" err="1" smtClean="0">
-                <a:solidFill>
-                  <a:srgbClr val="000000"/>
-                </a:solidFill>
-                <a:highlight>
-                  <a:srgbClr val="FFFFFF"/>
-                </a:highlight>
-                <a:latin typeface="Consolas" panose="020B0609020204030204" pitchFamily="49" charset="0"/>
-              </a:rPr>
-              <a:t>getSingleton</a:t>
-            </a:r>
-            <a:r>
-              <a:rPr lang="pl-PL" sz="900" dirty="0" smtClean="0">
-                <a:solidFill>
-                  <a:srgbClr val="000000"/>
-                </a:solidFill>
-                <a:highlight>
-                  <a:srgbClr val="FFFFFF"/>
-                </a:highlight>
-                <a:latin typeface="Consolas" panose="020B0609020204030204" pitchFamily="49" charset="0"/>
-              </a:rPr>
-              <a:t>()</a:t>
-            </a:r>
-            <a:br>
-              <a:rPr lang="pl-PL" sz="900" dirty="0" smtClean="0">
-                <a:solidFill>
-                  <a:srgbClr val="000000"/>
-                </a:solidFill>
-                <a:highlight>
-                  <a:srgbClr val="FFFFFF"/>
-                </a:highlight>
-                <a:latin typeface="Consolas" panose="020B0609020204030204" pitchFamily="49" charset="0"/>
-              </a:rPr>
-            </a:br>
-            <a:r>
-              <a:rPr lang="pl-PL" sz="900" dirty="0" smtClean="0">
-                <a:solidFill>
-                  <a:srgbClr val="000000"/>
-                </a:solidFill>
-                <a:highlight>
-                  <a:srgbClr val="FFFFFF"/>
-                </a:highlight>
-                <a:latin typeface="Consolas" panose="020B0609020204030204" pitchFamily="49" charset="0"/>
-              </a:rPr>
-              <a:t>        {</a:t>
-            </a:r>
-            <a:br>
-              <a:rPr lang="pl-PL" sz="900" dirty="0" smtClean="0">
-                <a:solidFill>
-                  <a:srgbClr val="000000"/>
-                </a:solidFill>
-                <a:highlight>
-                  <a:srgbClr val="FFFFFF"/>
-                </a:highlight>
-                <a:latin typeface="Consolas" panose="020B0609020204030204" pitchFamily="49" charset="0"/>
-              </a:rPr>
-            </a:br>
-            <a:r>
-              <a:rPr lang="pl-PL" sz="900" dirty="0" smtClean="0">
-                <a:solidFill>
-                  <a:srgbClr val="000000"/>
-                </a:solidFill>
-                <a:highlight>
-                  <a:srgbClr val="FFFFFF"/>
-                </a:highlight>
-                <a:latin typeface="Consolas" panose="020B0609020204030204" pitchFamily="49" charset="0"/>
-              </a:rPr>
-              <a:t>		</a:t>
-            </a:r>
-            <a:r>
-              <a:rPr lang="pl-PL" sz="900" dirty="0">
-                <a:solidFill>
-                  <a:srgbClr val="808080"/>
-                </a:solidFill>
-                <a:highlight>
-                  <a:srgbClr val="FFFFFF"/>
-                </a:highlight>
-                <a:latin typeface="Consolas" panose="020B0609020204030204" pitchFamily="49" charset="0"/>
-              </a:rPr>
-              <a:t>///</a:t>
-            </a:r>
-            <a:r>
-              <a:rPr lang="pl-PL" sz="900" dirty="0">
-                <a:solidFill>
-                  <a:srgbClr val="008000"/>
-                </a:solidFill>
-                <a:highlight>
-                  <a:srgbClr val="FFFFFF"/>
-                </a:highlight>
-                <a:latin typeface="Consolas" panose="020B0609020204030204" pitchFamily="49" charset="0"/>
-              </a:rPr>
-              <a:t>lock jest stworzony po to aby aplikacja działająca na wielu wątkach nie porobiła nas podczas sprawdzania czy </a:t>
-            </a:r>
-            <a:r>
-              <a:rPr lang="pl-PL" sz="900" dirty="0" smtClean="0">
-                <a:solidFill>
-                  <a:srgbClr val="008000"/>
-                </a:solidFill>
-                <a:highlight>
-                  <a:srgbClr val="FFFFFF"/>
-                </a:highlight>
-                <a:latin typeface="Consolas" panose="020B0609020204030204" pitchFamily="49" charset="0"/>
-              </a:rPr>
-              <a:t>			   instancja istnieje</a:t>
-            </a:r>
-            <a:r>
-              <a:rPr lang="pl-PL" sz="900" dirty="0" smtClean="0">
-                <a:solidFill>
-                  <a:srgbClr val="000000"/>
-                </a:solidFill>
-                <a:highlight>
-                  <a:srgbClr val="FFFFFF"/>
-                </a:highlight>
-                <a:latin typeface="Consolas" panose="020B0609020204030204" pitchFamily="49" charset="0"/>
-              </a:rPr>
-              <a:t/>
-            </a:r>
-            <a:br>
-              <a:rPr lang="pl-PL" sz="900" dirty="0" smtClean="0">
-                <a:solidFill>
-                  <a:srgbClr val="000000"/>
-                </a:solidFill>
-                <a:highlight>
-                  <a:srgbClr val="FFFFFF"/>
-                </a:highlight>
-                <a:latin typeface="Consolas" panose="020B0609020204030204" pitchFamily="49" charset="0"/>
-              </a:rPr>
-            </a:br>
-            <a:r>
-              <a:rPr lang="pl-PL" sz="900" dirty="0" smtClean="0">
-                <a:solidFill>
-                  <a:srgbClr val="000000"/>
-                </a:solidFill>
-                <a:highlight>
-                  <a:srgbClr val="FFFFFF"/>
-                </a:highlight>
-                <a:latin typeface="Consolas" panose="020B0609020204030204" pitchFamily="49" charset="0"/>
-              </a:rPr>
-              <a:t>		</a:t>
-            </a:r>
-            <a:r>
-              <a:rPr lang="pl-PL" sz="900" dirty="0" smtClean="0">
-                <a:solidFill>
-                  <a:srgbClr val="0000FF"/>
-                </a:solidFill>
-                <a:highlight>
-                  <a:srgbClr val="FFFFFF"/>
-                </a:highlight>
-                <a:latin typeface="Consolas" panose="020B0609020204030204" pitchFamily="49" charset="0"/>
-              </a:rPr>
-              <a:t>lock</a:t>
-            </a:r>
-            <a:r>
-              <a:rPr lang="pl-PL" sz="900" dirty="0" smtClean="0">
-                <a:solidFill>
-                  <a:srgbClr val="000000"/>
-                </a:solidFill>
-                <a:highlight>
-                  <a:srgbClr val="FFFFFF"/>
-                </a:highlight>
-                <a:latin typeface="Consolas" panose="020B0609020204030204" pitchFamily="49" charset="0"/>
-              </a:rPr>
-              <a:t> </a:t>
-            </a:r>
-            <a:r>
-              <a:rPr lang="pl-PL" sz="900" dirty="0">
-                <a:solidFill>
-                  <a:srgbClr val="000000"/>
-                </a:solidFill>
-                <a:highlight>
-                  <a:srgbClr val="FFFFFF"/>
-                </a:highlight>
-                <a:latin typeface="Consolas" panose="020B0609020204030204" pitchFamily="49" charset="0"/>
-              </a:rPr>
-              <a:t>(</a:t>
-            </a:r>
-            <a:r>
-              <a:rPr lang="pl-PL" sz="900" dirty="0" err="1">
-                <a:solidFill>
-                  <a:srgbClr val="000000"/>
-                </a:solidFill>
-                <a:highlight>
-                  <a:srgbClr val="FFFFFF"/>
-                </a:highlight>
-                <a:latin typeface="Consolas" panose="020B0609020204030204" pitchFamily="49" charset="0"/>
-              </a:rPr>
-              <a:t>syncLock</a:t>
-            </a:r>
-            <a:r>
-              <a:rPr lang="pl-PL" sz="900" dirty="0" smtClean="0">
-                <a:solidFill>
-                  <a:srgbClr val="000000"/>
-                </a:solidFill>
-                <a:highlight>
-                  <a:srgbClr val="FFFFFF"/>
-                </a:highlight>
-                <a:latin typeface="Consolas" panose="020B0609020204030204" pitchFamily="49" charset="0"/>
-              </a:rPr>
-              <a:t>)</a:t>
-            </a:r>
-            <a:br>
-              <a:rPr lang="pl-PL" sz="900" dirty="0" smtClean="0">
-                <a:solidFill>
-                  <a:srgbClr val="000000"/>
-                </a:solidFill>
-                <a:highlight>
-                  <a:srgbClr val="FFFFFF"/>
-                </a:highlight>
-                <a:latin typeface="Consolas" panose="020B0609020204030204" pitchFamily="49" charset="0"/>
-              </a:rPr>
-            </a:br>
-            <a:r>
-              <a:rPr lang="pl-PL" sz="900" dirty="0" smtClean="0">
-                <a:solidFill>
-                  <a:srgbClr val="000000"/>
-                </a:solidFill>
-                <a:highlight>
-                  <a:srgbClr val="FFFFFF"/>
-                </a:highlight>
-                <a:latin typeface="Consolas" panose="020B0609020204030204" pitchFamily="49" charset="0"/>
-              </a:rPr>
-              <a:t>		{</a:t>
-            </a:r>
-            <a:br>
-              <a:rPr lang="pl-PL" sz="900" dirty="0" smtClean="0">
-                <a:solidFill>
-                  <a:srgbClr val="000000"/>
-                </a:solidFill>
-                <a:highlight>
-                  <a:srgbClr val="FFFFFF"/>
-                </a:highlight>
-                <a:latin typeface="Consolas" panose="020B0609020204030204" pitchFamily="49" charset="0"/>
-              </a:rPr>
-            </a:br>
-            <a:r>
-              <a:rPr lang="pl-PL" sz="900" dirty="0" smtClean="0">
-                <a:solidFill>
-                  <a:srgbClr val="000000"/>
-                </a:solidFill>
-                <a:highlight>
-                  <a:srgbClr val="FFFFFF"/>
-                </a:highlight>
-                <a:latin typeface="Consolas" panose="020B0609020204030204" pitchFamily="49" charset="0"/>
-              </a:rPr>
-              <a:t>                </a:t>
-            </a:r>
-            <a:r>
-              <a:rPr lang="pl-PL" sz="900" dirty="0">
-                <a:solidFill>
-                  <a:srgbClr val="008000"/>
-                </a:solidFill>
-                <a:highlight>
-                  <a:srgbClr val="FFFFFF"/>
-                </a:highlight>
-                <a:latin typeface="Consolas" panose="020B0609020204030204" pitchFamily="49" charset="0"/>
-              </a:rPr>
-              <a:t>//jeżeli </a:t>
-            </a:r>
-            <a:r>
-              <a:rPr lang="pl-PL" sz="900" dirty="0" err="1">
-                <a:solidFill>
-                  <a:srgbClr val="008000"/>
-                </a:solidFill>
-                <a:highlight>
-                  <a:srgbClr val="FFFFFF"/>
-                </a:highlight>
-                <a:latin typeface="Consolas" panose="020B0609020204030204" pitchFamily="49" charset="0"/>
-              </a:rPr>
-              <a:t>instance</a:t>
-            </a:r>
-            <a:r>
-              <a:rPr lang="pl-PL" sz="900" dirty="0">
-                <a:solidFill>
-                  <a:srgbClr val="008000"/>
-                </a:solidFill>
-                <a:highlight>
-                  <a:srgbClr val="FFFFFF"/>
-                </a:highlight>
-                <a:latin typeface="Consolas" panose="020B0609020204030204" pitchFamily="49" charset="0"/>
-              </a:rPr>
-              <a:t> == </a:t>
-            </a:r>
-            <a:r>
-              <a:rPr lang="pl-PL" sz="900" dirty="0" err="1">
-                <a:solidFill>
-                  <a:srgbClr val="008000"/>
-                </a:solidFill>
-                <a:highlight>
-                  <a:srgbClr val="FFFFFF"/>
-                </a:highlight>
-                <a:latin typeface="Consolas" panose="020B0609020204030204" pitchFamily="49" charset="0"/>
-              </a:rPr>
-              <a:t>null</a:t>
-            </a:r>
-            <a:r>
-              <a:rPr lang="pl-PL" sz="900" dirty="0">
-                <a:solidFill>
-                  <a:srgbClr val="008000"/>
-                </a:solidFill>
-                <a:highlight>
-                  <a:srgbClr val="FFFFFF"/>
-                </a:highlight>
-                <a:latin typeface="Consolas" panose="020B0609020204030204" pitchFamily="49" charset="0"/>
-              </a:rPr>
-              <a:t> to tworzymy nowy obiekt inaczej </a:t>
-            </a:r>
-            <a:r>
-              <a:rPr lang="pl-PL" sz="900" dirty="0" err="1">
-                <a:solidFill>
-                  <a:srgbClr val="008000"/>
-                </a:solidFill>
-                <a:highlight>
-                  <a:srgbClr val="FFFFFF"/>
-                </a:highlight>
-                <a:latin typeface="Consolas" panose="020B0609020204030204" pitchFamily="49" charset="0"/>
-              </a:rPr>
-              <a:t>zwtacamy</a:t>
-            </a:r>
-            <a:r>
-              <a:rPr lang="pl-PL" sz="900" dirty="0">
-                <a:solidFill>
-                  <a:srgbClr val="008000"/>
-                </a:solidFill>
-                <a:highlight>
-                  <a:srgbClr val="FFFFFF"/>
-                </a:highlight>
-                <a:latin typeface="Consolas" panose="020B0609020204030204" pitchFamily="49" charset="0"/>
-              </a:rPr>
-              <a:t> </a:t>
-            </a:r>
-            <a:r>
-              <a:rPr lang="pl-PL" sz="900" dirty="0" err="1" smtClean="0">
-                <a:solidFill>
-                  <a:srgbClr val="008000"/>
-                </a:solidFill>
-                <a:highlight>
-                  <a:srgbClr val="FFFFFF"/>
-                </a:highlight>
-                <a:latin typeface="Consolas" panose="020B0609020204030204" pitchFamily="49" charset="0"/>
-              </a:rPr>
-              <a:t>instance</a:t>
-            </a:r>
-            <a:r>
-              <a:rPr lang="pl-PL" sz="900" dirty="0" smtClean="0">
-                <a:solidFill>
-                  <a:srgbClr val="008000"/>
-                </a:solidFill>
-                <a:highlight>
-                  <a:srgbClr val="FFFFFF"/>
-                </a:highlight>
-                <a:latin typeface="Consolas" panose="020B0609020204030204" pitchFamily="49" charset="0"/>
-              </a:rPr>
-              <a:t/>
-            </a:r>
-            <a:br>
-              <a:rPr lang="pl-PL" sz="900" dirty="0" smtClean="0">
-                <a:solidFill>
-                  <a:srgbClr val="008000"/>
-                </a:solidFill>
-                <a:highlight>
-                  <a:srgbClr val="FFFFFF"/>
-                </a:highlight>
-                <a:latin typeface="Consolas" panose="020B0609020204030204" pitchFamily="49" charset="0"/>
-              </a:rPr>
-            </a:br>
-            <a:r>
-              <a:rPr lang="pl-PL" sz="900" dirty="0" smtClean="0">
-                <a:solidFill>
-                  <a:srgbClr val="000000"/>
-                </a:solidFill>
-                <a:highlight>
-                  <a:srgbClr val="FFFFFF"/>
-                </a:highlight>
-                <a:latin typeface="Consolas" panose="020B0609020204030204" pitchFamily="49" charset="0"/>
-              </a:rPr>
-              <a:t>                </a:t>
-            </a:r>
-            <a:r>
-              <a:rPr lang="pl-PL" sz="900" dirty="0" err="1">
-                <a:solidFill>
-                  <a:srgbClr val="0000FF"/>
-                </a:solidFill>
-                <a:highlight>
-                  <a:srgbClr val="FFFFFF"/>
-                </a:highlight>
-                <a:latin typeface="Consolas" panose="020B0609020204030204" pitchFamily="49" charset="0"/>
-              </a:rPr>
-              <a:t>if</a:t>
-            </a:r>
-            <a:r>
-              <a:rPr lang="pl-PL" sz="900" dirty="0">
-                <a:solidFill>
-                  <a:srgbClr val="000000"/>
-                </a:solidFill>
-                <a:highlight>
-                  <a:srgbClr val="FFFFFF"/>
-                </a:highlight>
-                <a:latin typeface="Consolas" panose="020B0609020204030204" pitchFamily="49" charset="0"/>
-              </a:rPr>
-              <a:t> (</a:t>
-            </a:r>
-            <a:r>
-              <a:rPr lang="pl-PL" sz="900" dirty="0" err="1">
-                <a:solidFill>
-                  <a:srgbClr val="000000"/>
-                </a:solidFill>
-                <a:highlight>
-                  <a:srgbClr val="FFFFFF"/>
-                </a:highlight>
-                <a:latin typeface="Consolas" panose="020B0609020204030204" pitchFamily="49" charset="0"/>
-              </a:rPr>
-              <a:t>instance</a:t>
-            </a:r>
-            <a:r>
-              <a:rPr lang="pl-PL" sz="900" dirty="0">
-                <a:solidFill>
-                  <a:srgbClr val="000000"/>
-                </a:solidFill>
-                <a:highlight>
-                  <a:srgbClr val="FFFFFF"/>
-                </a:highlight>
-                <a:latin typeface="Consolas" panose="020B0609020204030204" pitchFamily="49" charset="0"/>
-              </a:rPr>
-              <a:t> == </a:t>
-            </a:r>
-            <a:r>
-              <a:rPr lang="pl-PL" sz="900" dirty="0" err="1">
-                <a:solidFill>
-                  <a:srgbClr val="0000FF"/>
-                </a:solidFill>
-                <a:highlight>
-                  <a:srgbClr val="FFFFFF"/>
-                </a:highlight>
-                <a:latin typeface="Consolas" panose="020B0609020204030204" pitchFamily="49" charset="0"/>
-              </a:rPr>
-              <a:t>null</a:t>
-            </a:r>
-            <a:r>
-              <a:rPr lang="pl-PL" sz="900" dirty="0" smtClean="0">
-                <a:solidFill>
-                  <a:srgbClr val="000000"/>
-                </a:solidFill>
-                <a:highlight>
-                  <a:srgbClr val="FFFFFF"/>
-                </a:highlight>
-                <a:latin typeface="Consolas" panose="020B0609020204030204" pitchFamily="49" charset="0"/>
-              </a:rPr>
-              <a:t>)</a:t>
-            </a:r>
-            <a:br>
-              <a:rPr lang="pl-PL" sz="900" dirty="0" smtClean="0">
-                <a:solidFill>
-                  <a:srgbClr val="000000"/>
-                </a:solidFill>
-                <a:highlight>
-                  <a:srgbClr val="FFFFFF"/>
-                </a:highlight>
-                <a:latin typeface="Consolas" panose="020B0609020204030204" pitchFamily="49" charset="0"/>
-              </a:rPr>
-            </a:br>
-            <a:r>
-              <a:rPr lang="pl-PL" sz="900" dirty="0" smtClean="0">
-                <a:solidFill>
-                  <a:srgbClr val="000000"/>
-                </a:solidFill>
-                <a:highlight>
-                  <a:srgbClr val="FFFFFF"/>
-                </a:highlight>
-                <a:latin typeface="Consolas" panose="020B0609020204030204" pitchFamily="49" charset="0"/>
-              </a:rPr>
-              <a:t>                    </a:t>
-            </a:r>
-            <a:r>
-              <a:rPr lang="pl-PL" sz="900" dirty="0" err="1">
-                <a:solidFill>
-                  <a:srgbClr val="000000"/>
-                </a:solidFill>
-                <a:highlight>
-                  <a:srgbClr val="FFFFFF"/>
-                </a:highlight>
-                <a:latin typeface="Consolas" panose="020B0609020204030204" pitchFamily="49" charset="0"/>
-              </a:rPr>
-              <a:t>instance</a:t>
-            </a:r>
-            <a:r>
-              <a:rPr lang="pl-PL" sz="900" dirty="0">
-                <a:solidFill>
-                  <a:srgbClr val="000000"/>
-                </a:solidFill>
-                <a:highlight>
-                  <a:srgbClr val="FFFFFF"/>
-                </a:highlight>
-                <a:latin typeface="Consolas" panose="020B0609020204030204" pitchFamily="49" charset="0"/>
-              </a:rPr>
-              <a:t> = </a:t>
-            </a:r>
-            <a:r>
-              <a:rPr lang="pl-PL" sz="900" dirty="0" err="1">
-                <a:solidFill>
-                  <a:srgbClr val="0000FF"/>
-                </a:solidFill>
-                <a:highlight>
-                  <a:srgbClr val="FFFFFF"/>
-                </a:highlight>
-                <a:latin typeface="Consolas" panose="020B0609020204030204" pitchFamily="49" charset="0"/>
-              </a:rPr>
-              <a:t>new</a:t>
-            </a:r>
-            <a:r>
-              <a:rPr lang="pl-PL" sz="900" dirty="0">
-                <a:solidFill>
-                  <a:srgbClr val="000000"/>
-                </a:solidFill>
-                <a:highlight>
-                  <a:srgbClr val="FFFFFF"/>
-                </a:highlight>
-                <a:latin typeface="Consolas" panose="020B0609020204030204" pitchFamily="49" charset="0"/>
-              </a:rPr>
-              <a:t> </a:t>
-            </a:r>
-            <a:r>
-              <a:rPr lang="pl-PL" sz="900" dirty="0">
-                <a:solidFill>
-                  <a:srgbClr val="2B91AF"/>
-                </a:solidFill>
-                <a:highlight>
-                  <a:srgbClr val="FFFFFF"/>
-                </a:highlight>
-                <a:latin typeface="Consolas" panose="020B0609020204030204" pitchFamily="49" charset="0"/>
-              </a:rPr>
-              <a:t>Singleton</a:t>
-            </a:r>
-            <a:r>
-              <a:rPr lang="pl-PL" sz="900" dirty="0" smtClean="0">
-                <a:solidFill>
-                  <a:srgbClr val="000000"/>
-                </a:solidFill>
-                <a:highlight>
-                  <a:srgbClr val="FFFFFF"/>
-                </a:highlight>
-                <a:latin typeface="Consolas" panose="020B0609020204030204" pitchFamily="49" charset="0"/>
-              </a:rPr>
-              <a:t>();</a:t>
-            </a:r>
-            <a:br>
-              <a:rPr lang="pl-PL" sz="900" dirty="0" smtClean="0">
-                <a:solidFill>
-                  <a:srgbClr val="000000"/>
-                </a:solidFill>
-                <a:highlight>
-                  <a:srgbClr val="FFFFFF"/>
-                </a:highlight>
-                <a:latin typeface="Consolas" panose="020B0609020204030204" pitchFamily="49" charset="0"/>
-              </a:rPr>
-            </a:br>
-            <a:r>
-              <a:rPr lang="pl-PL" sz="900" dirty="0" smtClean="0">
-                <a:solidFill>
-                  <a:srgbClr val="000000"/>
-                </a:solidFill>
-                <a:highlight>
-                  <a:srgbClr val="FFFFFF"/>
-                </a:highlight>
-                <a:latin typeface="Consolas" panose="020B0609020204030204" pitchFamily="49" charset="0"/>
-              </a:rPr>
-              <a:t>                </a:t>
-            </a:r>
-            <a:r>
-              <a:rPr lang="pl-PL" sz="900" dirty="0">
-                <a:solidFill>
-                  <a:srgbClr val="0000FF"/>
-                </a:solidFill>
-                <a:highlight>
-                  <a:srgbClr val="FFFFFF"/>
-                </a:highlight>
-                <a:latin typeface="Consolas" panose="020B0609020204030204" pitchFamily="49" charset="0"/>
-              </a:rPr>
-              <a:t>return</a:t>
-            </a:r>
-            <a:r>
-              <a:rPr lang="pl-PL" sz="900" dirty="0">
-                <a:solidFill>
-                  <a:srgbClr val="000000"/>
-                </a:solidFill>
-                <a:highlight>
-                  <a:srgbClr val="FFFFFF"/>
-                </a:highlight>
-                <a:latin typeface="Consolas" panose="020B0609020204030204" pitchFamily="49" charset="0"/>
-              </a:rPr>
-              <a:t> </a:t>
-            </a:r>
-            <a:r>
-              <a:rPr lang="pl-PL" sz="900" dirty="0" err="1">
-                <a:solidFill>
-                  <a:srgbClr val="000000"/>
-                </a:solidFill>
-                <a:highlight>
-                  <a:srgbClr val="FFFFFF"/>
-                </a:highlight>
-                <a:latin typeface="Consolas" panose="020B0609020204030204" pitchFamily="49" charset="0"/>
-              </a:rPr>
-              <a:t>instance</a:t>
-            </a:r>
-            <a:r>
-              <a:rPr lang="pl-PL" sz="900" dirty="0" smtClean="0">
-                <a:solidFill>
-                  <a:srgbClr val="000000"/>
-                </a:solidFill>
-                <a:highlight>
-                  <a:srgbClr val="FFFFFF"/>
-                </a:highlight>
-                <a:latin typeface="Consolas" panose="020B0609020204030204" pitchFamily="49" charset="0"/>
-              </a:rPr>
-              <a:t>;</a:t>
-            </a:r>
-            <a:br>
-              <a:rPr lang="pl-PL" sz="900" dirty="0" smtClean="0">
-                <a:solidFill>
-                  <a:srgbClr val="000000"/>
-                </a:solidFill>
-                <a:highlight>
-                  <a:srgbClr val="FFFFFF"/>
-                </a:highlight>
-                <a:latin typeface="Consolas" panose="020B0609020204030204" pitchFamily="49" charset="0"/>
-              </a:rPr>
-            </a:br>
-            <a:r>
-              <a:rPr lang="pl-PL" sz="900" dirty="0" smtClean="0">
-                <a:solidFill>
-                  <a:srgbClr val="000000"/>
-                </a:solidFill>
-                <a:highlight>
-                  <a:srgbClr val="FFFFFF"/>
-                </a:highlight>
-                <a:latin typeface="Consolas" panose="020B0609020204030204" pitchFamily="49" charset="0"/>
-              </a:rPr>
-              <a:t>            </a:t>
-            </a:r>
-            <a:r>
-              <a:rPr lang="pl-PL" sz="900" dirty="0">
-                <a:solidFill>
-                  <a:srgbClr val="000000"/>
-                </a:solidFill>
-                <a:highlight>
-                  <a:srgbClr val="FFFFFF"/>
-                </a:highlight>
-                <a:latin typeface="Consolas" panose="020B0609020204030204" pitchFamily="49" charset="0"/>
-              </a:rPr>
-              <a:t>}</a:t>
-            </a:r>
-            <a:r>
-              <a:rPr lang="pl-PL" sz="900" dirty="0" smtClean="0">
-                <a:solidFill>
-                  <a:srgbClr val="000000"/>
-                </a:solidFill>
-                <a:highlight>
-                  <a:srgbClr val="FFFFFF"/>
-                </a:highlight>
-                <a:latin typeface="Consolas" panose="020B0609020204030204" pitchFamily="49" charset="0"/>
-              </a:rPr>
-              <a:t/>
-            </a:r>
-            <a:br>
-              <a:rPr lang="pl-PL" sz="900" dirty="0" smtClean="0">
-                <a:solidFill>
-                  <a:srgbClr val="000000"/>
-                </a:solidFill>
-                <a:highlight>
-                  <a:srgbClr val="FFFFFF"/>
-                </a:highlight>
-                <a:latin typeface="Consolas" panose="020B0609020204030204" pitchFamily="49" charset="0"/>
-              </a:rPr>
-            </a:br>
-            <a:r>
-              <a:rPr lang="pl-PL" sz="900" dirty="0" smtClean="0">
-                <a:solidFill>
-                  <a:srgbClr val="000000"/>
-                </a:solidFill>
-                <a:highlight>
-                  <a:srgbClr val="FFFFFF"/>
-                </a:highlight>
-                <a:latin typeface="Consolas" panose="020B0609020204030204" pitchFamily="49" charset="0"/>
-              </a:rPr>
-              <a:t>        }</a:t>
-            </a:r>
-            <a:endParaRPr lang="pl-PL" sz="900" dirty="0"/>
           </a:p>
         </p:txBody>
       </p:sp>
     </p:spTree>
     <p:extLst>
       <p:ext uri="{BB962C8B-B14F-4D97-AF65-F5344CB8AC3E}">
-        <p14:creationId xmlns:p14="http://schemas.microsoft.com/office/powerpoint/2010/main" val="253596830"/>
+        <p14:creationId xmlns:p14="http://schemas.microsoft.com/office/powerpoint/2010/main" val="651830987"/>
       </p:ext>
     </p:extLst>
   </p:cSld>
@@ -9315,31 +7475,32 @@
           <a:p>
             <a:r>
               <a:rPr lang="pl-PL" dirty="0"/>
-              <a:t>Wzorce projektowe #</a:t>
+              <a:t>Wzorce projektowe #01 </a:t>
             </a:r>
             <a:r>
               <a:rPr lang="pl-PL" dirty="0" smtClean="0"/>
-              <a:t>02 </a:t>
+              <a:t>– </a:t>
+            </a:r>
+            <a:r>
+              <a:rPr lang="pl-PL" dirty="0" smtClean="0"/>
+              <a:t>Singleton i </a:t>
+            </a:r>
+            <a:r>
+              <a:rPr lang="pl-PL" dirty="0" err="1"/>
+              <a:t>Monostate</a:t>
             </a:r>
             <a:r>
               <a:rPr lang="pl-PL" dirty="0"/>
-              <a:t>– </a:t>
-            </a:r>
-            <a:r>
-              <a:rPr lang="pl-PL" dirty="0" err="1" smtClean="0"/>
-              <a:t>Fluent</a:t>
+              <a:t> </a:t>
             </a:r>
             <a:r>
               <a:rPr lang="pl-PL" dirty="0" smtClean="0"/>
-              <a:t> </a:t>
-            </a:r>
-            <a:r>
-              <a:rPr lang="pl-PL" dirty="0"/>
-              <a:t>Builder</a:t>
-            </a:r>
-            <a:br>
-              <a:rPr lang="pl-PL" dirty="0"/>
-            </a:br>
+              <a:t>(</a:t>
+            </a:r>
+            <a:r>
+              <a:rPr lang="pl-PL" dirty="0" smtClean="0"/>
+              <a:t>przykład)</a:t>
+            </a:r>
             <a:endParaRPr lang="pl-PL" dirty="0"/>
           </a:p>
         </p:txBody>
@@ -9354,60 +7515,73 @@
             <p:ph idx="1"/>
           </p:nvPr>
         </p:nvSpPr>
-        <p:spPr/>
-        <p:txBody>
-          <a:bodyPr/>
+        <p:spPr>
+          <a:xfrm>
+            <a:off x="677334" y="2160589"/>
+            <a:ext cx="8596668" cy="4604005"/>
+          </a:xfrm>
+        </p:spPr>
+        <p:txBody>
+          <a:bodyPr>
+            <a:normAutofit/>
+          </a:bodyPr>
           <a:lstStyle/>
           <a:p>
             <a:pPr marL="0" indent="0">
               <a:buNone/>
             </a:pPr>
             <a:r>
-              <a:rPr lang="pl-PL" dirty="0" smtClean="0"/>
-              <a:t>Wzorzec </a:t>
-            </a:r>
-            <a:r>
-              <a:rPr lang="pl-PL" dirty="0" err="1" smtClean="0"/>
-              <a:t>Fluent</a:t>
-            </a:r>
-            <a:r>
-              <a:rPr lang="pl-PL" dirty="0" smtClean="0"/>
-              <a:t> Builder służy do zarządzania kodem, aby wyglądał on ładniej i był czytelniejszy. Wyobraźmy sobie klasę z 15 parametrami opcjonalnymi. Aby ustawić dowolne parametry takiej klasy musimy utworzyć osobne </a:t>
-            </a:r>
-            <a:r>
-              <a:rPr lang="pl-PL" dirty="0" err="1" smtClean="0"/>
-              <a:t>konstruktory</a:t>
-            </a:r>
-            <a:r>
-              <a:rPr lang="pl-PL" dirty="0" smtClean="0"/>
-              <a:t> dla wszystkich parametrów (wraz z wieloma ich odmianami). </a:t>
-            </a:r>
-          </a:p>
-          <a:p>
-            <a:pPr marL="0" indent="0">
-              <a:buNone/>
-            </a:pPr>
-            <a:r>
-              <a:rPr lang="pl-PL" dirty="0" smtClean="0"/>
-              <a:t>Możemy w takiej sytuacji utworzyć metody ustawiające te parametry. Ale staje się to z oczywistych względów nieczytelne. Następują ciągłe odwołania do tego samego obiektu.</a:t>
-            </a:r>
-          </a:p>
-          <a:p>
-            <a:pPr marL="0" indent="0">
-              <a:buNone/>
-            </a:pPr>
-            <a:r>
-              <a:rPr lang="pl-PL" dirty="0" smtClean="0"/>
-              <a:t>Builder rozwiązuje ten problem przez co kod staje się trochę ładniejszy i czytelniejszy.</a:t>
-            </a:r>
-            <a:endParaRPr lang="pl-PL" dirty="0"/>
+              <a:rPr lang="pl-PL" smtClean="0">
+                <a:solidFill>
+                  <a:prstClr val="black">
+                    <a:lumMod val="75000"/>
+                    <a:lumOff val="25000"/>
+                  </a:prstClr>
+                </a:solidFill>
+              </a:rPr>
+              <a:t>Przykład </a:t>
+            </a:r>
+            <a:r>
+              <a:rPr lang="pl-PL" dirty="0" smtClean="0">
+                <a:solidFill>
+                  <a:prstClr val="black">
+                    <a:lumMod val="75000"/>
+                    <a:lumOff val="25000"/>
+                  </a:prstClr>
+                </a:solidFill>
+              </a:rPr>
+              <a:t>(singleton i </a:t>
+            </a:r>
+            <a:r>
+              <a:rPr lang="pl-PL" dirty="0" err="1" smtClean="0">
+                <a:solidFill>
+                  <a:prstClr val="black">
+                    <a:lumMod val="75000"/>
+                    <a:lumOff val="25000"/>
+                  </a:prstClr>
+                </a:solidFill>
+              </a:rPr>
+              <a:t>monostate</a:t>
+            </a:r>
+            <a:r>
+              <a:rPr lang="pl-PL" dirty="0" smtClean="0">
+                <a:solidFill>
+                  <a:prstClr val="black">
+                    <a:lumMod val="75000"/>
+                    <a:lumOff val="25000"/>
+                  </a:prstClr>
+                </a:solidFill>
+              </a:rPr>
+              <a:t>)</a:t>
+            </a:r>
+            <a:endParaRPr lang="pl-PL" sz="900" dirty="0"/>
           </a:p>
         </p:txBody>
       </p:sp>
     </p:spTree>
     <p:extLst>
       <p:ext uri="{BB962C8B-B14F-4D97-AF65-F5344CB8AC3E}">
-        <p14:creationId xmlns:p14="http://schemas.microsoft.com/office/powerpoint/2010/main" val="2673803625"/>
+        <p14:creationId xmlns:p14="http://schemas.microsoft.com/office/powerpoint/2010/main" val="253596830"/>
       </p:ext>
     </p:extLst>
   </p:cSld>
@@ -9462,12 +7636,8 @@
               <a:t>– </a:t>
             </a:r>
             <a:r>
-              <a:rPr lang="pl-PL" dirty="0" err="1"/>
+              <a:rPr lang="pl-PL" dirty="0" err="1" smtClean="0"/>
               <a:t>Fluent</a:t>
-            </a:r>
-            <a:r>
-              <a:rPr lang="pl-PL" dirty="0"/>
-              <a:t> Builder</a:t>
             </a:r>
             <a:r>
               <a:rPr lang="pl-PL" dirty="0" smtClean="0"/>
@@ -9475,8 +7645,12 @@
             </a:r>
             <a:r>
               <a:rPr lang="pl-PL" dirty="0"/>
-              <a:t>(przykład)</a:t>
-            </a:r>
+              <a:t>Builder</a:t>
+            </a:r>
+            <a:br>
+              <a:rPr lang="pl-PL" dirty="0"/>
+            </a:br>
+            <a:endParaRPr lang="pl-PL" dirty="0"/>
           </a:p>
         </p:txBody>
       </p:sp>
@@ -9500,27 +7674,41 @@
             </a:pPr>
             <a:r>
               <a:rPr lang="pl-PL" dirty="0" smtClean="0"/>
-              <a:t>Przykład (</a:t>
-            </a:r>
-            <a:r>
-              <a:rPr lang="pl-PL" dirty="0" err="1"/>
+              <a:t>Wzorzec </a:t>
+            </a:r>
+            <a:r>
+              <a:rPr lang="pl-PL" dirty="0" err="1" smtClean="0"/>
               <a:t>Fluent</a:t>
             </a:r>
             <a:r>
-              <a:rPr lang="pl-PL" dirty="0"/>
-              <a:t> </a:t>
-            </a:r>
-            <a:r>
               <a:rPr lang="pl-PL" dirty="0" smtClean="0"/>
-              <a:t>Builder, wykorzystanie </a:t>
-            </a:r>
-            <a:r>
-              <a:rPr lang="pl-PL" dirty="0" err="1"/>
-              <a:t>Fluency</a:t>
+              <a:t> Builder służy do zarządzania kodem, aby wyglądał on ładniej i był czytelniejszy. Wyobraźmy sobie klasę z 15 parametrami opcjonalnymi. Aby ustawić dowolne parametry takiej klasy musimy utworzyć osobne </a:t>
+            </a:r>
+            <a:r>
+              <a:rPr lang="pl-PL" dirty="0" err="1" smtClean="0"/>
+              <a:t>konstruktory</a:t>
             </a:r>
             <a:r>
               <a:rPr lang="pl-PL" dirty="0" smtClean="0"/>
-              <a:t>)</a:t>
+              <a:t> dla wszystkich parametrów (wraz z wieloma ich odmianami). </a:t>
+            </a:r>
+          </a:p>
+          <a:p>
+            <a:pPr marL="0" indent="0">
+              <a:buNone/>
+            </a:pPr>
+            <a:r>
+              <a:rPr lang="pl-PL" dirty="0" smtClean="0"/>
+              <a:t>Możemy w takiej sytuacji utworzyć metody ustawiające te parametry. Ale staje się to z oczywistych względów nieczytelne. Następują ciągłe odwołania do tego samego obiektu.</a:t>
+            </a:r>
+          </a:p>
+          <a:p>
+            <a:pPr marL="0" indent="0">
+              <a:buNone/>
+            </a:pPr>
+            <a:r>
+              <a:rPr lang="pl-PL" dirty="0" smtClean="0"/>
+              <a:t>Builder rozwiązuje ten problem przez co kod staje się trochę ładniejszy i czytelniejszy.</a:t>
             </a:r>
             <a:endParaRPr lang="pl-PL" dirty="0"/>
           </a:p>
@@ -9529,7 +7717,7 @@
     </p:spTree>
     <p:extLst>
       <p:ext uri="{BB962C8B-B14F-4D97-AF65-F5344CB8AC3E}">
-        <p14:creationId xmlns:p14="http://schemas.microsoft.com/office/powerpoint/2010/main" val="290027761"/>
+        <p14:creationId xmlns:p14="http://schemas.microsoft.com/office/powerpoint/2010/main" val="2673803625"/>
       </p:ext>
     </p:extLst>
   </p:cSld>
@@ -9577,17 +7765,28 @@
             </a:r>
             <a:r>
               <a:rPr lang="pl-PL" dirty="0" smtClean="0"/>
-              <a:t>03 </a:t>
+              <a:t>02 </a:t>
             </a:r>
             <a:r>
               <a:rPr lang="pl-PL" dirty="0"/>
               <a:t>– </a:t>
             </a:r>
             <a:r>
+              <a:rPr lang="pl-PL" dirty="0" err="1"/>
+              <a:t>Fluent</a:t>
+            </a:r>
+            <a:r>
+              <a:rPr lang="pl-PL" dirty="0"/>
+              <a:t> Builder</a:t>
+            </a:r>
+            <a:r>
               <a:rPr lang="pl-PL" dirty="0" smtClean="0"/>
-              <a:t>Klasyczny Builder</a:t>
-            </a:r>
-            <a:endParaRPr lang="pl-PL" dirty="0"/>
+              <a:t> </a:t>
+            </a:r>
+            <a:r>
+              <a:rPr lang="pl-PL" dirty="0"/>
+              <a:t>(przykład)</a:t>
+            </a:r>
           </a:p>
         </p:txBody>
       </p:sp>
@@ -9610,20 +7809,28 @@
               <a:buNone/>
             </a:pPr>
             <a:r>
+              <a:rPr lang="pl-PL" dirty="0" smtClean="0"/>
+              <a:t>Przykład (</a:t>
+            </a:r>
+            <a:r>
+              <a:rPr lang="pl-PL" dirty="0" err="1"/>
+              <a:t>Fluent</a:t>
+            </a:r>
+            <a:r>
               <a:rPr lang="pl-PL" dirty="0"/>
-              <a:t>Budowniczy to wzorzec obiektowy. Jego celem jest rozdzielenie tworzenia obiektów od ich reprezentacji. Budowniczy zazwyczaj stosowany jest do konstrukcji obiektów złożonych z innych obiektów, których inicjalizacja i konfiguracja jest </a:t>
+              <a:t> </a:t>
             </a:r>
             <a:r>
               <a:rPr lang="pl-PL" dirty="0" smtClean="0"/>
-              <a:t>wieloetapowa. </a:t>
-            </a:r>
-            <a:r>
-              <a:rPr lang="pl-PL" dirty="0"/>
-              <a:t>Klient (programista korzystający z wzorca) dostaje obiekt stworzony przez budowniczego, gdy jest już gotowy i </a:t>
+              <a:t>Builder, wykorzystanie </a:t>
+            </a:r>
+            <a:r>
+              <a:rPr lang="pl-PL" dirty="0" err="1"/>
+              <a:t>Fluency</a:t>
             </a:r>
             <a:r>
               <a:rPr lang="pl-PL" dirty="0" smtClean="0"/>
-              <a:t>skonfigurowany. Nie obchodzi go jak tworzy się obiekt. Nie chce on podawać żadnych szczegółów dotyczących obiektu. Chce jedynie otrzymać wynik-obiekt.</a:t>
+              <a:t>)</a:t>
             </a:r>
             <a:endParaRPr lang="pl-PL" dirty="0"/>
           </a:p>
@@ -9632,7 +7839,7 @@
     </p:spTree>
     <p:extLst>
       <p:ext uri="{BB962C8B-B14F-4D97-AF65-F5344CB8AC3E}">
-        <p14:creationId xmlns:p14="http://schemas.microsoft.com/office/powerpoint/2010/main" val="4245724385"/>
+        <p14:creationId xmlns:p14="http://schemas.microsoft.com/office/powerpoint/2010/main" val="290027761"/>
       </p:ext>
     </p:extLst>
   </p:cSld>
@@ -9676,46 +7883,66 @@
           <a:p>
             <a:r>
               <a:rPr lang="pl-PL" dirty="0"/>
-              <a:t>Wzorce projektowe #03 – Klasyczny </a:t>
+              <a:t>Wzorce projektowe #</a:t>
             </a:r>
             <a:r>
               <a:rPr lang="pl-PL" dirty="0" smtClean="0"/>
-              <a:t>Builder (diagram)</a:t>
+              <a:t>03 </a:t>
+            </a:r>
+            <a:r>
+              <a:rPr lang="pl-PL" dirty="0"/>
+              <a:t>– </a:t>
+            </a:r>
+            <a:r>
+              <a:rPr lang="pl-PL" dirty="0" smtClean="0"/>
+              <a:t>Klasyczny Builder</a:t>
             </a:r>
             <a:endParaRPr lang="pl-PL" dirty="0"/>
           </a:p>
         </p:txBody>
       </p:sp>
-      <p:pic>
-        <p:nvPicPr>
-          <p:cNvPr id="4" name="Symbol zastępczy zawartości 3"/>
-          <p:cNvPicPr>
-            <a:picLocks noGrp="1" noChangeAspect="1"/>
-          </p:cNvPicPr>
+      <p:sp>
+        <p:nvSpPr>
+          <p:cNvPr id="3" name="Symbol zastępczy zawartości 2"/>
+          <p:cNvSpPr>
+            <a:spLocks noGrp="1"/>
+          </p:cNvSpPr>
           <p:nvPr>
             <p:ph idx="1"/>
           </p:nvPr>
-        </p:nvPicPr>
-        <p:blipFill>
-          <a:blip r:embed="rId2"/>
-          <a:stretch>
-            <a:fillRect/>
-          </a:stretch>
-        </p:blipFill>
-        <p:spPr>
-          <a:xfrm>
-            <a:off x="677863" y="2802583"/>
-            <a:ext cx="8596312" cy="2597446"/>
-          </a:xfrm>
-          <a:prstGeom prst="rect">
-            <a:avLst/>
-          </a:prstGeom>
-        </p:spPr>
-      </p:pic>
+        </p:nvSpPr>
+        <p:spPr/>
+        <p:txBody>
+          <a:bodyPr/>
+          <a:lstStyle/>
+          <a:p>
+            <a:pPr marL="0" indent="0">
+              <a:buNone/>
+            </a:pPr>
+            <a:r>
+              <a:rPr lang="pl-PL" dirty="0"/>
+              <a:t>Budowniczy to wzorzec obiektowy. Jego celem jest rozdzielenie tworzenia obiektów od ich reprezentacji. Budowniczy zazwyczaj stosowany jest do konstrukcji obiektów złożonych z innych obiektów, których inicjalizacja i konfiguracja jest </a:t>
+            </a:r>
+            <a:r>
+              <a:rPr lang="pl-PL" dirty="0" smtClean="0"/>
+              <a:t>wieloetapowa. </a:t>
+            </a:r>
+            <a:r>
+              <a:rPr lang="pl-PL" dirty="0"/>
+              <a:t>Klient (programista korzystający z wzorca) dostaje obiekt stworzony przez budowniczego, gdy jest już gotowy i </a:t>
+            </a:r>
+            <a:r>
+              <a:rPr lang="pl-PL" dirty="0" smtClean="0"/>
+              <a:t>skonfigurowany. Nie obchodzi go jak tworzy się obiekt. Nie chce on podawać żadnych szczegółów dotyczących obiektu. Chce jedynie otrzymać wynik-obiekt.</a:t>
+            </a:r>
+            <a:endParaRPr lang="pl-PL" dirty="0"/>
+          </a:p>
+        </p:txBody>
+      </p:sp>
     </p:spTree>
     <p:extLst>
       <p:ext uri="{BB962C8B-B14F-4D97-AF65-F5344CB8AC3E}">
-        <p14:creationId xmlns:p14="http://schemas.microsoft.com/office/powerpoint/2010/main" val="1642500361"/>
+        <p14:creationId xmlns:p14="http://schemas.microsoft.com/office/powerpoint/2010/main" val="4245724385"/>
       </p:ext>
     </p:extLst>
   </p:cSld>

--- a/Wzorce Projektowe.pptx
+++ b/Wzorce Projektowe.pptx
@@ -22,8 +22,10 @@
     <p:sldId id="267" r:id="rId16"/>
     <p:sldId id="268" r:id="rId17"/>
     <p:sldId id="269" r:id="rId18"/>
-    <p:sldId id="263" r:id="rId19"/>
-    <p:sldId id="264" r:id="rId20"/>
+    <p:sldId id="276" r:id="rId19"/>
+    <p:sldId id="275" r:id="rId20"/>
+    <p:sldId id="263" r:id="rId21"/>
+    <p:sldId id="264" r:id="rId22"/>
   </p:sldIdLst>
   <p:sldSz cx="12192000" cy="6858000"/>
   <p:notesSz cx="6858000" cy="9144000"/>
@@ -864,7 +866,7 @@
             <a:fld id="{B61BEF0D-F0BB-DE4B-95CE-6DB70DBA9567}" type="datetimeFigureOut">
               <a:rPr lang="en-US" dirty="0"/>
               <a:pPr/>
-              <a:t>1/28/2018</a:t>
+              <a:t>2/4/2018</a:t>
             </a:fld>
             <a:endParaRPr lang="en-US" dirty="0"/>
           </a:p>
@@ -1112,7 +1114,7 @@
             <a:fld id="{B61BEF0D-F0BB-DE4B-95CE-6DB70DBA9567}" type="datetimeFigureOut">
               <a:rPr lang="en-US" dirty="0"/>
               <a:pPr/>
-              <a:t>1/28/2018</a:t>
+              <a:t>2/4/2018</a:t>
             </a:fld>
             <a:endParaRPr lang="en-US" dirty="0"/>
           </a:p>
@@ -1423,7 +1425,7 @@
             <a:fld id="{B61BEF0D-F0BB-DE4B-95CE-6DB70DBA9567}" type="datetimeFigureOut">
               <a:rPr lang="en-US" dirty="0"/>
               <a:pPr/>
-              <a:t>1/28/2018</a:t>
+              <a:t>2/4/2018</a:t>
             </a:fld>
             <a:endParaRPr lang="en-US" dirty="0"/>
           </a:p>
@@ -1761,7 +1763,7 @@
             <a:fld id="{B61BEF0D-F0BB-DE4B-95CE-6DB70DBA9567}" type="datetimeFigureOut">
               <a:rPr lang="en-US" dirty="0"/>
               <a:pPr/>
-              <a:t>1/28/2018</a:t>
+              <a:t>2/4/2018</a:t>
             </a:fld>
             <a:endParaRPr lang="en-US" dirty="0"/>
           </a:p>
@@ -2072,7 +2074,7 @@
             <a:fld id="{B61BEF0D-F0BB-DE4B-95CE-6DB70DBA9567}" type="datetimeFigureOut">
               <a:rPr lang="en-US" dirty="0"/>
               <a:pPr/>
-              <a:t>1/28/2018</a:t>
+              <a:t>2/4/2018</a:t>
             </a:fld>
             <a:endParaRPr lang="en-US" dirty="0"/>
           </a:p>
@@ -2462,7 +2464,7 @@
             <a:fld id="{B61BEF0D-F0BB-DE4B-95CE-6DB70DBA9567}" type="datetimeFigureOut">
               <a:rPr lang="en-US" dirty="0"/>
               <a:pPr/>
-              <a:t>1/28/2018</a:t>
+              <a:t>2/4/2018</a:t>
             </a:fld>
             <a:endParaRPr lang="en-US" dirty="0"/>
           </a:p>
@@ -2628,7 +2630,7 @@
           <a:p>
             <a:fld id="{55C6B4A9-1611-4792-9094-5F34BCA07E0B}" type="datetimeFigureOut">
               <a:rPr lang="en-US" dirty="0"/>
-              <a:t>1/28/2018</a:t>
+              <a:t>2/4/2018</a:t>
             </a:fld>
             <a:endParaRPr lang="en-US" dirty="0"/>
           </a:p>
@@ -2804,7 +2806,7 @@
             <a:fld id="{B61BEF0D-F0BB-DE4B-95CE-6DB70DBA9567}" type="datetimeFigureOut">
               <a:rPr lang="en-US" dirty="0"/>
               <a:pPr/>
-              <a:t>1/28/2018</a:t>
+              <a:t>2/4/2018</a:t>
             </a:fld>
             <a:endParaRPr lang="en-US" dirty="0"/>
           </a:p>
@@ -2977,7 +2979,7 @@
             <a:fld id="{B61BEF0D-F0BB-DE4B-95CE-6DB70DBA9567}" type="datetimeFigureOut">
               <a:rPr lang="en-US" dirty="0"/>
               <a:pPr/>
-              <a:t>1/28/2018</a:t>
+              <a:t>2/4/2018</a:t>
             </a:fld>
             <a:endParaRPr lang="en-US" dirty="0"/>
           </a:p>
@@ -3221,7 +3223,7 @@
             <a:fld id="{B61BEF0D-F0BB-DE4B-95CE-6DB70DBA9567}" type="datetimeFigureOut">
               <a:rPr lang="en-US" dirty="0"/>
               <a:pPr/>
-              <a:t>1/28/2018</a:t>
+              <a:t>2/4/2018</a:t>
             </a:fld>
             <a:endParaRPr lang="en-US" dirty="0"/>
           </a:p>
@@ -3449,7 +3451,7 @@
           <a:p>
             <a:fld id="{EB712588-04B1-427B-82EE-E8DB90309F08}" type="datetimeFigureOut">
               <a:rPr lang="en-US" dirty="0"/>
-              <a:t>1/28/2018</a:t>
+              <a:t>2/4/2018</a:t>
             </a:fld>
             <a:endParaRPr lang="en-US" dirty="0"/>
           </a:p>
@@ -3819,7 +3821,7 @@
             <a:fld id="{B61BEF0D-F0BB-DE4B-95CE-6DB70DBA9567}" type="datetimeFigureOut">
               <a:rPr lang="en-US" dirty="0"/>
               <a:pPr/>
-              <a:t>1/28/2018</a:t>
+              <a:t>2/4/2018</a:t>
             </a:fld>
             <a:endParaRPr lang="en-US" dirty="0"/>
           </a:p>
@@ -3939,7 +3941,7 @@
             <a:fld id="{B61BEF0D-F0BB-DE4B-95CE-6DB70DBA9567}" type="datetimeFigureOut">
               <a:rPr lang="en-US" dirty="0"/>
               <a:pPr/>
-              <a:t>1/28/2018</a:t>
+              <a:t>2/4/2018</a:t>
             </a:fld>
             <a:endParaRPr lang="en-US" dirty="0"/>
           </a:p>
@@ -4031,7 +4033,7 @@
             <a:fld id="{B61BEF0D-F0BB-DE4B-95CE-6DB70DBA9567}" type="datetimeFigureOut">
               <a:rPr lang="en-US" dirty="0"/>
               <a:pPr/>
-              <a:t>1/28/2018</a:t>
+              <a:t>2/4/2018</a:t>
             </a:fld>
             <a:endParaRPr lang="en-US" dirty="0"/>
           </a:p>
@@ -4282,7 +4284,7 @@
           <a:p>
             <a:fld id="{42A54C80-263E-416B-A8E0-580EDEADCBDC}" type="datetimeFigureOut">
               <a:rPr lang="en-US" dirty="0"/>
-              <a:t>1/28/2018</a:t>
+              <a:t>2/4/2018</a:t>
             </a:fld>
             <a:endParaRPr lang="en-US" dirty="0"/>
           </a:p>
@@ -4541,7 +4543,7 @@
             <a:fld id="{B61BEF0D-F0BB-DE4B-95CE-6DB70DBA9567}" type="datetimeFigureOut">
               <a:rPr lang="en-US" dirty="0"/>
               <a:pPr/>
-              <a:t>1/28/2018</a:t>
+              <a:t>2/4/2018</a:t>
             </a:fld>
             <a:endParaRPr lang="en-US" dirty="0"/>
           </a:p>
@@ -5281,7 +5283,7 @@
             <a:fld id="{B61BEF0D-F0BB-DE4B-95CE-6DB70DBA9567}" type="datetimeFigureOut">
               <a:rPr lang="en-US" dirty="0"/>
               <a:pPr/>
-              <a:t>1/28/2018</a:t>
+              <a:t>2/4/2018</a:t>
             </a:fld>
             <a:endParaRPr lang="en-US" dirty="0"/>
           </a:p>
@@ -5857,6 +5859,13 @@
   <p:clrMapOvr>
     <a:masterClrMapping/>
   </p:clrMapOvr>
+  <p:timing>
+    <p:tnLst>
+      <p:par>
+        <p:cTn id="1" dur="indefinite" restart="never" nodeType="tmRoot"/>
+      </p:par>
+    </p:tnLst>
+  </p:timing>
 </p:sld>
 </file>
 
@@ -5940,6 +5949,13 @@
   <p:clrMapOvr>
     <a:masterClrMapping/>
   </p:clrMapOvr>
+  <p:timing>
+    <p:tnLst>
+      <p:par>
+        <p:cTn id="1" dur="indefinite" restart="never" nodeType="tmRoot"/>
+      </p:par>
+    </p:tnLst>
+  </p:timing>
 </p:sld>
 </file>
 
@@ -6033,6 +6049,13 @@
   <p:clrMapOvr>
     <a:masterClrMapping/>
   </p:clrMapOvr>
+  <p:timing>
+    <p:tnLst>
+      <p:par>
+        <p:cTn id="1" dur="indefinite" restart="never" nodeType="tmRoot"/>
+      </p:par>
+    </p:tnLst>
+  </p:timing>
 </p:sld>
 </file>
 
@@ -6153,6 +6176,13 @@
   <p:clrMapOvr>
     <a:masterClrMapping/>
   </p:clrMapOvr>
+  <p:timing>
+    <p:tnLst>
+      <p:par>
+        <p:cTn id="1" dur="indefinite" restart="never" nodeType="tmRoot"/>
+      </p:par>
+    </p:tnLst>
+  </p:timing>
 </p:sld>
 </file>
 
@@ -6236,6 +6266,13 @@
   <p:clrMapOvr>
     <a:masterClrMapping/>
   </p:clrMapOvr>
+  <p:timing>
+    <p:tnLst>
+      <p:par>
+        <p:cTn id="1" dur="indefinite" restart="never" nodeType="tmRoot"/>
+      </p:par>
+    </p:tnLst>
+  </p:timing>
 </p:sld>
 </file>
 
@@ -6337,6 +6374,13 @@
   <p:clrMapOvr>
     <a:masterClrMapping/>
   </p:clrMapOvr>
+  <p:timing>
+    <p:tnLst>
+      <p:par>
+        <p:cTn id="1" dur="indefinite" restart="never" nodeType="tmRoot"/>
+      </p:par>
+    </p:tnLst>
+  </p:timing>
 </p:sld>
 </file>
 
@@ -6450,6 +6494,13 @@
   <p:clrMapOvr>
     <a:masterClrMapping/>
   </p:clrMapOvr>
+  <p:timing>
+    <p:tnLst>
+      <p:par>
+        <p:cTn id="1" dur="indefinite" restart="never" nodeType="tmRoot"/>
+      </p:par>
+    </p:tnLst>
+  </p:timing>
 </p:sld>
 </file>
 
@@ -6537,6 +6588,13 @@
   <p:clrMapOvr>
     <a:masterClrMapping/>
   </p:clrMapOvr>
+  <p:timing>
+    <p:tnLst>
+      <p:par>
+        <p:cTn id="1" dur="indefinite" restart="never" nodeType="tmRoot"/>
+      </p:par>
+    </p:tnLst>
+  </p:timing>
 </p:sld>
 </file>
 
@@ -6640,6 +6698,13 @@
   <p:clrMapOvr>
     <a:masterClrMapping/>
   </p:clrMapOvr>
+  <p:timing>
+    <p:tnLst>
+      <p:par>
+        <p:cTn id="1" dur="indefinite" restart="never" nodeType="tmRoot"/>
+      </p:par>
+    </p:tnLst>
+  </p:timing>
 </p:sld>
 </file>
 
@@ -6677,6 +6742,367 @@
           <a:p>
             <a:r>
               <a:rPr lang="pl-PL" dirty="0"/>
+              <a:t>Wzorce projektowe #06 – </a:t>
+            </a:r>
+            <a:r>
+              <a:rPr lang="pl-PL" dirty="0" smtClean="0"/>
+              <a:t>Fasada</a:t>
+            </a:r>
+            <a:endParaRPr lang="pl-PL" dirty="0"/>
+          </a:p>
+        </p:txBody>
+      </p:sp>
+      <p:sp>
+        <p:nvSpPr>
+          <p:cNvPr id="3" name="Symbol zastępczy zawartości 2"/>
+          <p:cNvSpPr>
+            <a:spLocks noGrp="1"/>
+          </p:cNvSpPr>
+          <p:nvPr>
+            <p:ph idx="1"/>
+          </p:nvPr>
+        </p:nvSpPr>
+        <p:spPr/>
+        <p:txBody>
+          <a:bodyPr/>
+          <a:lstStyle/>
+          <a:p>
+            <a:pPr marL="0" indent="0">
+              <a:buNone/>
+            </a:pPr>
+            <a:r>
+              <a:rPr lang="pl-PL" dirty="0" smtClean="0"/>
+              <a:t>„Wzorzec </a:t>
+            </a:r>
+            <a:r>
+              <a:rPr lang="pl-PL" dirty="0"/>
+              <a:t>projektowy Fasada jest wykorzystywany w przypadku, gdy chcemy zapewnić prosty i konkretny interfejs dla grupy obiektów, które mają złożony i ogólny interfejs</a:t>
+            </a:r>
+            <a:r>
+              <a:rPr lang="pl-PL" dirty="0" smtClean="0"/>
+              <a:t>.”</a:t>
+            </a:r>
+          </a:p>
+          <a:p>
+            <a:pPr marL="0" indent="0">
+              <a:buNone/>
+            </a:pPr>
+            <a:r>
+              <a:rPr lang="pl-PL" sz="1200" dirty="0" smtClean="0"/>
+              <a:t>											Źródło: </a:t>
+            </a:r>
+            <a:r>
+              <a:rPr lang="pl-PL" sz="1200" dirty="0"/>
+              <a:t>Zwinne wytwarzanie oprogramowania. </a:t>
+            </a:r>
+            <a:r>
+              <a:rPr lang="pl-PL" sz="1200" dirty="0" smtClean="0"/>
+              <a:t>												  Najlepsze </a:t>
+            </a:r>
+            <a:r>
+              <a:rPr lang="pl-PL" sz="1200" dirty="0"/>
+              <a:t>zasady, wzorce i </a:t>
+            </a:r>
+            <a:r>
+              <a:rPr lang="pl-PL" sz="1200" dirty="0" smtClean="0"/>
+              <a:t>praktyki</a:t>
+            </a:r>
+          </a:p>
+          <a:p>
+            <a:pPr marL="0" indent="0">
+              <a:buNone/>
+            </a:pPr>
+            <a:endParaRPr lang="pl-PL" dirty="0" smtClean="0"/>
+          </a:p>
+          <a:p>
+            <a:pPr marL="0" indent="0">
+              <a:buNone/>
+            </a:pPr>
+            <a:r>
+              <a:rPr lang="pl-PL" dirty="0" smtClean="0"/>
+              <a:t>Wyobraźmy sobie budynek. Idąc ulicą widzimy tylko jak wygląda na zewnątrz. Nie wiemy ile dany budynek ma pokoi czy łazienek. Możemy opisać jego wygląd wyłącznie z zewnątrz. Natomiast wnętrze pozostaje dla nas zagadką.</a:t>
+            </a:r>
+            <a:endParaRPr lang="pl-PL" dirty="0"/>
+          </a:p>
+        </p:txBody>
+      </p:sp>
+    </p:spTree>
+    <p:extLst>
+      <p:ext uri="{BB962C8B-B14F-4D97-AF65-F5344CB8AC3E}">
+        <p14:creationId xmlns:p14="http://schemas.microsoft.com/office/powerpoint/2010/main" val="1784011934"/>
+      </p:ext>
+    </p:extLst>
+  </p:cSld>
+  <p:clrMapOvr>
+    <a:masterClrMapping/>
+  </p:clrMapOvr>
+</p:sld>
+</file>
+
+<file path=ppt/slides/slide19.xml><?xml version="1.0" encoding="utf-8"?>
+<p:sld xmlns:a="http://schemas.openxmlformats.org/drawingml/2006/main" xmlns:r="http://schemas.openxmlformats.org/officeDocument/2006/relationships" xmlns:p="http://schemas.openxmlformats.org/presentationml/2006/main">
+  <p:cSld>
+    <p:spTree>
+      <p:nvGrpSpPr>
+        <p:cNvPr id="1" name=""/>
+        <p:cNvGrpSpPr/>
+        <p:nvPr/>
+      </p:nvGrpSpPr>
+      <p:grpSpPr>
+        <a:xfrm>
+          <a:off x="0" y="0"/>
+          <a:ext cx="0" cy="0"/>
+          <a:chOff x="0" y="0"/>
+          <a:chExt cx="0" cy="0"/>
+        </a:xfrm>
+      </p:grpSpPr>
+      <p:sp>
+        <p:nvSpPr>
+          <p:cNvPr id="2" name="Tytuł 1"/>
+          <p:cNvSpPr>
+            <a:spLocks noGrp="1"/>
+          </p:cNvSpPr>
+          <p:nvPr>
+            <p:ph type="title"/>
+          </p:nvPr>
+        </p:nvSpPr>
+        <p:spPr/>
+        <p:txBody>
+          <a:bodyPr/>
+          <a:lstStyle/>
+          <a:p>
+            <a:r>
+              <a:rPr lang="pl-PL" dirty="0"/>
+              <a:t>Wzorce projektowe #</a:t>
+            </a:r>
+            <a:r>
+              <a:rPr lang="pl-PL" dirty="0" smtClean="0"/>
+              <a:t>06 </a:t>
+            </a:r>
+            <a:r>
+              <a:rPr lang="pl-PL" dirty="0"/>
+              <a:t>– </a:t>
+            </a:r>
+            <a:r>
+              <a:rPr lang="pl-PL" dirty="0" smtClean="0"/>
+              <a:t>Fasada(przykład</a:t>
+            </a:r>
+            <a:r>
+              <a:rPr lang="pl-PL" dirty="0"/>
+              <a:t>)</a:t>
+            </a:r>
+          </a:p>
+        </p:txBody>
+      </p:sp>
+      <p:sp>
+        <p:nvSpPr>
+          <p:cNvPr id="3" name="Symbol zastępczy zawartości 2"/>
+          <p:cNvSpPr>
+            <a:spLocks noGrp="1"/>
+          </p:cNvSpPr>
+          <p:nvPr>
+            <p:ph idx="1"/>
+          </p:nvPr>
+        </p:nvSpPr>
+        <p:spPr/>
+        <p:txBody>
+          <a:bodyPr/>
+          <a:lstStyle/>
+          <a:p>
+            <a:pPr marL="0" indent="0">
+              <a:buNone/>
+            </a:pPr>
+            <a:r>
+              <a:rPr lang="pl-PL" dirty="0"/>
+              <a:t>Przykład </a:t>
+            </a:r>
+            <a:r>
+              <a:rPr lang="pl-PL" b="1" dirty="0" smtClean="0"/>
+              <a:t>(</a:t>
+            </a:r>
+            <a:r>
+              <a:rPr lang="pl-PL" dirty="0" err="1" smtClean="0"/>
+              <a:t>Facade</a:t>
+            </a:r>
+            <a:r>
+              <a:rPr lang="pl-PL" b="1" dirty="0" smtClean="0"/>
+              <a:t>)</a:t>
+            </a:r>
+            <a:endParaRPr lang="pl-PL" b="1" dirty="0"/>
+          </a:p>
+        </p:txBody>
+      </p:sp>
+    </p:spTree>
+    <p:extLst>
+      <p:ext uri="{BB962C8B-B14F-4D97-AF65-F5344CB8AC3E}">
+        <p14:creationId xmlns:p14="http://schemas.microsoft.com/office/powerpoint/2010/main" val="2671722567"/>
+      </p:ext>
+    </p:extLst>
+  </p:cSld>
+  <p:clrMapOvr>
+    <a:masterClrMapping/>
+  </p:clrMapOvr>
+</p:sld>
+</file>
+
+<file path=ppt/slides/slide2.xml><?xml version="1.0" encoding="utf-8"?>
+<p:sld xmlns:a="http://schemas.openxmlformats.org/drawingml/2006/main" xmlns:r="http://schemas.openxmlformats.org/officeDocument/2006/relationships" xmlns:p="http://schemas.openxmlformats.org/presentationml/2006/main">
+  <p:cSld>
+    <p:spTree>
+      <p:nvGrpSpPr>
+        <p:cNvPr id="1" name=""/>
+        <p:cNvGrpSpPr/>
+        <p:nvPr/>
+      </p:nvGrpSpPr>
+      <p:grpSpPr>
+        <a:xfrm>
+          <a:off x="0" y="0"/>
+          <a:ext cx="0" cy="0"/>
+          <a:chOff x="0" y="0"/>
+          <a:chExt cx="0" cy="0"/>
+        </a:xfrm>
+      </p:grpSpPr>
+      <p:sp>
+        <p:nvSpPr>
+          <p:cNvPr id="2" name="Tytuł 1"/>
+          <p:cNvSpPr>
+            <a:spLocks noGrp="1"/>
+          </p:cNvSpPr>
+          <p:nvPr>
+            <p:ph type="title"/>
+          </p:nvPr>
+        </p:nvSpPr>
+        <p:spPr/>
+        <p:txBody>
+          <a:bodyPr/>
+          <a:lstStyle/>
+          <a:p>
+            <a:r>
+              <a:rPr lang="pl-PL" dirty="0" smtClean="0"/>
+              <a:t>Do czego służą wzorce projektowe</a:t>
+            </a:r>
+            <a:endParaRPr lang="pl-PL" dirty="0"/>
+          </a:p>
+        </p:txBody>
+      </p:sp>
+      <p:sp>
+        <p:nvSpPr>
+          <p:cNvPr id="3" name="Symbol zastępczy zawartości 2"/>
+          <p:cNvSpPr>
+            <a:spLocks noGrp="1"/>
+          </p:cNvSpPr>
+          <p:nvPr>
+            <p:ph idx="1"/>
+          </p:nvPr>
+        </p:nvSpPr>
+        <p:spPr/>
+        <p:txBody>
+          <a:bodyPr/>
+          <a:lstStyle/>
+          <a:p>
+            <a:pPr marL="0" indent="0">
+              <a:buNone/>
+            </a:pPr>
+            <a:r>
+              <a:rPr lang="pl-PL" dirty="0"/>
+              <a:t>Wzorzec projektowy (ang. design </a:t>
+            </a:r>
+            <a:r>
+              <a:rPr lang="pl-PL" dirty="0" err="1"/>
+              <a:t>pattern</a:t>
+            </a:r>
+            <a:r>
+              <a:rPr lang="pl-PL" dirty="0"/>
+              <a:t>) – uniwersalne, sprawdzone w praktyce rozwiązanie często pojawiających się, powtarzalnych problemów projektowych. Pokazuje powiązania i zależności pomiędzy klasami oraz obiektami i ułatwia tworzenie, modyfikację oraz pielęgnację kodu źródłowego. Jest opisem rozwiązania, a nie jego implementacją. Wzorce projektowe stosowane są w projektach wykorzystujących programowanie obiektowe</a:t>
+            </a:r>
+            <a:r>
+              <a:rPr lang="pl-PL" dirty="0" smtClean="0"/>
+              <a:t>.</a:t>
+            </a:r>
+          </a:p>
+          <a:p>
+            <a:pPr marL="0" indent="0">
+              <a:buNone/>
+            </a:pPr>
+            <a:r>
+              <a:rPr lang="pl-PL" dirty="0"/>
+              <a:t>	</a:t>
+            </a:r>
+            <a:r>
+              <a:rPr lang="pl-PL" dirty="0" smtClean="0"/>
+              <a:t>												</a:t>
+            </a:r>
+          </a:p>
+          <a:p>
+            <a:pPr marL="0" indent="0">
+              <a:buNone/>
+            </a:pPr>
+            <a:r>
+              <a:rPr lang="pl-PL" dirty="0"/>
+              <a:t>	</a:t>
+            </a:r>
+            <a:r>
+              <a:rPr lang="pl-PL" dirty="0" smtClean="0"/>
+              <a:t>												Źródło: Wikipedia</a:t>
+            </a:r>
+            <a:endParaRPr lang="pl-PL" dirty="0"/>
+          </a:p>
+        </p:txBody>
+      </p:sp>
+    </p:spTree>
+    <p:extLst>
+      <p:ext uri="{BB962C8B-B14F-4D97-AF65-F5344CB8AC3E}">
+        <p14:creationId xmlns:p14="http://schemas.microsoft.com/office/powerpoint/2010/main" val="222878700"/>
+      </p:ext>
+    </p:extLst>
+  </p:cSld>
+  <p:clrMapOvr>
+    <a:masterClrMapping/>
+  </p:clrMapOvr>
+  <p:timing>
+    <p:tnLst>
+      <p:par>
+        <p:cTn id="1" dur="indefinite" restart="never" nodeType="tmRoot"/>
+      </p:par>
+    </p:tnLst>
+  </p:timing>
+</p:sld>
+</file>
+
+<file path=ppt/slides/slide20.xml><?xml version="1.0" encoding="utf-8"?>
+<p:sld xmlns:a="http://schemas.openxmlformats.org/drawingml/2006/main" xmlns:r="http://schemas.openxmlformats.org/officeDocument/2006/relationships" xmlns:p="http://schemas.openxmlformats.org/presentationml/2006/main">
+  <p:cSld>
+    <p:spTree>
+      <p:nvGrpSpPr>
+        <p:cNvPr id="1" name=""/>
+        <p:cNvGrpSpPr/>
+        <p:nvPr/>
+      </p:nvGrpSpPr>
+      <p:grpSpPr>
+        <a:xfrm>
+          <a:off x="0" y="0"/>
+          <a:ext cx="0" cy="0"/>
+          <a:chOff x="0" y="0"/>
+          <a:chExt cx="0" cy="0"/>
+        </a:xfrm>
+      </p:grpSpPr>
+      <p:sp>
+        <p:nvSpPr>
+          <p:cNvPr id="2" name="Tytuł 1"/>
+          <p:cNvSpPr>
+            <a:spLocks noGrp="1"/>
+          </p:cNvSpPr>
+          <p:nvPr>
+            <p:ph type="title"/>
+          </p:nvPr>
+        </p:nvSpPr>
+        <p:spPr/>
+        <p:txBody>
+          <a:bodyPr/>
+          <a:lstStyle/>
+          <a:p>
+            <a:r>
+              <a:rPr lang="pl-PL" dirty="0"/>
               <a:t>Wzorce projektowe ### – </a:t>
             </a:r>
             <a:r>
@@ -6695,28 +7121,32 @@
           </a:p>
         </p:txBody>
       </p:sp>
-      <p:sp>
-        <p:nvSpPr>
-          <p:cNvPr id="3" name="Symbol zastępczy zawartości 2"/>
-          <p:cNvSpPr>
-            <a:spLocks noGrp="1"/>
-          </p:cNvSpPr>
+      <p:pic>
+        <p:nvPicPr>
+          <p:cNvPr id="4" name="Symbol zastępczy zawartości 3"/>
+          <p:cNvPicPr>
+            <a:picLocks noGrp="1" noChangeAspect="1"/>
+          </p:cNvPicPr>
           <p:nvPr>
             <p:ph idx="1"/>
           </p:nvPr>
-        </p:nvSpPr>
-        <p:spPr/>
-        <p:txBody>
-          <a:bodyPr/>
-          <a:lstStyle/>
-          <a:p>
-            <a:pPr marL="0" indent="0">
-              <a:buNone/>
-            </a:pPr>
-            <a:endParaRPr lang="pl-PL" dirty="0"/>
-          </a:p>
-        </p:txBody>
-      </p:sp>
+        </p:nvPicPr>
+        <p:blipFill>
+          <a:blip r:embed="rId2"/>
+          <a:stretch>
+            <a:fillRect/>
+          </a:stretch>
+        </p:blipFill>
+        <p:spPr>
+          <a:xfrm>
+            <a:off x="677333" y="1752764"/>
+            <a:ext cx="7619491" cy="5105236"/>
+          </a:xfrm>
+          <a:prstGeom prst="rect">
+            <a:avLst/>
+          </a:prstGeom>
+        </p:spPr>
+      </p:pic>
     </p:spTree>
     <p:extLst>
       <p:ext uri="{BB962C8B-B14F-4D97-AF65-F5344CB8AC3E}">
@@ -6727,10 +7157,17 @@
   <p:clrMapOvr>
     <a:masterClrMapping/>
   </p:clrMapOvr>
+  <p:timing>
+    <p:tnLst>
+      <p:par>
+        <p:cTn id="1" dur="indefinite" restart="never" nodeType="tmRoot"/>
+      </p:par>
+    </p:tnLst>
+  </p:timing>
 </p:sld>
 </file>
 
-<file path=ppt/slides/slide19.xml><?xml version="1.0" encoding="utf-8"?>
+<file path=ppt/slides/slide21.xml><?xml version="1.0" encoding="utf-8"?>
 <p:sld xmlns:a="http://schemas.openxmlformats.org/drawingml/2006/main" xmlns:r="http://schemas.openxmlformats.org/officeDocument/2006/relationships" xmlns:p="http://schemas.openxmlformats.org/presentationml/2006/main">
   <p:cSld>
     <p:spTree>
@@ -6847,123 +7284,13 @@
   <p:clrMapOvr>
     <a:masterClrMapping/>
   </p:clrMapOvr>
-</p:sld>
-</file>
-
-<file path=ppt/slides/slide2.xml><?xml version="1.0" encoding="utf-8"?>
-<p:sld xmlns:a="http://schemas.openxmlformats.org/drawingml/2006/main" xmlns:r="http://schemas.openxmlformats.org/officeDocument/2006/relationships" xmlns:p="http://schemas.openxmlformats.org/presentationml/2006/main">
-  <p:cSld>
-    <p:spTree>
-      <p:nvGrpSpPr>
-        <p:cNvPr id="1" name=""/>
-        <p:cNvGrpSpPr/>
-        <p:nvPr/>
-      </p:nvGrpSpPr>
-      <p:grpSpPr>
-        <a:xfrm>
-          <a:off x="0" y="0"/>
-          <a:ext cx="0" cy="0"/>
-          <a:chOff x="0" y="0"/>
-          <a:chExt cx="0" cy="0"/>
-        </a:xfrm>
-      </p:grpSpPr>
-      <p:sp>
-        <p:nvSpPr>
-          <p:cNvPr id="2" name="Tytuł 1"/>
-          <p:cNvSpPr>
-            <a:spLocks noGrp="1"/>
-          </p:cNvSpPr>
-          <p:nvPr>
-            <p:ph type="title"/>
-          </p:nvPr>
-        </p:nvSpPr>
-        <p:spPr/>
-        <p:txBody>
-          <a:bodyPr/>
-          <a:lstStyle/>
-          <a:p>
-            <a:r>
-              <a:rPr lang="pl-PL" dirty="0" smtClean="0"/>
-              <a:t>Do czego służą wzorce projektowe</a:t>
-            </a:r>
-            <a:endParaRPr lang="pl-PL" dirty="0"/>
-          </a:p>
-        </p:txBody>
-      </p:sp>
-      <p:sp>
-        <p:nvSpPr>
-          <p:cNvPr id="3" name="Symbol zastępczy zawartości 2"/>
-          <p:cNvSpPr>
-            <a:spLocks noGrp="1"/>
-          </p:cNvSpPr>
-          <p:nvPr>
-            <p:ph idx="1"/>
-          </p:nvPr>
-        </p:nvSpPr>
-        <p:spPr/>
-        <p:txBody>
-          <a:bodyPr/>
-          <a:lstStyle/>
-          <a:p>
-            <a:pPr marL="0" indent="0">
-              <a:buNone/>
-            </a:pPr>
-            <a:r>
-              <a:rPr lang="pl-PL" dirty="0"/>
-              <a:t>Wzorzec projektowy (ang. design </a:t>
-            </a:r>
-            <a:r>
-              <a:rPr lang="pl-PL" dirty="0" err="1"/>
-              <a:t>pattern</a:t>
-            </a:r>
-            <a:r>
-              <a:rPr lang="pl-PL" dirty="0"/>
-              <a:t>) – uniwersalne, sprawdzone w praktyce rozwiązanie często pojawiających się, powtarzalnych problemów projektowych. Pokazuje powiązania i zależności pomiędzy klasami oraz obiektami i ułatwia tworzenie, modyfikację oraz pielęgnację kodu źródłowego. Jest opisem rozwiązania, a nie jego implementacją. Wzorce projektowe stosowane są w projektach wykorzystujących programowanie obiektowe</a:t>
-            </a:r>
-            <a:r>
-              <a:rPr lang="pl-PL" dirty="0" smtClean="0"/>
-              <a:t>.</a:t>
-            </a:r>
-          </a:p>
-          <a:p>
-            <a:pPr marL="0" indent="0">
-              <a:buNone/>
-            </a:pPr>
-            <a:r>
-              <a:rPr lang="pl-PL" dirty="0"/>
-              <a:t>	</a:t>
-            </a:r>
-            <a:r>
-              <a:rPr lang="pl-PL" dirty="0" smtClean="0"/>
-              <a:t>												</a:t>
-            </a:r>
-          </a:p>
-          <a:p>
-            <a:pPr marL="0" indent="0">
-              <a:buNone/>
-            </a:pPr>
-            <a:r>
-              <a:rPr lang="pl-PL" dirty="0"/>
-              <a:t>	</a:t>
-            </a:r>
-            <a:r>
-              <a:rPr lang="pl-PL" dirty="0" smtClean="0"/>
-              <a:t>												Źródło: Wikipedia</a:t>
-            </a:r>
-            <a:endParaRPr lang="pl-PL" dirty="0"/>
-          </a:p>
-        </p:txBody>
-      </p:sp>
-    </p:spTree>
-    <p:extLst>
-      <p:ext uri="{BB962C8B-B14F-4D97-AF65-F5344CB8AC3E}">
-        <p14:creationId xmlns:p14="http://schemas.microsoft.com/office/powerpoint/2010/main" val="222878700"/>
-      </p:ext>
-    </p:extLst>
-  </p:cSld>
-  <p:clrMapOvr>
-    <a:masterClrMapping/>
-  </p:clrMapOvr>
+  <p:timing>
+    <p:tnLst>
+      <p:par>
+        <p:cTn id="1" dur="indefinite" restart="never" nodeType="tmRoot"/>
+      </p:par>
+    </p:tnLst>
+  </p:timing>
 </p:sld>
 </file>
 
@@ -7144,6 +7471,13 @@
   <p:clrMapOvr>
     <a:masterClrMapping/>
   </p:clrMapOvr>
+  <p:timing>
+    <p:tnLst>
+      <p:par>
+        <p:cTn id="1" dur="indefinite" restart="never" nodeType="tmRoot"/>
+      </p:par>
+    </p:tnLst>
+  </p:timing>
 </p:sld>
 </file>
 
@@ -7311,6 +7645,13 @@
   <p:clrMapOvr>
     <a:masterClrMapping/>
   </p:clrMapOvr>
+  <p:timing>
+    <p:tnLst>
+      <p:par>
+        <p:cTn id="1" dur="indefinite" restart="never" nodeType="tmRoot"/>
+      </p:par>
+    </p:tnLst>
+  </p:timing>
 </p:sld>
 </file>
 
@@ -7438,6 +7779,13 @@
   <p:clrMapOvr>
     <a:masterClrMapping/>
   </p:clrMapOvr>
+  <p:timing>
+    <p:tnLst>
+      <p:par>
+        <p:cTn id="1" dur="indefinite" restart="never" nodeType="tmRoot"/>
+      </p:par>
+    </p:tnLst>
+  </p:timing>
 </p:sld>
 </file>
 
@@ -7479,11 +7827,7 @@
             </a:r>
             <a:r>
               <a:rPr lang="pl-PL" dirty="0" smtClean="0"/>
-              <a:t>– </a:t>
-            </a:r>
-            <a:r>
-              <a:rPr lang="pl-PL" dirty="0" smtClean="0"/>
-              <a:t>Singleton i </a:t>
+              <a:t>– Singleton i </a:t>
             </a:r>
             <a:r>
               <a:rPr lang="pl-PL" dirty="0" err="1"/>
@@ -7495,11 +7839,7 @@
             </a:r>
             <a:r>
               <a:rPr lang="pl-PL" dirty="0" smtClean="0"/>
-              <a:t>(</a:t>
-            </a:r>
-            <a:r>
-              <a:rPr lang="pl-PL" dirty="0" smtClean="0"/>
-              <a:t>przykład)</a:t>
+              <a:t>(przykład)</a:t>
             </a:r>
             <a:endParaRPr lang="pl-PL" dirty="0"/>
           </a:p>
@@ -7588,6 +7928,13 @@
   <p:clrMapOvr>
     <a:masterClrMapping/>
   </p:clrMapOvr>
+  <p:timing>
+    <p:tnLst>
+      <p:par>
+        <p:cTn id="1" dur="indefinite" restart="never" nodeType="tmRoot"/>
+      </p:par>
+    </p:tnLst>
+  </p:timing>
 </p:sld>
 </file>
 
@@ -7724,6 +8071,13 @@
   <p:clrMapOvr>
     <a:masterClrMapping/>
   </p:clrMapOvr>
+  <p:timing>
+    <p:tnLst>
+      <p:par>
+        <p:cTn id="1" dur="indefinite" restart="never" nodeType="tmRoot"/>
+      </p:par>
+    </p:tnLst>
+  </p:timing>
 </p:sld>
 </file>
 
@@ -7846,6 +8200,13 @@
   <p:clrMapOvr>
     <a:masterClrMapping/>
   </p:clrMapOvr>
+  <p:timing>
+    <p:tnLst>
+      <p:par>
+        <p:cTn id="1" dur="indefinite" restart="never" nodeType="tmRoot"/>
+      </p:par>
+    </p:tnLst>
+  </p:timing>
 </p:sld>
 </file>
 
@@ -7949,6 +8310,13 @@
   <p:clrMapOvr>
     <a:masterClrMapping/>
   </p:clrMapOvr>
+  <p:timing>
+    <p:tnLst>
+      <p:par>
+        <p:cTn id="1" dur="indefinite" restart="never" nodeType="tmRoot"/>
+      </p:par>
+    </p:tnLst>
+  </p:timing>
 </p:sld>
 </file>
 

--- a/Wzorce Projektowe.pptx
+++ b/Wzorce Projektowe.pptx
@@ -26,6 +26,8 @@
     <p:sldId id="275" r:id="rId20"/>
     <p:sldId id="263" r:id="rId21"/>
     <p:sldId id="264" r:id="rId22"/>
+    <p:sldId id="277" r:id="rId23"/>
+    <p:sldId id="278" r:id="rId24"/>
   </p:sldIdLst>
   <p:sldSz cx="12192000" cy="6858000"/>
   <p:notesSz cx="6858000" cy="9144000"/>
@@ -866,7 +868,7 @@
             <a:fld id="{B61BEF0D-F0BB-DE4B-95CE-6DB70DBA9567}" type="datetimeFigureOut">
               <a:rPr lang="en-US" dirty="0"/>
               <a:pPr/>
-              <a:t>2/4/2018</a:t>
+              <a:t>3/3/2018</a:t>
             </a:fld>
             <a:endParaRPr lang="en-US" dirty="0"/>
           </a:p>
@@ -1114,7 +1116,7 @@
             <a:fld id="{B61BEF0D-F0BB-DE4B-95CE-6DB70DBA9567}" type="datetimeFigureOut">
               <a:rPr lang="en-US" dirty="0"/>
               <a:pPr/>
-              <a:t>2/4/2018</a:t>
+              <a:t>3/3/2018</a:t>
             </a:fld>
             <a:endParaRPr lang="en-US" dirty="0"/>
           </a:p>
@@ -1425,7 +1427,7 @@
             <a:fld id="{B61BEF0D-F0BB-DE4B-95CE-6DB70DBA9567}" type="datetimeFigureOut">
               <a:rPr lang="en-US" dirty="0"/>
               <a:pPr/>
-              <a:t>2/4/2018</a:t>
+              <a:t>3/3/2018</a:t>
             </a:fld>
             <a:endParaRPr lang="en-US" dirty="0"/>
           </a:p>
@@ -1763,7 +1765,7 @@
             <a:fld id="{B61BEF0D-F0BB-DE4B-95CE-6DB70DBA9567}" type="datetimeFigureOut">
               <a:rPr lang="en-US" dirty="0"/>
               <a:pPr/>
-              <a:t>2/4/2018</a:t>
+              <a:t>3/3/2018</a:t>
             </a:fld>
             <a:endParaRPr lang="en-US" dirty="0"/>
           </a:p>
@@ -2074,7 +2076,7 @@
             <a:fld id="{B61BEF0D-F0BB-DE4B-95CE-6DB70DBA9567}" type="datetimeFigureOut">
               <a:rPr lang="en-US" dirty="0"/>
               <a:pPr/>
-              <a:t>2/4/2018</a:t>
+              <a:t>3/3/2018</a:t>
             </a:fld>
             <a:endParaRPr lang="en-US" dirty="0"/>
           </a:p>
@@ -2464,7 +2466,7 @@
             <a:fld id="{B61BEF0D-F0BB-DE4B-95CE-6DB70DBA9567}" type="datetimeFigureOut">
               <a:rPr lang="en-US" dirty="0"/>
               <a:pPr/>
-              <a:t>2/4/2018</a:t>
+              <a:t>3/3/2018</a:t>
             </a:fld>
             <a:endParaRPr lang="en-US" dirty="0"/>
           </a:p>
@@ -2630,7 +2632,7 @@
           <a:p>
             <a:fld id="{55C6B4A9-1611-4792-9094-5F34BCA07E0B}" type="datetimeFigureOut">
               <a:rPr lang="en-US" dirty="0"/>
-              <a:t>2/4/2018</a:t>
+              <a:t>3/3/2018</a:t>
             </a:fld>
             <a:endParaRPr lang="en-US" dirty="0"/>
           </a:p>
@@ -2806,7 +2808,7 @@
             <a:fld id="{B61BEF0D-F0BB-DE4B-95CE-6DB70DBA9567}" type="datetimeFigureOut">
               <a:rPr lang="en-US" dirty="0"/>
               <a:pPr/>
-              <a:t>2/4/2018</a:t>
+              <a:t>3/3/2018</a:t>
             </a:fld>
             <a:endParaRPr lang="en-US" dirty="0"/>
           </a:p>
@@ -2979,7 +2981,7 @@
             <a:fld id="{B61BEF0D-F0BB-DE4B-95CE-6DB70DBA9567}" type="datetimeFigureOut">
               <a:rPr lang="en-US" dirty="0"/>
               <a:pPr/>
-              <a:t>2/4/2018</a:t>
+              <a:t>3/3/2018</a:t>
             </a:fld>
             <a:endParaRPr lang="en-US" dirty="0"/>
           </a:p>
@@ -3223,7 +3225,7 @@
             <a:fld id="{B61BEF0D-F0BB-DE4B-95CE-6DB70DBA9567}" type="datetimeFigureOut">
               <a:rPr lang="en-US" dirty="0"/>
               <a:pPr/>
-              <a:t>2/4/2018</a:t>
+              <a:t>3/3/2018</a:t>
             </a:fld>
             <a:endParaRPr lang="en-US" dirty="0"/>
           </a:p>
@@ -3451,7 +3453,7 @@
           <a:p>
             <a:fld id="{EB712588-04B1-427B-82EE-E8DB90309F08}" type="datetimeFigureOut">
               <a:rPr lang="en-US" dirty="0"/>
-              <a:t>2/4/2018</a:t>
+              <a:t>3/3/2018</a:t>
             </a:fld>
             <a:endParaRPr lang="en-US" dirty="0"/>
           </a:p>
@@ -3821,7 +3823,7 @@
             <a:fld id="{B61BEF0D-F0BB-DE4B-95CE-6DB70DBA9567}" type="datetimeFigureOut">
               <a:rPr lang="en-US" dirty="0"/>
               <a:pPr/>
-              <a:t>2/4/2018</a:t>
+              <a:t>3/3/2018</a:t>
             </a:fld>
             <a:endParaRPr lang="en-US" dirty="0"/>
           </a:p>
@@ -3941,7 +3943,7 @@
             <a:fld id="{B61BEF0D-F0BB-DE4B-95CE-6DB70DBA9567}" type="datetimeFigureOut">
               <a:rPr lang="en-US" dirty="0"/>
               <a:pPr/>
-              <a:t>2/4/2018</a:t>
+              <a:t>3/3/2018</a:t>
             </a:fld>
             <a:endParaRPr lang="en-US" dirty="0"/>
           </a:p>
@@ -4033,7 +4035,7 @@
             <a:fld id="{B61BEF0D-F0BB-DE4B-95CE-6DB70DBA9567}" type="datetimeFigureOut">
               <a:rPr lang="en-US" dirty="0"/>
               <a:pPr/>
-              <a:t>2/4/2018</a:t>
+              <a:t>3/3/2018</a:t>
             </a:fld>
             <a:endParaRPr lang="en-US" dirty="0"/>
           </a:p>
@@ -4284,7 +4286,7 @@
           <a:p>
             <a:fld id="{42A54C80-263E-416B-A8E0-580EDEADCBDC}" type="datetimeFigureOut">
               <a:rPr lang="en-US" dirty="0"/>
-              <a:t>2/4/2018</a:t>
+              <a:t>3/3/2018</a:t>
             </a:fld>
             <a:endParaRPr lang="en-US" dirty="0"/>
           </a:p>
@@ -4543,7 +4545,7 @@
             <a:fld id="{B61BEF0D-F0BB-DE4B-95CE-6DB70DBA9567}" type="datetimeFigureOut">
               <a:rPr lang="en-US" dirty="0"/>
               <a:pPr/>
-              <a:t>2/4/2018</a:t>
+              <a:t>3/3/2018</a:t>
             </a:fld>
             <a:endParaRPr lang="en-US" dirty="0"/>
           </a:p>
@@ -5283,7 +5285,7 @@
             <a:fld id="{B61BEF0D-F0BB-DE4B-95CE-6DB70DBA9567}" type="datetimeFigureOut">
               <a:rPr lang="en-US" dirty="0"/>
               <a:pPr/>
-              <a:t>2/4/2018</a:t>
+              <a:t>3/3/2018</a:t>
             </a:fld>
             <a:endParaRPr lang="en-US" dirty="0"/>
           </a:p>
@@ -7294,6 +7296,271 @@
 </p:sld>
 </file>
 
+<file path=ppt/slides/slide22.xml><?xml version="1.0" encoding="utf-8"?>
+<p:sld xmlns:a="http://schemas.openxmlformats.org/drawingml/2006/main" xmlns:r="http://schemas.openxmlformats.org/officeDocument/2006/relationships" xmlns:p="http://schemas.openxmlformats.org/presentationml/2006/main">
+  <p:cSld>
+    <p:spTree>
+      <p:nvGrpSpPr>
+        <p:cNvPr id="1" name=""/>
+        <p:cNvGrpSpPr/>
+        <p:nvPr/>
+      </p:nvGrpSpPr>
+      <p:grpSpPr>
+        <a:xfrm>
+          <a:off x="0" y="0"/>
+          <a:ext cx="0" cy="0"/>
+          <a:chOff x="0" y="0"/>
+          <a:chExt cx="0" cy="0"/>
+        </a:xfrm>
+      </p:grpSpPr>
+      <p:sp>
+        <p:nvSpPr>
+          <p:cNvPr id="2" name="Tytuł 1"/>
+          <p:cNvSpPr>
+            <a:spLocks noGrp="1"/>
+          </p:cNvSpPr>
+          <p:nvPr>
+            <p:ph type="title"/>
+          </p:nvPr>
+        </p:nvSpPr>
+        <p:spPr/>
+        <p:txBody>
+          <a:bodyPr/>
+          <a:lstStyle/>
+          <a:p>
+            <a:r>
+              <a:rPr lang="pl-PL" dirty="0"/>
+              <a:t>Wzorce projektowe #</a:t>
+            </a:r>
+            <a:r>
+              <a:rPr lang="pl-PL" dirty="0" smtClean="0"/>
+              <a:t>07 </a:t>
+            </a:r>
+            <a:r>
+              <a:rPr lang="pl-PL" dirty="0"/>
+              <a:t>– </a:t>
+            </a:r>
+            <a:r>
+              <a:rPr lang="pl-PL" dirty="0" smtClean="0"/>
+              <a:t>Obserwator</a:t>
+            </a:r>
+            <a:endParaRPr lang="pl-PL" dirty="0"/>
+          </a:p>
+        </p:txBody>
+      </p:sp>
+      <p:sp>
+        <p:nvSpPr>
+          <p:cNvPr id="3" name="Symbol zastępczy zawartości 2"/>
+          <p:cNvSpPr>
+            <a:spLocks noGrp="1"/>
+          </p:cNvSpPr>
+          <p:nvPr>
+            <p:ph idx="1"/>
+          </p:nvPr>
+        </p:nvSpPr>
+        <p:spPr/>
+        <p:txBody>
+          <a:bodyPr/>
+          <a:lstStyle/>
+          <a:p>
+            <a:pPr marL="0" indent="0">
+              <a:buNone/>
+            </a:pPr>
+            <a:r>
+              <a:rPr lang="pl-PL" dirty="0" smtClean="0"/>
+              <a:t>Wzorzec </a:t>
+            </a:r>
+            <a:r>
+              <a:rPr lang="pl-PL" dirty="0"/>
+              <a:t>projektowy należący do grupy wzorców czynnościowych. Używany jest do powiadamiania zainteresowanych obiektów o zmianie stanu pewnego innego obiektu</a:t>
+            </a:r>
+            <a:r>
+              <a:rPr lang="pl-PL" dirty="0" smtClean="0"/>
+              <a:t>.</a:t>
+            </a:r>
+          </a:p>
+          <a:p>
+            <a:pPr marL="0" indent="0">
+              <a:buNone/>
+            </a:pPr>
+            <a:r>
+              <a:rPr lang="pl-PL" dirty="0" smtClean="0"/>
+              <a:t>W skład wzorca wchodzą dwa interfejsy:</a:t>
+            </a:r>
+          </a:p>
+          <a:p>
+            <a:r>
+              <a:rPr lang="pl-PL" dirty="0" smtClean="0"/>
+              <a:t>Obserwatora</a:t>
+            </a:r>
+          </a:p>
+          <a:p>
+            <a:r>
+              <a:rPr lang="pl-PL" dirty="0" smtClean="0"/>
+              <a:t>Obserwującego</a:t>
+            </a:r>
+          </a:p>
+          <a:p>
+            <a:pPr marL="0" indent="0">
+              <a:buNone/>
+            </a:pPr>
+            <a:r>
+              <a:rPr lang="pl-PL" dirty="0" smtClean="0"/>
+              <a:t>Interfejs </a:t>
+            </a:r>
+            <a:r>
+              <a:rPr lang="pl-PL" dirty="0"/>
+              <a:t>o</a:t>
+            </a:r>
+            <a:r>
+              <a:rPr lang="pl-PL" dirty="0" smtClean="0"/>
+              <a:t>bserwowanego powinien posiadać takie metody jak </a:t>
+            </a:r>
+            <a:r>
+              <a:rPr lang="pl-PL" dirty="0" err="1"/>
+              <a:t>A</a:t>
+            </a:r>
+            <a:r>
+              <a:rPr lang="pl-PL" dirty="0" err="1" smtClean="0"/>
+              <a:t>dd</a:t>
+            </a:r>
+            <a:r>
+              <a:rPr lang="pl-PL" dirty="0" smtClean="0"/>
+              <a:t>(), </a:t>
+            </a:r>
+            <a:r>
+              <a:rPr lang="pl-PL" dirty="0" err="1" smtClean="0"/>
+              <a:t>Remove</a:t>
+            </a:r>
+            <a:r>
+              <a:rPr lang="pl-PL" dirty="0" smtClean="0"/>
+              <a:t>() i </a:t>
+            </a:r>
+            <a:r>
+              <a:rPr lang="pl-PL" dirty="0" err="1" smtClean="0"/>
+              <a:t>Notify</a:t>
+            </a:r>
+            <a:r>
+              <a:rPr lang="pl-PL" dirty="0" smtClean="0"/>
+              <a:t>().</a:t>
+            </a:r>
+          </a:p>
+          <a:p>
+            <a:pPr marL="0" indent="0">
+              <a:buNone/>
+            </a:pPr>
+            <a:r>
+              <a:rPr lang="pl-PL" dirty="0" smtClean="0"/>
+              <a:t>Interfejs obserwującego natomiast musi posiadać minimum jedną metodę nazwaną Update(). Metoda ta może posiadać argumenty lecz nie musi.</a:t>
+            </a:r>
+            <a:endParaRPr lang="pl-PL" dirty="0"/>
+          </a:p>
+        </p:txBody>
+      </p:sp>
+    </p:spTree>
+    <p:extLst>
+      <p:ext uri="{BB962C8B-B14F-4D97-AF65-F5344CB8AC3E}">
+        <p14:creationId xmlns:p14="http://schemas.microsoft.com/office/powerpoint/2010/main" val="4011601483"/>
+      </p:ext>
+    </p:extLst>
+  </p:cSld>
+  <p:clrMapOvr>
+    <a:masterClrMapping/>
+  </p:clrMapOvr>
+</p:sld>
+</file>
+
+<file path=ppt/slides/slide23.xml><?xml version="1.0" encoding="utf-8"?>
+<p:sld xmlns:a="http://schemas.openxmlformats.org/drawingml/2006/main" xmlns:r="http://schemas.openxmlformats.org/officeDocument/2006/relationships" xmlns:p="http://schemas.openxmlformats.org/presentationml/2006/main">
+  <p:cSld>
+    <p:spTree>
+      <p:nvGrpSpPr>
+        <p:cNvPr id="1" name=""/>
+        <p:cNvGrpSpPr/>
+        <p:nvPr/>
+      </p:nvGrpSpPr>
+      <p:grpSpPr>
+        <a:xfrm>
+          <a:off x="0" y="0"/>
+          <a:ext cx="0" cy="0"/>
+          <a:chOff x="0" y="0"/>
+          <a:chExt cx="0" cy="0"/>
+        </a:xfrm>
+      </p:grpSpPr>
+      <p:sp>
+        <p:nvSpPr>
+          <p:cNvPr id="2" name="Tytuł 1"/>
+          <p:cNvSpPr>
+            <a:spLocks noGrp="1"/>
+          </p:cNvSpPr>
+          <p:nvPr>
+            <p:ph type="title"/>
+          </p:nvPr>
+        </p:nvSpPr>
+        <p:spPr/>
+        <p:txBody>
+          <a:bodyPr/>
+          <a:lstStyle/>
+          <a:p>
+            <a:r>
+              <a:rPr lang="pl-PL" dirty="0"/>
+              <a:t>Wzorce projektowe #07 – </a:t>
+            </a:r>
+            <a:r>
+              <a:rPr lang="pl-PL" dirty="0" smtClean="0"/>
+              <a:t>Obserwator (przykład)</a:t>
+            </a:r>
+            <a:endParaRPr lang="pl-PL" dirty="0"/>
+          </a:p>
+        </p:txBody>
+      </p:sp>
+      <p:sp>
+        <p:nvSpPr>
+          <p:cNvPr id="3" name="Symbol zastępczy zawartości 2"/>
+          <p:cNvSpPr>
+            <a:spLocks noGrp="1"/>
+          </p:cNvSpPr>
+          <p:nvPr>
+            <p:ph idx="1"/>
+          </p:nvPr>
+        </p:nvSpPr>
+        <p:spPr/>
+        <p:txBody>
+          <a:bodyPr/>
+          <a:lstStyle/>
+          <a:p>
+            <a:pPr marL="0" indent="0">
+              <a:buNone/>
+            </a:pPr>
+            <a:r>
+              <a:rPr lang="pl-PL" dirty="0"/>
+              <a:t>Przykład (</a:t>
+            </a:r>
+            <a:r>
+              <a:rPr lang="pl-PL" dirty="0" err="1" smtClean="0"/>
+              <a:t>Observer</a:t>
+            </a:r>
+            <a:r>
+              <a:rPr lang="pl-PL" dirty="0" smtClean="0"/>
+              <a:t>)</a:t>
+            </a:r>
+            <a:endParaRPr lang="pl-PL" dirty="0"/>
+          </a:p>
+        </p:txBody>
+      </p:sp>
+    </p:spTree>
+    <p:extLst>
+      <p:ext uri="{BB962C8B-B14F-4D97-AF65-F5344CB8AC3E}">
+        <p14:creationId xmlns:p14="http://schemas.microsoft.com/office/powerpoint/2010/main" val="1069907830"/>
+      </p:ext>
+    </p:extLst>
+  </p:cSld>
+  <p:clrMapOvr>
+    <a:masterClrMapping/>
+  </p:clrMapOvr>
+</p:sld>
+</file>
+
 <file path=ppt/slides/slide3.xml><?xml version="1.0" encoding="utf-8"?>
 <p:sld xmlns:a="http://schemas.openxmlformats.org/drawingml/2006/main" xmlns:r="http://schemas.openxmlformats.org/officeDocument/2006/relationships" xmlns:p="http://schemas.openxmlformats.org/presentationml/2006/main">
   <p:cSld>

--- a/Wzorce Projektowe.pptx
+++ b/Wzorce Projektowe.pptx
@@ -5844,8 +5844,12 @@
           <a:lstStyle/>
           <a:p>
             <a:r>
-              <a:rPr lang="pl-PL" dirty="0" smtClean="0"/>
-              <a:t>Adam Świątek</a:t>
+              <a:rPr lang="pl-PL" smtClean="0"/>
+              <a:t>Adam </a:t>
+            </a:r>
+            <a:r>
+              <a:rPr lang="pl-PL" smtClean="0"/>
+              <a:t>Świątek </a:t>
             </a:r>
             <a:endParaRPr lang="pl-PL" dirty="0"/>
           </a:p>
